--- a/slides3.pptx
+++ b/slides3.pptx
@@ -5,19 +5,22 @@
     <p:sldMasterId id="2147483648" r:id="rId1"/>
   </p:sldMasterIdLst>
   <p:notesMasterIdLst>
-    <p:notesMasterId r:id="rId12"/>
+    <p:notesMasterId r:id="rId15"/>
   </p:notesMasterIdLst>
   <p:sldIdLst>
     <p:sldId id="271" r:id="rId2"/>
     <p:sldId id="276" r:id="rId3"/>
-    <p:sldId id="277" r:id="rId4"/>
-    <p:sldId id="278" r:id="rId5"/>
-    <p:sldId id="282" r:id="rId6"/>
-    <p:sldId id="273" r:id="rId7"/>
-    <p:sldId id="274" r:id="rId8"/>
-    <p:sldId id="279" r:id="rId9"/>
-    <p:sldId id="280" r:id="rId10"/>
-    <p:sldId id="281" r:id="rId11"/>
+    <p:sldId id="283" r:id="rId4"/>
+    <p:sldId id="277" r:id="rId5"/>
+    <p:sldId id="278" r:id="rId6"/>
+    <p:sldId id="284" r:id="rId7"/>
+    <p:sldId id="285" r:id="rId8"/>
+    <p:sldId id="282" r:id="rId9"/>
+    <p:sldId id="273" r:id="rId10"/>
+    <p:sldId id="286" r:id="rId11"/>
+    <p:sldId id="280" r:id="rId12"/>
+    <p:sldId id="281" r:id="rId13"/>
+    <p:sldId id="287" r:id="rId14"/>
   </p:sldIdLst>
   <p:sldSz cx="12192000" cy="6858000"/>
   <p:notesSz cx="6858000" cy="9144000"/>
@@ -206,7 +209,7 @@
           <a:p>
             <a:fld id="{51EF012E-01B7-4BA4-8313-638E854A2AE5}" type="datetimeFigureOut">
               <a:rPr lang="he-IL" smtClean="0"/>
-              <a:t>ו'/אב/תשפ"ה</a:t>
+              <a:t>ז'/אב/תשפ"ה</a:t>
             </a:fld>
             <a:endParaRPr lang="he-IL"/>
           </a:p>
@@ -474,6 +477,261 @@
 </p:notesMaster>
 </file>
 
+<file path=ppt/notesSlides/notesSlide1.xml><?xml version="1.0" encoding="utf-8"?>
+<p:notes xmlns:a="http://schemas.openxmlformats.org/drawingml/2006/main" xmlns:r="http://schemas.openxmlformats.org/officeDocument/2006/relationships" xmlns:p="http://schemas.openxmlformats.org/presentationml/2006/main">
+  <p:cSld>
+    <p:spTree>
+      <p:nvGrpSpPr>
+        <p:cNvPr id="1" name=""/>
+        <p:cNvGrpSpPr/>
+        <p:nvPr/>
+      </p:nvGrpSpPr>
+      <p:grpSpPr>
+        <a:xfrm>
+          <a:off x="0" y="0"/>
+          <a:ext cx="0" cy="0"/>
+          <a:chOff x="0" y="0"/>
+          <a:chExt cx="0" cy="0"/>
+        </a:xfrm>
+      </p:grpSpPr>
+      <p:sp>
+        <p:nvSpPr>
+          <p:cNvPr id="2" name="Slide Image Placeholder 1"/>
+          <p:cNvSpPr>
+            <a:spLocks noGrp="1" noRot="1" noChangeAspect="1"/>
+          </p:cNvSpPr>
+          <p:nvPr>
+            <p:ph type="sldImg"/>
+          </p:nvPr>
+        </p:nvSpPr>
+        <p:spPr/>
+      </p:sp>
+      <p:sp>
+        <p:nvSpPr>
+          <p:cNvPr id="3" name="Notes Placeholder 2"/>
+          <p:cNvSpPr>
+            <a:spLocks noGrp="1"/>
+          </p:cNvSpPr>
+          <p:nvPr>
+            <p:ph type="body" idx="1"/>
+          </p:nvPr>
+        </p:nvSpPr>
+        <p:spPr/>
+        <p:txBody>
+          <a:bodyPr/>
+          <a:lstStyle/>
+          <a:p>
+            <a:pPr algn="r" rtl="1"/>
+            <a:r>
+              <a:rPr lang="he-IL" dirty="0"/>
+              <a:t>אין אי וודאות ב</a:t>
+            </a:r>
+            <a:r>
+              <a:rPr lang="en-US" dirty="0"/>
+              <a:t>X</a:t>
+            </a:r>
+            <a:endParaRPr lang="he-IL" dirty="0"/>
+          </a:p>
+          <a:p>
+            <a:pPr algn="r" rtl="1"/>
+            <a:r>
+              <a:rPr lang="he-IL" dirty="0"/>
+              <a:t>אי וודאות ב-</a:t>
+            </a:r>
+            <a:r>
+              <a:rPr lang="en-US" dirty="0"/>
+              <a:t>Y</a:t>
+            </a:r>
+            <a:r>
+              <a:rPr lang="he-IL" dirty="0"/>
+              <a:t> קבועה! לא משתנה מנקודה לנקודה</a:t>
+            </a:r>
+          </a:p>
+          <a:p>
+            <a:endParaRPr lang="ru-RU" dirty="0"/>
+          </a:p>
+        </p:txBody>
+      </p:sp>
+      <p:sp>
+        <p:nvSpPr>
+          <p:cNvPr id="4" name="Slide Number Placeholder 3"/>
+          <p:cNvSpPr>
+            <a:spLocks noGrp="1"/>
+          </p:cNvSpPr>
+          <p:nvPr>
+            <p:ph type="sldNum" sz="quarter" idx="5"/>
+          </p:nvPr>
+        </p:nvSpPr>
+        <p:spPr/>
+        <p:txBody>
+          <a:bodyPr/>
+          <a:lstStyle/>
+          <a:p>
+            <a:fld id="{6E941FE1-24E3-44D6-A7AB-44791E971AE0}" type="slidenum">
+              <a:rPr lang="he-IL" smtClean="0"/>
+              <a:t>2</a:t>
+            </a:fld>
+            <a:endParaRPr lang="he-IL"/>
+          </a:p>
+        </p:txBody>
+      </p:sp>
+    </p:spTree>
+    <p:extLst>
+      <p:ext uri="{BB962C8B-B14F-4D97-AF65-F5344CB8AC3E}">
+        <p14:creationId xmlns:p14="http://schemas.microsoft.com/office/powerpoint/2010/main" val="1975956409"/>
+      </p:ext>
+    </p:extLst>
+  </p:cSld>
+  <p:clrMapOvr>
+    <a:masterClrMapping/>
+  </p:clrMapOvr>
+</p:notes>
+</file>
+
+<file path=ppt/notesSlides/notesSlide2.xml><?xml version="1.0" encoding="utf-8"?>
+<p:notes xmlns:a="http://schemas.openxmlformats.org/drawingml/2006/main" xmlns:r="http://schemas.openxmlformats.org/officeDocument/2006/relationships" xmlns:p="http://schemas.openxmlformats.org/presentationml/2006/main">
+  <p:cSld>
+    <p:spTree>
+      <p:nvGrpSpPr>
+        <p:cNvPr id="1" name=""/>
+        <p:cNvGrpSpPr/>
+        <p:nvPr/>
+      </p:nvGrpSpPr>
+      <p:grpSpPr>
+        <a:xfrm>
+          <a:off x="0" y="0"/>
+          <a:ext cx="0" cy="0"/>
+          <a:chOff x="0" y="0"/>
+          <a:chExt cx="0" cy="0"/>
+        </a:xfrm>
+      </p:grpSpPr>
+      <p:sp>
+        <p:nvSpPr>
+          <p:cNvPr id="2" name="Slide Image Placeholder 1"/>
+          <p:cNvSpPr>
+            <a:spLocks noGrp="1" noRot="1" noChangeAspect="1"/>
+          </p:cNvSpPr>
+          <p:nvPr>
+            <p:ph type="sldImg"/>
+          </p:nvPr>
+        </p:nvSpPr>
+        <p:spPr/>
+      </p:sp>
+      <p:sp>
+        <p:nvSpPr>
+          <p:cNvPr id="3" name="Notes Placeholder 2"/>
+          <p:cNvSpPr>
+            <a:spLocks noGrp="1"/>
+          </p:cNvSpPr>
+          <p:nvPr>
+            <p:ph type="body" idx="1"/>
+          </p:nvPr>
+        </p:nvSpPr>
+        <p:spPr/>
+        <p:txBody>
+          <a:bodyPr/>
+          <a:lstStyle/>
+          <a:p>
+            <a:pPr algn="r" rtl="1"/>
+            <a:r>
+              <a:rPr lang="he-IL" dirty="0"/>
+              <a:t>רגרסיה לינארית  כלי פשוט, יפה, אמין וומומלץ.</a:t>
+            </a:r>
+          </a:p>
+          <a:p>
+            <a:pPr algn="r" rtl="1"/>
+            <a:r>
+              <a:rPr lang="he-IL" dirty="0"/>
+              <a:t>אבל צריך להיות בוודאות תוך כדי שימוש בה כי יש לה הנחות והגבלות.</a:t>
+            </a:r>
+          </a:p>
+          <a:p>
+            <a:pPr algn="r" rtl="1"/>
+            <a:r>
+              <a:rPr lang="he-IL" dirty="0"/>
+              <a:t>ההנחה היא שהשגיאה ב-</a:t>
+            </a:r>
+            <a:r>
+              <a:rPr lang="en-US" dirty="0"/>
+              <a:t>Y</a:t>
+            </a:r>
+            <a:r>
+              <a:rPr lang="he-IL" dirty="0"/>
+              <a:t> לא משתנה מנוקודה לנקודה, וגם שאין שגיאה ב-</a:t>
+            </a:r>
+            <a:r>
+              <a:rPr lang="en-US" dirty="0"/>
+              <a:t>X</a:t>
+            </a:r>
+            <a:r>
+              <a:rPr lang="he-IL" dirty="0"/>
+              <a:t>. </a:t>
+            </a:r>
+          </a:p>
+          <a:p>
+            <a:pPr algn="r" rtl="1"/>
+            <a:endParaRPr lang="he-IL" dirty="0"/>
+          </a:p>
+          <a:p>
+            <a:pPr algn="r" rtl="1"/>
+            <a:r>
+              <a:rPr lang="he-IL" dirty="0"/>
+              <a:t>ההגבלה שלא תמיד אפשרי לבצע לינאריזציה, ומוכרך לעבור לכלים אחרים לא-לינאריים. </a:t>
+            </a:r>
+          </a:p>
+          <a:p>
+            <a:pPr algn="r" rtl="1"/>
+            <a:r>
+              <a:rPr lang="he-IL" dirty="0"/>
+              <a:t>ההתהמה לא-לינארית היא כלי איטרטיבי, היא דורשת יותר זמן לחישוב, ועלול לתת תשובה רחוקה מציפיות.</a:t>
+            </a:r>
+          </a:p>
+          <a:p>
+            <a:pPr algn="r" rtl="1"/>
+            <a:endParaRPr lang="he-IL" dirty="0"/>
+          </a:p>
+          <a:p>
+            <a:pPr algn="r" rtl="1"/>
+            <a:endParaRPr lang="ru-RU" dirty="0"/>
+          </a:p>
+        </p:txBody>
+      </p:sp>
+      <p:sp>
+        <p:nvSpPr>
+          <p:cNvPr id="4" name="Slide Number Placeholder 3"/>
+          <p:cNvSpPr>
+            <a:spLocks noGrp="1"/>
+          </p:cNvSpPr>
+          <p:nvPr>
+            <p:ph type="sldNum" sz="quarter" idx="5"/>
+          </p:nvPr>
+        </p:nvSpPr>
+        <p:spPr/>
+        <p:txBody>
+          <a:bodyPr/>
+          <a:lstStyle/>
+          <a:p>
+            <a:fld id="{6E941FE1-24E3-44D6-A7AB-44791E971AE0}" type="slidenum">
+              <a:rPr lang="he-IL" smtClean="0"/>
+              <a:t>13</a:t>
+            </a:fld>
+            <a:endParaRPr lang="he-IL"/>
+          </a:p>
+        </p:txBody>
+      </p:sp>
+    </p:spTree>
+    <p:extLst>
+      <p:ext uri="{BB962C8B-B14F-4D97-AF65-F5344CB8AC3E}">
+        <p14:creationId xmlns:p14="http://schemas.microsoft.com/office/powerpoint/2010/main" val="1898217286"/>
+      </p:ext>
+    </p:extLst>
+  </p:cSld>
+  <p:clrMapOvr>
+    <a:masterClrMapping/>
+  </p:clrMapOvr>
+</p:notes>
+</file>
+
 <file path=ppt/slideLayouts/slideLayout1.xml><?xml version="1.0" encoding="utf-8"?>
 <p:sldLayout xmlns:a="http://schemas.openxmlformats.org/drawingml/2006/main" xmlns:r="http://schemas.openxmlformats.org/officeDocument/2006/relationships" xmlns:p="http://schemas.openxmlformats.org/presentationml/2006/main" type="title" preserve="1">
   <p:cSld name="Title Slide">
@@ -623,7 +881,7 @@
           <a:p>
             <a:fld id="{5A65B266-99E8-40C4-82C1-8EEF5B958589}" type="datetime8">
               <a:rPr lang="he-IL" smtClean="0"/>
-              <a:t>31 יולי 25</a:t>
+              <a:t>01 אוגוסט 25</a:t>
             </a:fld>
             <a:endParaRPr lang="he-IL"/>
           </a:p>
@@ -823,7 +1081,7 @@
           <a:p>
             <a:fld id="{A3E438AD-1B3F-4717-B534-EC593A023400}" type="datetime8">
               <a:rPr lang="he-IL" smtClean="0"/>
-              <a:t>31 יולי 25</a:t>
+              <a:t>01 אוגוסט 25</a:t>
             </a:fld>
             <a:endParaRPr lang="he-IL"/>
           </a:p>
@@ -1033,7 +1291,7 @@
           <a:p>
             <a:fld id="{F2EFCEB6-C1AE-40CA-A9DE-FC2748270423}" type="datetime8">
               <a:rPr lang="he-IL" smtClean="0"/>
-              <a:t>31 יולי 25</a:t>
+              <a:t>01 אוגוסט 25</a:t>
             </a:fld>
             <a:endParaRPr lang="he-IL"/>
           </a:p>
@@ -1233,7 +1491,7 @@
           <a:p>
             <a:fld id="{E62D761F-5BF0-429F-92DD-37E5C39E3B71}" type="datetime8">
               <a:rPr lang="he-IL" smtClean="0"/>
-              <a:t>31 יולי 25</a:t>
+              <a:t>01 אוגוסט 25</a:t>
             </a:fld>
             <a:endParaRPr lang="he-IL"/>
           </a:p>
@@ -1509,7 +1767,7 @@
           <a:p>
             <a:fld id="{C8BABE69-AF4A-47F3-BF81-8E299B597966}" type="datetime8">
               <a:rPr lang="he-IL" smtClean="0"/>
-              <a:t>31 יולי 25</a:t>
+              <a:t>01 אוגוסט 25</a:t>
             </a:fld>
             <a:endParaRPr lang="he-IL"/>
           </a:p>
@@ -1777,7 +2035,7 @@
           <a:p>
             <a:fld id="{7DADBC9E-339C-4834-886E-D2DD630EE08D}" type="datetime8">
               <a:rPr lang="he-IL" smtClean="0"/>
-              <a:t>31 יולי 25</a:t>
+              <a:t>01 אוגוסט 25</a:t>
             </a:fld>
             <a:endParaRPr lang="he-IL"/>
           </a:p>
@@ -2192,7 +2450,7 @@
           <a:p>
             <a:fld id="{576C7171-4D5D-418F-B13A-F2E7914D8881}" type="datetime8">
               <a:rPr lang="he-IL" smtClean="0"/>
-              <a:t>31 יולי 25</a:t>
+              <a:t>01 אוגוסט 25</a:t>
             </a:fld>
             <a:endParaRPr lang="he-IL"/>
           </a:p>
@@ -2334,7 +2592,7 @@
           <a:p>
             <a:fld id="{B8593D32-9FF8-4607-8317-E049FBC543A7}" type="datetime8">
               <a:rPr lang="he-IL" smtClean="0"/>
-              <a:t>31 יולי 25</a:t>
+              <a:t>01 אוגוסט 25</a:t>
             </a:fld>
             <a:endParaRPr lang="he-IL"/>
           </a:p>
@@ -2447,7 +2705,7 @@
           <a:p>
             <a:fld id="{34440BD4-6661-4491-8CC8-9BDA31781346}" type="datetime8">
               <a:rPr lang="he-IL" smtClean="0"/>
-              <a:t>31 יולי 25</a:t>
+              <a:t>01 אוגוסט 25</a:t>
             </a:fld>
             <a:endParaRPr lang="he-IL"/>
           </a:p>
@@ -2760,7 +3018,7 @@
           <a:p>
             <a:fld id="{5E0CB808-4409-4137-B029-0CD5879BF914}" type="datetime8">
               <a:rPr lang="he-IL" smtClean="0"/>
-              <a:t>31 יולי 25</a:t>
+              <a:t>01 אוגוסט 25</a:t>
             </a:fld>
             <a:endParaRPr lang="he-IL"/>
           </a:p>
@@ -3049,7 +3307,7 @@
           <a:p>
             <a:fld id="{DF2C78B8-194A-4F8E-BB31-8F8AE0C5E245}" type="datetime8">
               <a:rPr lang="he-IL" smtClean="0"/>
-              <a:t>31 יולי 25</a:t>
+              <a:t>01 אוגוסט 25</a:t>
             </a:fld>
             <a:endParaRPr lang="he-IL"/>
           </a:p>
@@ -3292,7 +3550,7 @@
           <a:p>
             <a:fld id="{6D6E90AE-B598-4C6A-B306-E0DD72A75DB8}" type="datetime8">
               <a:rPr lang="he-IL" smtClean="0"/>
-              <a:t>31 יולי 25</a:t>
+              <a:t>01 אוגוסט 25</a:t>
             </a:fld>
             <a:endParaRPr lang="he-IL"/>
           </a:p>
@@ -3726,7 +3984,12 @@
             <p:ph type="ctrTitle"/>
           </p:nvPr>
         </p:nvSpPr>
-        <p:spPr/>
+        <p:spPr>
+          <a:xfrm>
+            <a:off x="1524000" y="2198891"/>
+            <a:ext cx="9144000" cy="1941850"/>
+          </a:xfrm>
+        </p:spPr>
         <p:txBody>
           <a:bodyPr>
             <a:normAutofit/>
@@ -3755,10 +4018,10 @@
       </p:sp>
       <p:sp>
         <p:nvSpPr>
-          <p:cNvPr id="6" name="Subtitle 5">
-            <a:extLst>
-              <a:ext uri="{FF2B5EF4-FFF2-40B4-BE49-F238E27FC236}">
-                <a16:creationId xmlns:a16="http://schemas.microsoft.com/office/drawing/2014/main" id="{830E72FE-7621-4DAC-9FF4-826B3C3942F7}"/>
+          <p:cNvPr id="7" name="Slide Number Placeholder 6">
+            <a:extLst>
+              <a:ext uri="{FF2B5EF4-FFF2-40B4-BE49-F238E27FC236}">
+                <a16:creationId xmlns:a16="http://schemas.microsoft.com/office/drawing/2014/main" id="{D41334B0-9B20-4483-80F0-BF1F6A13EB00}"/>
               </a:ext>
             </a:extLst>
           </p:cNvPr>
@@ -3766,35 +4029,15 @@
             <a:spLocks noGrp="1"/>
           </p:cNvSpPr>
           <p:nvPr>
-            <p:ph type="subTitle" idx="1"/>
-          </p:nvPr>
-        </p:nvSpPr>
-        <p:spPr/>
-        <p:txBody>
-          <a:bodyPr/>
-          <a:lstStyle/>
-          <a:p>
-            <a:endParaRPr lang="he-IL" dirty="0"/>
-          </a:p>
-        </p:txBody>
-      </p:sp>
-      <p:sp>
-        <p:nvSpPr>
-          <p:cNvPr id="7" name="Slide Number Placeholder 6">
-            <a:extLst>
-              <a:ext uri="{FF2B5EF4-FFF2-40B4-BE49-F238E27FC236}">
-                <a16:creationId xmlns:a16="http://schemas.microsoft.com/office/drawing/2014/main" id="{D41334B0-9B20-4483-80F0-BF1F6A13EB00}"/>
-              </a:ext>
-            </a:extLst>
-          </p:cNvPr>
-          <p:cNvSpPr>
-            <a:spLocks noGrp="1"/>
-          </p:cNvSpPr>
-          <p:nvPr>
             <p:ph type="sldNum" sz="quarter" idx="12"/>
           </p:nvPr>
         </p:nvSpPr>
-        <p:spPr/>
+        <p:spPr>
+          <a:xfrm>
+            <a:off x="10961370" y="6356351"/>
+            <a:ext cx="392430" cy="353060"/>
+          </a:xfrm>
+        </p:spPr>
         <p:txBody>
           <a:bodyPr/>
           <a:lstStyle/>
@@ -3825,6 +4068,460 @@
   <p:cSld>
     <p:spTree>
       <p:nvGrpSpPr>
+        <p:cNvPr id="1" name="">
+          <a:extLst>
+            <a:ext uri="{FF2B5EF4-FFF2-40B4-BE49-F238E27FC236}">
+              <a16:creationId xmlns:a16="http://schemas.microsoft.com/office/drawing/2014/main" id="{CC2B504B-8390-6035-2B70-45E47497B737}"/>
+            </a:ext>
+          </a:extLst>
+        </p:cNvPr>
+        <p:cNvGrpSpPr/>
+        <p:nvPr/>
+      </p:nvGrpSpPr>
+      <p:grpSpPr>
+        <a:xfrm>
+          <a:off x="0" y="0"/>
+          <a:ext cx="0" cy="0"/>
+          <a:chOff x="0" y="0"/>
+          <a:chExt cx="0" cy="0"/>
+        </a:xfrm>
+      </p:grpSpPr>
+      <mc:AlternateContent xmlns:mc="http://schemas.openxmlformats.org/markup-compatibility/2006">
+        <mc:Choice xmlns:a14="http://schemas.microsoft.com/office/drawing/2010/main" Requires="a14">
+          <p:sp>
+            <p:nvSpPr>
+              <p:cNvPr id="2" name="TextBox 1">
+                <a:extLst>
+                  <a:ext uri="{FF2B5EF4-FFF2-40B4-BE49-F238E27FC236}">
+                    <a16:creationId xmlns:a16="http://schemas.microsoft.com/office/drawing/2014/main" id="{AE794EB8-18F9-A7D1-0BD2-55883C3B747D}"/>
+                  </a:ext>
+                </a:extLst>
+              </p:cNvPr>
+              <p:cNvSpPr txBox="1"/>
+              <p:nvPr/>
+            </p:nvSpPr>
+            <p:spPr>
+              <a:xfrm>
+                <a:off x="2649542" y="195333"/>
+                <a:ext cx="7261924" cy="1962076"/>
+              </a:xfrm>
+              <a:prstGeom prst="rect">
+                <a:avLst/>
+              </a:prstGeom>
+              <a:noFill/>
+            </p:spPr>
+            <p:txBody>
+              <a:bodyPr wrap="none" lIns="91440" tIns="45720" rIns="91440" bIns="45720" rtlCol="1" anchor="t">
+                <a:spAutoFit/>
+              </a:bodyPr>
+              <a:lstStyle/>
+              <a:p>
+                <a:pPr algn="ctr"/>
+                <a:r>
+                  <a:rPr lang="he-IL" sz="4000" dirty="0">
+                    <a:cs typeface="Arial"/>
+                  </a:rPr>
+                  <a:t>התאמה לא-לינארית עם 5 פרמטרים</a:t>
+                </a:r>
+              </a:p>
+              <a:p>
+                <a:pPr algn="ctr"/>
+                <a:endParaRPr lang="he-IL" sz="4000" dirty="0">
+                  <a:cs typeface="Arial"/>
+                </a:endParaRPr>
+              </a:p>
+              <a:p>
+                <a:pPr algn="ctr"/>
+                <a14:m>
+                  <m:oMathPara xmlns:m="http://schemas.openxmlformats.org/officeDocument/2006/math">
+                    <m:oMathParaPr>
+                      <m:jc m:val="centerGroup"/>
+                    </m:oMathParaPr>
+                    <m:oMath xmlns:m="http://schemas.openxmlformats.org/officeDocument/2006/math">
+                      <m:r>
+                        <a:rPr lang="en-US" sz="4000" b="0" i="1" smtClean="0">
+                          <a:latin typeface="Cambria Math" panose="02040503050406030204" pitchFamily="18" charset="0"/>
+                          <a:cs typeface="Arial"/>
+                        </a:rPr>
+                        <m:t>𝑥</m:t>
+                      </m:r>
+                      <m:r>
+                        <a:rPr lang="en-US" sz="4000" i="1" smtClean="0">
+                          <a:latin typeface="Cambria Math" panose="02040503050406030204" pitchFamily="18" charset="0"/>
+                          <a:cs typeface="Arial"/>
+                        </a:rPr>
+                        <m:t>=</m:t>
+                      </m:r>
+                      <m:r>
+                        <a:rPr lang="en-US" sz="4000" b="0" i="1" smtClean="0">
+                          <a:latin typeface="Cambria Math" panose="02040503050406030204" pitchFamily="18" charset="0"/>
+                          <a:cs typeface="Arial"/>
+                        </a:rPr>
+                        <m:t>𝐴</m:t>
+                      </m:r>
+                      <m:func>
+                        <m:funcPr>
+                          <m:ctrlPr>
+                            <a:rPr lang="en-US" sz="4000" b="0" i="1" smtClean="0">
+                              <a:latin typeface="Cambria Math" panose="02040503050406030204" pitchFamily="18" charset="0"/>
+                              <a:cs typeface="Arial"/>
+                            </a:rPr>
+                          </m:ctrlPr>
+                        </m:funcPr>
+                        <m:fName>
+                          <m:sSup>
+                            <m:sSupPr>
+                              <m:ctrlPr>
+                                <a:rPr lang="en-US" sz="4000" b="0" i="1" smtClean="0">
+                                  <a:latin typeface="Cambria Math" panose="02040503050406030204" pitchFamily="18" charset="0"/>
+                                  <a:cs typeface="Arial"/>
+                                </a:rPr>
+                              </m:ctrlPr>
+                            </m:sSupPr>
+                            <m:e>
+                              <m:r>
+                                <a:rPr lang="en-US" sz="4000" b="0" i="1" smtClean="0">
+                                  <a:latin typeface="Cambria Math" panose="02040503050406030204" pitchFamily="18" charset="0"/>
+                                  <a:cs typeface="Arial"/>
+                                </a:rPr>
+                                <m:t>𝑒</m:t>
+                              </m:r>
+                            </m:e>
+                            <m:sup>
+                              <m:r>
+                                <a:rPr lang="en-US" sz="4000" b="0" i="1" smtClean="0">
+                                  <a:latin typeface="Cambria Math" panose="02040503050406030204" pitchFamily="18" charset="0"/>
+                                  <a:cs typeface="Arial"/>
+                                </a:rPr>
+                                <m:t>−</m:t>
+                              </m:r>
+                              <m:r>
+                                <a:rPr lang="en-US" sz="4000" b="0" i="1" smtClean="0">
+                                  <a:latin typeface="Cambria Math" panose="02040503050406030204" pitchFamily="18" charset="0"/>
+                                  <a:cs typeface="Arial"/>
+                                </a:rPr>
+                                <m:t>𝑡</m:t>
+                              </m:r>
+                              <m:r>
+                                <a:rPr lang="en-US" sz="4000" b="0" i="1" smtClean="0">
+                                  <a:latin typeface="Cambria Math" panose="02040503050406030204" pitchFamily="18" charset="0"/>
+                                  <a:cs typeface="Arial"/>
+                                </a:rPr>
+                                <m:t>/</m:t>
+                              </m:r>
+                              <m:r>
+                                <a:rPr lang="en-US" sz="4000" b="0" i="1" smtClean="0">
+                                  <a:latin typeface="Cambria Math" panose="02040503050406030204" pitchFamily="18" charset="0"/>
+                                  <a:cs typeface="Arial"/>
+                                </a:rPr>
+                                <m:t>2</m:t>
+                              </m:r>
+                              <m:r>
+                                <a:rPr lang="en-US" sz="4000" b="0" i="1" smtClean="0">
+                                  <a:latin typeface="Cambria Math" panose="02040503050406030204" pitchFamily="18" charset="0"/>
+                                  <a:cs typeface="Arial"/>
+                                </a:rPr>
+                                <m:t>𝜏</m:t>
+                              </m:r>
+                            </m:sup>
+                          </m:sSup>
+                          <m:r>
+                            <m:rPr>
+                              <m:sty m:val="p"/>
+                            </m:rPr>
+                            <a:rPr lang="en-US" sz="4000" b="0" i="0" smtClean="0">
+                              <a:latin typeface="Cambria Math" panose="02040503050406030204" pitchFamily="18" charset="0"/>
+                              <a:cs typeface="Arial"/>
+                            </a:rPr>
+                            <m:t>sin</m:t>
+                          </m:r>
+                        </m:fName>
+                        <m:e>
+                          <m:d>
+                            <m:dPr>
+                              <m:ctrlPr>
+                                <a:rPr lang="en-US" sz="4000" b="0" i="1" smtClean="0">
+                                  <a:latin typeface="Cambria Math" panose="02040503050406030204" pitchFamily="18" charset="0"/>
+                                  <a:cs typeface="Arial"/>
+                                </a:rPr>
+                              </m:ctrlPr>
+                            </m:dPr>
+                            <m:e>
+                              <m:r>
+                                <a:rPr lang="en-US" sz="4000" b="0" i="1" smtClean="0">
+                                  <a:latin typeface="Cambria Math" panose="02040503050406030204" pitchFamily="18" charset="0"/>
+                                  <a:cs typeface="Arial"/>
+                                </a:rPr>
+                                <m:t>𝜔</m:t>
+                              </m:r>
+                              <m:r>
+                                <a:rPr lang="en-US" sz="4000" b="0" i="1" smtClean="0">
+                                  <a:latin typeface="Cambria Math" panose="02040503050406030204" pitchFamily="18" charset="0"/>
+                                  <a:cs typeface="Arial"/>
+                                </a:rPr>
+                                <m:t>𝑡</m:t>
+                              </m:r>
+                              <m:r>
+                                <a:rPr lang="en-US" sz="4000" b="0" i="1" smtClean="0">
+                                  <a:latin typeface="Cambria Math" panose="02040503050406030204" pitchFamily="18" charset="0"/>
+                                  <a:cs typeface="Arial"/>
+                                </a:rPr>
+                                <m:t>+</m:t>
+                              </m:r>
+                              <m:r>
+                                <a:rPr lang="en-US" sz="4000" b="0" i="1" smtClean="0">
+                                  <a:latin typeface="Cambria Math" panose="02040503050406030204" pitchFamily="18" charset="0"/>
+                                  <a:cs typeface="Arial"/>
+                                </a:rPr>
+                                <m:t>𝜑</m:t>
+                              </m:r>
+                            </m:e>
+                          </m:d>
+                          <m:r>
+                            <a:rPr lang="en-US" sz="4000" b="0" i="1" smtClean="0">
+                              <a:latin typeface="Cambria Math" panose="02040503050406030204" pitchFamily="18" charset="0"/>
+                              <a:cs typeface="Arial"/>
+                            </a:rPr>
+                            <m:t>+</m:t>
+                          </m:r>
+                          <m:r>
+                            <a:rPr lang="en-US" sz="4000" b="0" i="1" smtClean="0">
+                              <a:latin typeface="Cambria Math" panose="02040503050406030204" pitchFamily="18" charset="0"/>
+                              <a:cs typeface="Arial"/>
+                            </a:rPr>
+                            <m:t>𝐶</m:t>
+                          </m:r>
+                        </m:e>
+                      </m:func>
+                    </m:oMath>
+                  </m:oMathPara>
+                </a14:m>
+                <a:endParaRPr lang="he-IL" sz="4000" dirty="0">
+                  <a:cs typeface="Arial"/>
+                </a:endParaRPr>
+              </a:p>
+            </p:txBody>
+          </p:sp>
+        </mc:Choice>
+        <mc:Fallback>
+          <p:sp>
+            <p:nvSpPr>
+              <p:cNvPr id="2" name="TextBox 1">
+                <a:extLst>
+                  <a:ext uri="{FF2B5EF4-FFF2-40B4-BE49-F238E27FC236}">
+                    <a16:creationId xmlns:a16="http://schemas.microsoft.com/office/drawing/2014/main" id="{AE794EB8-18F9-A7D1-0BD2-55883C3B747D}"/>
+                  </a:ext>
+                </a:extLst>
+              </p:cNvPr>
+              <p:cNvSpPr txBox="1">
+                <a:spLocks noRot="1" noChangeAspect="1" noMove="1" noResize="1" noEditPoints="1" noAdjustHandles="1" noChangeArrowheads="1" noChangeShapeType="1" noTextEdit="1"/>
+              </p:cNvSpPr>
+              <p:nvPr/>
+            </p:nvSpPr>
+            <p:spPr>
+              <a:xfrm>
+                <a:off x="2649542" y="195333"/>
+                <a:ext cx="7261924" cy="1962076"/>
+              </a:xfrm>
+              <a:prstGeom prst="rect">
+                <a:avLst/>
+              </a:prstGeom>
+              <a:blipFill>
+                <a:blip r:embed="rId2"/>
+                <a:stretch>
+                  <a:fillRect l="-2519" t="-5590" r="-2267"/>
+                </a:stretch>
+              </a:blipFill>
+            </p:spPr>
+            <p:txBody>
+              <a:bodyPr/>
+              <a:lstStyle/>
+              <a:p>
+                <a:r>
+                  <a:rPr lang="ru-RU">
+                    <a:noFill/>
+                  </a:rPr>
+                  <a:t> </a:t>
+                </a:r>
+              </a:p>
+            </p:txBody>
+          </p:sp>
+        </mc:Fallback>
+      </mc:AlternateContent>
+      <p:sp>
+        <p:nvSpPr>
+          <p:cNvPr id="6" name="Slide Number Placeholder 5">
+            <a:extLst>
+              <a:ext uri="{FF2B5EF4-FFF2-40B4-BE49-F238E27FC236}">
+                <a16:creationId xmlns:a16="http://schemas.microsoft.com/office/drawing/2014/main" id="{CCDD338B-D2DC-511B-3422-BE1183899E72}"/>
+              </a:ext>
+            </a:extLst>
+          </p:cNvPr>
+          <p:cNvSpPr>
+            <a:spLocks noGrp="1"/>
+          </p:cNvSpPr>
+          <p:nvPr>
+            <p:ph type="sldNum" sz="quarter" idx="12"/>
+          </p:nvPr>
+        </p:nvSpPr>
+        <p:spPr>
+          <a:xfrm>
+            <a:off x="11490960" y="6382358"/>
+            <a:ext cx="513080" cy="307777"/>
+          </a:xfrm>
+        </p:spPr>
+        <p:txBody>
+          <a:bodyPr/>
+          <a:lstStyle/>
+          <a:p>
+            <a:fld id="{A263F1A8-BC7B-4008-A955-96F8F4A3B8CB}" type="slidenum">
+              <a:rPr lang="he-IL" smtClean="0"/>
+              <a:t>10</a:t>
+            </a:fld>
+            <a:endParaRPr lang="he-IL"/>
+          </a:p>
+        </p:txBody>
+      </p:sp>
+      <p:sp>
+        <p:nvSpPr>
+          <p:cNvPr id="9" name="TextBox 8">
+            <a:extLst>
+              <a:ext uri="{FF2B5EF4-FFF2-40B4-BE49-F238E27FC236}">
+                <a16:creationId xmlns:a16="http://schemas.microsoft.com/office/drawing/2014/main" id="{A9D3112E-D77F-9CA4-0693-3EAC1A852607}"/>
+              </a:ext>
+            </a:extLst>
+          </p:cNvPr>
+          <p:cNvSpPr txBox="1"/>
+          <p:nvPr/>
+        </p:nvSpPr>
+        <p:spPr>
+          <a:xfrm>
+            <a:off x="2963512" y="5977054"/>
+            <a:ext cx="7656263" cy="369332"/>
+          </a:xfrm>
+          <a:prstGeom prst="rect">
+            <a:avLst/>
+          </a:prstGeom>
+          <a:noFill/>
+        </p:spPr>
+        <p:txBody>
+          <a:bodyPr wrap="none" rtlCol="0">
+            <a:spAutoFit/>
+          </a:bodyPr>
+          <a:lstStyle/>
+          <a:p>
+            <a:pPr algn="r" rtl="1"/>
+            <a:r>
+              <a:rPr lang="he-IL" dirty="0"/>
+              <a:t>לפעמים התאמה לא-לינארית דורשת </a:t>
+            </a:r>
+            <a:r>
+              <a:rPr lang="he-IL" dirty="0">
+                <a:highlight>
+                  <a:srgbClr val="FFFF00"/>
+                </a:highlight>
+              </a:rPr>
+              <a:t>פרמטרים התחלתיים והגבלות למרחב פרמטרים</a:t>
+            </a:r>
+            <a:endParaRPr lang="ru-RU" dirty="0"/>
+          </a:p>
+        </p:txBody>
+      </p:sp>
+      <p:pic>
+        <p:nvPicPr>
+          <p:cNvPr id="11266" name="Picture 2">
+            <a:extLst>
+              <a:ext uri="{FF2B5EF4-FFF2-40B4-BE49-F238E27FC236}">
+                <a16:creationId xmlns:a16="http://schemas.microsoft.com/office/drawing/2014/main" id="{0C105632-0E8C-5A2E-188E-9C5A55947E28}"/>
+              </a:ext>
+            </a:extLst>
+          </p:cNvPr>
+          <p:cNvPicPr>
+            <a:picLocks noChangeAspect="1" noChangeArrowheads="1"/>
+          </p:cNvPicPr>
+          <p:nvPr/>
+        </p:nvPicPr>
+        <p:blipFill>
+          <a:blip r:embed="rId3">
+            <a:extLst>
+              <a:ext uri="{28A0092B-C50C-407E-A947-70E740481C1C}">
+                <a14:useLocalDpi xmlns:a14="http://schemas.microsoft.com/office/drawing/2010/main" val="0"/>
+              </a:ext>
+            </a:extLst>
+          </a:blip>
+          <a:srcRect/>
+          <a:stretch>
+            <a:fillRect/>
+          </a:stretch>
+        </p:blipFill>
+        <p:spPr bwMode="auto">
+          <a:xfrm>
+            <a:off x="6631840" y="2573592"/>
+            <a:ext cx="5228063" cy="2743439"/>
+          </a:xfrm>
+          <a:prstGeom prst="rect">
+            <a:avLst/>
+          </a:prstGeom>
+          <a:noFill/>
+          <a:extLst>
+            <a:ext uri="{909E8E84-426E-40DD-AFC4-6F175D3DCCD1}">
+              <a14:hiddenFill xmlns:a14="http://schemas.microsoft.com/office/drawing/2010/main">
+                <a:solidFill>
+                  <a:srgbClr val="FFFFFF"/>
+                </a:solidFill>
+              </a14:hiddenFill>
+            </a:ext>
+          </a:extLst>
+        </p:spPr>
+      </p:pic>
+      <p:pic>
+        <p:nvPicPr>
+          <p:cNvPr id="11" name="Picture 10">
+            <a:extLst>
+              <a:ext uri="{FF2B5EF4-FFF2-40B4-BE49-F238E27FC236}">
+                <a16:creationId xmlns:a16="http://schemas.microsoft.com/office/drawing/2014/main" id="{A527103D-4254-416D-AED5-02BF2C4A6C61}"/>
+              </a:ext>
+            </a:extLst>
+          </p:cNvPr>
+          <p:cNvPicPr>
+            <a:picLocks noChangeAspect="1"/>
+          </p:cNvPicPr>
+          <p:nvPr/>
+        </p:nvPicPr>
+        <p:blipFill>
+          <a:blip r:embed="rId4"/>
+          <a:stretch>
+            <a:fillRect/>
+          </a:stretch>
+        </p:blipFill>
+        <p:spPr>
+          <a:xfrm>
+            <a:off x="332097" y="2573591"/>
+            <a:ext cx="5763903" cy="2758187"/>
+          </a:xfrm>
+          <a:prstGeom prst="rect">
+            <a:avLst/>
+          </a:prstGeom>
+        </p:spPr>
+      </p:pic>
+    </p:spTree>
+    <p:extLst>
+      <p:ext uri="{BB962C8B-B14F-4D97-AF65-F5344CB8AC3E}">
+        <p14:creationId xmlns:p14="http://schemas.microsoft.com/office/powerpoint/2010/main" val="284746122"/>
+      </p:ext>
+    </p:extLst>
+  </p:cSld>
+  <p:clrMapOvr>
+    <a:masterClrMapping/>
+  </p:clrMapOvr>
+</p:sld>
+</file>
+
+<file path=ppt/slides/slide11.xml><?xml version="1.0" encoding="utf-8"?>
+<p:sld xmlns:a="http://schemas.openxmlformats.org/drawingml/2006/main" xmlns:r="http://schemas.openxmlformats.org/officeDocument/2006/relationships" xmlns:p="http://schemas.openxmlformats.org/presentationml/2006/main">
+  <p:cSld>
+    <p:spTree>
+      <p:nvGrpSpPr>
         <p:cNvPr id="1" name=""/>
         <p:cNvGrpSpPr/>
         <p:nvPr/>
@@ -3842,7 +4539,7 @@
           <p:cNvPr id="2" name="Slide Number Placeholder 1">
             <a:extLst>
               <a:ext uri="{FF2B5EF4-FFF2-40B4-BE49-F238E27FC236}">
-                <a16:creationId xmlns:a16="http://schemas.microsoft.com/office/drawing/2014/main" id="{B4D70BF9-D646-D943-7BEC-1DB9A81FE3E3}"/>
+                <a16:creationId xmlns:a16="http://schemas.microsoft.com/office/drawing/2014/main" id="{C33880A4-A79B-7141-06BA-2EA2019A149F}"/>
               </a:ext>
             </a:extLst>
           </p:cNvPr>
@@ -3853,25 +4550,77 @@
             <p:ph type="sldNum" sz="quarter" idx="12"/>
           </p:nvPr>
         </p:nvSpPr>
-        <p:spPr/>
+        <p:spPr>
+          <a:xfrm>
+            <a:off x="11395710" y="6333491"/>
+            <a:ext cx="449580" cy="307340"/>
+          </a:xfrm>
+        </p:spPr>
         <p:txBody>
           <a:bodyPr/>
           <a:lstStyle/>
           <a:p>
             <a:fld id="{A263F1A8-BC7B-4008-A955-96F8F4A3B8CB}" type="slidenum">
               <a:rPr lang="he-IL" smtClean="0"/>
-              <a:t>10</a:t>
+              <a:t>11</a:t>
             </a:fld>
-            <a:endParaRPr lang="he-IL"/>
+            <a:endParaRPr lang="he-IL" dirty="0"/>
           </a:p>
         </p:txBody>
       </p:sp>
       <p:pic>
         <p:nvPicPr>
-          <p:cNvPr id="4" name="Picture 3">
-            <a:extLst>
-              <a:ext uri="{FF2B5EF4-FFF2-40B4-BE49-F238E27FC236}">
-                <a16:creationId xmlns:a16="http://schemas.microsoft.com/office/drawing/2014/main" id="{28ED7A26-88F2-FC2C-7FD0-1CBA9886057D}"/>
+          <p:cNvPr id="12290" name="Picture 2">
+            <a:extLst>
+              <a:ext uri="{FF2B5EF4-FFF2-40B4-BE49-F238E27FC236}">
+                <a16:creationId xmlns:a16="http://schemas.microsoft.com/office/drawing/2014/main" id="{B97795A5-AB8A-FDC5-9CA3-72A8ABF0EC84}"/>
+              </a:ext>
+            </a:extLst>
+          </p:cNvPr>
+          <p:cNvPicPr>
+            <a:picLocks noChangeAspect="1" noChangeArrowheads="1"/>
+          </p:cNvPicPr>
+          <p:nvPr/>
+        </p:nvPicPr>
+        <p:blipFill>
+          <a:blip r:embed="rId2">
+            <a:extLst>
+              <a:ext uri="{28A0092B-C50C-407E-A947-70E740481C1C}">
+                <a14:useLocalDpi xmlns:a14="http://schemas.microsoft.com/office/drawing/2010/main" val="0"/>
+              </a:ext>
+            </a:extLst>
+          </a:blip>
+          <a:srcRect/>
+          <a:stretch>
+            <a:fillRect/>
+          </a:stretch>
+        </p:blipFill>
+        <p:spPr bwMode="auto">
+          <a:xfrm>
+            <a:off x="718139" y="2941190"/>
+            <a:ext cx="10415424" cy="3833455"/>
+          </a:xfrm>
+          <a:prstGeom prst="rect">
+            <a:avLst/>
+          </a:prstGeom>
+          <a:noFill/>
+          <a:extLst>
+            <a:ext uri="{909E8E84-426E-40DD-AFC4-6F175D3DCCD1}">
+              <a14:hiddenFill xmlns:a14="http://schemas.microsoft.com/office/drawing/2010/main">
+                <a:solidFill>
+                  <a:srgbClr val="FFFFFF"/>
+                </a:solidFill>
+              </a14:hiddenFill>
+            </a:ext>
+          </a:extLst>
+        </p:spPr>
+      </p:pic>
+      <p:pic>
+        <p:nvPicPr>
+          <p:cNvPr id="8" name="Picture 7">
+            <a:extLst>
+              <a:ext uri="{FF2B5EF4-FFF2-40B4-BE49-F238E27FC236}">
+                <a16:creationId xmlns:a16="http://schemas.microsoft.com/office/drawing/2014/main" id="{74D79AEB-0056-AF89-335E-A5D9CD932B8D}"/>
               </a:ext>
             </a:extLst>
           </p:cNvPr>
@@ -3881,25 +4630,806 @@
           <p:nvPr/>
         </p:nvPicPr>
         <p:blipFill>
-          <a:blip r:embed="rId2"/>
+          <a:blip r:embed="rId3"/>
           <a:stretch>
             <a:fillRect/>
           </a:stretch>
         </p:blipFill>
         <p:spPr>
           <a:xfrm>
-            <a:off x="2401824" y="0"/>
-            <a:ext cx="7388352" cy="6858000"/>
+            <a:off x="718139" y="1450703"/>
+            <a:ext cx="5357324" cy="1432684"/>
           </a:xfrm>
           <a:prstGeom prst="rect">
             <a:avLst/>
           </a:prstGeom>
         </p:spPr>
       </p:pic>
+      <p:pic>
+        <p:nvPicPr>
+          <p:cNvPr id="10" name="Picture 9">
+            <a:extLst>
+              <a:ext uri="{FF2B5EF4-FFF2-40B4-BE49-F238E27FC236}">
+                <a16:creationId xmlns:a16="http://schemas.microsoft.com/office/drawing/2014/main" id="{A6F835BD-269B-B9F6-FCBF-EFF7624E59FD}"/>
+              </a:ext>
+            </a:extLst>
+          </p:cNvPr>
+          <p:cNvPicPr>
+            <a:picLocks noChangeAspect="1"/>
+          </p:cNvPicPr>
+          <p:nvPr/>
+        </p:nvPicPr>
+        <p:blipFill>
+          <a:blip r:embed="rId4"/>
+          <a:stretch>
+            <a:fillRect/>
+          </a:stretch>
+        </p:blipFill>
+        <p:spPr>
+          <a:xfrm>
+            <a:off x="6503207" y="1508506"/>
+            <a:ext cx="5342083" cy="1432684"/>
+          </a:xfrm>
+          <a:prstGeom prst="rect">
+            <a:avLst/>
+          </a:prstGeom>
+        </p:spPr>
+      </p:pic>
+      <mc:AlternateContent xmlns:mc="http://schemas.openxmlformats.org/markup-compatibility/2006">
+        <mc:Choice xmlns:a14="http://schemas.microsoft.com/office/drawing/2010/main" Requires="a14">
+          <p:sp>
+            <p:nvSpPr>
+              <p:cNvPr id="11" name="TextBox 10">
+                <a:extLst>
+                  <a:ext uri="{FF2B5EF4-FFF2-40B4-BE49-F238E27FC236}">
+                    <a16:creationId xmlns:a16="http://schemas.microsoft.com/office/drawing/2014/main" id="{70CB4EF4-5930-5599-6851-40B0303CEDE6}"/>
+                  </a:ext>
+                </a:extLst>
+              </p:cNvPr>
+              <p:cNvSpPr txBox="1"/>
+              <p:nvPr/>
+            </p:nvSpPr>
+            <p:spPr>
+              <a:xfrm>
+                <a:off x="1197156" y="192571"/>
+                <a:ext cx="9682459" cy="1200329"/>
+              </a:xfrm>
+              <a:prstGeom prst="rect">
+                <a:avLst/>
+              </a:prstGeom>
+              <a:noFill/>
+            </p:spPr>
+            <p:txBody>
+              <a:bodyPr wrap="none" lIns="91440" tIns="45720" rIns="91440" bIns="45720" rtlCol="1" anchor="t">
+                <a:spAutoFit/>
+              </a:bodyPr>
+              <a:lstStyle/>
+              <a:p>
+                <a:pPr algn="ctr" rtl="1"/>
+                <a:r>
+                  <a:rPr lang="he-IL" sz="4000" dirty="0">
+                    <a:cs typeface="Arial"/>
+                  </a:rPr>
+                  <a:t>התאמה לא-לינארית</a:t>
+                </a:r>
+                <a:r>
+                  <a:rPr lang="en-US" sz="4000" dirty="0">
+                    <a:cs typeface="Arial"/>
+                  </a:rPr>
+                  <a:t> </a:t>
+                </a:r>
+                <a:r>
+                  <a:rPr lang="he-IL" sz="4000" dirty="0">
+                    <a:cs typeface="Arial"/>
+                  </a:rPr>
+                  <a:t>ממש רגישה לערך התחלתי</a:t>
+                </a:r>
+                <a:endParaRPr lang="en-US" sz="4000" dirty="0">
+                  <a:cs typeface="Arial"/>
+                </a:endParaRPr>
+              </a:p>
+              <a:p>
+                <a:pPr algn="ctr" rtl="1"/>
+                <a14:m>
+                  <m:oMathPara xmlns:m="http://schemas.openxmlformats.org/officeDocument/2006/math">
+                    <m:oMathParaPr>
+                      <m:jc m:val="centerGroup"/>
+                    </m:oMathParaPr>
+                    <m:oMath xmlns:m="http://schemas.openxmlformats.org/officeDocument/2006/math">
+                      <m:r>
+                        <a:rPr lang="en-US" sz="3200" i="1">
+                          <a:latin typeface="Cambria Math" panose="02040503050406030204" pitchFamily="18" charset="0"/>
+                          <a:cs typeface="Arial"/>
+                        </a:rPr>
+                        <m:t>𝑥</m:t>
+                      </m:r>
+                      <m:r>
+                        <a:rPr lang="en-US" sz="3200" i="1">
+                          <a:latin typeface="Cambria Math" panose="02040503050406030204" pitchFamily="18" charset="0"/>
+                          <a:cs typeface="Arial"/>
+                        </a:rPr>
+                        <m:t>=</m:t>
+                      </m:r>
+                      <m:r>
+                        <a:rPr lang="en-US" sz="3200" i="1">
+                          <a:latin typeface="Cambria Math" panose="02040503050406030204" pitchFamily="18" charset="0"/>
+                          <a:cs typeface="Arial"/>
+                        </a:rPr>
+                        <m:t>𝐴</m:t>
+                      </m:r>
+                      <m:func>
+                        <m:funcPr>
+                          <m:ctrlPr>
+                            <a:rPr lang="en-US" sz="3200" i="1">
+                              <a:latin typeface="Cambria Math" panose="02040503050406030204" pitchFamily="18" charset="0"/>
+                              <a:cs typeface="Arial"/>
+                            </a:rPr>
+                          </m:ctrlPr>
+                        </m:funcPr>
+                        <m:fName>
+                          <m:r>
+                            <m:rPr>
+                              <m:sty m:val="p"/>
+                            </m:rPr>
+                            <a:rPr lang="en-US" sz="3200">
+                              <a:latin typeface="Cambria Math" panose="02040503050406030204" pitchFamily="18" charset="0"/>
+                              <a:cs typeface="Arial"/>
+                            </a:rPr>
+                            <m:t>sin</m:t>
+                          </m:r>
+                        </m:fName>
+                        <m:e>
+                          <m:d>
+                            <m:dPr>
+                              <m:ctrlPr>
+                                <a:rPr lang="en-US" sz="3200" i="1">
+                                  <a:latin typeface="Cambria Math" panose="02040503050406030204" pitchFamily="18" charset="0"/>
+                                  <a:cs typeface="Arial"/>
+                                </a:rPr>
+                              </m:ctrlPr>
+                            </m:dPr>
+                            <m:e>
+                              <m:sSub>
+                                <m:sSubPr>
+                                  <m:ctrlPr>
+                                    <a:rPr lang="en-US" sz="3200" i="1">
+                                      <a:latin typeface="Cambria Math" panose="02040503050406030204" pitchFamily="18" charset="0"/>
+                                      <a:cs typeface="Arial"/>
+                                    </a:rPr>
+                                  </m:ctrlPr>
+                                </m:sSubPr>
+                                <m:e>
+                                  <m:r>
+                                    <a:rPr lang="en-US" sz="3200" i="1">
+                                      <a:latin typeface="Cambria Math" panose="02040503050406030204" pitchFamily="18" charset="0"/>
+                                      <a:cs typeface="Arial"/>
+                                    </a:rPr>
+                                    <m:t>𝜔</m:t>
+                                  </m:r>
+                                </m:e>
+                                <m:sub>
+                                  <m:r>
+                                    <a:rPr lang="en-US" sz="3200" i="1">
+                                      <a:latin typeface="Cambria Math" panose="02040503050406030204" pitchFamily="18" charset="0"/>
+                                      <a:cs typeface="Arial"/>
+                                    </a:rPr>
+                                    <m:t>0</m:t>
+                                  </m:r>
+                                </m:sub>
+                              </m:sSub>
+                              <m:r>
+                                <a:rPr lang="en-US" sz="3200" i="1">
+                                  <a:latin typeface="Cambria Math" panose="02040503050406030204" pitchFamily="18" charset="0"/>
+                                  <a:cs typeface="Arial"/>
+                                </a:rPr>
+                                <m:t>𝑡</m:t>
+                              </m:r>
+                              <m:r>
+                                <a:rPr lang="en-US" sz="3200" i="1">
+                                  <a:latin typeface="Cambria Math" panose="02040503050406030204" pitchFamily="18" charset="0"/>
+                                  <a:cs typeface="Arial"/>
+                                </a:rPr>
+                                <m:t>+</m:t>
+                              </m:r>
+                              <m:r>
+                                <a:rPr lang="en-US" sz="3200" i="1">
+                                  <a:latin typeface="Cambria Math" panose="02040503050406030204" pitchFamily="18" charset="0"/>
+                                  <a:cs typeface="Arial"/>
+                                </a:rPr>
+                                <m:t>𝜑</m:t>
+                              </m:r>
+                            </m:e>
+                          </m:d>
+                          <m:r>
+                            <a:rPr lang="en-US" sz="3200" i="1">
+                              <a:latin typeface="Cambria Math" panose="02040503050406030204" pitchFamily="18" charset="0"/>
+                              <a:cs typeface="Arial"/>
+                            </a:rPr>
+                            <m:t>+</m:t>
+                          </m:r>
+                          <m:r>
+                            <a:rPr lang="en-US" sz="3200" i="1">
+                              <a:latin typeface="Cambria Math" panose="02040503050406030204" pitchFamily="18" charset="0"/>
+                              <a:cs typeface="Arial"/>
+                            </a:rPr>
+                            <m:t>𝐵</m:t>
+                          </m:r>
+                          <m:func>
+                            <m:funcPr>
+                              <m:ctrlPr>
+                                <a:rPr lang="en-US" sz="3200" i="1">
+                                  <a:latin typeface="Cambria Math" panose="02040503050406030204" pitchFamily="18" charset="0"/>
+                                  <a:cs typeface="Arial"/>
+                                </a:rPr>
+                              </m:ctrlPr>
+                            </m:funcPr>
+                            <m:fName>
+                              <m:r>
+                                <m:rPr>
+                                  <m:sty m:val="p"/>
+                                </m:rPr>
+                                <a:rPr lang="en-US" sz="3200">
+                                  <a:latin typeface="Cambria Math" panose="02040503050406030204" pitchFamily="18" charset="0"/>
+                                  <a:cs typeface="Arial"/>
+                                </a:rPr>
+                                <m:t>sin</m:t>
+                              </m:r>
+                            </m:fName>
+                            <m:e>
+                              <m:d>
+                                <m:dPr>
+                                  <m:ctrlPr>
+                                    <a:rPr lang="en-US" sz="3200" i="1">
+                                      <a:latin typeface="Cambria Math" panose="02040503050406030204" pitchFamily="18" charset="0"/>
+                                      <a:cs typeface="Arial"/>
+                                    </a:rPr>
+                                  </m:ctrlPr>
+                                </m:dPr>
+                                <m:e>
+                                  <m:sSub>
+                                    <m:sSubPr>
+                                      <m:ctrlPr>
+                                        <a:rPr lang="en-US" sz="3200" i="1">
+                                          <a:latin typeface="Cambria Math" panose="02040503050406030204" pitchFamily="18" charset="0"/>
+                                          <a:cs typeface="Arial"/>
+                                        </a:rPr>
+                                      </m:ctrlPr>
+                                    </m:sSubPr>
+                                    <m:e>
+                                      <m:r>
+                                        <a:rPr lang="en-US" sz="3200" i="1">
+                                          <a:latin typeface="Cambria Math" panose="02040503050406030204" pitchFamily="18" charset="0"/>
+                                          <a:cs typeface="Arial"/>
+                                        </a:rPr>
+                                        <m:t>𝜔</m:t>
+                                      </m:r>
+                                    </m:e>
+                                    <m:sub>
+                                      <m:r>
+                                        <a:rPr lang="en-US" sz="3200" i="1">
+                                          <a:latin typeface="Cambria Math" panose="02040503050406030204" pitchFamily="18" charset="0"/>
+                                          <a:cs typeface="Arial"/>
+                                        </a:rPr>
+                                        <m:t>𝑑𝑟</m:t>
+                                      </m:r>
+                                    </m:sub>
+                                  </m:sSub>
+                                  <m:r>
+                                    <a:rPr lang="en-US" sz="3200" i="1">
+                                      <a:latin typeface="Cambria Math" panose="02040503050406030204" pitchFamily="18" charset="0"/>
+                                      <a:cs typeface="Arial"/>
+                                    </a:rPr>
+                                    <m:t>𝑡</m:t>
+                                  </m:r>
+                                  <m:r>
+                                    <a:rPr lang="en-US" sz="3200" i="1">
+                                      <a:latin typeface="Cambria Math" panose="02040503050406030204" pitchFamily="18" charset="0"/>
+                                      <a:cs typeface="Arial"/>
+                                    </a:rPr>
+                                    <m:t>+</m:t>
+                                  </m:r>
+                                  <m:r>
+                                    <a:rPr lang="en-US" sz="3200" i="1">
+                                      <a:latin typeface="Cambria Math" panose="02040503050406030204" pitchFamily="18" charset="0"/>
+                                      <a:cs typeface="Arial"/>
+                                    </a:rPr>
+                                    <m:t>𝜓</m:t>
+                                  </m:r>
+                                </m:e>
+                              </m:d>
+                            </m:e>
+                          </m:func>
+                        </m:e>
+                      </m:func>
+                    </m:oMath>
+                  </m:oMathPara>
+                </a14:m>
+                <a:endParaRPr lang="he-IL" sz="3200" dirty="0">
+                  <a:cs typeface="Arial"/>
+                </a:endParaRPr>
+              </a:p>
+            </p:txBody>
+          </p:sp>
+        </mc:Choice>
+        <mc:Fallback>
+          <p:sp>
+            <p:nvSpPr>
+              <p:cNvPr id="11" name="TextBox 10">
+                <a:extLst>
+                  <a:ext uri="{FF2B5EF4-FFF2-40B4-BE49-F238E27FC236}">
+                    <a16:creationId xmlns:a16="http://schemas.microsoft.com/office/drawing/2014/main" id="{70CB4EF4-5930-5599-6851-40B0303CEDE6}"/>
+                  </a:ext>
+                </a:extLst>
+              </p:cNvPr>
+              <p:cNvSpPr txBox="1">
+                <a:spLocks noRot="1" noChangeAspect="1" noMove="1" noResize="1" noEditPoints="1" noAdjustHandles="1" noChangeArrowheads="1" noChangeShapeType="1" noTextEdit="1"/>
+              </p:cNvSpPr>
+              <p:nvPr/>
+            </p:nvSpPr>
+            <p:spPr>
+              <a:xfrm>
+                <a:off x="1197156" y="192571"/>
+                <a:ext cx="9682459" cy="1200329"/>
+              </a:xfrm>
+              <a:prstGeom prst="rect">
+                <a:avLst/>
+              </a:prstGeom>
+              <a:blipFill>
+                <a:blip r:embed="rId5"/>
+                <a:stretch>
+                  <a:fillRect l="-503" t="-10204" r="-1636"/>
+                </a:stretch>
+              </a:blipFill>
+            </p:spPr>
+            <p:txBody>
+              <a:bodyPr/>
+              <a:lstStyle/>
+              <a:p>
+                <a:r>
+                  <a:rPr lang="ru-RU">
+                    <a:noFill/>
+                  </a:rPr>
+                  <a:t> </a:t>
+                </a:r>
+              </a:p>
+            </p:txBody>
+          </p:sp>
+        </mc:Fallback>
+      </mc:AlternateContent>
+    </p:spTree>
+    <p:extLst>
+      <p:ext uri="{BB962C8B-B14F-4D97-AF65-F5344CB8AC3E}">
+        <p14:creationId xmlns:p14="http://schemas.microsoft.com/office/powerpoint/2010/main" val="4214483393"/>
+      </p:ext>
+    </p:extLst>
+  </p:cSld>
+  <p:clrMapOvr>
+    <a:masterClrMapping/>
+  </p:clrMapOvr>
+</p:sld>
+</file>
+
+<file path=ppt/slides/slide12.xml><?xml version="1.0" encoding="utf-8"?>
+<p:sld xmlns:a="http://schemas.openxmlformats.org/drawingml/2006/main" xmlns:r="http://schemas.openxmlformats.org/officeDocument/2006/relationships" xmlns:p="http://schemas.openxmlformats.org/presentationml/2006/main">
+  <p:cSld>
+    <p:spTree>
+      <p:nvGrpSpPr>
+        <p:cNvPr id="1" name=""/>
+        <p:cNvGrpSpPr/>
+        <p:nvPr/>
+      </p:nvGrpSpPr>
+      <p:grpSpPr>
+        <a:xfrm>
+          <a:off x="0" y="0"/>
+          <a:ext cx="0" cy="0"/>
+          <a:chOff x="0" y="0"/>
+          <a:chExt cx="0" cy="0"/>
+        </a:xfrm>
+      </p:grpSpPr>
+      <p:sp>
+        <p:nvSpPr>
+          <p:cNvPr id="2" name="Slide Number Placeholder 1">
+            <a:extLst>
+              <a:ext uri="{FF2B5EF4-FFF2-40B4-BE49-F238E27FC236}">
+                <a16:creationId xmlns:a16="http://schemas.microsoft.com/office/drawing/2014/main" id="{B4D70BF9-D646-D943-7BEC-1DB9A81FE3E3}"/>
+              </a:ext>
+            </a:extLst>
+          </p:cNvPr>
+          <p:cNvSpPr>
+            <a:spLocks noGrp="1"/>
+          </p:cNvSpPr>
+          <p:nvPr>
+            <p:ph type="sldNum" sz="quarter" idx="12"/>
+          </p:nvPr>
+        </p:nvSpPr>
+        <p:spPr>
+          <a:xfrm>
+            <a:off x="11530360" y="6300594"/>
+            <a:ext cx="392151" cy="345533"/>
+          </a:xfrm>
+        </p:spPr>
+        <p:txBody>
+          <a:bodyPr/>
+          <a:lstStyle/>
+          <a:p>
+            <a:fld id="{A263F1A8-BC7B-4008-A955-96F8F4A3B8CB}" type="slidenum">
+              <a:rPr lang="he-IL" smtClean="0"/>
+              <a:t>12</a:t>
+            </a:fld>
+            <a:endParaRPr lang="he-IL" dirty="0"/>
+          </a:p>
+        </p:txBody>
+      </p:sp>
+      <p:sp>
+        <p:nvSpPr>
+          <p:cNvPr id="3" name="TextBox 2">
+            <a:extLst>
+              <a:ext uri="{FF2B5EF4-FFF2-40B4-BE49-F238E27FC236}">
+                <a16:creationId xmlns:a16="http://schemas.microsoft.com/office/drawing/2014/main" id="{55A20922-48B4-6F9C-DDCD-94F4CF840681}"/>
+              </a:ext>
+            </a:extLst>
+          </p:cNvPr>
+          <p:cNvSpPr txBox="1"/>
+          <p:nvPr/>
+        </p:nvSpPr>
+        <p:spPr>
+          <a:xfrm>
+            <a:off x="3151294" y="195333"/>
+            <a:ext cx="6258445" cy="707886"/>
+          </a:xfrm>
+          <a:prstGeom prst="rect">
+            <a:avLst/>
+          </a:prstGeom>
+          <a:noFill/>
+        </p:spPr>
+        <p:txBody>
+          <a:bodyPr wrap="none" lIns="91440" tIns="45720" rIns="91440" bIns="45720" rtlCol="1" anchor="t">
+            <a:spAutoFit/>
+          </a:bodyPr>
+          <a:lstStyle/>
+          <a:p>
+            <a:pPr algn="ctr"/>
+            <a:r>
+              <a:rPr lang="he-IL" sz="4000" dirty="0">
+                <a:cs typeface="Arial"/>
+              </a:rPr>
+              <a:t>התאמה גלובאלית  נגד מקומית</a:t>
+            </a:r>
+          </a:p>
+        </p:txBody>
+      </p:sp>
+      <p:sp>
+        <p:nvSpPr>
+          <p:cNvPr id="7" name="TextBox 6">
+            <a:extLst>
+              <a:ext uri="{FF2B5EF4-FFF2-40B4-BE49-F238E27FC236}">
+                <a16:creationId xmlns:a16="http://schemas.microsoft.com/office/drawing/2014/main" id="{117378C2-F1AA-DD70-F00C-3AD4B361C9B2}"/>
+              </a:ext>
+            </a:extLst>
+          </p:cNvPr>
+          <p:cNvSpPr txBox="1"/>
+          <p:nvPr/>
+        </p:nvSpPr>
+        <p:spPr>
+          <a:xfrm>
+            <a:off x="657922" y="6350852"/>
+            <a:ext cx="6844694" cy="276999"/>
+          </a:xfrm>
+          <a:prstGeom prst="rect">
+            <a:avLst/>
+          </a:prstGeom>
+          <a:noFill/>
+        </p:spPr>
+        <p:txBody>
+          <a:bodyPr wrap="none" rtlCol="0">
+            <a:spAutoFit/>
+          </a:bodyPr>
+          <a:lstStyle/>
+          <a:p>
+            <a:r>
+              <a:rPr lang="en-US" sz="1200" dirty="0" err="1"/>
+              <a:t>Codesnippet</a:t>
+            </a:r>
+            <a:r>
+              <a:rPr lang="en-US" sz="1200" dirty="0"/>
+              <a:t> </a:t>
+            </a:r>
+            <a:r>
+              <a:rPr lang="en-US" sz="1200" dirty="0">
+                <a:hlinkClick r:id="rId2"/>
+              </a:rPr>
+              <a:t>https://github.com/evgeny-kolonsky/summer_seminar/blob/main/Global_optimization.ipynb</a:t>
+            </a:r>
+            <a:endParaRPr lang="ru-RU" sz="1200" dirty="0"/>
+          </a:p>
+        </p:txBody>
+      </p:sp>
+      <p:pic>
+        <p:nvPicPr>
+          <p:cNvPr id="13316" name="Picture 4">
+            <a:extLst>
+              <a:ext uri="{FF2B5EF4-FFF2-40B4-BE49-F238E27FC236}">
+                <a16:creationId xmlns:a16="http://schemas.microsoft.com/office/drawing/2014/main" id="{95319323-40C2-DF2C-60FB-FC94704CFFA9}"/>
+              </a:ext>
+            </a:extLst>
+          </p:cNvPr>
+          <p:cNvPicPr>
+            <a:picLocks noChangeAspect="1" noChangeArrowheads="1"/>
+          </p:cNvPicPr>
+          <p:nvPr/>
+        </p:nvPicPr>
+        <p:blipFill>
+          <a:blip r:embed="rId3">
+            <a:extLst>
+              <a:ext uri="{28A0092B-C50C-407E-A947-70E740481C1C}">
+                <a14:useLocalDpi xmlns:a14="http://schemas.microsoft.com/office/drawing/2010/main" val="0"/>
+              </a:ext>
+            </a:extLst>
+          </a:blip>
+          <a:srcRect/>
+          <a:stretch>
+            <a:fillRect/>
+          </a:stretch>
+        </p:blipFill>
+        <p:spPr bwMode="auto">
+          <a:xfrm>
+            <a:off x="3162446" y="1401128"/>
+            <a:ext cx="5867108" cy="4485322"/>
+          </a:xfrm>
+          <a:prstGeom prst="rect">
+            <a:avLst/>
+          </a:prstGeom>
+          <a:noFill/>
+          <a:extLst>
+            <a:ext uri="{909E8E84-426E-40DD-AFC4-6F175D3DCCD1}">
+              <a14:hiddenFill xmlns:a14="http://schemas.microsoft.com/office/drawing/2010/main">
+                <a:solidFill>
+                  <a:srgbClr val="FFFFFF"/>
+                </a:solidFill>
+              </a14:hiddenFill>
+            </a:ext>
+          </a:extLst>
+        </p:spPr>
+      </p:pic>
     </p:spTree>
     <p:extLst>
       <p:ext uri="{BB962C8B-B14F-4D97-AF65-F5344CB8AC3E}">
         <p14:creationId xmlns:p14="http://schemas.microsoft.com/office/powerpoint/2010/main" val="770419334"/>
+      </p:ext>
+    </p:extLst>
+  </p:cSld>
+  <p:clrMapOvr>
+    <a:masterClrMapping/>
+  </p:clrMapOvr>
+</p:sld>
+</file>
+
+<file path=ppt/slides/slide13.xml><?xml version="1.0" encoding="utf-8"?>
+<p:sld xmlns:a="http://schemas.openxmlformats.org/drawingml/2006/main" xmlns:r="http://schemas.openxmlformats.org/officeDocument/2006/relationships" xmlns:p="http://schemas.openxmlformats.org/presentationml/2006/main">
+  <p:cSld>
+    <p:spTree>
+      <p:nvGrpSpPr>
+        <p:cNvPr id="1" name=""/>
+        <p:cNvGrpSpPr/>
+        <p:nvPr/>
+      </p:nvGrpSpPr>
+      <p:grpSpPr>
+        <a:xfrm>
+          <a:off x="0" y="0"/>
+          <a:ext cx="0" cy="0"/>
+          <a:chOff x="0" y="0"/>
+          <a:chExt cx="0" cy="0"/>
+        </a:xfrm>
+      </p:grpSpPr>
+      <p:sp>
+        <p:nvSpPr>
+          <p:cNvPr id="2" name="Slide Number Placeholder 1">
+            <a:extLst>
+              <a:ext uri="{FF2B5EF4-FFF2-40B4-BE49-F238E27FC236}">
+                <a16:creationId xmlns:a16="http://schemas.microsoft.com/office/drawing/2014/main" id="{9F6C4DC4-0C99-06F3-A806-274260D21F29}"/>
+              </a:ext>
+            </a:extLst>
+          </p:cNvPr>
+          <p:cNvSpPr>
+            <a:spLocks noGrp="1"/>
+          </p:cNvSpPr>
+          <p:nvPr>
+            <p:ph type="sldNum" sz="quarter" idx="12"/>
+          </p:nvPr>
+        </p:nvSpPr>
+        <p:spPr>
+          <a:xfrm>
+            <a:off x="10915650" y="6356350"/>
+            <a:ext cx="438150" cy="375920"/>
+          </a:xfrm>
+        </p:spPr>
+        <p:txBody>
+          <a:bodyPr/>
+          <a:lstStyle/>
+          <a:p>
+            <a:fld id="{A263F1A8-BC7B-4008-A955-96F8F4A3B8CB}" type="slidenum">
+              <a:rPr lang="he-IL" smtClean="0"/>
+              <a:t>13</a:t>
+            </a:fld>
+            <a:endParaRPr lang="he-IL" dirty="0"/>
+          </a:p>
+        </p:txBody>
+      </p:sp>
+      <p:sp>
+        <p:nvSpPr>
+          <p:cNvPr id="3" name="TextBox 2">
+            <a:extLst>
+              <a:ext uri="{FF2B5EF4-FFF2-40B4-BE49-F238E27FC236}">
+                <a16:creationId xmlns:a16="http://schemas.microsoft.com/office/drawing/2014/main" id="{8FC418F0-A0B6-9CE8-0CA2-4260DAE3B615}"/>
+              </a:ext>
+            </a:extLst>
+          </p:cNvPr>
+          <p:cNvSpPr txBox="1"/>
+          <p:nvPr/>
+        </p:nvSpPr>
+        <p:spPr>
+          <a:xfrm>
+            <a:off x="5574509" y="462963"/>
+            <a:ext cx="1322799" cy="707886"/>
+          </a:xfrm>
+          <a:prstGeom prst="rect">
+            <a:avLst/>
+          </a:prstGeom>
+          <a:noFill/>
+        </p:spPr>
+        <p:txBody>
+          <a:bodyPr wrap="none" lIns="91440" tIns="45720" rIns="91440" bIns="45720" rtlCol="1" anchor="t">
+            <a:spAutoFit/>
+          </a:bodyPr>
+          <a:lstStyle/>
+          <a:p>
+            <a:pPr algn="ctr"/>
+            <a:r>
+              <a:rPr lang="he-IL" sz="4000" dirty="0">
+                <a:cs typeface="Arial"/>
+              </a:rPr>
+              <a:t>סיקום</a:t>
+            </a:r>
+          </a:p>
+        </p:txBody>
+      </p:sp>
+      <p:pic>
+        <p:nvPicPr>
+          <p:cNvPr id="14340" name="Picture 4">
+            <a:extLst>
+              <a:ext uri="{FF2B5EF4-FFF2-40B4-BE49-F238E27FC236}">
+                <a16:creationId xmlns:a16="http://schemas.microsoft.com/office/drawing/2014/main" id="{FA4EE6B3-8B10-EEDF-A291-3114DAAC7C3C}"/>
+              </a:ext>
+            </a:extLst>
+          </p:cNvPr>
+          <p:cNvPicPr>
+            <a:picLocks noChangeAspect="1" noChangeArrowheads="1"/>
+          </p:cNvPicPr>
+          <p:nvPr/>
+        </p:nvPicPr>
+        <p:blipFill>
+          <a:blip r:embed="rId3">
+            <a:extLst>
+              <a:ext uri="{28A0092B-C50C-407E-A947-70E740481C1C}">
+                <a14:useLocalDpi xmlns:a14="http://schemas.microsoft.com/office/drawing/2010/main" val="0"/>
+              </a:ext>
+            </a:extLst>
+          </a:blip>
+          <a:srcRect/>
+          <a:stretch>
+            <a:fillRect/>
+          </a:stretch>
+        </p:blipFill>
+        <p:spPr bwMode="auto">
+          <a:xfrm>
+            <a:off x="3343811" y="1633538"/>
+            <a:ext cx="5504378" cy="4024312"/>
+          </a:xfrm>
+          <a:prstGeom prst="rect">
+            <a:avLst/>
+          </a:prstGeom>
+          <a:noFill/>
+          <a:extLst>
+            <a:ext uri="{909E8E84-426E-40DD-AFC4-6F175D3DCCD1}">
+              <a14:hiddenFill xmlns:a14="http://schemas.microsoft.com/office/drawing/2010/main">
+                <a:solidFill>
+                  <a:srgbClr val="FFFFFF"/>
+                </a:solidFill>
+              </a14:hiddenFill>
+            </a:ext>
+          </a:extLst>
+        </p:spPr>
+      </p:pic>
+      <p:sp>
+        <p:nvSpPr>
+          <p:cNvPr id="7" name="TextBox 6">
+            <a:extLst>
+              <a:ext uri="{FF2B5EF4-FFF2-40B4-BE49-F238E27FC236}">
+                <a16:creationId xmlns:a16="http://schemas.microsoft.com/office/drawing/2014/main" id="{FEFD89DD-D164-F036-8843-08F8D46335FF}"/>
+              </a:ext>
+            </a:extLst>
+          </p:cNvPr>
+          <p:cNvSpPr txBox="1"/>
+          <p:nvPr/>
+        </p:nvSpPr>
+        <p:spPr>
+          <a:xfrm>
+            <a:off x="144780" y="6477238"/>
+            <a:ext cx="2064348" cy="369332"/>
+          </a:xfrm>
+          <a:prstGeom prst="rect">
+            <a:avLst/>
+          </a:prstGeom>
+          <a:noFill/>
+        </p:spPr>
+        <p:txBody>
+          <a:bodyPr wrap="none" rtlCol="0">
+            <a:spAutoFit/>
+          </a:bodyPr>
+          <a:lstStyle/>
+          <a:p>
+            <a:r>
+              <a:rPr lang="en-US" dirty="0">
+                <a:latin typeface="Angsana New" panose="020B0502040204020203" pitchFamily="18" charset="-34"/>
+                <a:cs typeface="Angsana New" panose="020B0502040204020203" pitchFamily="18" charset="-34"/>
+              </a:rPr>
+              <a:t>Credit: New Yorker</a:t>
+            </a:r>
+            <a:endParaRPr lang="ru-RU" dirty="0">
+              <a:cs typeface="Angsana New" panose="020B0502040204020203" pitchFamily="18" charset="-34"/>
+            </a:endParaRPr>
+          </a:p>
+        </p:txBody>
+      </p:sp>
+      <p:sp>
+        <p:nvSpPr>
+          <p:cNvPr id="9" name="TextBox 8">
+            <a:extLst>
+              <a:ext uri="{FF2B5EF4-FFF2-40B4-BE49-F238E27FC236}">
+                <a16:creationId xmlns:a16="http://schemas.microsoft.com/office/drawing/2014/main" id="{5D53AAFE-DF2B-546E-CC3A-33F7D297D602}"/>
+              </a:ext>
+            </a:extLst>
+          </p:cNvPr>
+          <p:cNvSpPr txBox="1"/>
+          <p:nvPr/>
+        </p:nvSpPr>
+        <p:spPr>
+          <a:xfrm>
+            <a:off x="4031171" y="5657850"/>
+            <a:ext cx="4129657" cy="369332"/>
+          </a:xfrm>
+          <a:prstGeom prst="rect">
+            <a:avLst/>
+          </a:prstGeom>
+          <a:noFill/>
+        </p:spPr>
+        <p:txBody>
+          <a:bodyPr wrap="none" rtlCol="0">
+            <a:spAutoFit/>
+          </a:bodyPr>
+          <a:lstStyle/>
+          <a:p>
+            <a:pPr algn="r" rtl="1"/>
+            <a:r>
+              <a:rPr lang="he-IL" dirty="0"/>
+              <a:t>במקום "</a:t>
+            </a:r>
+            <a:r>
+              <a:rPr lang="en-US" dirty="0"/>
+              <a:t>XXX</a:t>
+            </a:r>
+            <a:r>
+              <a:rPr lang="he-IL" dirty="0"/>
+              <a:t>" היית אומר "לא מוצא חן בעיניי"</a:t>
+            </a:r>
+            <a:endParaRPr lang="ru-RU" dirty="0"/>
+          </a:p>
+        </p:txBody>
+      </p:sp>
+    </p:spTree>
+    <p:extLst>
+      <p:ext uri="{BB962C8B-B14F-4D97-AF65-F5344CB8AC3E}">
+        <p14:creationId xmlns:p14="http://schemas.microsoft.com/office/powerpoint/2010/main" val="3999945702"/>
       </p:ext>
     </p:extLst>
   </p:cSld>
@@ -3951,28 +5481,32 @@
           <a:p>
             <a:pPr algn="r" rtl="1"/>
             <a:r>
-              <a:rPr lang="en-US" sz="4000" dirty="0">
-                <a:latin typeface="Arial (Body)"/>
-                <a:cs typeface="+mn-cs"/>
-              </a:rPr>
-              <a:t> 3.1</a:t>
-            </a:r>
-            <a:r>
               <a:rPr lang="he-IL" sz="4000" dirty="0">
                 <a:latin typeface="Arial (Body)"/>
                 <a:cs typeface="+mn-cs"/>
               </a:rPr>
               <a:t>הנחות של רגרסיה</a:t>
             </a:r>
-          </a:p>
-        </p:txBody>
-      </p:sp>
-      <p:sp>
-        <p:nvSpPr>
-          <p:cNvPr id="3" name="Content Placeholder 2">
-            <a:extLst>
-              <a:ext uri="{FF2B5EF4-FFF2-40B4-BE49-F238E27FC236}">
-                <a16:creationId xmlns:a16="http://schemas.microsoft.com/office/drawing/2014/main" id="{3F357412-18F3-FBD5-2E78-9AB8E609A48A}"/>
+            <a:r>
+              <a:rPr lang="en-US" sz="4000" dirty="0">
+                <a:latin typeface="Arial (Body)"/>
+                <a:cs typeface="+mn-cs"/>
+              </a:rPr>
+              <a:t>  </a:t>
+            </a:r>
+            <a:endParaRPr lang="he-IL" sz="4000" dirty="0">
+              <a:latin typeface="Arial (Body)"/>
+              <a:cs typeface="+mn-cs"/>
+            </a:endParaRPr>
+          </a:p>
+        </p:txBody>
+      </p:sp>
+      <p:sp>
+        <p:nvSpPr>
+          <p:cNvPr id="4" name="Slide Number Placeholder 3">
+            <a:extLst>
+              <a:ext uri="{FF2B5EF4-FFF2-40B4-BE49-F238E27FC236}">
+                <a16:creationId xmlns:a16="http://schemas.microsoft.com/office/drawing/2014/main" id="{7D80571F-D6F8-0255-5B7E-EA00534D7724}"/>
               </a:ext>
             </a:extLst>
           </p:cNvPr>
@@ -3980,63 +5514,15 @@
             <a:spLocks noGrp="1"/>
           </p:cNvSpPr>
           <p:nvPr>
-            <p:ph idx="1"/>
-          </p:nvPr>
-        </p:nvSpPr>
-        <p:spPr/>
-        <p:txBody>
-          <a:bodyPr/>
-          <a:lstStyle/>
-          <a:p>
-            <a:pPr algn="r" rtl="1"/>
-            <a:r>
-              <a:rPr lang="he-IL" dirty="0"/>
-              <a:t>אין אי וודאות ב</a:t>
-            </a:r>
-            <a:r>
-              <a:rPr lang="en-US" dirty="0"/>
-              <a:t>X</a:t>
-            </a:r>
-            <a:endParaRPr lang="he-IL" dirty="0"/>
-          </a:p>
-          <a:p>
-            <a:pPr algn="r" rtl="1"/>
-            <a:r>
-              <a:rPr lang="he-IL" dirty="0"/>
-              <a:t>אי וודאות ב-</a:t>
-            </a:r>
-            <a:r>
-              <a:rPr lang="en-US" dirty="0"/>
-              <a:t>Y</a:t>
-            </a:r>
-            <a:r>
-              <a:rPr lang="he-IL" dirty="0"/>
-              <a:t> קבועה! לא משתנה מנקודה לנקודה</a:t>
-            </a:r>
-          </a:p>
-          <a:p>
-            <a:pPr algn="r" rtl="1"/>
-            <a:endParaRPr lang="he-IL" dirty="0"/>
-          </a:p>
-        </p:txBody>
-      </p:sp>
-      <p:sp>
-        <p:nvSpPr>
-          <p:cNvPr id="4" name="Slide Number Placeholder 3">
-            <a:extLst>
-              <a:ext uri="{FF2B5EF4-FFF2-40B4-BE49-F238E27FC236}">
-                <a16:creationId xmlns:a16="http://schemas.microsoft.com/office/drawing/2014/main" id="{7D80571F-D6F8-0255-5B7E-EA00534D7724}"/>
-              </a:ext>
-            </a:extLst>
-          </p:cNvPr>
-          <p:cNvSpPr>
-            <a:spLocks noGrp="1"/>
-          </p:cNvSpPr>
-          <p:nvPr>
             <p:ph type="sldNum" sz="quarter" idx="12"/>
           </p:nvPr>
         </p:nvSpPr>
-        <p:spPr/>
+        <p:spPr>
+          <a:xfrm>
+            <a:off x="11566187" y="6366078"/>
+            <a:ext cx="283723" cy="365125"/>
+          </a:xfrm>
+        </p:spPr>
         <p:txBody>
           <a:bodyPr/>
           <a:lstStyle/>
@@ -4049,6 +5535,387 @@
           </a:p>
         </p:txBody>
       </p:sp>
+      <mc:AlternateContent xmlns:mc="http://schemas.openxmlformats.org/markup-compatibility/2006">
+        <mc:Choice xmlns:a14="http://schemas.microsoft.com/office/drawing/2010/main" Requires="a14">
+          <p:sp>
+            <p:nvSpPr>
+              <p:cNvPr id="5" name="TextBox 4">
+                <a:extLst>
+                  <a:ext uri="{FF2B5EF4-FFF2-40B4-BE49-F238E27FC236}">
+                    <a16:creationId xmlns:a16="http://schemas.microsoft.com/office/drawing/2014/main" id="{B0B87905-4613-9AA8-6BD7-428C1E58D00D}"/>
+                  </a:ext>
+                </a:extLst>
+              </p:cNvPr>
+              <p:cNvSpPr txBox="1"/>
+              <p:nvPr/>
+            </p:nvSpPr>
+            <p:spPr>
+              <a:xfrm>
+                <a:off x="9343747" y="3161144"/>
+                <a:ext cx="2286000" cy="1360629"/>
+              </a:xfrm>
+              <a:prstGeom prst="rect">
+                <a:avLst/>
+              </a:prstGeom>
+              <a:noFill/>
+            </p:spPr>
+            <p:txBody>
+              <a:bodyPr wrap="square" lIns="0" tIns="0" rIns="0" bIns="0" rtlCol="0">
+                <a:spAutoFit/>
+              </a:bodyPr>
+              <a:lstStyle/>
+              <a:p>
+                <a14:m>
+                  <m:oMathPara xmlns:m="http://schemas.openxmlformats.org/officeDocument/2006/math">
+                    <m:oMathParaPr>
+                      <m:jc m:val="centerGroup"/>
+                    </m:oMathParaPr>
+                    <m:oMath xmlns:m="http://schemas.openxmlformats.org/officeDocument/2006/math">
+                      <m:sSub>
+                        <m:sSubPr>
+                          <m:ctrlPr>
+                            <a:rPr lang="en-US" sz="2800" i="1" smtClean="0">
+                              <a:latin typeface="Cambria Math" panose="02040503050406030204" pitchFamily="18" charset="0"/>
+                            </a:rPr>
+                          </m:ctrlPr>
+                        </m:sSubPr>
+                        <m:e>
+                          <m:r>
+                            <a:rPr lang="en-US" sz="2800" i="1" smtClean="0">
+                              <a:latin typeface="Cambria Math" panose="02040503050406030204" pitchFamily="18" charset="0"/>
+                            </a:rPr>
+                            <m:t>𝜎</m:t>
+                          </m:r>
+                        </m:e>
+                        <m:sub>
+                          <m:r>
+                            <a:rPr lang="en-US" sz="2800" b="0" i="1" smtClean="0">
+                              <a:latin typeface="Cambria Math" panose="02040503050406030204" pitchFamily="18" charset="0"/>
+                            </a:rPr>
+                            <m:t>𝑥</m:t>
+                          </m:r>
+                        </m:sub>
+                      </m:sSub>
+                      <m:r>
+                        <a:rPr lang="en-US" sz="2800" b="0" i="1" smtClean="0">
+                          <a:latin typeface="Cambria Math" panose="02040503050406030204" pitchFamily="18" charset="0"/>
+                        </a:rPr>
+                        <m:t>≪</m:t>
+                      </m:r>
+                      <m:sSub>
+                        <m:sSubPr>
+                          <m:ctrlPr>
+                            <a:rPr lang="en-US" sz="2800" b="0" i="1" smtClean="0">
+                              <a:latin typeface="Cambria Math" panose="02040503050406030204" pitchFamily="18" charset="0"/>
+                            </a:rPr>
+                          </m:ctrlPr>
+                        </m:sSubPr>
+                        <m:e>
+                          <m:r>
+                            <a:rPr lang="en-US" sz="2800" b="0" i="1" smtClean="0">
+                              <a:latin typeface="Cambria Math" panose="02040503050406030204" pitchFamily="18" charset="0"/>
+                            </a:rPr>
+                            <m:t>𝜎</m:t>
+                          </m:r>
+                        </m:e>
+                        <m:sub>
+                          <m:r>
+                            <a:rPr lang="en-US" sz="2800" b="0" i="1" smtClean="0">
+                              <a:latin typeface="Cambria Math" panose="02040503050406030204" pitchFamily="18" charset="0"/>
+                            </a:rPr>
+                            <m:t>𝑦</m:t>
+                          </m:r>
+                        </m:sub>
+                      </m:sSub>
+                    </m:oMath>
+                  </m:oMathPara>
+                </a14:m>
+                <a:endParaRPr lang="en-US" sz="2800" b="0" dirty="0"/>
+              </a:p>
+              <a:p>
+                <a:br>
+                  <a:rPr lang="en-US" sz="2800" b="0" dirty="0"/>
+                </a:br>
+                <a14:m>
+                  <m:oMathPara xmlns:m="http://schemas.openxmlformats.org/officeDocument/2006/math">
+                    <m:oMathParaPr>
+                      <m:jc m:val="centerGroup"/>
+                    </m:oMathParaPr>
+                    <m:oMath xmlns:m="http://schemas.openxmlformats.org/officeDocument/2006/math">
+                      <m:sSub>
+                        <m:sSubPr>
+                          <m:ctrlPr>
+                            <a:rPr lang="en-US" sz="2800" b="0" i="1" smtClean="0">
+                              <a:latin typeface="Cambria Math" panose="02040503050406030204" pitchFamily="18" charset="0"/>
+                            </a:rPr>
+                          </m:ctrlPr>
+                        </m:sSubPr>
+                        <m:e>
+                          <m:r>
+                            <a:rPr lang="en-US" sz="2800" b="0" i="1" smtClean="0">
+                              <a:latin typeface="Cambria Math" panose="02040503050406030204" pitchFamily="18" charset="0"/>
+                            </a:rPr>
+                            <m:t>𝜎</m:t>
+                          </m:r>
+                        </m:e>
+                        <m:sub>
+                          <m:r>
+                            <a:rPr lang="en-US" sz="2800" b="0" i="1" smtClean="0">
+                              <a:latin typeface="Cambria Math" panose="02040503050406030204" pitchFamily="18" charset="0"/>
+                            </a:rPr>
+                            <m:t>𝑦</m:t>
+                          </m:r>
+                        </m:sub>
+                      </m:sSub>
+                      <m:r>
+                        <a:rPr lang="en-US" sz="2800" b="0" i="1" smtClean="0">
+                          <a:latin typeface="Cambria Math" panose="02040503050406030204" pitchFamily="18" charset="0"/>
+                        </a:rPr>
+                        <m:t>=</m:t>
+                      </m:r>
+                      <m:r>
+                        <m:rPr>
+                          <m:sty m:val="p"/>
+                        </m:rPr>
+                        <a:rPr lang="en-US" sz="2800" b="0" i="0" smtClean="0">
+                          <a:latin typeface="Cambria Math" panose="02040503050406030204" pitchFamily="18" charset="0"/>
+                        </a:rPr>
+                        <m:t>const</m:t>
+                      </m:r>
+                    </m:oMath>
+                  </m:oMathPara>
+                </a14:m>
+                <a:endParaRPr lang="en-US" b="0" dirty="0"/>
+              </a:p>
+            </p:txBody>
+          </p:sp>
+        </mc:Choice>
+        <mc:Fallback>
+          <p:sp>
+            <p:nvSpPr>
+              <p:cNvPr id="5" name="TextBox 4">
+                <a:extLst>
+                  <a:ext uri="{FF2B5EF4-FFF2-40B4-BE49-F238E27FC236}">
+                    <a16:creationId xmlns:a16="http://schemas.microsoft.com/office/drawing/2014/main" id="{B0B87905-4613-9AA8-6BD7-428C1E58D00D}"/>
+                  </a:ext>
+                </a:extLst>
+              </p:cNvPr>
+              <p:cNvSpPr txBox="1">
+                <a:spLocks noRot="1" noChangeAspect="1" noMove="1" noResize="1" noEditPoints="1" noAdjustHandles="1" noChangeArrowheads="1" noChangeShapeType="1" noTextEdit="1"/>
+              </p:cNvSpPr>
+              <p:nvPr/>
+            </p:nvSpPr>
+            <p:spPr>
+              <a:xfrm>
+                <a:off x="9343747" y="3161144"/>
+                <a:ext cx="2286000" cy="1360629"/>
+              </a:xfrm>
+              <a:prstGeom prst="rect">
+                <a:avLst/>
+              </a:prstGeom>
+              <a:blipFill>
+                <a:blip r:embed="rId3"/>
+                <a:stretch>
+                  <a:fillRect/>
+                </a:stretch>
+              </a:blipFill>
+            </p:spPr>
+            <p:txBody>
+              <a:bodyPr/>
+              <a:lstStyle/>
+              <a:p>
+                <a:r>
+                  <a:rPr lang="ru-RU">
+                    <a:noFill/>
+                  </a:rPr>
+                  <a:t> </a:t>
+                </a:r>
+              </a:p>
+            </p:txBody>
+          </p:sp>
+        </mc:Fallback>
+      </mc:AlternateContent>
+      <p:pic>
+        <p:nvPicPr>
+          <p:cNvPr id="1038" name="Picture 14">
+            <a:extLst>
+              <a:ext uri="{FF2B5EF4-FFF2-40B4-BE49-F238E27FC236}">
+                <a16:creationId xmlns:a16="http://schemas.microsoft.com/office/drawing/2014/main" id="{7811A833-83F4-BDE3-A082-6694ADC7B73B}"/>
+              </a:ext>
+            </a:extLst>
+          </p:cNvPr>
+          <p:cNvPicPr>
+            <a:picLocks noChangeAspect="1" noChangeArrowheads="1"/>
+          </p:cNvPicPr>
+          <p:nvPr/>
+        </p:nvPicPr>
+        <p:blipFill>
+          <a:blip r:embed="rId4">
+            <a:extLst>
+              <a:ext uri="{28A0092B-C50C-407E-A947-70E740481C1C}">
+                <a14:useLocalDpi xmlns:a14="http://schemas.microsoft.com/office/drawing/2010/main" val="0"/>
+              </a:ext>
+            </a:extLst>
+          </a:blip>
+          <a:srcRect/>
+          <a:stretch>
+            <a:fillRect/>
+          </a:stretch>
+        </p:blipFill>
+        <p:spPr bwMode="auto">
+          <a:xfrm>
+            <a:off x="2998470" y="1722145"/>
+            <a:ext cx="5524500" cy="4238625"/>
+          </a:xfrm>
+          <a:prstGeom prst="rect">
+            <a:avLst/>
+          </a:prstGeom>
+          <a:noFill/>
+          <a:extLst>
+            <a:ext uri="{909E8E84-426E-40DD-AFC4-6F175D3DCCD1}">
+              <a14:hiddenFill xmlns:a14="http://schemas.microsoft.com/office/drawing/2010/main">
+                <a:solidFill>
+                  <a:srgbClr val="FFFFFF"/>
+                </a:solidFill>
+              </a14:hiddenFill>
+            </a:ext>
+          </a:extLst>
+        </p:spPr>
+      </p:pic>
+      <mc:AlternateContent xmlns:mc="http://schemas.openxmlformats.org/markup-compatibility/2006">
+        <mc:Choice xmlns:a14="http://schemas.microsoft.com/office/drawing/2010/main" Requires="a14">
+          <p:sp>
+            <p:nvSpPr>
+              <p:cNvPr id="8" name="TextBox 7">
+                <a:extLst>
+                  <a:ext uri="{FF2B5EF4-FFF2-40B4-BE49-F238E27FC236}">
+                    <a16:creationId xmlns:a16="http://schemas.microsoft.com/office/drawing/2014/main" id="{A51D5682-1589-695A-F743-9AF6191B8588}"/>
+                  </a:ext>
+                </a:extLst>
+              </p:cNvPr>
+              <p:cNvSpPr txBox="1"/>
+              <p:nvPr/>
+            </p:nvSpPr>
+            <p:spPr>
+              <a:xfrm>
+                <a:off x="9193530" y="1779488"/>
+                <a:ext cx="2286000" cy="430952"/>
+              </a:xfrm>
+              <a:prstGeom prst="rect">
+                <a:avLst/>
+              </a:prstGeom>
+              <a:noFill/>
+            </p:spPr>
+            <p:txBody>
+              <a:bodyPr wrap="square" lIns="0" tIns="0" rIns="0" bIns="0" rtlCol="0">
+                <a:spAutoFit/>
+              </a:bodyPr>
+              <a:lstStyle/>
+              <a:p>
+                <a14:m>
+                  <m:oMathPara xmlns:m="http://schemas.openxmlformats.org/officeDocument/2006/math">
+                    <m:oMathParaPr>
+                      <m:jc m:val="centerGroup"/>
+                    </m:oMathParaPr>
+                    <m:oMath xmlns:m="http://schemas.openxmlformats.org/officeDocument/2006/math">
+                      <m:r>
+                        <a:rPr lang="en-US" sz="2800" b="0" i="1" smtClean="0">
+                          <a:latin typeface="Cambria Math" panose="02040503050406030204" pitchFamily="18" charset="0"/>
+                        </a:rPr>
+                        <m:t>𝑦</m:t>
+                      </m:r>
+                      <m:r>
+                        <a:rPr lang="en-US" sz="2800" b="0" i="1" smtClean="0">
+                          <a:latin typeface="Cambria Math" panose="02040503050406030204" pitchFamily="18" charset="0"/>
+                        </a:rPr>
+                        <m:t>=</m:t>
+                      </m:r>
+                      <m:r>
+                        <a:rPr lang="en-US" sz="2800" b="0" i="1" smtClean="0">
+                          <a:latin typeface="Cambria Math" panose="02040503050406030204" pitchFamily="18" charset="0"/>
+                        </a:rPr>
+                        <m:t>𝑎</m:t>
+                      </m:r>
+                      <m:r>
+                        <a:rPr lang="en-US" sz="2800" b="0" i="1" smtClean="0">
+                          <a:latin typeface="Cambria Math" panose="02040503050406030204" pitchFamily="18" charset="0"/>
+                        </a:rPr>
+                        <m:t> </m:t>
+                      </m:r>
+                      <m:r>
+                        <a:rPr lang="en-US" sz="2800" b="0" i="1" smtClean="0">
+                          <a:latin typeface="Cambria Math" panose="02040503050406030204" pitchFamily="18" charset="0"/>
+                        </a:rPr>
+                        <m:t>𝑥</m:t>
+                      </m:r>
+                      <m:r>
+                        <a:rPr lang="en-US" sz="2800" b="0" i="1" smtClean="0">
+                          <a:latin typeface="Cambria Math" panose="02040503050406030204" pitchFamily="18" charset="0"/>
+                        </a:rPr>
+                        <m:t>+</m:t>
+                      </m:r>
+                      <m:r>
+                        <a:rPr lang="en-US" sz="2800" b="0" i="1" smtClean="0">
+                          <a:latin typeface="Cambria Math" panose="02040503050406030204" pitchFamily="18" charset="0"/>
+                        </a:rPr>
+                        <m:t>𝑏</m:t>
+                      </m:r>
+                    </m:oMath>
+                  </m:oMathPara>
+                </a14:m>
+                <a:br>
+                  <a:rPr lang="en-US" sz="2800" b="0" dirty="0"/>
+                </a:br>
+                <a:endParaRPr lang="en-US" sz="2800" b="0" dirty="0"/>
+              </a:p>
+            </p:txBody>
+          </p:sp>
+        </mc:Choice>
+        <mc:Fallback>
+          <p:sp>
+            <p:nvSpPr>
+              <p:cNvPr id="8" name="TextBox 7">
+                <a:extLst>
+                  <a:ext uri="{FF2B5EF4-FFF2-40B4-BE49-F238E27FC236}">
+                    <a16:creationId xmlns:a16="http://schemas.microsoft.com/office/drawing/2014/main" id="{A51D5682-1589-695A-F743-9AF6191B8588}"/>
+                  </a:ext>
+                </a:extLst>
+              </p:cNvPr>
+              <p:cNvSpPr txBox="1">
+                <a:spLocks noRot="1" noChangeAspect="1" noMove="1" noResize="1" noEditPoints="1" noAdjustHandles="1" noChangeArrowheads="1" noChangeShapeType="1" noTextEdit="1"/>
+              </p:cNvSpPr>
+              <p:nvPr/>
+            </p:nvSpPr>
+            <p:spPr>
+              <a:xfrm>
+                <a:off x="9193530" y="1779488"/>
+                <a:ext cx="2286000" cy="430952"/>
+              </a:xfrm>
+              <a:prstGeom prst="rect">
+                <a:avLst/>
+              </a:prstGeom>
+              <a:blipFill>
+                <a:blip r:embed="rId5"/>
+                <a:stretch>
+                  <a:fillRect/>
+                </a:stretch>
+              </a:blipFill>
+            </p:spPr>
+            <p:txBody>
+              <a:bodyPr/>
+              <a:lstStyle/>
+              <a:p>
+                <a:r>
+                  <a:rPr lang="ru-RU">
+                    <a:noFill/>
+                  </a:rPr>
+                  <a:t> </a:t>
+                </a:r>
+              </a:p>
+            </p:txBody>
+          </p:sp>
+        </mc:Fallback>
+      </mc:AlternateContent>
     </p:spTree>
     <p:extLst>
       <p:ext uri="{BB962C8B-B14F-4D97-AF65-F5344CB8AC3E}">
@@ -4081,10 +5948,10 @@
       </p:grpSpPr>
       <p:sp>
         <p:nvSpPr>
-          <p:cNvPr id="2" name="Title 1">
-            <a:extLst>
-              <a:ext uri="{FF2B5EF4-FFF2-40B4-BE49-F238E27FC236}">
-                <a16:creationId xmlns:a16="http://schemas.microsoft.com/office/drawing/2014/main" id="{7F4D89C8-43E2-B128-EFF6-5F506272EED4}"/>
+          <p:cNvPr id="2" name="Slide Number Placeholder 1">
+            <a:extLst>
+              <a:ext uri="{FF2B5EF4-FFF2-40B4-BE49-F238E27FC236}">
+                <a16:creationId xmlns:a16="http://schemas.microsoft.com/office/drawing/2014/main" id="{6EF07D83-62DD-2C9B-7DF1-5F1628139786}"/>
               </a:ext>
             </a:extLst>
           </p:cNvPr>
@@ -4092,39 +5959,15 @@
             <a:spLocks noGrp="1"/>
           </p:cNvSpPr>
           <p:nvPr>
-            <p:ph type="title"/>
-          </p:nvPr>
-        </p:nvSpPr>
-        <p:spPr/>
-        <p:txBody>
-          <a:bodyPr/>
-          <a:lstStyle/>
-          <a:p>
-            <a:pPr algn="r" rtl="1"/>
-            <a:r>
-              <a:rPr lang="he-IL" dirty="0"/>
-              <a:t>רגרסיה לפונקציה ללא איבר חופשי</a:t>
-            </a:r>
-          </a:p>
-        </p:txBody>
-      </p:sp>
-      <p:sp>
-        <p:nvSpPr>
-          <p:cNvPr id="4" name="Slide Number Placeholder 3">
-            <a:extLst>
-              <a:ext uri="{FF2B5EF4-FFF2-40B4-BE49-F238E27FC236}">
-                <a16:creationId xmlns:a16="http://schemas.microsoft.com/office/drawing/2014/main" id="{9EE86A99-F816-5B21-6D2E-EEA1CABEF45E}"/>
-              </a:ext>
-            </a:extLst>
-          </p:cNvPr>
-          <p:cNvSpPr>
-            <a:spLocks noGrp="1"/>
-          </p:cNvSpPr>
-          <p:nvPr>
             <p:ph type="sldNum" sz="quarter" idx="12"/>
           </p:nvPr>
         </p:nvSpPr>
-        <p:spPr/>
+        <p:spPr>
+          <a:xfrm>
+            <a:off x="11050858" y="6356350"/>
+            <a:ext cx="302941" cy="365125"/>
+          </a:xfrm>
+        </p:spPr>
         <p:txBody>
           <a:bodyPr/>
           <a:lstStyle/>
@@ -4137,21 +5980,77 @@
           </a:p>
         </p:txBody>
       </p:sp>
+      <p:sp>
+        <p:nvSpPr>
+          <p:cNvPr id="5" name="Title 1">
+            <a:extLst>
+              <a:ext uri="{FF2B5EF4-FFF2-40B4-BE49-F238E27FC236}">
+                <a16:creationId xmlns:a16="http://schemas.microsoft.com/office/drawing/2014/main" id="{02BD6627-0A39-9CC7-AE00-C39C363F1BB8}"/>
+              </a:ext>
+            </a:extLst>
+          </p:cNvPr>
+          <p:cNvSpPr txBox="1">
+            <a:spLocks/>
+          </p:cNvSpPr>
+          <p:nvPr/>
+        </p:nvSpPr>
+        <p:spPr>
+          <a:xfrm>
+            <a:off x="838200" y="365126"/>
+            <a:ext cx="10515600" cy="794602"/>
+          </a:xfrm>
+          <a:prstGeom prst="rect">
+            <a:avLst/>
+          </a:prstGeom>
+        </p:spPr>
+        <p:txBody>
+          <a:bodyPr>
+            <a:normAutofit/>
+          </a:bodyPr>
+          <a:lstStyle>
+            <a:lvl1pPr algn="l" defTabSz="914400" rtl="0" eaLnBrk="1" latinLnBrk="0" hangingPunct="1">
+              <a:lnSpc>
+                <a:spcPct val="90000"/>
+              </a:lnSpc>
+              <a:spcBef>
+                <a:spcPct val="0"/>
+              </a:spcBef>
+              <a:buNone/>
+              <a:defRPr sz="4400" kern="1200">
+                <a:solidFill>
+                  <a:schemeClr val="tx1"/>
+                </a:solidFill>
+                <a:latin typeface="+mj-lt"/>
+                <a:ea typeface="+mj-ea"/>
+                <a:cs typeface="+mj-cs"/>
+              </a:defRPr>
+            </a:lvl1pPr>
+          </a:lstStyle>
+          <a:p>
+            <a:pPr algn="r" rtl="1"/>
+            <a:r>
+              <a:rPr lang="he-IL" sz="4000" dirty="0">
+                <a:latin typeface="Arial (Body)"/>
+                <a:cs typeface="+mn-cs"/>
+              </a:rPr>
+              <a:t>שימוש בספריות פייתון</a:t>
+            </a:r>
+          </a:p>
+        </p:txBody>
+      </p:sp>
       <p:pic>
         <p:nvPicPr>
-          <p:cNvPr id="10" name="Content Placeholder 9">
-            <a:extLst>
-              <a:ext uri="{FF2B5EF4-FFF2-40B4-BE49-F238E27FC236}">
-                <a16:creationId xmlns:a16="http://schemas.microsoft.com/office/drawing/2014/main" id="{E28DA73F-73F2-4D04-9E23-7D30E6385B02}"/>
+          <p:cNvPr id="7" name="Picture 6">
+            <a:extLst>
+              <a:ext uri="{FF2B5EF4-FFF2-40B4-BE49-F238E27FC236}">
+                <a16:creationId xmlns:a16="http://schemas.microsoft.com/office/drawing/2014/main" id="{FA3039AC-4291-7890-EFED-6737A7F0EFB8}"/>
               </a:ext>
             </a:extLst>
           </p:cNvPr>
           <p:cNvPicPr>
-            <a:picLocks noGrp="1" noChangeAspect="1"/>
+            <a:picLocks noChangeAspect="1"/>
           </p:cNvPicPr>
-          <p:nvPr>
-            <p:ph idx="1"/>
-          </p:nvPr>
+          <p:nvPr/>
         </p:nvPicPr>
         <p:blipFill>
           <a:blip r:embed="rId2"/>
@@ -4161,71 +6060,18 @@
         </p:blipFill>
         <p:spPr>
           <a:xfrm>
-            <a:off x="3266680" y="1905501"/>
-            <a:ext cx="5658640" cy="4191585"/>
+            <a:off x="2771757" y="1375641"/>
+            <a:ext cx="6916115" cy="5163271"/>
           </a:xfrm>
           <a:prstGeom prst="rect">
             <a:avLst/>
           </a:prstGeom>
         </p:spPr>
       </p:pic>
-      <p:sp>
-        <p:nvSpPr>
-          <p:cNvPr id="7" name="&quot;Not Allowed&quot; Symbol 6">
-            <a:extLst>
-              <a:ext uri="{FF2B5EF4-FFF2-40B4-BE49-F238E27FC236}">
-                <a16:creationId xmlns:a16="http://schemas.microsoft.com/office/drawing/2014/main" id="{02B41115-5EEC-D13F-2D15-25B9CE69B58B}"/>
-              </a:ext>
-            </a:extLst>
-          </p:cNvPr>
-          <p:cNvSpPr/>
-          <p:nvPr/>
-        </p:nvSpPr>
-        <p:spPr>
-          <a:xfrm>
-            <a:off x="5371381" y="3300397"/>
-            <a:ext cx="1449238" cy="1401792"/>
-          </a:xfrm>
-          <a:prstGeom prst="noSmoking">
-            <a:avLst/>
-          </a:prstGeom>
-          <a:solidFill>
-            <a:srgbClr val="FF0000"/>
-          </a:solidFill>
-        </p:spPr>
-        <p:style>
-          <a:lnRef idx="2">
-            <a:schemeClr val="accent1">
-              <a:shade val="15000"/>
-            </a:schemeClr>
-          </a:lnRef>
-          <a:fillRef idx="1">
-            <a:schemeClr val="accent1"/>
-          </a:fillRef>
-          <a:effectRef idx="0">
-            <a:schemeClr val="accent1"/>
-          </a:effectRef>
-          <a:fontRef idx="minor">
-            <a:schemeClr val="lt1"/>
-          </a:fontRef>
-        </p:style>
-        <p:txBody>
-          <a:bodyPr rtlCol="1" anchor="ctr"/>
-          <a:lstStyle/>
-          <a:p>
-            <a:pPr algn="ctr"/>
-            <a:endParaRPr lang="he-IL">
-              <a:solidFill>
-                <a:srgbClr val="FF0000"/>
-              </a:solidFill>
-            </a:endParaRPr>
-          </a:p>
-        </p:txBody>
-      </p:sp>
     </p:spTree>
     <p:extLst>
       <p:ext uri="{BB962C8B-B14F-4D97-AF65-F5344CB8AC3E}">
-        <p14:creationId xmlns:p14="http://schemas.microsoft.com/office/powerpoint/2010/main" val="209142207"/>
+        <p14:creationId xmlns:p14="http://schemas.microsoft.com/office/powerpoint/2010/main" val="3399227917"/>
       </p:ext>
     </p:extLst>
   </p:cSld>
@@ -4257,7 +6103,7 @@
           <p:cNvPr id="2" name="Title 1">
             <a:extLst>
               <a:ext uri="{FF2B5EF4-FFF2-40B4-BE49-F238E27FC236}">
-                <a16:creationId xmlns:a16="http://schemas.microsoft.com/office/drawing/2014/main" id="{30316C98-FF90-B83B-DAEF-92E62525C7A6}"/>
+                <a16:creationId xmlns:a16="http://schemas.microsoft.com/office/drawing/2014/main" id="{7F4D89C8-43E2-B128-EFF6-5F506272EED4}"/>
               </a:ext>
             </a:extLst>
           </p:cNvPr>
@@ -4270,23 +6116,28 @@
         </p:nvSpPr>
         <p:spPr/>
         <p:txBody>
-          <a:bodyPr/>
+          <a:bodyPr>
+            <a:normAutofit/>
+          </a:bodyPr>
           <a:lstStyle/>
           <a:p>
             <a:pPr algn="r" rtl="1"/>
             <a:r>
-              <a:rPr lang="he-IL" dirty="0"/>
-              <a:t>שימוש בממוצע משוקלל</a:t>
-            </a:r>
-          </a:p>
-        </p:txBody>
-      </p:sp>
-      <p:sp>
-        <p:nvSpPr>
-          <p:cNvPr id="3" name="Content Placeholder 2">
-            <a:extLst>
-              <a:ext uri="{FF2B5EF4-FFF2-40B4-BE49-F238E27FC236}">
-                <a16:creationId xmlns:a16="http://schemas.microsoft.com/office/drawing/2014/main" id="{4F3708CC-FB27-F09D-A9BC-1B60040D190D}"/>
+              <a:rPr lang="he-IL" sz="4000" dirty="0">
+                <a:latin typeface="Arial (Body)"/>
+                <a:cs typeface="+mn-cs"/>
+              </a:rPr>
+              <a:t>רגרסיה לפונקציה ללא איבר חופשי</a:t>
+            </a:r>
+          </a:p>
+        </p:txBody>
+      </p:sp>
+      <p:sp>
+        <p:nvSpPr>
+          <p:cNvPr id="4" name="Slide Number Placeholder 3">
+            <a:extLst>
+              <a:ext uri="{FF2B5EF4-FFF2-40B4-BE49-F238E27FC236}">
+                <a16:creationId xmlns:a16="http://schemas.microsoft.com/office/drawing/2014/main" id="{9EE86A99-F816-5B21-6D2E-EEA1CABEF45E}"/>
               </a:ext>
             </a:extLst>
           </p:cNvPr>
@@ -4294,35 +6145,15 @@
             <a:spLocks noGrp="1"/>
           </p:cNvSpPr>
           <p:nvPr>
-            <p:ph idx="1"/>
-          </p:nvPr>
-        </p:nvSpPr>
-        <p:spPr/>
-        <p:txBody>
-          <a:bodyPr/>
-          <a:lstStyle/>
-          <a:p>
-            <a:endParaRPr lang="he-IL" dirty="0"/>
-          </a:p>
-        </p:txBody>
-      </p:sp>
-      <p:sp>
-        <p:nvSpPr>
-          <p:cNvPr id="4" name="Slide Number Placeholder 3">
-            <a:extLst>
-              <a:ext uri="{FF2B5EF4-FFF2-40B4-BE49-F238E27FC236}">
-                <a16:creationId xmlns:a16="http://schemas.microsoft.com/office/drawing/2014/main" id="{5A62AF4A-124F-9603-2665-1AA8CE9B0D9E}"/>
-              </a:ext>
-            </a:extLst>
-          </p:cNvPr>
-          <p:cNvSpPr>
-            <a:spLocks noGrp="1"/>
-          </p:cNvSpPr>
-          <p:nvPr>
             <p:ph type="sldNum" sz="quarter" idx="12"/>
           </p:nvPr>
         </p:nvSpPr>
-        <p:spPr/>
+        <p:spPr>
+          <a:xfrm>
+            <a:off x="11775440" y="6315710"/>
+            <a:ext cx="279400" cy="365125"/>
+          </a:xfrm>
+        </p:spPr>
         <p:txBody>
           <a:bodyPr/>
           <a:lstStyle/>
@@ -4331,14 +6162,421 @@
               <a:rPr lang="he-IL" smtClean="0"/>
               <a:t>4</a:t>
             </a:fld>
-            <a:endParaRPr lang="he-IL"/>
-          </a:p>
-        </p:txBody>
-      </p:sp>
+            <a:endParaRPr lang="he-IL" dirty="0"/>
+          </a:p>
+        </p:txBody>
+      </p:sp>
+      <mc:AlternateContent xmlns:mc="http://schemas.openxmlformats.org/markup-compatibility/2006">
+        <mc:Choice xmlns:a14="http://schemas.microsoft.com/office/drawing/2010/main" Requires="a14">
+          <p:sp>
+            <p:nvSpPr>
+              <p:cNvPr id="12" name="TextBox 11">
+                <a:extLst>
+                  <a:ext uri="{FF2B5EF4-FFF2-40B4-BE49-F238E27FC236}">
+                    <a16:creationId xmlns:a16="http://schemas.microsoft.com/office/drawing/2014/main" id="{013763C0-F55F-BEE8-E8DB-E84C1AA2DE0F}"/>
+                  </a:ext>
+                </a:extLst>
+              </p:cNvPr>
+              <p:cNvSpPr txBox="1"/>
+              <p:nvPr/>
+            </p:nvSpPr>
+            <p:spPr>
+              <a:xfrm>
+                <a:off x="9489440" y="1945662"/>
+                <a:ext cx="2286000" cy="430952"/>
+              </a:xfrm>
+              <a:prstGeom prst="rect">
+                <a:avLst/>
+              </a:prstGeom>
+              <a:noFill/>
+            </p:spPr>
+            <p:txBody>
+              <a:bodyPr wrap="square" lIns="0" tIns="0" rIns="0" bIns="0" rtlCol="0">
+                <a:spAutoFit/>
+              </a:bodyPr>
+              <a:lstStyle/>
+              <a:p>
+                <a14:m>
+                  <m:oMathPara xmlns:m="http://schemas.openxmlformats.org/officeDocument/2006/math">
+                    <m:oMathParaPr>
+                      <m:jc m:val="centerGroup"/>
+                    </m:oMathParaPr>
+                    <m:oMath xmlns:m="http://schemas.openxmlformats.org/officeDocument/2006/math">
+                      <m:r>
+                        <a:rPr lang="en-US" sz="2800" b="0" i="1" smtClean="0">
+                          <a:latin typeface="Cambria Math" panose="02040503050406030204" pitchFamily="18" charset="0"/>
+                        </a:rPr>
+                        <m:t>𝑦</m:t>
+                      </m:r>
+                      <m:r>
+                        <a:rPr lang="en-US" sz="2800" b="0" i="1" smtClean="0">
+                          <a:latin typeface="Cambria Math" panose="02040503050406030204" pitchFamily="18" charset="0"/>
+                        </a:rPr>
+                        <m:t>=</m:t>
+                      </m:r>
+                      <m:r>
+                        <a:rPr lang="en-US" sz="2800" b="0" i="1" smtClean="0">
+                          <a:latin typeface="Cambria Math" panose="02040503050406030204" pitchFamily="18" charset="0"/>
+                        </a:rPr>
+                        <m:t>𝑘</m:t>
+                      </m:r>
+                      <m:r>
+                        <a:rPr lang="en-US" sz="2800" b="0" i="1" smtClean="0">
+                          <a:latin typeface="Cambria Math" panose="02040503050406030204" pitchFamily="18" charset="0"/>
+                        </a:rPr>
+                        <m:t> </m:t>
+                      </m:r>
+                      <m:r>
+                        <a:rPr lang="en-US" sz="2800" b="0" i="1" smtClean="0">
+                          <a:latin typeface="Cambria Math" panose="02040503050406030204" pitchFamily="18" charset="0"/>
+                        </a:rPr>
+                        <m:t>𝑥</m:t>
+                      </m:r>
+                    </m:oMath>
+                  </m:oMathPara>
+                </a14:m>
+                <a:br>
+                  <a:rPr lang="en-US" sz="2800" b="0" dirty="0"/>
+                </a:br>
+                <a:endParaRPr lang="en-US" sz="2800" b="0" dirty="0"/>
+              </a:p>
+            </p:txBody>
+          </p:sp>
+        </mc:Choice>
+        <mc:Fallback>
+          <p:sp>
+            <p:nvSpPr>
+              <p:cNvPr id="12" name="TextBox 11">
+                <a:extLst>
+                  <a:ext uri="{FF2B5EF4-FFF2-40B4-BE49-F238E27FC236}">
+                    <a16:creationId xmlns:a16="http://schemas.microsoft.com/office/drawing/2014/main" id="{013763C0-F55F-BEE8-E8DB-E84C1AA2DE0F}"/>
+                  </a:ext>
+                </a:extLst>
+              </p:cNvPr>
+              <p:cNvSpPr txBox="1">
+                <a:spLocks noRot="1" noChangeAspect="1" noMove="1" noResize="1" noEditPoints="1" noAdjustHandles="1" noChangeArrowheads="1" noChangeShapeType="1" noTextEdit="1"/>
+              </p:cNvSpPr>
+              <p:nvPr/>
+            </p:nvSpPr>
+            <p:spPr>
+              <a:xfrm>
+                <a:off x="9489440" y="1945662"/>
+                <a:ext cx="2286000" cy="430952"/>
+              </a:xfrm>
+              <a:prstGeom prst="rect">
+                <a:avLst/>
+              </a:prstGeom>
+              <a:blipFill>
+                <a:blip r:embed="rId2"/>
+                <a:stretch>
+                  <a:fillRect/>
+                </a:stretch>
+              </a:blipFill>
+            </p:spPr>
+            <p:txBody>
+              <a:bodyPr/>
+              <a:lstStyle/>
+              <a:p>
+                <a:r>
+                  <a:rPr lang="ru-RU">
+                    <a:noFill/>
+                  </a:rPr>
+                  <a:t> </a:t>
+                </a:r>
+              </a:p>
+            </p:txBody>
+          </p:sp>
+        </mc:Fallback>
+      </mc:AlternateContent>
+      <mc:AlternateContent xmlns:mc="http://schemas.openxmlformats.org/markup-compatibility/2006">
+        <mc:Choice xmlns:a14="http://schemas.microsoft.com/office/drawing/2010/main" Requires="a14">
+          <p:sp>
+            <p:nvSpPr>
+              <p:cNvPr id="13" name="TextBox 12">
+                <a:extLst>
+                  <a:ext uri="{FF2B5EF4-FFF2-40B4-BE49-F238E27FC236}">
+                    <a16:creationId xmlns:a16="http://schemas.microsoft.com/office/drawing/2014/main" id="{B0B536E3-140E-C232-57A4-76F8F7E8B124}"/>
+                  </a:ext>
+                </a:extLst>
+              </p:cNvPr>
+              <p:cNvSpPr txBox="1"/>
+              <p:nvPr/>
+            </p:nvSpPr>
+            <p:spPr>
+              <a:xfrm>
+                <a:off x="9088863" y="3094152"/>
+                <a:ext cx="2965977" cy="2504019"/>
+              </a:xfrm>
+              <a:prstGeom prst="rect">
+                <a:avLst/>
+              </a:prstGeom>
+              <a:noFill/>
+            </p:spPr>
+            <p:txBody>
+              <a:bodyPr wrap="square" lIns="0" tIns="0" rIns="0" bIns="0" rtlCol="0">
+                <a:spAutoFit/>
+              </a:bodyPr>
+              <a:lstStyle/>
+              <a:p>
+                <a14:m>
+                  <m:oMathPara xmlns:m="http://schemas.openxmlformats.org/officeDocument/2006/math">
+                    <m:oMathParaPr>
+                      <m:jc m:val="centerGroup"/>
+                    </m:oMathParaPr>
+                    <m:oMath xmlns:m="http://schemas.openxmlformats.org/officeDocument/2006/math">
+                      <m:r>
+                        <a:rPr lang="en-US" sz="2800" b="0" i="1" smtClean="0">
+                          <a:latin typeface="Cambria Math" panose="02040503050406030204" pitchFamily="18" charset="0"/>
+                        </a:rPr>
+                        <m:t>𝑘</m:t>
+                      </m:r>
+                      <m:r>
+                        <a:rPr lang="en-US" sz="2800" b="0" i="1" smtClean="0">
+                          <a:latin typeface="Cambria Math" panose="02040503050406030204" pitchFamily="18" charset="0"/>
+                        </a:rPr>
+                        <m:t>=</m:t>
+                      </m:r>
+                      <m:f>
+                        <m:fPr>
+                          <m:ctrlPr>
+                            <a:rPr lang="en-US" sz="2800" b="0" i="1" smtClean="0">
+                              <a:latin typeface="Cambria Math" panose="02040503050406030204" pitchFamily="18" charset="0"/>
+                            </a:rPr>
+                          </m:ctrlPr>
+                        </m:fPr>
+                        <m:num>
+                          <m:r>
+                            <a:rPr lang="en-US" sz="2800" b="0" i="1" smtClean="0">
+                              <a:latin typeface="Cambria Math" panose="02040503050406030204" pitchFamily="18" charset="0"/>
+                            </a:rPr>
+                            <m:t>𝑦</m:t>
+                          </m:r>
+                        </m:num>
+                        <m:den>
+                          <m:r>
+                            <a:rPr lang="en-US" sz="2800" b="0" i="1" smtClean="0">
+                              <a:latin typeface="Cambria Math" panose="02040503050406030204" pitchFamily="18" charset="0"/>
+                            </a:rPr>
+                            <m:t>𝑥</m:t>
+                          </m:r>
+                        </m:den>
+                      </m:f>
+                    </m:oMath>
+                  </m:oMathPara>
+                </a14:m>
+                <a:endParaRPr lang="en-US" sz="2800" b="0" dirty="0"/>
+              </a:p>
+              <a:p>
+                <a:br>
+                  <a:rPr lang="en-US" sz="2800" b="0" dirty="0"/>
+                </a:br>
+                <a14:m>
+                  <m:oMathPara xmlns:m="http://schemas.openxmlformats.org/officeDocument/2006/math">
+                    <m:oMathParaPr>
+                      <m:jc m:val="centerGroup"/>
+                    </m:oMathParaPr>
+                    <m:oMath xmlns:m="http://schemas.openxmlformats.org/officeDocument/2006/math">
+                      <m:f>
+                        <m:fPr>
+                          <m:ctrlPr>
+                            <a:rPr lang="en-US" sz="2800" b="0" i="1" smtClean="0">
+                              <a:latin typeface="Cambria Math" panose="02040503050406030204" pitchFamily="18" charset="0"/>
+                            </a:rPr>
+                          </m:ctrlPr>
+                        </m:fPr>
+                        <m:num>
+                          <m:sSub>
+                            <m:sSubPr>
+                              <m:ctrlPr>
+                                <a:rPr lang="en-US" sz="2800" b="0" i="1" smtClean="0">
+                                  <a:latin typeface="Cambria Math" panose="02040503050406030204" pitchFamily="18" charset="0"/>
+                                </a:rPr>
+                              </m:ctrlPr>
+                            </m:sSubPr>
+                            <m:e>
+                              <m:r>
+                                <a:rPr lang="en-US" sz="2800" b="0" i="1" smtClean="0">
+                                  <a:latin typeface="Cambria Math" panose="02040503050406030204" pitchFamily="18" charset="0"/>
+                                </a:rPr>
+                                <m:t>𝛿</m:t>
+                              </m:r>
+                            </m:e>
+                            <m:sub>
+                              <m:r>
+                                <a:rPr lang="en-US" sz="2800" b="0" i="1" smtClean="0">
+                                  <a:latin typeface="Cambria Math" panose="02040503050406030204" pitchFamily="18" charset="0"/>
+                                </a:rPr>
+                                <m:t>𝑘</m:t>
+                              </m:r>
+                            </m:sub>
+                          </m:sSub>
+                        </m:num>
+                        <m:den>
+                          <m:r>
+                            <a:rPr lang="en-US" sz="2800" b="0" i="1" smtClean="0">
+                              <a:latin typeface="Cambria Math" panose="02040503050406030204" pitchFamily="18" charset="0"/>
+                            </a:rPr>
+                            <m:t>𝑘</m:t>
+                          </m:r>
+                        </m:den>
+                      </m:f>
+                      <m:r>
+                        <a:rPr lang="en-US" sz="2800" b="0" i="1" smtClean="0">
+                          <a:latin typeface="Cambria Math" panose="02040503050406030204" pitchFamily="18" charset="0"/>
+                        </a:rPr>
+                        <m:t> =</m:t>
+                      </m:r>
+                      <m:f>
+                        <m:fPr>
+                          <m:ctrlPr>
+                            <a:rPr lang="en-US" sz="2800" b="0" i="1" smtClean="0">
+                              <a:latin typeface="Cambria Math" panose="02040503050406030204" pitchFamily="18" charset="0"/>
+                            </a:rPr>
+                          </m:ctrlPr>
+                        </m:fPr>
+                        <m:num>
+                          <m:sSub>
+                            <m:sSubPr>
+                              <m:ctrlPr>
+                                <a:rPr lang="en-US" sz="2800" b="0" i="1" smtClean="0">
+                                  <a:latin typeface="Cambria Math" panose="02040503050406030204" pitchFamily="18" charset="0"/>
+                                </a:rPr>
+                              </m:ctrlPr>
+                            </m:sSubPr>
+                            <m:e>
+                              <m:r>
+                                <a:rPr lang="en-US" sz="2800" b="0" i="1" smtClean="0">
+                                  <a:latin typeface="Cambria Math" panose="02040503050406030204" pitchFamily="18" charset="0"/>
+                                </a:rPr>
+                                <m:t>𝛿</m:t>
+                              </m:r>
+                            </m:e>
+                            <m:sub>
+                              <m:r>
+                                <a:rPr lang="en-US" sz="2800" b="0" i="1" smtClean="0">
+                                  <a:latin typeface="Cambria Math" panose="02040503050406030204" pitchFamily="18" charset="0"/>
+                                </a:rPr>
+                                <m:t>𝑦</m:t>
+                              </m:r>
+                            </m:sub>
+                          </m:sSub>
+                        </m:num>
+                        <m:den>
+                          <m:r>
+                            <a:rPr lang="en-US" sz="2800" b="0" i="1" smtClean="0">
+                              <a:latin typeface="Cambria Math" panose="02040503050406030204" pitchFamily="18" charset="0"/>
+                            </a:rPr>
+                            <m:t>𝑦</m:t>
+                          </m:r>
+                        </m:den>
+                      </m:f>
+                    </m:oMath>
+                  </m:oMathPara>
+                </a14:m>
+                <a:endParaRPr lang="en-US" sz="2800" b="0" dirty="0"/>
+              </a:p>
+              <a:p>
+                <a:endParaRPr lang="en-US" sz="2800" b="0" dirty="0"/>
+              </a:p>
+            </p:txBody>
+          </p:sp>
+        </mc:Choice>
+        <mc:Fallback>
+          <p:sp>
+            <p:nvSpPr>
+              <p:cNvPr id="13" name="TextBox 12">
+                <a:extLst>
+                  <a:ext uri="{FF2B5EF4-FFF2-40B4-BE49-F238E27FC236}">
+                    <a16:creationId xmlns:a16="http://schemas.microsoft.com/office/drawing/2014/main" id="{B0B536E3-140E-C232-57A4-76F8F7E8B124}"/>
+                  </a:ext>
+                </a:extLst>
+              </p:cNvPr>
+              <p:cNvSpPr txBox="1">
+                <a:spLocks noRot="1" noChangeAspect="1" noMove="1" noResize="1" noEditPoints="1" noAdjustHandles="1" noChangeArrowheads="1" noChangeShapeType="1" noTextEdit="1"/>
+              </p:cNvSpPr>
+              <p:nvPr/>
+            </p:nvSpPr>
+            <p:spPr>
+              <a:xfrm>
+                <a:off x="9088863" y="3094152"/>
+                <a:ext cx="2965977" cy="2504019"/>
+              </a:xfrm>
+              <a:prstGeom prst="rect">
+                <a:avLst/>
+              </a:prstGeom>
+              <a:blipFill>
+                <a:blip r:embed="rId3"/>
+                <a:stretch>
+                  <a:fillRect/>
+                </a:stretch>
+              </a:blipFill>
+            </p:spPr>
+            <p:txBody>
+              <a:bodyPr/>
+              <a:lstStyle/>
+              <a:p>
+                <a:r>
+                  <a:rPr lang="ru-RU">
+                    <a:noFill/>
+                  </a:rPr>
+                  <a:t> </a:t>
+                </a:r>
+              </a:p>
+            </p:txBody>
+          </p:sp>
+        </mc:Fallback>
+      </mc:AlternateContent>
+      <p:pic>
+        <p:nvPicPr>
+          <p:cNvPr id="3082" name="Picture 10">
+            <a:extLst>
+              <a:ext uri="{FF2B5EF4-FFF2-40B4-BE49-F238E27FC236}">
+                <a16:creationId xmlns:a16="http://schemas.microsoft.com/office/drawing/2014/main" id="{6B637B05-4B56-AC79-096C-4465620C3C26}"/>
+              </a:ext>
+            </a:extLst>
+          </p:cNvPr>
+          <p:cNvPicPr>
+            <a:picLocks noChangeAspect="1" noChangeArrowheads="1"/>
+          </p:cNvPicPr>
+          <p:nvPr/>
+        </p:nvPicPr>
+        <p:blipFill>
+          <a:blip r:embed="rId4">
+            <a:extLst>
+              <a:ext uri="{28A0092B-C50C-407E-A947-70E740481C1C}">
+                <a14:useLocalDpi xmlns:a14="http://schemas.microsoft.com/office/drawing/2010/main" val="0"/>
+              </a:ext>
+            </a:extLst>
+          </a:blip>
+          <a:srcRect/>
+          <a:stretch>
+            <a:fillRect/>
+          </a:stretch>
+        </p:blipFill>
+        <p:spPr bwMode="auto">
+          <a:xfrm>
+            <a:off x="3199935" y="1945662"/>
+            <a:ext cx="5524500" cy="4238625"/>
+          </a:xfrm>
+          <a:prstGeom prst="rect">
+            <a:avLst/>
+          </a:prstGeom>
+          <a:noFill/>
+          <a:extLst>
+            <a:ext uri="{909E8E84-426E-40DD-AFC4-6F175D3DCCD1}">
+              <a14:hiddenFill xmlns:a14="http://schemas.microsoft.com/office/drawing/2010/main">
+                <a:solidFill>
+                  <a:srgbClr val="FFFFFF"/>
+                </a:solidFill>
+              </a14:hiddenFill>
+            </a:ext>
+          </a:extLst>
+        </p:spPr>
+      </p:pic>
     </p:spTree>
     <p:extLst>
       <p:ext uri="{BB962C8B-B14F-4D97-AF65-F5344CB8AC3E}">
-        <p14:creationId xmlns:p14="http://schemas.microsoft.com/office/powerpoint/2010/main" val="3168296162"/>
+        <p14:creationId xmlns:p14="http://schemas.microsoft.com/office/powerpoint/2010/main" val="209142207"/>
       </p:ext>
     </p:extLst>
   </p:cSld>
@@ -4370,7 +6608,7 @@
           <p:cNvPr id="2" name="Title 1">
             <a:extLst>
               <a:ext uri="{FF2B5EF4-FFF2-40B4-BE49-F238E27FC236}">
-                <a16:creationId xmlns:a16="http://schemas.microsoft.com/office/drawing/2014/main" id="{95F4DEA2-F523-6A52-EECE-82D7DE56FCE9}"/>
+                <a16:creationId xmlns:a16="http://schemas.microsoft.com/office/drawing/2014/main" id="{30316C98-FF90-B83B-DAEF-92E62525C7A6}"/>
               </a:ext>
             </a:extLst>
           </p:cNvPr>
@@ -4383,21 +6621,18 @@
         </p:nvSpPr>
         <p:spPr/>
         <p:txBody>
-          <a:bodyPr/>
+          <a:bodyPr>
+            <a:normAutofit/>
+          </a:bodyPr>
           <a:lstStyle/>
           <a:p>
-            <a:pPr algn="r" rtl="1"/>
-            <a:r>
-              <a:rPr lang="he-IL" dirty="0"/>
-              <a:t>דוגמה של </a:t>
-            </a:r>
-            <a:r>
-              <a:rPr lang="he-IL" dirty="0" err="1"/>
-              <a:t>לינאריזציה</a:t>
-            </a:r>
-            <a:r>
-              <a:rPr lang="he-IL" dirty="0"/>
-              <a:t> לא מוצלחת</a:t>
+            <a:pPr algn="ctr" rtl="1"/>
+            <a:r>
+              <a:rPr lang="he-IL" sz="4000" dirty="0">
+                <a:latin typeface="Arial (Body)"/>
+                <a:cs typeface="+mn-cs"/>
+              </a:rPr>
+              <a:t>שימוש בממוצע משוקלל</a:t>
             </a:r>
           </a:p>
         </p:txBody>
@@ -4407,7 +6642,7 @@
           <p:cNvPr id="4" name="Slide Number Placeholder 3">
             <a:extLst>
               <a:ext uri="{FF2B5EF4-FFF2-40B4-BE49-F238E27FC236}">
-                <a16:creationId xmlns:a16="http://schemas.microsoft.com/office/drawing/2014/main" id="{75CA1D86-1D53-1309-DC3B-74EA841F47B9}"/>
+                <a16:creationId xmlns:a16="http://schemas.microsoft.com/office/drawing/2014/main" id="{5A62AF4A-124F-9603-2665-1AA8CE9B0D9E}"/>
               </a:ext>
             </a:extLst>
           </p:cNvPr>
@@ -4418,7 +6653,12 @@
             <p:ph type="sldNum" sz="quarter" idx="12"/>
           </p:nvPr>
         </p:nvSpPr>
-        <p:spPr/>
+        <p:spPr>
+          <a:xfrm>
+            <a:off x="10995660" y="6356350"/>
+            <a:ext cx="358140" cy="421640"/>
+          </a:xfrm>
+        </p:spPr>
         <p:txBody>
           <a:bodyPr/>
           <a:lstStyle/>
@@ -4433,10 +6673,10 @@
       </p:sp>
       <p:pic>
         <p:nvPicPr>
-          <p:cNvPr id="6" name="Picture 5">
-            <a:extLst>
-              <a:ext uri="{FF2B5EF4-FFF2-40B4-BE49-F238E27FC236}">
-                <a16:creationId xmlns:a16="http://schemas.microsoft.com/office/drawing/2014/main" id="{E1F12B61-F3DC-2708-1717-B19695D63C96}"/>
+          <p:cNvPr id="11" name="Picture 10">
+            <a:extLst>
+              <a:ext uri="{FF2B5EF4-FFF2-40B4-BE49-F238E27FC236}">
+                <a16:creationId xmlns:a16="http://schemas.microsoft.com/office/drawing/2014/main" id="{8F835036-01B7-90A9-5F2E-ED66F943E00E}"/>
               </a:ext>
             </a:extLst>
           </p:cNvPr>
@@ -4453,38 +6693,8 @@
         </p:blipFill>
         <p:spPr>
           <a:xfrm>
-            <a:off x="278581" y="1470477"/>
-            <a:ext cx="6935168" cy="4725059"/>
-          </a:xfrm>
-          <a:prstGeom prst="rect">
-            <a:avLst/>
-          </a:prstGeom>
-        </p:spPr>
-      </p:pic>
-      <p:pic>
-        <p:nvPicPr>
-          <p:cNvPr id="8" name="Picture 7">
-            <a:extLst>
-              <a:ext uri="{FF2B5EF4-FFF2-40B4-BE49-F238E27FC236}">
-                <a16:creationId xmlns:a16="http://schemas.microsoft.com/office/drawing/2014/main" id="{C2B4CC7D-AEBC-FD56-6F1C-2D80EEB2A456}"/>
-              </a:ext>
-            </a:extLst>
-          </p:cNvPr>
-          <p:cNvPicPr>
-            <a:picLocks noChangeAspect="1"/>
-          </p:cNvPicPr>
-          <p:nvPr/>
-        </p:nvPicPr>
-        <p:blipFill>
-          <a:blip r:embed="rId3"/>
-          <a:stretch>
-            <a:fillRect/>
-          </a:stretch>
-        </p:blipFill>
-        <p:spPr>
-          <a:xfrm>
-            <a:off x="7062231" y="3106592"/>
-            <a:ext cx="4515089" cy="3249758"/>
+            <a:off x="3257745" y="1822937"/>
+            <a:ext cx="6306430" cy="4401164"/>
           </a:xfrm>
           <a:prstGeom prst="rect">
             <a:avLst/>
@@ -4494,7 +6704,7 @@
     </p:spTree>
     <p:extLst>
       <p:ext uri="{BB962C8B-B14F-4D97-AF65-F5344CB8AC3E}">
-        <p14:creationId xmlns:p14="http://schemas.microsoft.com/office/powerpoint/2010/main" val="1985730058"/>
+        <p14:creationId xmlns:p14="http://schemas.microsoft.com/office/powerpoint/2010/main" val="3168296162"/>
       </p:ext>
     </p:extLst>
   </p:cSld>
@@ -4521,8 +6731,1276 @@
           <a:chExt cx="0" cy="0"/>
         </a:xfrm>
       </p:grpSpPr>
-      <mc:AlternateContent xmlns:mc="http://schemas.openxmlformats.org/markup-compatibility/2006" xmlns:a14="http://schemas.microsoft.com/office/drawing/2010/main">
-        <mc:Choice Requires="a14">
+      <p:sp>
+        <p:nvSpPr>
+          <p:cNvPr id="2" name="Slide Number Placeholder 1">
+            <a:extLst>
+              <a:ext uri="{FF2B5EF4-FFF2-40B4-BE49-F238E27FC236}">
+                <a16:creationId xmlns:a16="http://schemas.microsoft.com/office/drawing/2014/main" id="{886B6D03-5FE6-DDDC-73D6-1AA1ABFAC9D3}"/>
+              </a:ext>
+            </a:extLst>
+          </p:cNvPr>
+          <p:cNvSpPr>
+            <a:spLocks noGrp="1"/>
+          </p:cNvSpPr>
+          <p:nvPr>
+            <p:ph type="sldNum" sz="quarter" idx="12"/>
+          </p:nvPr>
+        </p:nvSpPr>
+        <p:spPr>
+          <a:xfrm>
+            <a:off x="11062010" y="6356350"/>
+            <a:ext cx="291790" cy="365125"/>
+          </a:xfrm>
+        </p:spPr>
+        <p:txBody>
+          <a:bodyPr/>
+          <a:lstStyle/>
+          <a:p>
+            <a:fld id="{A263F1A8-BC7B-4008-A955-96F8F4A3B8CB}" type="slidenum">
+              <a:rPr lang="he-IL" smtClean="0"/>
+              <a:t>6</a:t>
+            </a:fld>
+            <a:endParaRPr lang="he-IL" dirty="0"/>
+          </a:p>
+        </p:txBody>
+      </p:sp>
+      <p:sp>
+        <p:nvSpPr>
+          <p:cNvPr id="3" name="Title 1">
+            <a:extLst>
+              <a:ext uri="{FF2B5EF4-FFF2-40B4-BE49-F238E27FC236}">
+                <a16:creationId xmlns:a16="http://schemas.microsoft.com/office/drawing/2014/main" id="{63B833A0-600D-C297-1E2D-539DE7923727}"/>
+              </a:ext>
+            </a:extLst>
+          </p:cNvPr>
+          <p:cNvSpPr txBox="1">
+            <a:spLocks/>
+          </p:cNvSpPr>
+          <p:nvPr/>
+        </p:nvSpPr>
+        <p:spPr>
+          <a:xfrm>
+            <a:off x="1183888" y="643906"/>
+            <a:ext cx="10515600" cy="1325563"/>
+          </a:xfrm>
+          <a:prstGeom prst="rect">
+            <a:avLst/>
+          </a:prstGeom>
+        </p:spPr>
+        <p:txBody>
+          <a:bodyPr>
+            <a:normAutofit/>
+          </a:bodyPr>
+          <a:lstStyle>
+            <a:lvl1pPr algn="l" defTabSz="914400" rtl="0" eaLnBrk="1" latinLnBrk="0" hangingPunct="1">
+              <a:lnSpc>
+                <a:spcPct val="90000"/>
+              </a:lnSpc>
+              <a:spcBef>
+                <a:spcPct val="0"/>
+              </a:spcBef>
+              <a:buNone/>
+              <a:defRPr sz="4400" kern="1200">
+                <a:solidFill>
+                  <a:schemeClr val="tx1"/>
+                </a:solidFill>
+                <a:latin typeface="+mj-lt"/>
+                <a:ea typeface="+mj-ea"/>
+                <a:cs typeface="+mj-cs"/>
+              </a:defRPr>
+            </a:lvl1pPr>
+          </a:lstStyle>
+          <a:p>
+            <a:pPr algn="r" rtl="1"/>
+            <a:r>
+              <a:rPr lang="he-IL" sz="4000" dirty="0">
+                <a:latin typeface="Arial (Body)"/>
+                <a:cs typeface="+mn-cs"/>
+              </a:rPr>
+              <a:t>דוגמה: מדידת בלעיה של קרינה </a:t>
+            </a:r>
+            <a:r>
+              <a:rPr lang="en-US" sz="4000" dirty="0">
+                <a:latin typeface="Arial (Body)"/>
+                <a:cs typeface="+mn-cs"/>
+              </a:rPr>
+              <a:t>Co-60</a:t>
+            </a:r>
+            <a:r>
+              <a:rPr lang="he-IL" sz="4000" dirty="0">
+                <a:latin typeface="Arial (Body)"/>
+                <a:cs typeface="+mn-cs"/>
+              </a:rPr>
+              <a:t> בעופרת</a:t>
+            </a:r>
+          </a:p>
+        </p:txBody>
+      </p:sp>
+      <mc:AlternateContent xmlns:mc="http://schemas.openxmlformats.org/markup-compatibility/2006">
+        <mc:Choice xmlns:a14="http://schemas.microsoft.com/office/drawing/2010/main" Requires="a14">
+          <p:sp>
+            <p:nvSpPr>
+              <p:cNvPr id="4" name="TextBox 3">
+                <a:extLst>
+                  <a:ext uri="{FF2B5EF4-FFF2-40B4-BE49-F238E27FC236}">
+                    <a16:creationId xmlns:a16="http://schemas.microsoft.com/office/drawing/2014/main" id="{933C7C2A-B966-D983-DB47-1B210A3A46F2}"/>
+                  </a:ext>
+                </a:extLst>
+              </p:cNvPr>
+              <p:cNvSpPr txBox="1"/>
+              <p:nvPr/>
+            </p:nvSpPr>
+            <p:spPr>
+              <a:xfrm>
+                <a:off x="9733462" y="2392680"/>
+                <a:ext cx="1743298" cy="928844"/>
+              </a:xfrm>
+              <a:prstGeom prst="rect">
+                <a:avLst/>
+              </a:prstGeom>
+              <a:noFill/>
+            </p:spPr>
+            <p:txBody>
+              <a:bodyPr wrap="none" lIns="0" tIns="0" rIns="0" bIns="0" rtlCol="0">
+                <a:spAutoFit/>
+              </a:bodyPr>
+              <a:lstStyle/>
+              <a:p>
+                <a14:m>
+                  <m:oMathPara xmlns:m="http://schemas.openxmlformats.org/officeDocument/2006/math">
+                    <m:oMathParaPr>
+                      <m:jc m:val="centerGroup"/>
+                    </m:oMathParaPr>
+                    <m:oMath xmlns:m="http://schemas.openxmlformats.org/officeDocument/2006/math">
+                      <m:r>
+                        <a:rPr lang="en-US" sz="2000" b="0" i="1" smtClean="0">
+                          <a:latin typeface="Cambria Math" panose="02040503050406030204" pitchFamily="18" charset="0"/>
+                        </a:rPr>
+                        <m:t>𝐼</m:t>
+                      </m:r>
+                      <m:d>
+                        <m:dPr>
+                          <m:ctrlPr>
+                            <a:rPr lang="en-US" sz="2000" b="0" i="1" smtClean="0">
+                              <a:latin typeface="Cambria Math" panose="02040503050406030204" pitchFamily="18" charset="0"/>
+                            </a:rPr>
+                          </m:ctrlPr>
+                        </m:dPr>
+                        <m:e>
+                          <m:r>
+                            <a:rPr lang="en-US" sz="2000" b="0" i="1" smtClean="0">
+                              <a:latin typeface="Cambria Math" panose="02040503050406030204" pitchFamily="18" charset="0"/>
+                            </a:rPr>
+                            <m:t>𝑑</m:t>
+                          </m:r>
+                        </m:e>
+                      </m:d>
+                      <m:r>
+                        <a:rPr lang="he-IL" sz="2000" b="0" i="1" smtClean="0">
+                          <a:latin typeface="Cambria Math" panose="02040503050406030204" pitchFamily="18" charset="0"/>
+                        </a:rPr>
+                        <m:t>=</m:t>
+                      </m:r>
+                      <m:sSub>
+                        <m:sSubPr>
+                          <m:ctrlPr>
+                            <a:rPr lang="en-US" sz="2000" b="0" i="1" smtClean="0">
+                              <a:latin typeface="Cambria Math" panose="02040503050406030204" pitchFamily="18" charset="0"/>
+                            </a:rPr>
+                          </m:ctrlPr>
+                        </m:sSubPr>
+                        <m:e>
+                          <m:r>
+                            <a:rPr lang="en-US" sz="2000" b="0" i="1" smtClean="0">
+                              <a:latin typeface="Cambria Math" panose="02040503050406030204" pitchFamily="18" charset="0"/>
+                            </a:rPr>
+                            <m:t>𝐼</m:t>
+                          </m:r>
+                        </m:e>
+                        <m:sub>
+                          <m:r>
+                            <a:rPr lang="en-US" sz="2000" b="0" i="1" smtClean="0">
+                              <a:latin typeface="Cambria Math" panose="02040503050406030204" pitchFamily="18" charset="0"/>
+                            </a:rPr>
+                            <m:t>0</m:t>
+                          </m:r>
+                        </m:sub>
+                      </m:sSub>
+                      <m:sSup>
+                        <m:sSupPr>
+                          <m:ctrlPr>
+                            <a:rPr lang="en-US" sz="2000" b="0" i="1" smtClean="0">
+                              <a:latin typeface="Cambria Math" panose="02040503050406030204" pitchFamily="18" charset="0"/>
+                            </a:rPr>
+                          </m:ctrlPr>
+                        </m:sSupPr>
+                        <m:e>
+                          <m:r>
+                            <a:rPr lang="en-US" sz="2000" b="0" i="1" smtClean="0">
+                              <a:latin typeface="Cambria Math" panose="02040503050406030204" pitchFamily="18" charset="0"/>
+                            </a:rPr>
+                            <m:t>𝑒</m:t>
+                          </m:r>
+                        </m:e>
+                        <m:sup>
+                          <m:r>
+                            <a:rPr lang="en-US" sz="2000" b="0" i="1" smtClean="0">
+                              <a:latin typeface="Cambria Math" panose="02040503050406030204" pitchFamily="18" charset="0"/>
+                            </a:rPr>
+                            <m:t>−</m:t>
+                          </m:r>
+                          <m:r>
+                            <a:rPr lang="en-US" sz="2000" b="0" i="1" smtClean="0">
+                              <a:latin typeface="Cambria Math" panose="02040503050406030204" pitchFamily="18" charset="0"/>
+                            </a:rPr>
+                            <m:t>𝜇</m:t>
+                          </m:r>
+                          <m:r>
+                            <a:rPr lang="en-US" sz="2000" b="0" i="1" smtClean="0">
+                              <a:latin typeface="Cambria Math" panose="02040503050406030204" pitchFamily="18" charset="0"/>
+                            </a:rPr>
+                            <m:t>𝑑</m:t>
+                          </m:r>
+                        </m:sup>
+                      </m:sSup>
+                    </m:oMath>
+                  </m:oMathPara>
+                </a14:m>
+                <a:br>
+                  <a:rPr lang="en-US" sz="2000" b="0" dirty="0"/>
+                </a:br>
+                <a:endParaRPr lang="en-US" sz="2000" dirty="0"/>
+              </a:p>
+              <a:p>
+                <a:endParaRPr lang="en-US" sz="2000" dirty="0"/>
+              </a:p>
+              <a:p>
+                <a:endParaRPr lang="ru-RU" sz="2000" dirty="0"/>
+              </a:p>
+            </p:txBody>
+          </p:sp>
+        </mc:Choice>
+        <mc:Fallback>
+          <p:sp>
+            <p:nvSpPr>
+              <p:cNvPr id="4" name="TextBox 3">
+                <a:extLst>
+                  <a:ext uri="{FF2B5EF4-FFF2-40B4-BE49-F238E27FC236}">
+                    <a16:creationId xmlns:a16="http://schemas.microsoft.com/office/drawing/2014/main" id="{933C7C2A-B966-D983-DB47-1B210A3A46F2}"/>
+                  </a:ext>
+                </a:extLst>
+              </p:cNvPr>
+              <p:cNvSpPr txBox="1">
+                <a:spLocks noRot="1" noChangeAspect="1" noMove="1" noResize="1" noEditPoints="1" noAdjustHandles="1" noChangeArrowheads="1" noChangeShapeType="1" noTextEdit="1"/>
+              </p:cNvSpPr>
+              <p:nvPr/>
+            </p:nvSpPr>
+            <p:spPr>
+              <a:xfrm>
+                <a:off x="9733462" y="2392680"/>
+                <a:ext cx="1743298" cy="928844"/>
+              </a:xfrm>
+              <a:prstGeom prst="rect">
+                <a:avLst/>
+              </a:prstGeom>
+              <a:blipFill>
+                <a:blip r:embed="rId2"/>
+                <a:stretch>
+                  <a:fillRect t="-1316"/>
+                </a:stretch>
+              </a:blipFill>
+            </p:spPr>
+            <p:txBody>
+              <a:bodyPr/>
+              <a:lstStyle/>
+              <a:p>
+                <a:r>
+                  <a:rPr lang="ru-RU">
+                    <a:noFill/>
+                  </a:rPr>
+                  <a:t> </a:t>
+                </a:r>
+              </a:p>
+            </p:txBody>
+          </p:sp>
+        </mc:Fallback>
+      </mc:AlternateContent>
+      <p:pic>
+        <p:nvPicPr>
+          <p:cNvPr id="6152" name="Picture 8">
+            <a:extLst>
+              <a:ext uri="{FF2B5EF4-FFF2-40B4-BE49-F238E27FC236}">
+                <a16:creationId xmlns:a16="http://schemas.microsoft.com/office/drawing/2014/main" id="{3CE2F874-7904-C3A9-FE46-AB5363F46A9A}"/>
+              </a:ext>
+            </a:extLst>
+          </p:cNvPr>
+          <p:cNvPicPr>
+            <a:picLocks noChangeAspect="1" noChangeArrowheads="1"/>
+          </p:cNvPicPr>
+          <p:nvPr/>
+        </p:nvPicPr>
+        <p:blipFill>
+          <a:blip r:embed="rId3">
+            <a:extLst>
+              <a:ext uri="{28A0092B-C50C-407E-A947-70E740481C1C}">
+                <a14:useLocalDpi xmlns:a14="http://schemas.microsoft.com/office/drawing/2010/main" val="0"/>
+              </a:ext>
+            </a:extLst>
+          </a:blip>
+          <a:srcRect/>
+          <a:stretch>
+            <a:fillRect/>
+          </a:stretch>
+        </p:blipFill>
+        <p:spPr bwMode="auto">
+          <a:xfrm>
+            <a:off x="3105150" y="2203645"/>
+            <a:ext cx="5981700" cy="4238625"/>
+          </a:xfrm>
+          <a:prstGeom prst="rect">
+            <a:avLst/>
+          </a:prstGeom>
+          <a:noFill/>
+          <a:extLst>
+            <a:ext uri="{909E8E84-426E-40DD-AFC4-6F175D3DCCD1}">
+              <a14:hiddenFill xmlns:a14="http://schemas.microsoft.com/office/drawing/2010/main">
+                <a:solidFill>
+                  <a:srgbClr val="FFFFFF"/>
+                </a:solidFill>
+              </a14:hiddenFill>
+            </a:ext>
+          </a:extLst>
+        </p:spPr>
+      </p:pic>
+      <p:sp>
+        <p:nvSpPr>
+          <p:cNvPr id="5" name="TextBox 4">
+            <a:extLst>
+              <a:ext uri="{FF2B5EF4-FFF2-40B4-BE49-F238E27FC236}">
+                <a16:creationId xmlns:a16="http://schemas.microsoft.com/office/drawing/2014/main" id="{85474E4D-89AE-D734-F5C1-1431BCCFBB17}"/>
+              </a:ext>
+            </a:extLst>
+          </p:cNvPr>
+          <p:cNvSpPr txBox="1"/>
+          <p:nvPr/>
+        </p:nvSpPr>
+        <p:spPr>
+          <a:xfrm>
+            <a:off x="9172808" y="5112801"/>
+            <a:ext cx="2626040" cy="646331"/>
+          </a:xfrm>
+          <a:prstGeom prst="rect">
+            <a:avLst/>
+          </a:prstGeom>
+          <a:noFill/>
+        </p:spPr>
+        <p:txBody>
+          <a:bodyPr wrap="none" rtlCol="0">
+            <a:spAutoFit/>
+          </a:bodyPr>
+          <a:lstStyle/>
+          <a:p>
+            <a:pPr algn="r" rtl="1"/>
+            <a:r>
+              <a:rPr lang="he-IL" dirty="0"/>
+              <a:t>צריך להמתין עד 1000 מס' </a:t>
+            </a:r>
+          </a:p>
+          <a:p>
+            <a:pPr algn="r" rtl="1"/>
+            <a:r>
+              <a:rPr lang="he-IL" dirty="0"/>
+              <a:t>כדי להקטין שגיאה עד 3%</a:t>
+            </a:r>
+            <a:endParaRPr lang="ru-RU" dirty="0"/>
+          </a:p>
+        </p:txBody>
+      </p:sp>
+      <p:pic>
+        <p:nvPicPr>
+          <p:cNvPr id="18" name="Picture 17" descr="A set of round yellow and green objects in a transparent case&#10;&#10;AI-generated content may be incorrect.">
+            <a:extLst>
+              <a:ext uri="{FF2B5EF4-FFF2-40B4-BE49-F238E27FC236}">
+                <a16:creationId xmlns:a16="http://schemas.microsoft.com/office/drawing/2014/main" id="{43A29A4E-8DF4-6CFC-E63E-850BA5F94B25}"/>
+              </a:ext>
+            </a:extLst>
+          </p:cNvPr>
+          <p:cNvPicPr>
+            <a:picLocks noChangeAspect="1"/>
+          </p:cNvPicPr>
+          <p:nvPr/>
+        </p:nvPicPr>
+        <p:blipFill>
+          <a:blip r:embed="rId4">
+            <a:extLst>
+              <a:ext uri="{28A0092B-C50C-407E-A947-70E740481C1C}">
+                <a14:useLocalDpi xmlns:a14="http://schemas.microsoft.com/office/drawing/2010/main" val="0"/>
+              </a:ext>
+            </a:extLst>
+          </a:blip>
+          <a:stretch>
+            <a:fillRect/>
+          </a:stretch>
+        </p:blipFill>
+        <p:spPr>
+          <a:xfrm>
+            <a:off x="112906" y="2085361"/>
+            <a:ext cx="2831016" cy="2831016"/>
+          </a:xfrm>
+          <a:prstGeom prst="rect">
+            <a:avLst/>
+          </a:prstGeom>
+        </p:spPr>
+      </p:pic>
+    </p:spTree>
+    <p:extLst>
+      <p:ext uri="{BB962C8B-B14F-4D97-AF65-F5344CB8AC3E}">
+        <p14:creationId xmlns:p14="http://schemas.microsoft.com/office/powerpoint/2010/main" val="170392351"/>
+      </p:ext>
+    </p:extLst>
+  </p:cSld>
+  <p:clrMapOvr>
+    <a:masterClrMapping/>
+  </p:clrMapOvr>
+</p:sld>
+</file>
+
+<file path=ppt/slides/slide7.xml><?xml version="1.0" encoding="utf-8"?>
+<p:sld xmlns:a="http://schemas.openxmlformats.org/drawingml/2006/main" xmlns:r="http://schemas.openxmlformats.org/officeDocument/2006/relationships" xmlns:p="http://schemas.openxmlformats.org/presentationml/2006/main">
+  <p:cSld>
+    <p:spTree>
+      <p:nvGrpSpPr>
+        <p:cNvPr id="1" name="">
+          <a:extLst>
+            <a:ext uri="{FF2B5EF4-FFF2-40B4-BE49-F238E27FC236}">
+              <a16:creationId xmlns:a16="http://schemas.microsoft.com/office/drawing/2014/main" id="{45B88E42-6B43-ACDF-9F06-EDEEC4F4CAC0}"/>
+            </a:ext>
+          </a:extLst>
+        </p:cNvPr>
+        <p:cNvGrpSpPr/>
+        <p:nvPr/>
+      </p:nvGrpSpPr>
+      <p:grpSpPr>
+        <a:xfrm>
+          <a:off x="0" y="0"/>
+          <a:ext cx="0" cy="0"/>
+          <a:chOff x="0" y="0"/>
+          <a:chExt cx="0" cy="0"/>
+        </a:xfrm>
+      </p:grpSpPr>
+      <p:sp>
+        <p:nvSpPr>
+          <p:cNvPr id="2" name="Slide Number Placeholder 1">
+            <a:extLst>
+              <a:ext uri="{FF2B5EF4-FFF2-40B4-BE49-F238E27FC236}">
+                <a16:creationId xmlns:a16="http://schemas.microsoft.com/office/drawing/2014/main" id="{66597829-2269-2EFA-0311-DEEECC8CC87D}"/>
+              </a:ext>
+            </a:extLst>
+          </p:cNvPr>
+          <p:cNvSpPr>
+            <a:spLocks noGrp="1"/>
+          </p:cNvSpPr>
+          <p:nvPr>
+            <p:ph type="sldNum" sz="quarter" idx="12"/>
+          </p:nvPr>
+        </p:nvSpPr>
+        <p:spPr>
+          <a:xfrm>
+            <a:off x="11062010" y="6356350"/>
+            <a:ext cx="291790" cy="365125"/>
+          </a:xfrm>
+        </p:spPr>
+        <p:txBody>
+          <a:bodyPr/>
+          <a:lstStyle/>
+          <a:p>
+            <a:fld id="{A263F1A8-BC7B-4008-A955-96F8F4A3B8CB}" type="slidenum">
+              <a:rPr lang="he-IL" smtClean="0"/>
+              <a:t>7</a:t>
+            </a:fld>
+            <a:endParaRPr lang="he-IL" dirty="0"/>
+          </a:p>
+        </p:txBody>
+      </p:sp>
+      <p:sp>
+        <p:nvSpPr>
+          <p:cNvPr id="3" name="Title 1">
+            <a:extLst>
+              <a:ext uri="{FF2B5EF4-FFF2-40B4-BE49-F238E27FC236}">
+                <a16:creationId xmlns:a16="http://schemas.microsoft.com/office/drawing/2014/main" id="{128ACAF9-777E-ECB6-AE64-3961A3CB94DC}"/>
+              </a:ext>
+            </a:extLst>
+          </p:cNvPr>
+          <p:cNvSpPr txBox="1">
+            <a:spLocks/>
+          </p:cNvSpPr>
+          <p:nvPr/>
+        </p:nvSpPr>
+        <p:spPr>
+          <a:xfrm>
+            <a:off x="1183888" y="643907"/>
+            <a:ext cx="10515600" cy="681974"/>
+          </a:xfrm>
+          <a:prstGeom prst="rect">
+            <a:avLst/>
+          </a:prstGeom>
+        </p:spPr>
+        <p:txBody>
+          <a:bodyPr>
+            <a:normAutofit/>
+          </a:bodyPr>
+          <a:lstStyle>
+            <a:lvl1pPr algn="l" defTabSz="914400" rtl="0" eaLnBrk="1" latinLnBrk="0" hangingPunct="1">
+              <a:lnSpc>
+                <a:spcPct val="90000"/>
+              </a:lnSpc>
+              <a:spcBef>
+                <a:spcPct val="0"/>
+              </a:spcBef>
+              <a:buNone/>
+              <a:defRPr sz="4400" kern="1200">
+                <a:solidFill>
+                  <a:schemeClr val="tx1"/>
+                </a:solidFill>
+                <a:latin typeface="+mj-lt"/>
+                <a:ea typeface="+mj-ea"/>
+                <a:cs typeface="+mj-cs"/>
+              </a:defRPr>
+            </a:lvl1pPr>
+          </a:lstStyle>
+          <a:p>
+            <a:pPr algn="r" rtl="1"/>
+            <a:r>
+              <a:rPr lang="he-IL" sz="4000" dirty="0">
+                <a:latin typeface="Arial (Body)"/>
+                <a:cs typeface="+mn-cs"/>
+              </a:rPr>
+              <a:t>דוגמה: ניסוי לוחות קבל. עיבוד נתוני סקופ</a:t>
+            </a:r>
+          </a:p>
+        </p:txBody>
+      </p:sp>
+      <mc:AlternateContent xmlns:mc="http://schemas.openxmlformats.org/markup-compatibility/2006">
+        <mc:Choice xmlns:a14="http://schemas.microsoft.com/office/drawing/2010/main" Requires="a14">
+          <p:sp>
+            <p:nvSpPr>
+              <p:cNvPr id="6" name="TextBox 5">
+                <a:extLst>
+                  <a:ext uri="{FF2B5EF4-FFF2-40B4-BE49-F238E27FC236}">
+                    <a16:creationId xmlns:a16="http://schemas.microsoft.com/office/drawing/2014/main" id="{30CFA624-4DFC-23E6-0E5E-D5199776B1BA}"/>
+                  </a:ext>
+                </a:extLst>
+              </p:cNvPr>
+              <p:cNvSpPr txBox="1"/>
+              <p:nvPr/>
+            </p:nvSpPr>
+            <p:spPr>
+              <a:xfrm>
+                <a:off x="9790612" y="1891234"/>
+                <a:ext cx="1825756" cy="1150058"/>
+              </a:xfrm>
+              <a:prstGeom prst="rect">
+                <a:avLst/>
+              </a:prstGeom>
+              <a:noFill/>
+            </p:spPr>
+            <p:txBody>
+              <a:bodyPr wrap="none" lIns="0" tIns="0" rIns="0" bIns="0" rtlCol="0">
+                <a:spAutoFit/>
+              </a:bodyPr>
+              <a:lstStyle/>
+              <a:p>
+                <a14:m>
+                  <m:oMathPara xmlns:m="http://schemas.openxmlformats.org/officeDocument/2006/math">
+                    <m:oMathParaPr>
+                      <m:jc m:val="centerGroup"/>
+                    </m:oMathParaPr>
+                    <m:oMath xmlns:m="http://schemas.openxmlformats.org/officeDocument/2006/math">
+                      <m:r>
+                        <a:rPr lang="en-US" sz="2000" b="0" i="1" smtClean="0">
+                          <a:latin typeface="Cambria Math" panose="02040503050406030204" pitchFamily="18" charset="0"/>
+                        </a:rPr>
+                        <m:t>𝑉</m:t>
+                      </m:r>
+                      <m:d>
+                        <m:dPr>
+                          <m:ctrlPr>
+                            <a:rPr lang="en-US" sz="2000" b="0" i="1" smtClean="0">
+                              <a:latin typeface="Cambria Math" panose="02040503050406030204" pitchFamily="18" charset="0"/>
+                            </a:rPr>
+                          </m:ctrlPr>
+                        </m:dPr>
+                        <m:e>
+                          <m:r>
+                            <a:rPr lang="en-US" sz="2000" b="0" i="1" smtClean="0">
+                              <a:latin typeface="Cambria Math" panose="02040503050406030204" pitchFamily="18" charset="0"/>
+                            </a:rPr>
+                            <m:t>𝑡</m:t>
+                          </m:r>
+                        </m:e>
+                      </m:d>
+                      <m:r>
+                        <a:rPr lang="en-US" sz="2000" b="0" i="1" smtClean="0">
+                          <a:latin typeface="Cambria Math" panose="02040503050406030204" pitchFamily="18" charset="0"/>
+                        </a:rPr>
+                        <m:t>=</m:t>
+                      </m:r>
+                      <m:sSub>
+                        <m:sSubPr>
+                          <m:ctrlPr>
+                            <a:rPr lang="en-US" sz="2000" b="0" i="1" smtClean="0">
+                              <a:latin typeface="Cambria Math" panose="02040503050406030204" pitchFamily="18" charset="0"/>
+                            </a:rPr>
+                          </m:ctrlPr>
+                        </m:sSubPr>
+                        <m:e>
+                          <m:r>
+                            <a:rPr lang="en-US" sz="2000" b="0" i="1" smtClean="0">
+                              <a:latin typeface="Cambria Math" panose="02040503050406030204" pitchFamily="18" charset="0"/>
+                            </a:rPr>
+                            <m:t>𝑉</m:t>
+                          </m:r>
+                        </m:e>
+                        <m:sub>
+                          <m:r>
+                            <a:rPr lang="en-US" sz="2000" b="0" i="1" smtClean="0">
+                              <a:latin typeface="Cambria Math" panose="02040503050406030204" pitchFamily="18" charset="0"/>
+                            </a:rPr>
+                            <m:t>0</m:t>
+                          </m:r>
+                        </m:sub>
+                      </m:sSub>
+                      <m:sSup>
+                        <m:sSupPr>
+                          <m:ctrlPr>
+                            <a:rPr lang="en-US" sz="2000" b="0" i="1" smtClean="0">
+                              <a:latin typeface="Cambria Math" panose="02040503050406030204" pitchFamily="18" charset="0"/>
+                            </a:rPr>
+                          </m:ctrlPr>
+                        </m:sSupPr>
+                        <m:e>
+                          <m:r>
+                            <a:rPr lang="en-US" sz="2000" b="0" i="1" smtClean="0">
+                              <a:latin typeface="Cambria Math" panose="02040503050406030204" pitchFamily="18" charset="0"/>
+                            </a:rPr>
+                            <m:t>𝑒</m:t>
+                          </m:r>
+                        </m:e>
+                        <m:sup>
+                          <m:r>
+                            <a:rPr lang="en-US" sz="2000" b="0" i="1" smtClean="0">
+                              <a:latin typeface="Cambria Math" panose="02040503050406030204" pitchFamily="18" charset="0"/>
+                            </a:rPr>
+                            <m:t>−</m:t>
+                          </m:r>
+                          <m:r>
+                            <a:rPr lang="en-US" sz="2000" b="0" i="1" smtClean="0">
+                              <a:latin typeface="Cambria Math" panose="02040503050406030204" pitchFamily="18" charset="0"/>
+                            </a:rPr>
+                            <m:t>𝑡</m:t>
+                          </m:r>
+                          <m:r>
+                            <a:rPr lang="en-US" sz="2000" b="0" i="1" smtClean="0">
+                              <a:latin typeface="Cambria Math" panose="02040503050406030204" pitchFamily="18" charset="0"/>
+                            </a:rPr>
+                            <m:t>/</m:t>
+                          </m:r>
+                          <m:r>
+                            <a:rPr lang="en-US" sz="2000" b="0" i="1" smtClean="0">
+                              <a:latin typeface="Cambria Math" panose="02040503050406030204" pitchFamily="18" charset="0"/>
+                            </a:rPr>
+                            <m:t>𝜏</m:t>
+                          </m:r>
+                        </m:sup>
+                      </m:sSup>
+                    </m:oMath>
+                    <m:oMath xmlns:m="http://schemas.openxmlformats.org/officeDocument/2006/math">
+                      <m:r>
+                        <a:rPr lang="en-US" sz="2000" b="0" i="1" smtClean="0">
+                          <a:latin typeface="Cambria Math" panose="02040503050406030204" pitchFamily="18" charset="0"/>
+                        </a:rPr>
+                        <m:t>𝐶</m:t>
+                      </m:r>
+                      <m:r>
+                        <a:rPr lang="en-US" sz="2000" b="0" i="1" smtClean="0">
+                          <a:latin typeface="Cambria Math" panose="02040503050406030204" pitchFamily="18" charset="0"/>
+                        </a:rPr>
+                        <m:t>=</m:t>
+                      </m:r>
+                      <m:f>
+                        <m:fPr>
+                          <m:ctrlPr>
+                            <a:rPr lang="en-US" sz="2000" b="0" i="1" smtClean="0">
+                              <a:latin typeface="Cambria Math" panose="02040503050406030204" pitchFamily="18" charset="0"/>
+                            </a:rPr>
+                          </m:ctrlPr>
+                        </m:fPr>
+                        <m:num>
+                          <m:r>
+                            <a:rPr lang="en-US" sz="2000" b="0" i="1" smtClean="0">
+                              <a:latin typeface="Cambria Math" panose="02040503050406030204" pitchFamily="18" charset="0"/>
+                            </a:rPr>
+                            <m:t>𝜏</m:t>
+                          </m:r>
+                        </m:num>
+                        <m:den>
+                          <m:r>
+                            <a:rPr lang="en-US" sz="2000" b="0" i="1" smtClean="0">
+                              <a:latin typeface="Cambria Math" panose="02040503050406030204" pitchFamily="18" charset="0"/>
+                            </a:rPr>
+                            <m:t>𝑅</m:t>
+                          </m:r>
+                        </m:den>
+                      </m:f>
+                    </m:oMath>
+                  </m:oMathPara>
+                </a14:m>
+                <a:endParaRPr lang="en-US" sz="2000" dirty="0"/>
+              </a:p>
+              <a:p>
+                <a:endParaRPr lang="ru-RU" sz="2000" dirty="0"/>
+              </a:p>
+            </p:txBody>
+          </p:sp>
+        </mc:Choice>
+        <mc:Fallback>
+          <p:sp>
+            <p:nvSpPr>
+              <p:cNvPr id="6" name="TextBox 5">
+                <a:extLst>
+                  <a:ext uri="{FF2B5EF4-FFF2-40B4-BE49-F238E27FC236}">
+                    <a16:creationId xmlns:a16="http://schemas.microsoft.com/office/drawing/2014/main" id="{30CFA624-4DFC-23E6-0E5E-D5199776B1BA}"/>
+                  </a:ext>
+                </a:extLst>
+              </p:cNvPr>
+              <p:cNvSpPr txBox="1">
+                <a:spLocks noRot="1" noChangeAspect="1" noMove="1" noResize="1" noEditPoints="1" noAdjustHandles="1" noChangeArrowheads="1" noChangeShapeType="1" noTextEdit="1"/>
+              </p:cNvSpPr>
+              <p:nvPr/>
+            </p:nvSpPr>
+            <p:spPr>
+              <a:xfrm>
+                <a:off x="9790612" y="1891234"/>
+                <a:ext cx="1825756" cy="1150058"/>
+              </a:xfrm>
+              <a:prstGeom prst="rect">
+                <a:avLst/>
+              </a:prstGeom>
+              <a:blipFill>
+                <a:blip r:embed="rId2"/>
+                <a:stretch>
+                  <a:fillRect t="-1058"/>
+                </a:stretch>
+              </a:blipFill>
+            </p:spPr>
+            <p:txBody>
+              <a:bodyPr/>
+              <a:lstStyle/>
+              <a:p>
+                <a:r>
+                  <a:rPr lang="ru-RU">
+                    <a:noFill/>
+                  </a:rPr>
+                  <a:t> </a:t>
+                </a:r>
+              </a:p>
+            </p:txBody>
+          </p:sp>
+        </mc:Fallback>
+      </mc:AlternateContent>
+      <p:pic>
+        <p:nvPicPr>
+          <p:cNvPr id="8" name="Picture 7">
+            <a:extLst>
+              <a:ext uri="{FF2B5EF4-FFF2-40B4-BE49-F238E27FC236}">
+                <a16:creationId xmlns:a16="http://schemas.microsoft.com/office/drawing/2014/main" id="{5D0E4848-1C95-2423-36D1-668E44CD9AE9}"/>
+              </a:ext>
+            </a:extLst>
+          </p:cNvPr>
+          <p:cNvPicPr>
+            <a:picLocks noChangeAspect="1"/>
+          </p:cNvPicPr>
+          <p:nvPr/>
+        </p:nvPicPr>
+        <p:blipFill>
+          <a:blip r:embed="rId3"/>
+          <a:stretch>
+            <a:fillRect/>
+          </a:stretch>
+        </p:blipFill>
+        <p:spPr>
+          <a:xfrm>
+            <a:off x="166498" y="1891234"/>
+            <a:ext cx="2299567" cy="1823516"/>
+          </a:xfrm>
+          <a:prstGeom prst="rect">
+            <a:avLst/>
+          </a:prstGeom>
+        </p:spPr>
+      </p:pic>
+      <p:pic>
+        <p:nvPicPr>
+          <p:cNvPr id="7176" name="Picture 8">
+            <a:extLst>
+              <a:ext uri="{FF2B5EF4-FFF2-40B4-BE49-F238E27FC236}">
+                <a16:creationId xmlns:a16="http://schemas.microsoft.com/office/drawing/2014/main" id="{62CC401A-0A6D-B34A-07D9-C484BE19B450}"/>
+              </a:ext>
+            </a:extLst>
+          </p:cNvPr>
+          <p:cNvPicPr>
+            <a:picLocks noChangeAspect="1" noChangeArrowheads="1"/>
+          </p:cNvPicPr>
+          <p:nvPr/>
+        </p:nvPicPr>
+        <p:blipFill>
+          <a:blip r:embed="rId4">
+            <a:extLst>
+              <a:ext uri="{28A0092B-C50C-407E-A947-70E740481C1C}">
+                <a14:useLocalDpi xmlns:a14="http://schemas.microsoft.com/office/drawing/2010/main" val="0"/>
+              </a:ext>
+            </a:extLst>
+          </a:blip>
+          <a:srcRect/>
+          <a:stretch>
+            <a:fillRect/>
+          </a:stretch>
+        </p:blipFill>
+        <p:spPr bwMode="auto">
+          <a:xfrm>
+            <a:off x="2916059" y="1843723"/>
+            <a:ext cx="6359881" cy="4877752"/>
+          </a:xfrm>
+          <a:prstGeom prst="rect">
+            <a:avLst/>
+          </a:prstGeom>
+          <a:noFill/>
+          <a:extLst>
+            <a:ext uri="{909E8E84-426E-40DD-AFC4-6F175D3DCCD1}">
+              <a14:hiddenFill xmlns:a14="http://schemas.microsoft.com/office/drawing/2010/main">
+                <a:solidFill>
+                  <a:srgbClr val="FFFFFF"/>
+                </a:solidFill>
+              </a14:hiddenFill>
+            </a:ext>
+          </a:extLst>
+        </p:spPr>
+      </p:pic>
+    </p:spTree>
+    <p:extLst>
+      <p:ext uri="{BB962C8B-B14F-4D97-AF65-F5344CB8AC3E}">
+        <p14:creationId xmlns:p14="http://schemas.microsoft.com/office/powerpoint/2010/main" val="349079062"/>
+      </p:ext>
+    </p:extLst>
+  </p:cSld>
+  <p:clrMapOvr>
+    <a:masterClrMapping/>
+  </p:clrMapOvr>
+</p:sld>
+</file>
+
+<file path=ppt/slides/slide8.xml><?xml version="1.0" encoding="utf-8"?>
+<p:sld xmlns:a="http://schemas.openxmlformats.org/drawingml/2006/main" xmlns:r="http://schemas.openxmlformats.org/officeDocument/2006/relationships" xmlns:p="http://schemas.openxmlformats.org/presentationml/2006/main">
+  <p:cSld>
+    <p:spTree>
+      <p:nvGrpSpPr>
+        <p:cNvPr id="1" name=""/>
+        <p:cNvGrpSpPr/>
+        <p:nvPr/>
+      </p:nvGrpSpPr>
+      <p:grpSpPr>
+        <a:xfrm>
+          <a:off x="0" y="0"/>
+          <a:ext cx="0" cy="0"/>
+          <a:chOff x="0" y="0"/>
+          <a:chExt cx="0" cy="0"/>
+        </a:xfrm>
+      </p:grpSpPr>
+      <mc:AlternateContent xmlns:mc="http://schemas.openxmlformats.org/markup-compatibility/2006">
+        <mc:Choice xmlns:a14="http://schemas.microsoft.com/office/drawing/2010/main" Requires="a14">
+          <p:sp>
+            <p:nvSpPr>
+              <p:cNvPr id="2" name="Title 1">
+                <a:extLst>
+                  <a:ext uri="{FF2B5EF4-FFF2-40B4-BE49-F238E27FC236}">
+                    <a16:creationId xmlns:a16="http://schemas.microsoft.com/office/drawing/2014/main" id="{95F4DEA2-F523-6A52-EECE-82D7DE56FCE9}"/>
+                  </a:ext>
+                </a:extLst>
+              </p:cNvPr>
+              <p:cNvSpPr>
+                <a:spLocks noGrp="1"/>
+              </p:cNvSpPr>
+              <p:nvPr>
+                <p:ph type="title"/>
+              </p:nvPr>
+            </p:nvSpPr>
+            <p:spPr>
+              <a:xfrm>
+                <a:off x="911553" y="635193"/>
+                <a:ext cx="11004395" cy="1642095"/>
+              </a:xfrm>
+            </p:spPr>
+            <p:txBody>
+              <a:bodyPr>
+                <a:normAutofit fontScale="90000"/>
+              </a:bodyPr>
+              <a:lstStyle/>
+              <a:p>
+                <a:pPr algn="ctr" rtl="1"/>
+                <a:r>
+                  <a:rPr lang="he-IL" dirty="0">
+                    <a:cs typeface="+mn-cs"/>
+                  </a:rPr>
+                  <a:t>גלי מיקרו. דוגמה של לינאריזציה לא מוצלח</a:t>
+                </a:r>
+                <a:br>
+                  <a:rPr lang="en-US" dirty="0">
+                    <a:cs typeface="+mn-cs"/>
+                  </a:rPr>
+                </a:br>
+                <a:br>
+                  <a:rPr lang="en-US" b="0" i="1" dirty="0">
+                    <a:latin typeface="Cambria Math" panose="02040503050406030204" pitchFamily="18" charset="0"/>
+                    <a:cs typeface="Arial"/>
+                  </a:rPr>
+                </a:br>
+                <a14:m>
+                  <m:oMathPara xmlns:m="http://schemas.openxmlformats.org/officeDocument/2006/math">
+                    <m:oMathParaPr>
+                      <m:jc m:val="centerGroup"/>
+                    </m:oMathParaPr>
+                    <m:oMath xmlns:m="http://schemas.openxmlformats.org/officeDocument/2006/math">
+                      <m:r>
+                        <a:rPr lang="en-US" b="0" i="1" smtClean="0">
+                          <a:latin typeface="Cambria Math" panose="02040503050406030204" pitchFamily="18" charset="0"/>
+                          <a:cs typeface="Arial"/>
+                        </a:rPr>
+                        <m:t>𝐼</m:t>
+                      </m:r>
+                      <m:r>
+                        <a:rPr lang="en-US" i="1">
+                          <a:latin typeface="Cambria Math" panose="02040503050406030204" pitchFamily="18" charset="0"/>
+                          <a:cs typeface="Arial"/>
+                        </a:rPr>
+                        <m:t>=</m:t>
+                      </m:r>
+                      <m:sSub>
+                        <m:sSubPr>
+                          <m:ctrlPr>
+                            <a:rPr lang="en-US" b="0" i="1" smtClean="0">
+                              <a:latin typeface="Cambria Math" panose="02040503050406030204" pitchFamily="18" charset="0"/>
+                              <a:cs typeface="Arial"/>
+                            </a:rPr>
+                          </m:ctrlPr>
+                        </m:sSubPr>
+                        <m:e>
+                          <m:r>
+                            <a:rPr lang="en-US" b="0" i="1" smtClean="0">
+                              <a:latin typeface="Cambria Math" panose="02040503050406030204" pitchFamily="18" charset="0"/>
+                              <a:cs typeface="Arial"/>
+                            </a:rPr>
+                            <m:t>𝐼</m:t>
+                          </m:r>
+                        </m:e>
+                        <m:sub>
+                          <m:r>
+                            <a:rPr lang="en-US" b="0" i="1" smtClean="0">
+                              <a:latin typeface="Cambria Math" panose="02040503050406030204" pitchFamily="18" charset="0"/>
+                              <a:cs typeface="Arial"/>
+                            </a:rPr>
+                            <m:t>0</m:t>
+                          </m:r>
+                        </m:sub>
+                      </m:sSub>
+                      <m:func>
+                        <m:funcPr>
+                          <m:ctrlPr>
+                            <a:rPr lang="en-US" i="1">
+                              <a:latin typeface="Cambria Math" panose="02040503050406030204" pitchFamily="18" charset="0"/>
+                              <a:cs typeface="Arial"/>
+                            </a:rPr>
+                          </m:ctrlPr>
+                        </m:funcPr>
+                        <m:fName>
+                          <m:r>
+                            <m:rPr>
+                              <m:sty m:val="p"/>
+                            </m:rPr>
+                            <a:rPr lang="en-US" b="0" i="0" smtClean="0">
+                              <a:latin typeface="Cambria Math" panose="02040503050406030204" pitchFamily="18" charset="0"/>
+                              <a:cs typeface="Arial"/>
+                            </a:rPr>
+                            <m:t>cos</m:t>
+                          </m:r>
+                        </m:fName>
+                        <m:e>
+                          <m:sSup>
+                            <m:sSupPr>
+                              <m:ctrlPr>
+                                <a:rPr lang="en-US" b="0" i="1" smtClean="0">
+                                  <a:latin typeface="Cambria Math" panose="02040503050406030204" pitchFamily="18" charset="0"/>
+                                  <a:cs typeface="Arial"/>
+                                </a:rPr>
+                              </m:ctrlPr>
+                            </m:sSupPr>
+                            <m:e>
+                              <m:d>
+                                <m:dPr>
+                                  <m:ctrlPr>
+                                    <a:rPr lang="en-US" i="1">
+                                      <a:latin typeface="Cambria Math" panose="02040503050406030204" pitchFamily="18" charset="0"/>
+                                      <a:cs typeface="Arial"/>
+                                    </a:rPr>
+                                  </m:ctrlPr>
+                                </m:dPr>
+                                <m:e>
+                                  <m:r>
+                                    <a:rPr lang="en-US" b="0" i="1" smtClean="0">
+                                      <a:latin typeface="Cambria Math" panose="02040503050406030204" pitchFamily="18" charset="0"/>
+                                      <a:cs typeface="Arial"/>
+                                    </a:rPr>
+                                    <m:t>𝜃</m:t>
+                                  </m:r>
+                                </m:e>
+                              </m:d>
+                            </m:e>
+                            <m:sup>
+                              <m:r>
+                                <a:rPr lang="en-US" b="0" i="1" smtClean="0">
+                                  <a:latin typeface="Cambria Math" panose="02040503050406030204" pitchFamily="18" charset="0"/>
+                                  <a:cs typeface="Arial"/>
+                                </a:rPr>
+                                <m:t>2</m:t>
+                              </m:r>
+                            </m:sup>
+                          </m:sSup>
+                        </m:e>
+                      </m:func>
+                    </m:oMath>
+                  </m:oMathPara>
+                </a14:m>
+                <a:br>
+                  <a:rPr lang="he-IL" dirty="0">
+                    <a:cs typeface="Arial"/>
+                  </a:rPr>
+                </a:br>
+                <a:r>
+                  <a:rPr lang="en-US" dirty="0">
+                    <a:cs typeface="+mn-cs"/>
+                  </a:rPr>
+                  <a:t> </a:t>
+                </a:r>
+                <a:endParaRPr lang="he-IL" dirty="0">
+                  <a:cs typeface="+mn-cs"/>
+                </a:endParaRPr>
+              </a:p>
+            </p:txBody>
+          </p:sp>
+        </mc:Choice>
+        <mc:Fallback>
+          <p:sp>
+            <p:nvSpPr>
+              <p:cNvPr id="2" name="Title 1">
+                <a:extLst>
+                  <a:ext uri="{FF2B5EF4-FFF2-40B4-BE49-F238E27FC236}">
+                    <a16:creationId xmlns:a16="http://schemas.microsoft.com/office/drawing/2014/main" id="{95F4DEA2-F523-6A52-EECE-82D7DE56FCE9}"/>
+                  </a:ext>
+                </a:extLst>
+              </p:cNvPr>
+              <p:cNvSpPr>
+                <a:spLocks noGrp="1" noRot="1" noChangeAspect="1" noMove="1" noResize="1" noEditPoints="1" noAdjustHandles="1" noChangeArrowheads="1" noChangeShapeType="1" noTextEdit="1"/>
+              </p:cNvSpPr>
+              <p:nvPr>
+                <p:ph type="title"/>
+              </p:nvPr>
+            </p:nvSpPr>
+            <p:spPr>
+              <a:xfrm>
+                <a:off x="911553" y="635193"/>
+                <a:ext cx="11004395" cy="1642095"/>
+              </a:xfrm>
+              <a:blipFill>
+                <a:blip r:embed="rId2"/>
+                <a:stretch>
+                  <a:fillRect t="-30741"/>
+                </a:stretch>
+              </a:blipFill>
+            </p:spPr>
+            <p:txBody>
+              <a:bodyPr/>
+              <a:lstStyle/>
+              <a:p>
+                <a:r>
+                  <a:rPr lang="ru-RU">
+                    <a:noFill/>
+                  </a:rPr>
+                  <a:t> </a:t>
+                </a:r>
+              </a:p>
+            </p:txBody>
+          </p:sp>
+        </mc:Fallback>
+      </mc:AlternateContent>
+      <p:sp>
+        <p:nvSpPr>
+          <p:cNvPr id="4" name="Slide Number Placeholder 3">
+            <a:extLst>
+              <a:ext uri="{FF2B5EF4-FFF2-40B4-BE49-F238E27FC236}">
+                <a16:creationId xmlns:a16="http://schemas.microsoft.com/office/drawing/2014/main" id="{75CA1D86-1D53-1309-DC3B-74EA841F47B9}"/>
+              </a:ext>
+            </a:extLst>
+          </p:cNvPr>
+          <p:cNvSpPr>
+            <a:spLocks noGrp="1"/>
+          </p:cNvSpPr>
+          <p:nvPr>
+            <p:ph type="sldNum" sz="quarter" idx="12"/>
+          </p:nvPr>
+        </p:nvSpPr>
+        <p:spPr>
+          <a:xfrm>
+            <a:off x="11634008" y="6333331"/>
+            <a:ext cx="281940" cy="319088"/>
+          </a:xfrm>
+        </p:spPr>
+        <p:txBody>
+          <a:bodyPr/>
+          <a:lstStyle/>
+          <a:p>
+            <a:fld id="{A263F1A8-BC7B-4008-A955-96F8F4A3B8CB}" type="slidenum">
+              <a:rPr lang="he-IL" smtClean="0"/>
+              <a:t>8</a:t>
+            </a:fld>
+            <a:endParaRPr lang="he-IL"/>
+          </a:p>
+        </p:txBody>
+      </p:sp>
+      <p:pic>
+        <p:nvPicPr>
+          <p:cNvPr id="8194" name="Picture 2">
+            <a:extLst>
+              <a:ext uri="{FF2B5EF4-FFF2-40B4-BE49-F238E27FC236}">
+                <a16:creationId xmlns:a16="http://schemas.microsoft.com/office/drawing/2014/main" id="{90E270DD-CD7C-12E8-3713-3816712ADF4B}"/>
+              </a:ext>
+            </a:extLst>
+          </p:cNvPr>
+          <p:cNvPicPr>
+            <a:picLocks noChangeAspect="1" noChangeArrowheads="1"/>
+          </p:cNvPicPr>
+          <p:nvPr/>
+        </p:nvPicPr>
+        <p:blipFill>
+          <a:blip r:embed="rId3">
+            <a:extLst>
+              <a:ext uri="{28A0092B-C50C-407E-A947-70E740481C1C}">
+                <a14:useLocalDpi xmlns:a14="http://schemas.microsoft.com/office/drawing/2010/main" val="0"/>
+              </a:ext>
+            </a:extLst>
+          </a:blip>
+          <a:srcRect/>
+          <a:stretch>
+            <a:fillRect/>
+          </a:stretch>
+        </p:blipFill>
+        <p:spPr bwMode="auto">
+          <a:xfrm>
+            <a:off x="6978368" y="2478482"/>
+            <a:ext cx="4796611" cy="3699293"/>
+          </a:xfrm>
+          <a:prstGeom prst="rect">
+            <a:avLst/>
+          </a:prstGeom>
+          <a:noFill/>
+          <a:extLst>
+            <a:ext uri="{909E8E84-426E-40DD-AFC4-6F175D3DCCD1}">
+              <a14:hiddenFill xmlns:a14="http://schemas.microsoft.com/office/drawing/2010/main">
+                <a:solidFill>
+                  <a:srgbClr val="FFFFFF"/>
+                </a:solidFill>
+              </a14:hiddenFill>
+            </a:ext>
+          </a:extLst>
+        </p:spPr>
+      </p:pic>
+      <p:pic>
+        <p:nvPicPr>
+          <p:cNvPr id="8196" name="Picture 4">
+            <a:extLst>
+              <a:ext uri="{FF2B5EF4-FFF2-40B4-BE49-F238E27FC236}">
+                <a16:creationId xmlns:a16="http://schemas.microsoft.com/office/drawing/2014/main" id="{98CCDBA9-9CFB-9F32-5E63-B988534CBE7D}"/>
+              </a:ext>
+            </a:extLst>
+          </p:cNvPr>
+          <p:cNvPicPr>
+            <a:picLocks noChangeAspect="1" noChangeArrowheads="1"/>
+          </p:cNvPicPr>
+          <p:nvPr/>
+        </p:nvPicPr>
+        <p:blipFill>
+          <a:blip r:embed="rId4">
+            <a:extLst>
+              <a:ext uri="{28A0092B-C50C-407E-A947-70E740481C1C}">
+                <a14:useLocalDpi xmlns:a14="http://schemas.microsoft.com/office/drawing/2010/main" val="0"/>
+              </a:ext>
+            </a:extLst>
+          </a:blip>
+          <a:srcRect/>
+          <a:stretch>
+            <a:fillRect/>
+          </a:stretch>
+        </p:blipFill>
+        <p:spPr bwMode="auto">
+          <a:xfrm>
+            <a:off x="611695" y="2432844"/>
+            <a:ext cx="5534025" cy="4219575"/>
+          </a:xfrm>
+          <a:prstGeom prst="rect">
+            <a:avLst/>
+          </a:prstGeom>
+          <a:noFill/>
+          <a:extLst>
+            <a:ext uri="{909E8E84-426E-40DD-AFC4-6F175D3DCCD1}">
+              <a14:hiddenFill xmlns:a14="http://schemas.microsoft.com/office/drawing/2010/main">
+                <a:solidFill>
+                  <a:srgbClr val="FFFFFF"/>
+                </a:solidFill>
+              </a14:hiddenFill>
+            </a:ext>
+          </a:extLst>
+        </p:spPr>
+      </p:pic>
+    </p:spTree>
+    <p:extLst>
+      <p:ext uri="{BB962C8B-B14F-4D97-AF65-F5344CB8AC3E}">
+        <p14:creationId xmlns:p14="http://schemas.microsoft.com/office/powerpoint/2010/main" val="1985730058"/>
+      </p:ext>
+    </p:extLst>
+  </p:cSld>
+  <p:clrMapOvr>
+    <a:masterClrMapping/>
+  </p:clrMapOvr>
+</p:sld>
+</file>
+
+<file path=ppt/slides/slide9.xml><?xml version="1.0" encoding="utf-8"?>
+<p:sld xmlns:a="http://schemas.openxmlformats.org/drawingml/2006/main" xmlns:r="http://schemas.openxmlformats.org/officeDocument/2006/relationships" xmlns:p="http://schemas.openxmlformats.org/presentationml/2006/main">
+  <p:cSld>
+    <p:spTree>
+      <p:nvGrpSpPr>
+        <p:cNvPr id="1" name=""/>
+        <p:cNvGrpSpPr/>
+        <p:nvPr/>
+      </p:nvGrpSpPr>
+      <p:grpSpPr>
+        <a:xfrm>
+          <a:off x="0" y="0"/>
+          <a:ext cx="0" cy="0"/>
+          <a:chOff x="0" y="0"/>
+          <a:chExt cx="0" cy="0"/>
+        </a:xfrm>
+      </p:grpSpPr>
+      <mc:AlternateContent xmlns:mc="http://schemas.openxmlformats.org/markup-compatibility/2006">
+        <mc:Choice xmlns:a14="http://schemas.microsoft.com/office/drawing/2010/main" Requires="a14">
           <p:sp>
             <p:nvSpPr>
               <p:cNvPr id="2" name="TextBox 1">
@@ -4537,8 +8015,8 @@
             </p:nvSpPr>
             <p:spPr>
               <a:xfrm>
-                <a:off x="3644427" y="195333"/>
-                <a:ext cx="5272149" cy="1938992"/>
+                <a:off x="2649542" y="195333"/>
+                <a:ext cx="7261924" cy="1938992"/>
               </a:xfrm>
               <a:prstGeom prst="rect">
                 <a:avLst/>
@@ -4556,7 +8034,7 @@
                   <a:rPr lang="he-IL" sz="4000" dirty="0">
                     <a:cs typeface="Arial"/>
                   </a:rPr>
-                  <a:t>התאמה לא-לינארית</a:t>
+                  <a:t>התאמה לא-לינארית עם 4 פרמטרים</a:t>
                 </a:r>
               </a:p>
               <a:p>
@@ -4682,7 +8160,7 @@
             </p:txBody>
           </p:sp>
         </mc:Choice>
-        <mc:Fallback xmlns="">
+        <mc:Fallback>
           <p:sp>
             <p:nvSpPr>
               <p:cNvPr id="2" name="TextBox 1">
@@ -4699,8 +8177,8 @@
             </p:nvSpPr>
             <p:spPr>
               <a:xfrm>
-                <a:off x="3644427" y="195333"/>
-                <a:ext cx="5272149" cy="1938992"/>
+                <a:off x="2649542" y="195333"/>
+                <a:ext cx="7261924" cy="1938992"/>
               </a:xfrm>
               <a:prstGeom prst="rect">
                 <a:avLst/>
@@ -4708,7 +8186,7 @@
               <a:blipFill>
                 <a:blip r:embed="rId2"/>
                 <a:stretch>
-                  <a:fillRect t="-5660"/>
+                  <a:fillRect l="-2519" t="-5660" r="-2267"/>
                 </a:stretch>
               </a:blipFill>
             </p:spPr>
@@ -4717,7 +8195,7 @@
               <a:lstStyle/>
               <a:p>
                 <a:r>
-                  <a:rPr lang="he-IL">
+                  <a:rPr lang="ru-RU">
                     <a:noFill/>
                   </a:rPr>
                   <a:t> </a:t>
@@ -4755,7 +8233,7 @@
           <a:p>
             <a:fld id="{A263F1A8-BC7B-4008-A955-96F8F4A3B8CB}" type="slidenum">
               <a:rPr lang="he-IL" smtClean="0"/>
-              <a:t>6</a:t>
+              <a:t>9</a:t>
             </a:fld>
             <a:endParaRPr lang="he-IL"/>
           </a:p>
@@ -4763,10 +8241,10 @@
       </p:sp>
       <p:pic>
         <p:nvPicPr>
-          <p:cNvPr id="2050" name="Picture 2">
-            <a:extLst>
-              <a:ext uri="{FF2B5EF4-FFF2-40B4-BE49-F238E27FC236}">
-                <a16:creationId xmlns:a16="http://schemas.microsoft.com/office/drawing/2014/main" id="{B3B44F68-5AE5-42B5-85B7-BF661512761F}"/>
+          <p:cNvPr id="9218" name="Picture 2">
+            <a:extLst>
+              <a:ext uri="{FF2B5EF4-FFF2-40B4-BE49-F238E27FC236}">
+                <a16:creationId xmlns:a16="http://schemas.microsoft.com/office/drawing/2014/main" id="{6AFDE770-53DC-513D-8BEA-B0D2D17E6A8A}"/>
               </a:ext>
             </a:extLst>
           </p:cNvPr>
@@ -4790,8 +8268,8 @@
         </p:blipFill>
         <p:spPr bwMode="auto">
           <a:xfrm>
-            <a:off x="6439335" y="2880212"/>
-            <a:ext cx="5564705" cy="2920093"/>
+            <a:off x="6383931" y="2538039"/>
+            <a:ext cx="5363569" cy="2814546"/>
           </a:xfrm>
           <a:prstGeom prst="rect">
             <a:avLst/>
@@ -4810,10 +8288,10 @@
       </p:pic>
       <p:pic>
         <p:nvPicPr>
-          <p:cNvPr id="12" name="Picture 11">
-            <a:extLst>
-              <a:ext uri="{FF2B5EF4-FFF2-40B4-BE49-F238E27FC236}">
-                <a16:creationId xmlns:a16="http://schemas.microsoft.com/office/drawing/2014/main" id="{79AD7110-1615-4EA7-BE54-BDB79A89DEA3}"/>
+          <p:cNvPr id="8" name="Picture 7">
+            <a:extLst>
+              <a:ext uri="{FF2B5EF4-FFF2-40B4-BE49-F238E27FC236}">
+                <a16:creationId xmlns:a16="http://schemas.microsoft.com/office/drawing/2014/main" id="{F917028B-C72B-00F1-7915-A7F2FC8C7638}"/>
               </a:ext>
             </a:extLst>
           </p:cNvPr>
@@ -4830,8 +8308,8 @@
         </p:blipFill>
         <p:spPr>
           <a:xfrm>
-            <a:off x="187960" y="2981813"/>
-            <a:ext cx="6251375" cy="2931180"/>
+            <a:off x="444500" y="2573593"/>
+            <a:ext cx="5296359" cy="2743438"/>
           </a:xfrm>
           <a:prstGeom prst="rect">
             <a:avLst/>
@@ -4840,51 +8318,50 @@
       </p:pic>
       <p:sp>
         <p:nvSpPr>
-          <p:cNvPr id="3" name="&quot;Not Allowed&quot; Symbol 2">
-            <a:extLst>
-              <a:ext uri="{FF2B5EF4-FFF2-40B4-BE49-F238E27FC236}">
-                <a16:creationId xmlns:a16="http://schemas.microsoft.com/office/drawing/2014/main" id="{354228C6-2C0F-9916-0935-816417065667}"/>
-              </a:ext>
-            </a:extLst>
-          </p:cNvPr>
-          <p:cNvSpPr/>
+          <p:cNvPr id="9" name="TextBox 8">
+            <a:extLst>
+              <a:ext uri="{FF2B5EF4-FFF2-40B4-BE49-F238E27FC236}">
+                <a16:creationId xmlns:a16="http://schemas.microsoft.com/office/drawing/2014/main" id="{E80265EE-867A-D481-86D5-1C3CEA67B793}"/>
+              </a:ext>
+            </a:extLst>
+          </p:cNvPr>
+          <p:cNvSpPr txBox="1"/>
           <p:nvPr/>
         </p:nvSpPr>
         <p:spPr>
           <a:xfrm>
-            <a:off x="4977442" y="4653280"/>
-            <a:ext cx="934720" cy="619760"/>
+            <a:off x="3401131" y="5977054"/>
+            <a:ext cx="7218644" cy="369332"/>
           </a:xfrm>
-          <a:prstGeom prst="noSmoking">
+          <a:prstGeom prst="rect">
             <a:avLst/>
           </a:prstGeom>
+          <a:noFill/>
         </p:spPr>
-        <p:style>
-          <a:lnRef idx="2">
-            <a:schemeClr val="accent1">
-              <a:shade val="15000"/>
-            </a:schemeClr>
-          </a:lnRef>
-          <a:fillRef idx="1">
-            <a:schemeClr val="accent1"/>
-          </a:fillRef>
-          <a:effectRef idx="0">
-            <a:schemeClr val="accent1"/>
-          </a:effectRef>
-          <a:fontRef idx="minor">
-            <a:schemeClr val="lt1"/>
-          </a:fontRef>
-        </p:style>
-        <p:txBody>
-          <a:bodyPr rtlCol="1" anchor="ctr"/>
+        <p:txBody>
+          <a:bodyPr wrap="none" rtlCol="0">
+            <a:spAutoFit/>
+          </a:bodyPr>
           <a:lstStyle/>
           <a:p>
-            <a:pPr algn="ctr"/>
-            <a:endParaRPr lang="he-IL">
-              <a:solidFill>
-                <a:schemeClr val="tx1"/>
-              </a:solidFill>
-            </a:endParaRPr>
+            <a:pPr algn="r" rtl="1"/>
+            <a:r>
+              <a:rPr lang="he-IL" dirty="0"/>
+              <a:t>לפעמים התאמה לא-לינארית דורשת </a:t>
+            </a:r>
+            <a:r>
+              <a:rPr lang="he-IL" dirty="0">
+                <a:highlight>
+                  <a:srgbClr val="FFFF00"/>
+                </a:highlight>
+              </a:rPr>
+              <a:t>פרמטרים התחלתיים </a:t>
+            </a:r>
+            <a:r>
+              <a:rPr lang="he-IL" dirty="0"/>
+              <a:t>קרובים לערכך אמתי</a:t>
+            </a:r>
+            <a:endParaRPr lang="ru-RU" dirty="0"/>
           </a:p>
         </p:txBody>
       </p:sp>
@@ -4892,782 +8369,6 @@
     <p:extLst>
       <p:ext uri="{BB962C8B-B14F-4D97-AF65-F5344CB8AC3E}">
         <p14:creationId xmlns:p14="http://schemas.microsoft.com/office/powerpoint/2010/main" val="3177985881"/>
-      </p:ext>
-    </p:extLst>
-  </p:cSld>
-  <p:clrMapOvr>
-    <a:masterClrMapping/>
-  </p:clrMapOvr>
-</p:sld>
-</file>
-
-<file path=ppt/slides/slide7.xml><?xml version="1.0" encoding="utf-8"?>
-<p:sld xmlns:a="http://schemas.openxmlformats.org/drawingml/2006/main" xmlns:r="http://schemas.openxmlformats.org/officeDocument/2006/relationships" xmlns:p="http://schemas.openxmlformats.org/presentationml/2006/main">
-  <p:cSld>
-    <p:spTree>
-      <p:nvGrpSpPr>
-        <p:cNvPr id="1" name=""/>
-        <p:cNvGrpSpPr/>
-        <p:nvPr/>
-      </p:nvGrpSpPr>
-      <p:grpSpPr>
-        <a:xfrm>
-          <a:off x="0" y="0"/>
-          <a:ext cx="0" cy="0"/>
-          <a:chOff x="0" y="0"/>
-          <a:chExt cx="0" cy="0"/>
-        </a:xfrm>
-      </p:grpSpPr>
-      <mc:AlternateContent xmlns:mc="http://schemas.openxmlformats.org/markup-compatibility/2006" xmlns:a14="http://schemas.microsoft.com/office/drawing/2010/main">
-        <mc:Choice Requires="a14">
-          <p:sp>
-            <p:nvSpPr>
-              <p:cNvPr id="2" name="TextBox 1">
-                <a:extLst>
-                  <a:ext uri="{FF2B5EF4-FFF2-40B4-BE49-F238E27FC236}">
-                    <a16:creationId xmlns:a16="http://schemas.microsoft.com/office/drawing/2014/main" id="{C046B56C-BDD8-46E8-9F1C-8638E1860F2F}"/>
-                  </a:ext>
-                </a:extLst>
-              </p:cNvPr>
-              <p:cNvSpPr txBox="1"/>
-              <p:nvPr/>
-            </p:nvSpPr>
-            <p:spPr>
-              <a:xfrm>
-                <a:off x="1591750" y="195333"/>
-                <a:ext cx="9377504" cy="1938992"/>
-              </a:xfrm>
-              <a:prstGeom prst="rect">
-                <a:avLst/>
-              </a:prstGeom>
-              <a:noFill/>
-            </p:spPr>
-            <p:txBody>
-              <a:bodyPr wrap="none" lIns="91440" tIns="45720" rIns="91440" bIns="45720" rtlCol="1" anchor="t">
-                <a:spAutoFit/>
-              </a:bodyPr>
-              <a:lstStyle/>
-              <a:p>
-                <a:pPr algn="ctr"/>
-                <a:r>
-                  <a:rPr lang="he-IL" sz="4000" dirty="0">
-                    <a:cs typeface="Arial"/>
-                  </a:rPr>
-                  <a:t>התאמה לא-לינארית</a:t>
-                </a:r>
-              </a:p>
-              <a:p>
-                <a:pPr algn="ctr"/>
-                <a:endParaRPr lang="he-IL" sz="4000" dirty="0">
-                  <a:cs typeface="Arial"/>
-                </a:endParaRPr>
-              </a:p>
-              <a:p>
-                <a:pPr algn="ctr"/>
-                <a14:m>
-                  <m:oMathPara xmlns:m="http://schemas.openxmlformats.org/officeDocument/2006/math">
-                    <m:oMathParaPr>
-                      <m:jc m:val="centerGroup"/>
-                    </m:oMathParaPr>
-                    <m:oMath xmlns:m="http://schemas.openxmlformats.org/officeDocument/2006/math">
-                      <m:r>
-                        <a:rPr lang="en-US" sz="4000" b="0" i="1" smtClean="0">
-                          <a:latin typeface="Cambria Math" panose="02040503050406030204" pitchFamily="18" charset="0"/>
-                          <a:cs typeface="Arial"/>
-                        </a:rPr>
-                        <m:t>𝑥</m:t>
-                      </m:r>
-                      <m:r>
-                        <a:rPr lang="en-US" sz="4000" i="1" smtClean="0">
-                          <a:latin typeface="Cambria Math" panose="02040503050406030204" pitchFamily="18" charset="0"/>
-                          <a:cs typeface="Arial"/>
-                        </a:rPr>
-                        <m:t>=</m:t>
-                      </m:r>
-                      <m:sSub>
-                        <m:sSubPr>
-                          <m:ctrlPr>
-                            <a:rPr lang="en-US" sz="4000" b="0" i="1" smtClean="0">
-                              <a:latin typeface="Cambria Math" panose="02040503050406030204" pitchFamily="18" charset="0"/>
-                              <a:cs typeface="Arial"/>
-                            </a:rPr>
-                          </m:ctrlPr>
-                        </m:sSubPr>
-                        <m:e>
-                          <m:r>
-                            <a:rPr lang="en-US" sz="4000" b="0" i="1" smtClean="0">
-                              <a:latin typeface="Cambria Math" panose="02040503050406030204" pitchFamily="18" charset="0"/>
-                              <a:cs typeface="Arial"/>
-                            </a:rPr>
-                            <m:t>𝐴</m:t>
-                          </m:r>
-                        </m:e>
-                        <m:sub>
-                          <m:r>
-                            <a:rPr lang="en-US" sz="4000" b="0" i="1" smtClean="0">
-                              <a:latin typeface="Cambria Math" panose="02040503050406030204" pitchFamily="18" charset="0"/>
-                              <a:cs typeface="Arial"/>
-                            </a:rPr>
-                            <m:t>1</m:t>
-                          </m:r>
-                        </m:sub>
-                      </m:sSub>
-                      <m:func>
-                        <m:funcPr>
-                          <m:ctrlPr>
-                            <a:rPr lang="en-US" sz="4000" b="0" i="1" smtClean="0">
-                              <a:latin typeface="Cambria Math" panose="02040503050406030204" pitchFamily="18" charset="0"/>
-                              <a:cs typeface="Arial"/>
-                            </a:rPr>
-                          </m:ctrlPr>
-                        </m:funcPr>
-                        <m:fName>
-                          <m:r>
-                            <m:rPr>
-                              <m:sty m:val="p"/>
-                            </m:rPr>
-                            <a:rPr lang="en-US" sz="4000" b="0" i="0" smtClean="0">
-                              <a:latin typeface="Cambria Math" panose="02040503050406030204" pitchFamily="18" charset="0"/>
-                              <a:cs typeface="Arial"/>
-                            </a:rPr>
-                            <m:t>sin</m:t>
-                          </m:r>
-                        </m:fName>
-                        <m:e>
-                          <m:d>
-                            <m:dPr>
-                              <m:ctrlPr>
-                                <a:rPr lang="en-US" sz="4000" b="0" i="1" smtClean="0">
-                                  <a:latin typeface="Cambria Math" panose="02040503050406030204" pitchFamily="18" charset="0"/>
-                                  <a:cs typeface="Arial"/>
-                                </a:rPr>
-                              </m:ctrlPr>
-                            </m:dPr>
-                            <m:e>
-                              <m:sSub>
-                                <m:sSubPr>
-                                  <m:ctrlPr>
-                                    <a:rPr lang="en-US" sz="4000" b="0" i="1" smtClean="0">
-                                      <a:latin typeface="Cambria Math" panose="02040503050406030204" pitchFamily="18" charset="0"/>
-                                      <a:cs typeface="Arial"/>
-                                    </a:rPr>
-                                  </m:ctrlPr>
-                                </m:sSubPr>
-                                <m:e>
-                                  <m:r>
-                                    <a:rPr lang="en-US" sz="4000" b="0" i="1" smtClean="0">
-                                      <a:latin typeface="Cambria Math" panose="02040503050406030204" pitchFamily="18" charset="0"/>
-                                      <a:cs typeface="Arial"/>
-                                    </a:rPr>
-                                    <m:t>𝜔</m:t>
-                                  </m:r>
-                                </m:e>
-                                <m:sub>
-                                  <m:r>
-                                    <a:rPr lang="en-US" sz="4000" b="0" i="1" smtClean="0">
-                                      <a:latin typeface="Cambria Math" panose="02040503050406030204" pitchFamily="18" charset="0"/>
-                                      <a:cs typeface="Arial"/>
-                                    </a:rPr>
-                                    <m:t>1</m:t>
-                                  </m:r>
-                                </m:sub>
-                              </m:sSub>
-                              <m:r>
-                                <a:rPr lang="en-US" sz="4000" b="0" i="1" smtClean="0">
-                                  <a:latin typeface="Cambria Math" panose="02040503050406030204" pitchFamily="18" charset="0"/>
-                                  <a:cs typeface="Arial"/>
-                                </a:rPr>
-                                <m:t>𝑡</m:t>
-                              </m:r>
-                              <m:r>
-                                <a:rPr lang="en-US" sz="4000" b="0" i="1" smtClean="0">
-                                  <a:latin typeface="Cambria Math" panose="02040503050406030204" pitchFamily="18" charset="0"/>
-                                  <a:cs typeface="Arial"/>
-                                </a:rPr>
-                                <m:t>+</m:t>
-                              </m:r>
-                              <m:sSub>
-                                <m:sSubPr>
-                                  <m:ctrlPr>
-                                    <a:rPr lang="en-US" sz="4000" b="0" i="1" smtClean="0">
-                                      <a:latin typeface="Cambria Math" panose="02040503050406030204" pitchFamily="18" charset="0"/>
-                                      <a:cs typeface="Arial"/>
-                                    </a:rPr>
-                                  </m:ctrlPr>
-                                </m:sSubPr>
-                                <m:e>
-                                  <m:r>
-                                    <a:rPr lang="en-US" sz="4000" b="0" i="1" smtClean="0">
-                                      <a:latin typeface="Cambria Math" panose="02040503050406030204" pitchFamily="18" charset="0"/>
-                                      <a:cs typeface="Arial"/>
-                                    </a:rPr>
-                                    <m:t>𝜑</m:t>
-                                  </m:r>
-                                </m:e>
-                                <m:sub>
-                                  <m:r>
-                                    <a:rPr lang="en-US" sz="4000" b="0" i="1" smtClean="0">
-                                      <a:latin typeface="Cambria Math" panose="02040503050406030204" pitchFamily="18" charset="0"/>
-                                      <a:cs typeface="Arial"/>
-                                    </a:rPr>
-                                    <m:t>1</m:t>
-                                  </m:r>
-                                </m:sub>
-                              </m:sSub>
-                            </m:e>
-                          </m:d>
-                          <m:sSub>
-                            <m:sSubPr>
-                              <m:ctrlPr>
-                                <a:rPr lang="en-US" sz="4000" b="0" i="1" smtClean="0">
-                                  <a:latin typeface="Cambria Math" panose="02040503050406030204" pitchFamily="18" charset="0"/>
-                                  <a:cs typeface="Arial"/>
-                                </a:rPr>
-                              </m:ctrlPr>
-                            </m:sSubPr>
-                            <m:e>
-                              <m:r>
-                                <a:rPr lang="en-US" sz="4000" b="0" i="1" smtClean="0">
-                                  <a:latin typeface="Cambria Math" panose="02040503050406030204" pitchFamily="18" charset="0"/>
-                                  <a:cs typeface="Arial"/>
-                                </a:rPr>
-                                <m:t>+ </m:t>
-                              </m:r>
-                              <m:r>
-                                <a:rPr lang="en-US" sz="4000" b="0" i="1" smtClean="0">
-                                  <a:latin typeface="Cambria Math" panose="02040503050406030204" pitchFamily="18" charset="0"/>
-                                  <a:cs typeface="Arial"/>
-                                </a:rPr>
-                                <m:t>𝐴</m:t>
-                              </m:r>
-                            </m:e>
-                            <m:sub>
-                              <m:r>
-                                <a:rPr lang="en-US" sz="4000" b="0" i="1" smtClean="0">
-                                  <a:latin typeface="Cambria Math" panose="02040503050406030204" pitchFamily="18" charset="0"/>
-                                  <a:cs typeface="Arial"/>
-                                </a:rPr>
-                                <m:t>2</m:t>
-                              </m:r>
-                            </m:sub>
-                          </m:sSub>
-                          <m:func>
-                            <m:funcPr>
-                              <m:ctrlPr>
-                                <a:rPr lang="en-US" sz="4000" b="0" i="1" smtClean="0">
-                                  <a:latin typeface="Cambria Math" panose="02040503050406030204" pitchFamily="18" charset="0"/>
-                                  <a:cs typeface="Arial"/>
-                                </a:rPr>
-                              </m:ctrlPr>
-                            </m:funcPr>
-                            <m:fName>
-                              <m:r>
-                                <m:rPr>
-                                  <m:sty m:val="p"/>
-                                </m:rPr>
-                                <a:rPr lang="en-US" sz="4000" b="0" i="0" smtClean="0">
-                                  <a:latin typeface="Cambria Math" panose="02040503050406030204" pitchFamily="18" charset="0"/>
-                                  <a:cs typeface="Arial"/>
-                                </a:rPr>
-                                <m:t>sin</m:t>
-                              </m:r>
-                            </m:fName>
-                            <m:e>
-                              <m:d>
-                                <m:dPr>
-                                  <m:ctrlPr>
-                                    <a:rPr lang="en-US" sz="4000" b="0" i="1" smtClean="0">
-                                      <a:latin typeface="Cambria Math" panose="02040503050406030204" pitchFamily="18" charset="0"/>
-                                      <a:cs typeface="Arial"/>
-                                    </a:rPr>
-                                  </m:ctrlPr>
-                                </m:dPr>
-                                <m:e>
-                                  <m:sSub>
-                                    <m:sSubPr>
-                                      <m:ctrlPr>
-                                        <a:rPr lang="en-US" sz="4000" b="0" i="1" smtClean="0">
-                                          <a:latin typeface="Cambria Math" panose="02040503050406030204" pitchFamily="18" charset="0"/>
-                                          <a:cs typeface="Arial"/>
-                                        </a:rPr>
-                                      </m:ctrlPr>
-                                    </m:sSubPr>
-                                    <m:e>
-                                      <m:r>
-                                        <a:rPr lang="en-US" sz="4000" b="0" i="1" smtClean="0">
-                                          <a:latin typeface="Cambria Math" panose="02040503050406030204" pitchFamily="18" charset="0"/>
-                                          <a:cs typeface="Arial"/>
-                                        </a:rPr>
-                                        <m:t>𝜔</m:t>
-                                      </m:r>
-                                    </m:e>
-                                    <m:sub>
-                                      <m:r>
-                                        <a:rPr lang="en-US" sz="4000" b="0" i="1" smtClean="0">
-                                          <a:latin typeface="Cambria Math" panose="02040503050406030204" pitchFamily="18" charset="0"/>
-                                          <a:cs typeface="Arial"/>
-                                        </a:rPr>
-                                        <m:t>2</m:t>
-                                      </m:r>
-                                    </m:sub>
-                                  </m:sSub>
-                                  <m:r>
-                                    <a:rPr lang="en-US" sz="4000" b="0" i="1" smtClean="0">
-                                      <a:latin typeface="Cambria Math" panose="02040503050406030204" pitchFamily="18" charset="0"/>
-                                      <a:cs typeface="Arial"/>
-                                    </a:rPr>
-                                    <m:t>𝑡</m:t>
-                                  </m:r>
-                                  <m:r>
-                                    <a:rPr lang="en-US" sz="4000" b="0" i="1" smtClean="0">
-                                      <a:latin typeface="Cambria Math" panose="02040503050406030204" pitchFamily="18" charset="0"/>
-                                      <a:cs typeface="Arial"/>
-                                    </a:rPr>
-                                    <m:t>+</m:t>
-                                  </m:r>
-                                  <m:sSub>
-                                    <m:sSubPr>
-                                      <m:ctrlPr>
-                                        <a:rPr lang="en-US" sz="4000" b="0" i="1" smtClean="0">
-                                          <a:latin typeface="Cambria Math" panose="02040503050406030204" pitchFamily="18" charset="0"/>
-                                          <a:cs typeface="Arial"/>
-                                        </a:rPr>
-                                      </m:ctrlPr>
-                                    </m:sSubPr>
-                                    <m:e>
-                                      <m:r>
-                                        <a:rPr lang="en-US" sz="4000" b="0" i="1" smtClean="0">
-                                          <a:latin typeface="Cambria Math" panose="02040503050406030204" pitchFamily="18" charset="0"/>
-                                          <a:cs typeface="Arial"/>
-                                        </a:rPr>
-                                        <m:t>𝜑</m:t>
-                                      </m:r>
-                                    </m:e>
-                                    <m:sub>
-                                      <m:r>
-                                        <a:rPr lang="en-US" sz="4000" b="0" i="1" smtClean="0">
-                                          <a:latin typeface="Cambria Math" panose="02040503050406030204" pitchFamily="18" charset="0"/>
-                                          <a:cs typeface="Arial"/>
-                                        </a:rPr>
-                                        <m:t>2</m:t>
-                                      </m:r>
-                                    </m:sub>
-                                  </m:sSub>
-                                </m:e>
-                              </m:d>
-                            </m:e>
-                          </m:func>
-                        </m:e>
-                      </m:func>
-                    </m:oMath>
-                  </m:oMathPara>
-                </a14:m>
-                <a:endParaRPr lang="he-IL" sz="4000" dirty="0">
-                  <a:cs typeface="Arial"/>
-                </a:endParaRPr>
-              </a:p>
-            </p:txBody>
-          </p:sp>
-        </mc:Choice>
-        <mc:Fallback xmlns="">
-          <p:sp>
-            <p:nvSpPr>
-              <p:cNvPr id="2" name="TextBox 1">
-                <a:extLst>
-                  <a:ext uri="{FF2B5EF4-FFF2-40B4-BE49-F238E27FC236}">
-                    <a16:creationId xmlns:a16="http://schemas.microsoft.com/office/drawing/2014/main" id="{C046B56C-BDD8-46E8-9F1C-8638E1860F2F}"/>
-                  </a:ext>
-                </a:extLst>
-              </p:cNvPr>
-              <p:cNvSpPr txBox="1">
-                <a:spLocks noRot="1" noChangeAspect="1" noMove="1" noResize="1" noEditPoints="1" noAdjustHandles="1" noChangeArrowheads="1" noChangeShapeType="1" noTextEdit="1"/>
-              </p:cNvSpPr>
-              <p:nvPr/>
-            </p:nvSpPr>
-            <p:spPr>
-              <a:xfrm>
-                <a:off x="1591750" y="195333"/>
-                <a:ext cx="9377504" cy="1938992"/>
-              </a:xfrm>
-              <a:prstGeom prst="rect">
-                <a:avLst/>
-              </a:prstGeom>
-              <a:blipFill>
-                <a:blip r:embed="rId2"/>
-                <a:stretch>
-                  <a:fillRect t="-5660"/>
-                </a:stretch>
-              </a:blipFill>
-            </p:spPr>
-            <p:txBody>
-              <a:bodyPr/>
-              <a:lstStyle/>
-              <a:p>
-                <a:r>
-                  <a:rPr lang="he-IL">
-                    <a:noFill/>
-                  </a:rPr>
-                  <a:t> </a:t>
-                </a:r>
-              </a:p>
-            </p:txBody>
-          </p:sp>
-        </mc:Fallback>
-      </mc:AlternateContent>
-      <p:sp>
-        <p:nvSpPr>
-          <p:cNvPr id="6" name="Slide Number Placeholder 5">
-            <a:extLst>
-              <a:ext uri="{FF2B5EF4-FFF2-40B4-BE49-F238E27FC236}">
-                <a16:creationId xmlns:a16="http://schemas.microsoft.com/office/drawing/2014/main" id="{DA9D3605-369B-4180-9047-0DAFC53688C5}"/>
-              </a:ext>
-            </a:extLst>
-          </p:cNvPr>
-          <p:cNvSpPr>
-            <a:spLocks noGrp="1"/>
-          </p:cNvSpPr>
-          <p:nvPr>
-            <p:ph type="sldNum" sz="quarter" idx="12"/>
-          </p:nvPr>
-        </p:nvSpPr>
-        <p:spPr>
-          <a:xfrm>
-            <a:off x="11490960" y="6382358"/>
-            <a:ext cx="513080" cy="307777"/>
-          </a:xfrm>
-        </p:spPr>
-        <p:txBody>
-          <a:bodyPr/>
-          <a:lstStyle/>
-          <a:p>
-            <a:fld id="{A263F1A8-BC7B-4008-A955-96F8F4A3B8CB}" type="slidenum">
-              <a:rPr lang="he-IL" smtClean="0"/>
-              <a:t>7</a:t>
-            </a:fld>
-            <a:endParaRPr lang="he-IL"/>
-          </a:p>
-        </p:txBody>
-      </p:sp>
-      <p:pic>
-        <p:nvPicPr>
-          <p:cNvPr id="3" name="Picture 2">
-            <a:extLst>
-              <a:ext uri="{FF2B5EF4-FFF2-40B4-BE49-F238E27FC236}">
-                <a16:creationId xmlns:a16="http://schemas.microsoft.com/office/drawing/2014/main" id="{02EFCA50-D64E-C2A9-4C57-1B83FE7D973B}"/>
-              </a:ext>
-            </a:extLst>
-          </p:cNvPr>
-          <p:cNvPicPr>
-            <a:picLocks noChangeAspect="1"/>
-          </p:cNvPicPr>
-          <p:nvPr/>
-        </p:nvPicPr>
-        <p:blipFill>
-          <a:blip r:embed="rId3"/>
-          <a:stretch>
-            <a:fillRect/>
-          </a:stretch>
-        </p:blipFill>
-        <p:spPr>
-          <a:xfrm>
-            <a:off x="3457575" y="2602421"/>
-            <a:ext cx="5276850" cy="3933825"/>
-          </a:xfrm>
-          <a:prstGeom prst="rect">
-            <a:avLst/>
-          </a:prstGeom>
-        </p:spPr>
-      </p:pic>
-    </p:spTree>
-    <p:extLst>
-      <p:ext uri="{BB962C8B-B14F-4D97-AF65-F5344CB8AC3E}">
-        <p14:creationId xmlns:p14="http://schemas.microsoft.com/office/powerpoint/2010/main" val="2594729355"/>
-      </p:ext>
-    </p:extLst>
-  </p:cSld>
-  <p:clrMapOvr>
-    <a:masterClrMapping/>
-  </p:clrMapOvr>
-</p:sld>
-</file>
-
-<file path=ppt/slides/slide8.xml><?xml version="1.0" encoding="utf-8"?>
-<p:sld xmlns:a="http://schemas.openxmlformats.org/drawingml/2006/main" xmlns:r="http://schemas.openxmlformats.org/officeDocument/2006/relationships" xmlns:p="http://schemas.openxmlformats.org/presentationml/2006/main">
-  <p:cSld>
-    <p:spTree>
-      <p:nvGrpSpPr>
-        <p:cNvPr id="1" name=""/>
-        <p:cNvGrpSpPr/>
-        <p:nvPr/>
-      </p:nvGrpSpPr>
-      <p:grpSpPr>
-        <a:xfrm>
-          <a:off x="0" y="0"/>
-          <a:ext cx="0" cy="0"/>
-          <a:chOff x="0" y="0"/>
-          <a:chExt cx="0" cy="0"/>
-        </a:xfrm>
-      </p:grpSpPr>
-      <p:sp>
-        <p:nvSpPr>
-          <p:cNvPr id="2" name="Slide Number Placeholder 1">
-            <a:extLst>
-              <a:ext uri="{FF2B5EF4-FFF2-40B4-BE49-F238E27FC236}">
-                <a16:creationId xmlns:a16="http://schemas.microsoft.com/office/drawing/2014/main" id="{35C83F83-69D6-255B-A6CF-8B2816B6A960}"/>
-              </a:ext>
-            </a:extLst>
-          </p:cNvPr>
-          <p:cNvSpPr>
-            <a:spLocks noGrp="1"/>
-          </p:cNvSpPr>
-          <p:nvPr>
-            <p:ph type="sldNum" sz="quarter" idx="12"/>
-          </p:nvPr>
-        </p:nvSpPr>
-        <p:spPr/>
-        <p:txBody>
-          <a:bodyPr/>
-          <a:lstStyle/>
-          <a:p>
-            <a:fld id="{A263F1A8-BC7B-4008-A955-96F8F4A3B8CB}" type="slidenum">
-              <a:rPr lang="he-IL" smtClean="0"/>
-              <a:t>8</a:t>
-            </a:fld>
-            <a:endParaRPr lang="he-IL"/>
-          </a:p>
-        </p:txBody>
-      </p:sp>
-      <p:pic>
-        <p:nvPicPr>
-          <p:cNvPr id="4" name="Picture 3">
-            <a:extLst>
-              <a:ext uri="{FF2B5EF4-FFF2-40B4-BE49-F238E27FC236}">
-                <a16:creationId xmlns:a16="http://schemas.microsoft.com/office/drawing/2014/main" id="{905DF9BE-D864-5BE3-D2EF-E3CE8562DB1E}"/>
-              </a:ext>
-            </a:extLst>
-          </p:cNvPr>
-          <p:cNvPicPr>
-            <a:picLocks noChangeAspect="1"/>
-          </p:cNvPicPr>
-          <p:nvPr/>
-        </p:nvPicPr>
-        <p:blipFill>
-          <a:blip r:embed="rId2"/>
-          <a:stretch>
-            <a:fillRect/>
-          </a:stretch>
-        </p:blipFill>
-        <p:spPr>
-          <a:xfrm>
-            <a:off x="2795127" y="2152472"/>
-            <a:ext cx="6601746" cy="2553056"/>
-          </a:xfrm>
-          <a:prstGeom prst="rect">
-            <a:avLst/>
-          </a:prstGeom>
-        </p:spPr>
-      </p:pic>
-      <p:cxnSp>
-        <p:nvCxnSpPr>
-          <p:cNvPr id="6" name="Straight Arrow Connector 5">
-            <a:extLst>
-              <a:ext uri="{FF2B5EF4-FFF2-40B4-BE49-F238E27FC236}">
-                <a16:creationId xmlns:a16="http://schemas.microsoft.com/office/drawing/2014/main" id="{A7149C4F-CF16-875E-1A3F-7023963C2681}"/>
-              </a:ext>
-            </a:extLst>
-          </p:cNvPr>
-          <p:cNvCxnSpPr/>
-          <p:nvPr/>
-        </p:nvCxnSpPr>
-        <p:spPr>
-          <a:xfrm flipH="1" flipV="1">
-            <a:off x="6374921" y="4399472"/>
-            <a:ext cx="112143" cy="1337094"/>
-          </a:xfrm>
-          <a:prstGeom prst="straightConnector1">
-            <a:avLst/>
-          </a:prstGeom>
-          <a:ln>
-            <a:tailEnd type="triangle"/>
-          </a:ln>
-        </p:spPr>
-        <p:style>
-          <a:lnRef idx="1">
-            <a:schemeClr val="accent1"/>
-          </a:lnRef>
-          <a:fillRef idx="0">
-            <a:schemeClr val="accent1"/>
-          </a:fillRef>
-          <a:effectRef idx="0">
-            <a:schemeClr val="accent1"/>
-          </a:effectRef>
-          <a:fontRef idx="minor">
-            <a:schemeClr val="tx1"/>
-          </a:fontRef>
-        </p:style>
-      </p:cxnSp>
-      <p:cxnSp>
-        <p:nvCxnSpPr>
-          <p:cNvPr id="8" name="Straight Arrow Connector 7">
-            <a:extLst>
-              <a:ext uri="{FF2B5EF4-FFF2-40B4-BE49-F238E27FC236}">
-                <a16:creationId xmlns:a16="http://schemas.microsoft.com/office/drawing/2014/main" id="{C158D205-837A-1752-6BFF-C99A7088D667}"/>
-              </a:ext>
-            </a:extLst>
-          </p:cNvPr>
-          <p:cNvCxnSpPr/>
-          <p:nvPr/>
-        </p:nvCxnSpPr>
-        <p:spPr>
-          <a:xfrm flipH="1" flipV="1">
-            <a:off x="7487728" y="4390845"/>
-            <a:ext cx="819510" cy="1414732"/>
-          </a:xfrm>
-          <a:prstGeom prst="straightConnector1">
-            <a:avLst/>
-          </a:prstGeom>
-          <a:ln>
-            <a:tailEnd type="triangle"/>
-          </a:ln>
-        </p:spPr>
-        <p:style>
-          <a:lnRef idx="1">
-            <a:schemeClr val="accent1"/>
-          </a:lnRef>
-          <a:fillRef idx="0">
-            <a:schemeClr val="accent1"/>
-          </a:fillRef>
-          <a:effectRef idx="0">
-            <a:schemeClr val="accent1"/>
-          </a:effectRef>
-          <a:fontRef idx="minor">
-            <a:schemeClr val="tx1"/>
-          </a:fontRef>
-        </p:style>
-      </p:cxnSp>
-    </p:spTree>
-    <p:extLst>
-      <p:ext uri="{BB962C8B-B14F-4D97-AF65-F5344CB8AC3E}">
-        <p14:creationId xmlns:p14="http://schemas.microsoft.com/office/powerpoint/2010/main" val="1199580458"/>
-      </p:ext>
-    </p:extLst>
-  </p:cSld>
-  <p:clrMapOvr>
-    <a:masterClrMapping/>
-  </p:clrMapOvr>
-</p:sld>
-</file>
-
-<file path=ppt/slides/slide9.xml><?xml version="1.0" encoding="utf-8"?>
-<p:sld xmlns:a="http://schemas.openxmlformats.org/drawingml/2006/main" xmlns:r="http://schemas.openxmlformats.org/officeDocument/2006/relationships" xmlns:p="http://schemas.openxmlformats.org/presentationml/2006/main">
-  <p:cSld>
-    <p:spTree>
-      <p:nvGrpSpPr>
-        <p:cNvPr id="1" name=""/>
-        <p:cNvGrpSpPr/>
-        <p:nvPr/>
-      </p:nvGrpSpPr>
-      <p:grpSpPr>
-        <a:xfrm>
-          <a:off x="0" y="0"/>
-          <a:ext cx="0" cy="0"/>
-          <a:chOff x="0" y="0"/>
-          <a:chExt cx="0" cy="0"/>
-        </a:xfrm>
-      </p:grpSpPr>
-      <p:sp>
-        <p:nvSpPr>
-          <p:cNvPr id="2" name="Slide Number Placeholder 1">
-            <a:extLst>
-              <a:ext uri="{FF2B5EF4-FFF2-40B4-BE49-F238E27FC236}">
-                <a16:creationId xmlns:a16="http://schemas.microsoft.com/office/drawing/2014/main" id="{C33880A4-A79B-7141-06BA-2EA2019A149F}"/>
-              </a:ext>
-            </a:extLst>
-          </p:cNvPr>
-          <p:cNvSpPr>
-            <a:spLocks noGrp="1"/>
-          </p:cNvSpPr>
-          <p:nvPr>
-            <p:ph type="sldNum" sz="quarter" idx="12"/>
-          </p:nvPr>
-        </p:nvSpPr>
-        <p:spPr/>
-        <p:txBody>
-          <a:bodyPr/>
-          <a:lstStyle/>
-          <a:p>
-            <a:fld id="{A263F1A8-BC7B-4008-A955-96F8F4A3B8CB}" type="slidenum">
-              <a:rPr lang="he-IL" smtClean="0"/>
-              <a:t>9</a:t>
-            </a:fld>
-            <a:endParaRPr lang="he-IL"/>
-          </a:p>
-        </p:txBody>
-      </p:sp>
-      <p:pic>
-        <p:nvPicPr>
-          <p:cNvPr id="4" name="Picture 3">
-            <a:extLst>
-              <a:ext uri="{FF2B5EF4-FFF2-40B4-BE49-F238E27FC236}">
-                <a16:creationId xmlns:a16="http://schemas.microsoft.com/office/drawing/2014/main" id="{2A1EB8AE-1D28-E034-5339-57E1F1063238}"/>
-              </a:ext>
-            </a:extLst>
-          </p:cNvPr>
-          <p:cNvPicPr>
-            <a:picLocks noChangeAspect="1"/>
-          </p:cNvPicPr>
-          <p:nvPr/>
-        </p:nvPicPr>
-        <p:blipFill>
-          <a:blip r:embed="rId2"/>
-          <a:stretch>
-            <a:fillRect/>
-          </a:stretch>
-        </p:blipFill>
-        <p:spPr>
-          <a:xfrm>
-            <a:off x="569094" y="385381"/>
-            <a:ext cx="5390258" cy="5598859"/>
-          </a:xfrm>
-          <a:prstGeom prst="rect">
-            <a:avLst/>
-          </a:prstGeom>
-        </p:spPr>
-      </p:pic>
-      <p:pic>
-        <p:nvPicPr>
-          <p:cNvPr id="6" name="Picture 5">
-            <a:extLst>
-              <a:ext uri="{FF2B5EF4-FFF2-40B4-BE49-F238E27FC236}">
-                <a16:creationId xmlns:a16="http://schemas.microsoft.com/office/drawing/2014/main" id="{ECED177D-7C8B-4150-18E3-96A33BBD7482}"/>
-              </a:ext>
-            </a:extLst>
-          </p:cNvPr>
-          <p:cNvPicPr>
-            <a:picLocks noChangeAspect="1"/>
-          </p:cNvPicPr>
-          <p:nvPr/>
-        </p:nvPicPr>
-        <p:blipFill>
-          <a:blip r:embed="rId3"/>
-          <a:stretch>
-            <a:fillRect/>
-          </a:stretch>
-        </p:blipFill>
-        <p:spPr>
-          <a:xfrm>
-            <a:off x="5983836" y="346897"/>
-            <a:ext cx="6208164" cy="5708463"/>
-          </a:xfrm>
-          <a:prstGeom prst="rect">
-            <a:avLst/>
-          </a:prstGeom>
-        </p:spPr>
-      </p:pic>
-    </p:spTree>
-    <p:extLst>
-      <p:ext uri="{BB962C8B-B14F-4D97-AF65-F5344CB8AC3E}">
-        <p14:creationId xmlns:p14="http://schemas.microsoft.com/office/powerpoint/2010/main" val="4214483393"/>
       </p:ext>
     </p:extLst>
   </p:cSld>

--- a/slides3.pptx
+++ b/slides3.pptx
@@ -4086,8 +4086,8 @@
           <a:chExt cx="0" cy="0"/>
         </a:xfrm>
       </p:grpSpPr>
-      <mc:AlternateContent xmlns:mc="http://schemas.openxmlformats.org/markup-compatibility/2006">
-        <mc:Choice xmlns:a14="http://schemas.microsoft.com/office/drawing/2010/main" Requires="a14">
+      <mc:AlternateContent xmlns:mc="http://schemas.openxmlformats.org/markup-compatibility/2006" xmlns:a14="http://schemas.microsoft.com/office/drawing/2010/main">
+        <mc:Choice Requires="a14">
           <p:sp>
             <p:nvSpPr>
               <p:cNvPr id="2" name="TextBox 1">
@@ -4303,7 +4303,7 @@
             </p:txBody>
           </p:sp>
         </mc:Choice>
-        <mc:Fallback>
+        <mc:Fallback xmlns="">
           <p:sp>
             <p:nvSpPr>
               <p:cNvPr id="2" name="TextBox 1">
@@ -4675,8 +4675,8 @@
           </a:prstGeom>
         </p:spPr>
       </p:pic>
-      <mc:AlternateContent xmlns:mc="http://schemas.openxmlformats.org/markup-compatibility/2006">
-        <mc:Choice xmlns:a14="http://schemas.microsoft.com/office/drawing/2010/main" Requires="a14">
+      <mc:AlternateContent xmlns:mc="http://schemas.openxmlformats.org/markup-compatibility/2006" xmlns:a14="http://schemas.microsoft.com/office/drawing/2010/main">
+        <mc:Choice Requires="a14">
           <p:sp>
             <p:nvSpPr>
               <p:cNvPr id="11" name="TextBox 10">
@@ -4951,7 +4951,7 @@
             </p:txBody>
           </p:sp>
         </mc:Choice>
-        <mc:Fallback>
+        <mc:Fallback xmlns="">
           <p:sp>
             <p:nvSpPr>
               <p:cNvPr id="11" name="TextBox 10">
@@ -5354,7 +5354,7 @@
         </p:nvSpPr>
         <p:spPr>
           <a:xfrm>
-            <a:off x="144780" y="6477238"/>
+            <a:off x="3510161" y="5288518"/>
             <a:ext cx="2064348" cy="369332"/>
           </a:xfrm>
           <a:prstGeom prst="rect">
@@ -5535,8 +5535,8 @@
           </a:p>
         </p:txBody>
       </p:sp>
-      <mc:AlternateContent xmlns:mc="http://schemas.openxmlformats.org/markup-compatibility/2006">
-        <mc:Choice xmlns:a14="http://schemas.microsoft.com/office/drawing/2010/main" Requires="a14">
+      <mc:AlternateContent xmlns:mc="http://schemas.openxmlformats.org/markup-compatibility/2006" xmlns:a14="http://schemas.microsoft.com/office/drawing/2010/main">
+        <mc:Choice Requires="a14">
           <p:sp>
             <p:nvSpPr>
               <p:cNvPr id="5" name="TextBox 4">
@@ -5565,6 +5565,7 @@
               </a:bodyPr>
               <a:lstStyle/>
               <a:p>
+                <a:pPr/>
                 <a14:m>
                   <m:oMathPara xmlns:m="http://schemas.openxmlformats.org/officeDocument/2006/math">
                     <m:oMathParaPr>
@@ -5633,6 +5634,7 @@
                 <a:endParaRPr lang="en-US" sz="2800" b="0" dirty="0"/>
               </a:p>
               <a:p>
+                <a:pPr/>
                 <a:br>
                   <a:rPr lang="en-US" sz="2800" b="0" dirty="0"/>
                 </a:br>
@@ -5690,7 +5692,7 @@
             </p:txBody>
           </p:sp>
         </mc:Choice>
-        <mc:Fallback>
+        <mc:Fallback xmlns="">
           <p:sp>
             <p:nvSpPr>
               <p:cNvPr id="5" name="TextBox 4">
@@ -5782,8 +5784,8 @@
           </a:extLst>
         </p:spPr>
       </p:pic>
-      <mc:AlternateContent xmlns:mc="http://schemas.openxmlformats.org/markup-compatibility/2006">
-        <mc:Choice xmlns:a14="http://schemas.microsoft.com/office/drawing/2010/main" Requires="a14">
+      <mc:AlternateContent xmlns:mc="http://schemas.openxmlformats.org/markup-compatibility/2006" xmlns:a14="http://schemas.microsoft.com/office/drawing/2010/main">
+        <mc:Choice Requires="a14">
           <p:sp>
             <p:nvSpPr>
               <p:cNvPr id="8" name="TextBox 7">
@@ -5812,6 +5814,7 @@
               </a:bodyPr>
               <a:lstStyle/>
               <a:p>
+                <a:pPr/>
                 <a14:m>
                   <m:oMathPara xmlns:m="http://schemas.openxmlformats.org/officeDocument/2006/math">
                     <m:oMathParaPr>
@@ -5871,7 +5874,7 @@
             </p:txBody>
           </p:sp>
         </mc:Choice>
-        <mc:Fallback>
+        <mc:Fallback xmlns="">
           <p:sp>
             <p:nvSpPr>
               <p:cNvPr id="8" name="TextBox 7">
@@ -6166,8 +6169,8 @@
           </a:p>
         </p:txBody>
       </p:sp>
-      <mc:AlternateContent xmlns:mc="http://schemas.openxmlformats.org/markup-compatibility/2006">
-        <mc:Choice xmlns:a14="http://schemas.microsoft.com/office/drawing/2010/main" Requires="a14">
+      <mc:AlternateContent xmlns:mc="http://schemas.openxmlformats.org/markup-compatibility/2006" xmlns:a14="http://schemas.microsoft.com/office/drawing/2010/main">
+        <mc:Choice Requires="a14">
           <p:sp>
             <p:nvSpPr>
               <p:cNvPr id="12" name="TextBox 11">
@@ -6196,6 +6199,7 @@
               </a:bodyPr>
               <a:lstStyle/>
               <a:p>
+                <a:pPr/>
                 <a14:m>
                   <m:oMathPara xmlns:m="http://schemas.openxmlformats.org/officeDocument/2006/math">
                     <m:oMathParaPr>
@@ -6243,7 +6247,7 @@
             </p:txBody>
           </p:sp>
         </mc:Choice>
-        <mc:Fallback>
+        <mc:Fallback xmlns="">
           <p:sp>
             <p:nvSpPr>
               <p:cNvPr id="12" name="TextBox 11">
@@ -6288,8 +6292,8 @@
           </p:sp>
         </mc:Fallback>
       </mc:AlternateContent>
-      <mc:AlternateContent xmlns:mc="http://schemas.openxmlformats.org/markup-compatibility/2006">
-        <mc:Choice xmlns:a14="http://schemas.microsoft.com/office/drawing/2010/main" Requires="a14">
+      <mc:AlternateContent xmlns:mc="http://schemas.openxmlformats.org/markup-compatibility/2006" xmlns:a14="http://schemas.microsoft.com/office/drawing/2010/main">
+        <mc:Choice Requires="a14">
           <p:sp>
             <p:nvSpPr>
               <p:cNvPr id="13" name="TextBox 12">
@@ -6318,6 +6322,7 @@
               </a:bodyPr>
               <a:lstStyle/>
               <a:p>
+                <a:pPr/>
                 <a14:m>
                   <m:oMathPara xmlns:m="http://schemas.openxmlformats.org/officeDocument/2006/math">
                     <m:oMathParaPr>
@@ -6367,6 +6372,7 @@
                 <a:endParaRPr lang="en-US" sz="2800" b="0" dirty="0"/>
               </a:p>
               <a:p>
+                <a:pPr/>
                 <a:br>
                   <a:rPr lang="en-US" sz="2800" b="0" dirty="0"/>
                 </a:br>
@@ -6481,7 +6487,7 @@
             </p:txBody>
           </p:sp>
         </mc:Choice>
-        <mc:Fallback>
+        <mc:Fallback xmlns="">
           <p:sp>
             <p:nvSpPr>
               <p:cNvPr id="13" name="TextBox 12">
@@ -6837,8 +6843,8 @@
           </a:p>
         </p:txBody>
       </p:sp>
-      <mc:AlternateContent xmlns:mc="http://schemas.openxmlformats.org/markup-compatibility/2006">
-        <mc:Choice xmlns:a14="http://schemas.microsoft.com/office/drawing/2010/main" Requires="a14">
+      <mc:AlternateContent xmlns:mc="http://schemas.openxmlformats.org/markup-compatibility/2006" xmlns:a14="http://schemas.microsoft.com/office/drawing/2010/main">
+        <mc:Choice Requires="a14">
           <p:sp>
             <p:nvSpPr>
               <p:cNvPr id="4" name="TextBox 3">
@@ -6867,6 +6873,7 @@
               </a:bodyPr>
               <a:lstStyle/>
               <a:p>
+                <a:pPr/>
                 <a14:m>
                   <m:oMathPara xmlns:m="http://schemas.openxmlformats.org/officeDocument/2006/math">
                     <m:oMathParaPr>
@@ -6981,7 +6988,7 @@
             </p:txBody>
           </p:sp>
         </mc:Choice>
-        <mc:Fallback>
+        <mc:Fallback xmlns="">
           <p:sp>
             <p:nvSpPr>
               <p:cNvPr id="4" name="TextBox 3">
@@ -7276,13 +7283,27 @@
                 <a:latin typeface="Arial (Body)"/>
                 <a:cs typeface="+mn-cs"/>
               </a:rPr>
-              <a:t>דוגמה: ניסוי לוחות קבל. עיבוד נתוני סקופ</a:t>
-            </a:r>
-          </a:p>
-        </p:txBody>
-      </p:sp>
-      <mc:AlternateContent xmlns:mc="http://schemas.openxmlformats.org/markup-compatibility/2006">
-        <mc:Choice xmlns:a14="http://schemas.microsoft.com/office/drawing/2010/main" Requires="a14">
+              <a:t>דוגמה: ניסוי קבל</a:t>
+            </a:r>
+            <a:r>
+              <a:rPr lang="en-US" sz="4000" dirty="0">
+                <a:latin typeface="Arial (Body)"/>
+                <a:cs typeface="+mn-cs"/>
+              </a:rPr>
+              <a:t> </a:t>
+            </a:r>
+            <a:r>
+              <a:rPr lang="he-IL" sz="4000" dirty="0">
+                <a:latin typeface="Arial (Body)"/>
+                <a:cs typeface="+mn-cs"/>
+              </a:rPr>
+              <a:t>לוחות. עיבוד נתוני סקופ</a:t>
+            </a:r>
+          </a:p>
+        </p:txBody>
+      </p:sp>
+      <mc:AlternateContent xmlns:mc="http://schemas.openxmlformats.org/markup-compatibility/2006" xmlns:a14="http://schemas.microsoft.com/office/drawing/2010/main">
+        <mc:Choice Requires="a14">
           <p:sp>
             <p:nvSpPr>
               <p:cNvPr id="6" name="TextBox 5">
@@ -7311,6 +7332,7 @@
               </a:bodyPr>
               <a:lstStyle/>
               <a:p>
+                <a:pPr/>
                 <a14:m>
                   <m:oMathPara xmlns:m="http://schemas.openxmlformats.org/officeDocument/2006/math">
                     <m:oMathParaPr>
@@ -7464,7 +7486,7 @@
             </p:txBody>
           </p:sp>
         </mc:Choice>
-        <mc:Fallback>
+        <mc:Fallback xmlns="">
           <p:sp>
             <p:nvSpPr>
               <p:cNvPr id="6" name="TextBox 5">
@@ -7616,8 +7638,8 @@
           <a:chExt cx="0" cy="0"/>
         </a:xfrm>
       </p:grpSpPr>
-      <mc:AlternateContent xmlns:mc="http://schemas.openxmlformats.org/markup-compatibility/2006">
-        <mc:Choice xmlns:a14="http://schemas.microsoft.com/office/drawing/2010/main" Requires="a14">
+      <mc:AlternateContent xmlns:mc="http://schemas.openxmlformats.org/markup-compatibility/2006" xmlns:a14="http://schemas.microsoft.com/office/drawing/2010/main">
+        <mc:Choice Requires="a14">
           <p:sp>
             <p:nvSpPr>
               <p:cNvPr id="2" name="Title 1">
@@ -7797,7 +7819,7 @@
             </p:txBody>
           </p:sp>
         </mc:Choice>
-        <mc:Fallback>
+        <mc:Fallback xmlns="">
           <p:sp>
             <p:nvSpPr>
               <p:cNvPr id="2" name="Title 1">
@@ -7999,8 +8021,8 @@
           <a:chExt cx="0" cy="0"/>
         </a:xfrm>
       </p:grpSpPr>
-      <mc:AlternateContent xmlns:mc="http://schemas.openxmlformats.org/markup-compatibility/2006">
-        <mc:Choice xmlns:a14="http://schemas.microsoft.com/office/drawing/2010/main" Requires="a14">
+      <mc:AlternateContent xmlns:mc="http://schemas.openxmlformats.org/markup-compatibility/2006" xmlns:a14="http://schemas.microsoft.com/office/drawing/2010/main">
+        <mc:Choice Requires="a14">
           <p:sp>
             <p:nvSpPr>
               <p:cNvPr id="2" name="TextBox 1">
@@ -8160,7 +8182,7 @@
             </p:txBody>
           </p:sp>
         </mc:Choice>
-        <mc:Fallback>
+        <mc:Fallback xmlns="">
           <p:sp>
             <p:nvSpPr>
               <p:cNvPr id="2" name="TextBox 1">

--- a/slides3.pptx
+++ b/slides3.pptx
@@ -5,7 +5,7 @@
     <p:sldMasterId id="2147483648" r:id="rId1"/>
   </p:sldMasterIdLst>
   <p:notesMasterIdLst>
-    <p:notesMasterId r:id="rId15"/>
+    <p:notesMasterId r:id="rId17"/>
   </p:notesMasterIdLst>
   <p:sldIdLst>
     <p:sldId id="271" r:id="rId2"/>
@@ -20,7 +20,9 @@
     <p:sldId id="286" r:id="rId11"/>
     <p:sldId id="280" r:id="rId12"/>
     <p:sldId id="281" r:id="rId13"/>
-    <p:sldId id="287" r:id="rId14"/>
+    <p:sldId id="288" r:id="rId14"/>
+    <p:sldId id="287" r:id="rId15"/>
+    <p:sldId id="289" r:id="rId16"/>
   </p:sldIdLst>
   <p:sldSz cx="12192000" cy="6858000"/>
   <p:notesSz cx="6858000" cy="9144000"/>
@@ -209,7 +211,7 @@
           <a:p>
             <a:fld id="{51EF012E-01B7-4BA4-8313-638E854A2AE5}" type="datetimeFigureOut">
               <a:rPr lang="he-IL" smtClean="0"/>
-              <a:t>ז'/אב/תשפ"ה</a:t>
+              <a:t>ח'/אב/תשפ"ה</a:t>
             </a:fld>
             <a:endParaRPr lang="he-IL"/>
           </a:p>
@@ -713,7 +715,7 @@
           <a:p>
             <a:fld id="{6E941FE1-24E3-44D6-A7AB-44791E971AE0}" type="slidenum">
               <a:rPr lang="he-IL" smtClean="0"/>
-              <a:t>13</a:t>
+              <a:t>14</a:t>
             </a:fld>
             <a:endParaRPr lang="he-IL"/>
           </a:p>
@@ -723,6 +725,119 @@
     <p:extLst>
       <p:ext uri="{BB962C8B-B14F-4D97-AF65-F5344CB8AC3E}">
         <p14:creationId xmlns:p14="http://schemas.microsoft.com/office/powerpoint/2010/main" val="1898217286"/>
+      </p:ext>
+    </p:extLst>
+  </p:cSld>
+  <p:clrMapOvr>
+    <a:masterClrMapping/>
+  </p:clrMapOvr>
+</p:notes>
+</file>
+
+<file path=ppt/notesSlides/notesSlide3.xml><?xml version="1.0" encoding="utf-8"?>
+<p:notes xmlns:a="http://schemas.openxmlformats.org/drawingml/2006/main" xmlns:r="http://schemas.openxmlformats.org/officeDocument/2006/relationships" xmlns:p="http://schemas.openxmlformats.org/presentationml/2006/main">
+  <p:cSld>
+    <p:spTree>
+      <p:nvGrpSpPr>
+        <p:cNvPr id="1" name="">
+          <a:extLst>
+            <a:ext uri="{FF2B5EF4-FFF2-40B4-BE49-F238E27FC236}">
+              <a16:creationId xmlns:a16="http://schemas.microsoft.com/office/drawing/2014/main" id="{E6AF61BF-F360-E024-FCD9-FE88C6C6F0E3}"/>
+            </a:ext>
+          </a:extLst>
+        </p:cNvPr>
+        <p:cNvGrpSpPr/>
+        <p:nvPr/>
+      </p:nvGrpSpPr>
+      <p:grpSpPr>
+        <a:xfrm>
+          <a:off x="0" y="0"/>
+          <a:ext cx="0" cy="0"/>
+          <a:chOff x="0" y="0"/>
+          <a:chExt cx="0" cy="0"/>
+        </a:xfrm>
+      </p:grpSpPr>
+      <p:sp>
+        <p:nvSpPr>
+          <p:cNvPr id="2" name="Slide Image Placeholder 1">
+            <a:extLst>
+              <a:ext uri="{FF2B5EF4-FFF2-40B4-BE49-F238E27FC236}">
+                <a16:creationId xmlns:a16="http://schemas.microsoft.com/office/drawing/2014/main" id="{8BF0FAE9-83F1-91C4-BE25-95F9012870B2}"/>
+              </a:ext>
+            </a:extLst>
+          </p:cNvPr>
+          <p:cNvSpPr>
+            <a:spLocks noGrp="1" noRot="1" noChangeAspect="1"/>
+          </p:cNvSpPr>
+          <p:nvPr>
+            <p:ph type="sldImg"/>
+          </p:nvPr>
+        </p:nvSpPr>
+        <p:spPr/>
+      </p:sp>
+      <p:sp>
+        <p:nvSpPr>
+          <p:cNvPr id="3" name="Notes Placeholder 2">
+            <a:extLst>
+              <a:ext uri="{FF2B5EF4-FFF2-40B4-BE49-F238E27FC236}">
+                <a16:creationId xmlns:a16="http://schemas.microsoft.com/office/drawing/2014/main" id="{04324647-BC13-C542-E95C-91435C518B0D}"/>
+              </a:ext>
+            </a:extLst>
+          </p:cNvPr>
+          <p:cNvSpPr>
+            <a:spLocks noGrp="1"/>
+          </p:cNvSpPr>
+          <p:nvPr>
+            <p:ph type="body" idx="1"/>
+          </p:nvPr>
+        </p:nvSpPr>
+        <p:spPr/>
+        <p:txBody>
+          <a:bodyPr/>
+          <a:lstStyle/>
+          <a:p>
+            <a:pPr algn="r" rtl="1"/>
+            <a:endParaRPr lang="he-IL" dirty="0"/>
+          </a:p>
+          <a:p>
+            <a:pPr algn="r" rtl="1"/>
+            <a:endParaRPr lang="ru-RU" dirty="0"/>
+          </a:p>
+        </p:txBody>
+      </p:sp>
+      <p:sp>
+        <p:nvSpPr>
+          <p:cNvPr id="4" name="Slide Number Placeholder 3">
+            <a:extLst>
+              <a:ext uri="{FF2B5EF4-FFF2-40B4-BE49-F238E27FC236}">
+                <a16:creationId xmlns:a16="http://schemas.microsoft.com/office/drawing/2014/main" id="{A3AAED4F-E806-8498-4BE6-33A1562252D2}"/>
+              </a:ext>
+            </a:extLst>
+          </p:cNvPr>
+          <p:cNvSpPr>
+            <a:spLocks noGrp="1"/>
+          </p:cNvSpPr>
+          <p:nvPr>
+            <p:ph type="sldNum" sz="quarter" idx="5"/>
+          </p:nvPr>
+        </p:nvSpPr>
+        <p:spPr/>
+        <p:txBody>
+          <a:bodyPr/>
+          <a:lstStyle/>
+          <a:p>
+            <a:fld id="{6E941FE1-24E3-44D6-A7AB-44791E971AE0}" type="slidenum">
+              <a:rPr lang="he-IL" smtClean="0"/>
+              <a:t>15</a:t>
+            </a:fld>
+            <a:endParaRPr lang="he-IL"/>
+          </a:p>
+        </p:txBody>
+      </p:sp>
+    </p:spTree>
+    <p:extLst>
+      <p:ext uri="{BB962C8B-B14F-4D97-AF65-F5344CB8AC3E}">
+        <p14:creationId xmlns:p14="http://schemas.microsoft.com/office/powerpoint/2010/main" val="1149862109"/>
       </p:ext>
     </p:extLst>
   </p:cSld>
@@ -881,7 +996,7 @@
           <a:p>
             <a:fld id="{5A65B266-99E8-40C4-82C1-8EEF5B958589}" type="datetime8">
               <a:rPr lang="he-IL" smtClean="0"/>
-              <a:t>01 אוגוסט 25</a:t>
+              <a:t>02 אוגוסט 25</a:t>
             </a:fld>
             <a:endParaRPr lang="he-IL"/>
           </a:p>
@@ -1081,7 +1196,7 @@
           <a:p>
             <a:fld id="{A3E438AD-1B3F-4717-B534-EC593A023400}" type="datetime8">
               <a:rPr lang="he-IL" smtClean="0"/>
-              <a:t>01 אוגוסט 25</a:t>
+              <a:t>02 אוגוסט 25</a:t>
             </a:fld>
             <a:endParaRPr lang="he-IL"/>
           </a:p>
@@ -1291,7 +1406,7 @@
           <a:p>
             <a:fld id="{F2EFCEB6-C1AE-40CA-A9DE-FC2748270423}" type="datetime8">
               <a:rPr lang="he-IL" smtClean="0"/>
-              <a:t>01 אוגוסט 25</a:t>
+              <a:t>02 אוגוסט 25</a:t>
             </a:fld>
             <a:endParaRPr lang="he-IL"/>
           </a:p>
@@ -1491,7 +1606,7 @@
           <a:p>
             <a:fld id="{E62D761F-5BF0-429F-92DD-37E5C39E3B71}" type="datetime8">
               <a:rPr lang="he-IL" smtClean="0"/>
-              <a:t>01 אוגוסט 25</a:t>
+              <a:t>02 אוגוסט 25</a:t>
             </a:fld>
             <a:endParaRPr lang="he-IL"/>
           </a:p>
@@ -1767,7 +1882,7 @@
           <a:p>
             <a:fld id="{C8BABE69-AF4A-47F3-BF81-8E299B597966}" type="datetime8">
               <a:rPr lang="he-IL" smtClean="0"/>
-              <a:t>01 אוגוסט 25</a:t>
+              <a:t>02 אוגוסט 25</a:t>
             </a:fld>
             <a:endParaRPr lang="he-IL"/>
           </a:p>
@@ -2035,7 +2150,7 @@
           <a:p>
             <a:fld id="{7DADBC9E-339C-4834-886E-D2DD630EE08D}" type="datetime8">
               <a:rPr lang="he-IL" smtClean="0"/>
-              <a:t>01 אוגוסט 25</a:t>
+              <a:t>02 אוגוסט 25</a:t>
             </a:fld>
             <a:endParaRPr lang="he-IL"/>
           </a:p>
@@ -2450,7 +2565,7 @@
           <a:p>
             <a:fld id="{576C7171-4D5D-418F-B13A-F2E7914D8881}" type="datetime8">
               <a:rPr lang="he-IL" smtClean="0"/>
-              <a:t>01 אוגוסט 25</a:t>
+              <a:t>02 אוגוסט 25</a:t>
             </a:fld>
             <a:endParaRPr lang="he-IL"/>
           </a:p>
@@ -2592,7 +2707,7 @@
           <a:p>
             <a:fld id="{B8593D32-9FF8-4607-8317-E049FBC543A7}" type="datetime8">
               <a:rPr lang="he-IL" smtClean="0"/>
-              <a:t>01 אוגוסט 25</a:t>
+              <a:t>02 אוגוסט 25</a:t>
             </a:fld>
             <a:endParaRPr lang="he-IL"/>
           </a:p>
@@ -2705,7 +2820,7 @@
           <a:p>
             <a:fld id="{34440BD4-6661-4491-8CC8-9BDA31781346}" type="datetime8">
               <a:rPr lang="he-IL" smtClean="0"/>
-              <a:t>01 אוגוסט 25</a:t>
+              <a:t>02 אוגוסט 25</a:t>
             </a:fld>
             <a:endParaRPr lang="he-IL"/>
           </a:p>
@@ -3018,7 +3133,7 @@
           <a:p>
             <a:fld id="{5E0CB808-4409-4137-B029-0CD5879BF914}" type="datetime8">
               <a:rPr lang="he-IL" smtClean="0"/>
-              <a:t>01 אוגוסט 25</a:t>
+              <a:t>02 אוגוסט 25</a:t>
             </a:fld>
             <a:endParaRPr lang="he-IL"/>
           </a:p>
@@ -3307,7 +3422,7 @@
           <a:p>
             <a:fld id="{DF2C78B8-194A-4F8E-BB31-8F8AE0C5E245}" type="datetime8">
               <a:rPr lang="he-IL" smtClean="0"/>
-              <a:t>01 אוגוסט 25</a:t>
+              <a:t>02 אוגוסט 25</a:t>
             </a:fld>
             <a:endParaRPr lang="he-IL"/>
           </a:p>
@@ -3550,7 +3665,7 @@
           <a:p>
             <a:fld id="{6D6E90AE-B598-4C6A-B306-E0DD72A75DB8}" type="datetime8">
               <a:rPr lang="he-IL" smtClean="0"/>
-              <a:t>01 אוגוסט 25</a:t>
+              <a:t>02 אוגוסט 25</a:t>
             </a:fld>
             <a:endParaRPr lang="he-IL"/>
           </a:p>
@@ -5074,8 +5189,8 @@
         </p:nvSpPr>
         <p:spPr>
           <a:xfrm>
-            <a:off x="3151294" y="195333"/>
-            <a:ext cx="6258445" cy="707886"/>
+            <a:off x="3750612" y="263664"/>
+            <a:ext cx="5036956" cy="707886"/>
           </a:xfrm>
           <a:prstGeom prst="rect">
             <a:avLst/>
@@ -5093,63 +5208,17 @@
               <a:rPr lang="he-IL" sz="4000" dirty="0">
                 <a:cs typeface="Arial"/>
               </a:rPr>
-              <a:t>התאמה גלובאלית  נגד מקומית</a:t>
-            </a:r>
-          </a:p>
-        </p:txBody>
-      </p:sp>
-      <p:sp>
-        <p:nvSpPr>
-          <p:cNvPr id="7" name="TextBox 6">
-            <a:extLst>
-              <a:ext uri="{FF2B5EF4-FFF2-40B4-BE49-F238E27FC236}">
-                <a16:creationId xmlns:a16="http://schemas.microsoft.com/office/drawing/2014/main" id="{117378C2-F1AA-DD70-F00C-3AD4B361C9B2}"/>
-              </a:ext>
-            </a:extLst>
-          </p:cNvPr>
-          <p:cNvSpPr txBox="1"/>
-          <p:nvPr/>
-        </p:nvSpPr>
-        <p:spPr>
-          <a:xfrm>
-            <a:off x="657922" y="6350852"/>
-            <a:ext cx="6844694" cy="276999"/>
-          </a:xfrm>
-          <a:prstGeom prst="rect">
-            <a:avLst/>
-          </a:prstGeom>
-          <a:noFill/>
-        </p:spPr>
-        <p:txBody>
-          <a:bodyPr wrap="none" rtlCol="0">
-            <a:spAutoFit/>
-          </a:bodyPr>
-          <a:lstStyle/>
-          <a:p>
-            <a:r>
-              <a:rPr lang="en-US" sz="1200" dirty="0" err="1"/>
-              <a:t>Codesnippet</a:t>
-            </a:r>
-            <a:r>
-              <a:rPr lang="en-US" sz="1200" dirty="0"/>
-              <a:t> </a:t>
-            </a:r>
-            <a:r>
-              <a:rPr lang="en-US" sz="1200" dirty="0">
-                <a:hlinkClick r:id="rId2"/>
-              </a:rPr>
-              <a:t>https://github.com/evgeny-kolonsky/summer_seminar/blob/main/Global_optimization.ipynb</a:t>
-            </a:r>
-            <a:endParaRPr lang="ru-RU" sz="1200" dirty="0"/>
+              <a:t>התאמה זו חיפוש מינימה</a:t>
+            </a:r>
           </a:p>
         </p:txBody>
       </p:sp>
       <p:pic>
         <p:nvPicPr>
-          <p:cNvPr id="13316" name="Picture 4">
-            <a:extLst>
-              <a:ext uri="{FF2B5EF4-FFF2-40B4-BE49-F238E27FC236}">
-                <a16:creationId xmlns:a16="http://schemas.microsoft.com/office/drawing/2014/main" id="{95319323-40C2-DF2C-60FB-FC94704CFFA9}"/>
+          <p:cNvPr id="1026" name="Picture 2">
+            <a:extLst>
+              <a:ext uri="{FF2B5EF4-FFF2-40B4-BE49-F238E27FC236}">
+                <a16:creationId xmlns:a16="http://schemas.microsoft.com/office/drawing/2014/main" id="{B845EE37-375F-746D-6BBF-8878DAE43799}"/>
               </a:ext>
             </a:extLst>
           </p:cNvPr>
@@ -5159,7 +5228,7 @@
           <p:nvPr/>
         </p:nvPicPr>
         <p:blipFill>
-          <a:blip r:embed="rId3">
+          <a:blip r:embed="rId2">
             <a:extLst>
               <a:ext uri="{28A0092B-C50C-407E-A947-70E740481C1C}">
                 <a14:useLocalDpi xmlns:a14="http://schemas.microsoft.com/office/drawing/2010/main" val="0"/>
@@ -5173,8 +5242,8 @@
         </p:blipFill>
         <p:spPr bwMode="auto">
           <a:xfrm>
-            <a:off x="3162446" y="1401128"/>
-            <a:ext cx="5867108" cy="4485322"/>
+            <a:off x="2943911" y="1481138"/>
+            <a:ext cx="6304178" cy="4819456"/>
           </a:xfrm>
           <a:prstGeom prst="rect">
             <a:avLst/>
@@ -5226,6 +5295,176 @@
           <p:cNvPr id="2" name="Slide Number Placeholder 1">
             <a:extLst>
               <a:ext uri="{FF2B5EF4-FFF2-40B4-BE49-F238E27FC236}">
+                <a16:creationId xmlns:a16="http://schemas.microsoft.com/office/drawing/2014/main" id="{F40B969A-5E1F-2A5A-DF0E-5155C8216152}"/>
+              </a:ext>
+            </a:extLst>
+          </p:cNvPr>
+          <p:cNvSpPr>
+            <a:spLocks noGrp="1"/>
+          </p:cNvSpPr>
+          <p:nvPr>
+            <p:ph type="sldNum" sz="quarter" idx="12"/>
+          </p:nvPr>
+        </p:nvSpPr>
+        <p:spPr>
+          <a:xfrm>
+            <a:off x="10927080" y="6356350"/>
+            <a:ext cx="426720" cy="398780"/>
+          </a:xfrm>
+        </p:spPr>
+        <p:txBody>
+          <a:bodyPr/>
+          <a:lstStyle/>
+          <a:p>
+            <a:fld id="{A263F1A8-BC7B-4008-A955-96F8F4A3B8CB}" type="slidenum">
+              <a:rPr lang="he-IL" smtClean="0"/>
+              <a:t>13</a:t>
+            </a:fld>
+            <a:endParaRPr lang="he-IL" dirty="0"/>
+          </a:p>
+        </p:txBody>
+      </p:sp>
+      <p:sp>
+        <p:nvSpPr>
+          <p:cNvPr id="7" name="TextBox 6">
+            <a:extLst>
+              <a:ext uri="{FF2B5EF4-FFF2-40B4-BE49-F238E27FC236}">
+                <a16:creationId xmlns:a16="http://schemas.microsoft.com/office/drawing/2014/main" id="{117378C2-F1AA-DD70-F00C-3AD4B361C9B2}"/>
+              </a:ext>
+            </a:extLst>
+          </p:cNvPr>
+          <p:cNvSpPr txBox="1"/>
+          <p:nvPr/>
+        </p:nvSpPr>
+        <p:spPr>
+          <a:xfrm>
+            <a:off x="365438" y="6417240"/>
+            <a:ext cx="6024791" cy="276999"/>
+          </a:xfrm>
+          <a:prstGeom prst="rect">
+            <a:avLst/>
+          </a:prstGeom>
+          <a:noFill/>
+        </p:spPr>
+        <p:txBody>
+          <a:bodyPr wrap="none" rtlCol="0">
+            <a:spAutoFit/>
+          </a:bodyPr>
+          <a:lstStyle/>
+          <a:p>
+            <a:r>
+              <a:rPr lang="en-US" sz="1200" dirty="0">
+                <a:hlinkClick r:id="rId2"/>
+              </a:rPr>
+              <a:t>https://github.com/evgeny-kolonsky/summer_seminar/blob/main/Global_optimization.ipynb</a:t>
+            </a:r>
+            <a:endParaRPr lang="ru-RU" sz="1200" dirty="0"/>
+          </a:p>
+        </p:txBody>
+      </p:sp>
+      <p:pic>
+        <p:nvPicPr>
+          <p:cNvPr id="9" name="Picture 8">
+            <a:extLst>
+              <a:ext uri="{FF2B5EF4-FFF2-40B4-BE49-F238E27FC236}">
+                <a16:creationId xmlns:a16="http://schemas.microsoft.com/office/drawing/2014/main" id="{1F060017-5674-72C4-B623-9C29D2D1009E}"/>
+              </a:ext>
+            </a:extLst>
+          </p:cNvPr>
+          <p:cNvPicPr>
+            <a:picLocks noChangeAspect="1"/>
+          </p:cNvPicPr>
+          <p:nvPr/>
+        </p:nvPicPr>
+        <p:blipFill>
+          <a:blip r:embed="rId3"/>
+          <a:stretch>
+            <a:fillRect/>
+          </a:stretch>
+        </p:blipFill>
+        <p:spPr>
+          <a:xfrm>
+            <a:off x="2594343" y="1401887"/>
+            <a:ext cx="6157494" cy="4442845"/>
+          </a:xfrm>
+          <a:prstGeom prst="rect">
+            <a:avLst/>
+          </a:prstGeom>
+        </p:spPr>
+      </p:pic>
+      <p:sp>
+        <p:nvSpPr>
+          <p:cNvPr id="10" name="TextBox 9">
+            <a:extLst>
+              <a:ext uri="{FF2B5EF4-FFF2-40B4-BE49-F238E27FC236}">
+                <a16:creationId xmlns:a16="http://schemas.microsoft.com/office/drawing/2014/main" id="{0F158DB5-3CB6-754A-3138-6C9BC4FCFD08}"/>
+              </a:ext>
+            </a:extLst>
+          </p:cNvPr>
+          <p:cNvSpPr txBox="1"/>
+          <p:nvPr/>
+        </p:nvSpPr>
+        <p:spPr>
+          <a:xfrm>
+            <a:off x="4473085" y="305382"/>
+            <a:ext cx="2400016" cy="707886"/>
+          </a:xfrm>
+          <a:prstGeom prst="rect">
+            <a:avLst/>
+          </a:prstGeom>
+          <a:noFill/>
+        </p:spPr>
+        <p:txBody>
+          <a:bodyPr wrap="none" lIns="91440" tIns="45720" rIns="91440" bIns="45720" rtlCol="1" anchor="t">
+            <a:spAutoFit/>
+          </a:bodyPr>
+          <a:lstStyle/>
+          <a:p>
+            <a:pPr algn="ctr"/>
+            <a:r>
+              <a:rPr lang="he-IL" sz="4000" dirty="0">
+                <a:cs typeface="Arial"/>
+              </a:rPr>
+              <a:t>חתיחת קוד</a:t>
+            </a:r>
+          </a:p>
+        </p:txBody>
+      </p:sp>
+    </p:spTree>
+    <p:extLst>
+      <p:ext uri="{BB962C8B-B14F-4D97-AF65-F5344CB8AC3E}">
+        <p14:creationId xmlns:p14="http://schemas.microsoft.com/office/powerpoint/2010/main" val="3733646641"/>
+      </p:ext>
+    </p:extLst>
+  </p:cSld>
+  <p:clrMapOvr>
+    <a:masterClrMapping/>
+  </p:clrMapOvr>
+</p:sld>
+</file>
+
+<file path=ppt/slides/slide14.xml><?xml version="1.0" encoding="utf-8"?>
+<p:sld xmlns:a="http://schemas.openxmlformats.org/drawingml/2006/main" xmlns:r="http://schemas.openxmlformats.org/officeDocument/2006/relationships" xmlns:p="http://schemas.openxmlformats.org/presentationml/2006/main">
+  <p:cSld>
+    <p:spTree>
+      <p:nvGrpSpPr>
+        <p:cNvPr id="1" name=""/>
+        <p:cNvGrpSpPr/>
+        <p:nvPr/>
+      </p:nvGrpSpPr>
+      <p:grpSpPr>
+        <a:xfrm>
+          <a:off x="0" y="0"/>
+          <a:ext cx="0" cy="0"/>
+          <a:chOff x="0" y="0"/>
+          <a:chExt cx="0" cy="0"/>
+        </a:xfrm>
+      </p:grpSpPr>
+      <p:sp>
+        <p:nvSpPr>
+          <p:cNvPr id="2" name="Slide Number Placeholder 1">
+            <a:extLst>
+              <a:ext uri="{FF2B5EF4-FFF2-40B4-BE49-F238E27FC236}">
                 <a16:creationId xmlns:a16="http://schemas.microsoft.com/office/drawing/2014/main" id="{9F6C4DC4-0C99-06F3-A806-274260D21F29}"/>
               </a:ext>
             </a:extLst>
@@ -5249,7 +5488,7 @@
           <a:p>
             <a:fld id="{A263F1A8-BC7B-4008-A955-96F8F4A3B8CB}" type="slidenum">
               <a:rPr lang="he-IL" smtClean="0"/>
-              <a:t>13</a:t>
+              <a:t>14</a:t>
             </a:fld>
             <a:endParaRPr lang="he-IL" dirty="0"/>
           </a:p>
@@ -5293,12 +5532,295 @@
           </a:p>
         </p:txBody>
       </p:sp>
+      <p:sp>
+        <p:nvSpPr>
+          <p:cNvPr id="12" name="TextBox 11">
+            <a:extLst>
+              <a:ext uri="{FF2B5EF4-FFF2-40B4-BE49-F238E27FC236}">
+                <a16:creationId xmlns:a16="http://schemas.microsoft.com/office/drawing/2014/main" id="{E4756570-2641-DBE1-767C-AD473F561D3D}"/>
+              </a:ext>
+            </a:extLst>
+          </p:cNvPr>
+          <p:cNvSpPr txBox="1"/>
+          <p:nvPr/>
+        </p:nvSpPr>
+        <p:spPr>
+          <a:xfrm>
+            <a:off x="7602158" y="2005429"/>
+            <a:ext cx="3172522" cy="646331"/>
+          </a:xfrm>
+          <a:prstGeom prst="rect">
+            <a:avLst/>
+          </a:prstGeom>
+          <a:noFill/>
+          <a:ln>
+            <a:noFill/>
+          </a:ln>
+          <a:effectLst/>
+          <a:scene3d>
+            <a:camera prst="orthographicFront"/>
+            <a:lightRig rig="threePt" dir="t"/>
+          </a:scene3d>
+          <a:sp3d>
+            <a:bevelT/>
+          </a:sp3d>
+        </p:spPr>
+        <p:txBody>
+          <a:bodyPr wrap="square" rtlCol="0">
+            <a:spAutoFit/>
+          </a:bodyPr>
+          <a:lstStyle/>
+          <a:p>
+            <a:pPr algn="r" rtl="1"/>
+            <a:r>
+              <a:rPr lang="he-IL" sz="3600" dirty="0"/>
+              <a:t>רגרסיה לינארית</a:t>
+            </a:r>
+            <a:endParaRPr lang="ru-RU" sz="3600" dirty="0"/>
+          </a:p>
+        </p:txBody>
+      </p:sp>
+      <p:sp>
+        <p:nvSpPr>
+          <p:cNvPr id="13" name="TextBox 12">
+            <a:extLst>
+              <a:ext uri="{FF2B5EF4-FFF2-40B4-BE49-F238E27FC236}">
+                <a16:creationId xmlns:a16="http://schemas.microsoft.com/office/drawing/2014/main" id="{BE646262-20B6-CB43-48EA-5D0CDCD3D1F7}"/>
+              </a:ext>
+            </a:extLst>
+          </p:cNvPr>
+          <p:cNvSpPr txBox="1"/>
+          <p:nvPr/>
+        </p:nvSpPr>
+        <p:spPr>
+          <a:xfrm>
+            <a:off x="1417320" y="2005429"/>
+            <a:ext cx="3863340" cy="646331"/>
+          </a:xfrm>
+          <a:prstGeom prst="rect">
+            <a:avLst/>
+          </a:prstGeom>
+          <a:noFill/>
+          <a:ln>
+            <a:noFill/>
+          </a:ln>
+          <a:effectLst/>
+          <a:scene3d>
+            <a:camera prst="orthographicFront"/>
+            <a:lightRig rig="threePt" dir="t"/>
+          </a:scene3d>
+          <a:sp3d>
+            <a:bevelT/>
+          </a:sp3d>
+        </p:spPr>
+        <p:txBody>
+          <a:bodyPr wrap="square" rtlCol="0">
+            <a:spAutoFit/>
+          </a:bodyPr>
+          <a:lstStyle/>
+          <a:p>
+            <a:pPr algn="r" rtl="1"/>
+            <a:r>
+              <a:rPr lang="he-IL" sz="3600" dirty="0"/>
+              <a:t>התאמה לא לינארית</a:t>
+            </a:r>
+          </a:p>
+        </p:txBody>
+      </p:sp>
+      <p:pic>
+        <p:nvPicPr>
+          <p:cNvPr id="15" name="Picture 14">
+            <a:extLst>
+              <a:ext uri="{FF2B5EF4-FFF2-40B4-BE49-F238E27FC236}">
+                <a16:creationId xmlns:a16="http://schemas.microsoft.com/office/drawing/2014/main" id="{F6ED850D-081E-5DDD-21DA-5C6EFAA003BB}"/>
+              </a:ext>
+            </a:extLst>
+          </p:cNvPr>
+          <p:cNvPicPr>
+            <a:picLocks noChangeAspect="1"/>
+          </p:cNvPicPr>
+          <p:nvPr/>
+        </p:nvPicPr>
+        <p:blipFill>
+          <a:blip r:embed="rId3"/>
+          <a:stretch>
+            <a:fillRect/>
+          </a:stretch>
+        </p:blipFill>
+        <p:spPr>
+          <a:xfrm>
+            <a:off x="2034356" y="2788848"/>
+            <a:ext cx="2629267" cy="1028844"/>
+          </a:xfrm>
+          <a:prstGeom prst="rect">
+            <a:avLst/>
+          </a:prstGeom>
+          <a:ln>
+            <a:noFill/>
+          </a:ln>
+          <a:effectLst>
+            <a:outerShdw blurRad="190500" algn="tl" rotWithShape="0">
+              <a:srgbClr val="000000">
+                <a:alpha val="70000"/>
+              </a:srgbClr>
+            </a:outerShdw>
+          </a:effectLst>
+        </p:spPr>
+      </p:pic>
+      <p:pic>
+        <p:nvPicPr>
+          <p:cNvPr id="17" name="Picture 16">
+            <a:extLst>
+              <a:ext uri="{FF2B5EF4-FFF2-40B4-BE49-F238E27FC236}">
+                <a16:creationId xmlns:a16="http://schemas.microsoft.com/office/drawing/2014/main" id="{586B9AE4-AF4D-DEBE-75F0-A88B6EEB9FB7}"/>
+              </a:ext>
+            </a:extLst>
+          </p:cNvPr>
+          <p:cNvPicPr>
+            <a:picLocks noChangeAspect="1"/>
+          </p:cNvPicPr>
+          <p:nvPr/>
+        </p:nvPicPr>
+        <p:blipFill>
+          <a:blip r:embed="rId4"/>
+          <a:stretch>
+            <a:fillRect/>
+          </a:stretch>
+        </p:blipFill>
+        <p:spPr>
+          <a:xfrm>
+            <a:off x="7759469" y="2788848"/>
+            <a:ext cx="2857899" cy="1019317"/>
+          </a:xfrm>
+          <a:prstGeom prst="rect">
+            <a:avLst/>
+          </a:prstGeom>
+          <a:ln>
+            <a:noFill/>
+          </a:ln>
+          <a:effectLst>
+            <a:outerShdw blurRad="190500" algn="tl" rotWithShape="0">
+              <a:srgbClr val="000000">
+                <a:alpha val="70000"/>
+              </a:srgbClr>
+            </a:outerShdw>
+          </a:effectLst>
+        </p:spPr>
+      </p:pic>
+    </p:spTree>
+    <p:extLst>
+      <p:ext uri="{BB962C8B-B14F-4D97-AF65-F5344CB8AC3E}">
+        <p14:creationId xmlns:p14="http://schemas.microsoft.com/office/powerpoint/2010/main" val="3999945702"/>
+      </p:ext>
+    </p:extLst>
+  </p:cSld>
+  <p:clrMapOvr>
+    <a:masterClrMapping/>
+  </p:clrMapOvr>
+</p:sld>
+</file>
+
+<file path=ppt/slides/slide15.xml><?xml version="1.0" encoding="utf-8"?>
+<p:sld xmlns:a="http://schemas.openxmlformats.org/drawingml/2006/main" xmlns:r="http://schemas.openxmlformats.org/officeDocument/2006/relationships" xmlns:p="http://schemas.openxmlformats.org/presentationml/2006/main">
+  <p:cSld>
+    <p:spTree>
+      <p:nvGrpSpPr>
+        <p:cNvPr id="1" name="">
+          <a:extLst>
+            <a:ext uri="{FF2B5EF4-FFF2-40B4-BE49-F238E27FC236}">
+              <a16:creationId xmlns:a16="http://schemas.microsoft.com/office/drawing/2014/main" id="{007940C7-139E-40C3-350E-31230407271A}"/>
+            </a:ext>
+          </a:extLst>
+        </p:cNvPr>
+        <p:cNvGrpSpPr/>
+        <p:nvPr/>
+      </p:nvGrpSpPr>
+      <p:grpSpPr>
+        <a:xfrm>
+          <a:off x="0" y="0"/>
+          <a:ext cx="0" cy="0"/>
+          <a:chOff x="0" y="0"/>
+          <a:chExt cx="0" cy="0"/>
+        </a:xfrm>
+      </p:grpSpPr>
+      <p:sp>
+        <p:nvSpPr>
+          <p:cNvPr id="2" name="Slide Number Placeholder 1">
+            <a:extLst>
+              <a:ext uri="{FF2B5EF4-FFF2-40B4-BE49-F238E27FC236}">
+                <a16:creationId xmlns:a16="http://schemas.microsoft.com/office/drawing/2014/main" id="{A8B12FCA-FBB4-4C6D-DA08-C64272C28882}"/>
+              </a:ext>
+            </a:extLst>
+          </p:cNvPr>
+          <p:cNvSpPr>
+            <a:spLocks noGrp="1"/>
+          </p:cNvSpPr>
+          <p:nvPr>
+            <p:ph type="sldNum" sz="quarter" idx="12"/>
+          </p:nvPr>
+        </p:nvSpPr>
+        <p:spPr>
+          <a:xfrm>
+            <a:off x="10915650" y="6356350"/>
+            <a:ext cx="438150" cy="375920"/>
+          </a:xfrm>
+        </p:spPr>
+        <p:txBody>
+          <a:bodyPr/>
+          <a:lstStyle/>
+          <a:p>
+            <a:fld id="{A263F1A8-BC7B-4008-A955-96F8F4A3B8CB}" type="slidenum">
+              <a:rPr lang="he-IL" smtClean="0"/>
+              <a:t>15</a:t>
+            </a:fld>
+            <a:endParaRPr lang="he-IL" dirty="0"/>
+          </a:p>
+        </p:txBody>
+      </p:sp>
+      <p:sp>
+        <p:nvSpPr>
+          <p:cNvPr id="3" name="TextBox 2">
+            <a:extLst>
+              <a:ext uri="{FF2B5EF4-FFF2-40B4-BE49-F238E27FC236}">
+                <a16:creationId xmlns:a16="http://schemas.microsoft.com/office/drawing/2014/main" id="{48A23FC3-24CC-4B18-2C61-2D6A530C1519}"/>
+              </a:ext>
+            </a:extLst>
+          </p:cNvPr>
+          <p:cNvSpPr txBox="1"/>
+          <p:nvPr/>
+        </p:nvSpPr>
+        <p:spPr>
+          <a:xfrm>
+            <a:off x="5558480" y="462963"/>
+            <a:ext cx="1354859" cy="707886"/>
+          </a:xfrm>
+          <a:prstGeom prst="rect">
+            <a:avLst/>
+          </a:prstGeom>
+          <a:noFill/>
+        </p:spPr>
+        <p:txBody>
+          <a:bodyPr wrap="none" lIns="91440" tIns="45720" rIns="91440" bIns="45720" rtlCol="1" anchor="t">
+            <a:spAutoFit/>
+          </a:bodyPr>
+          <a:lstStyle/>
+          <a:p>
+            <a:pPr algn="ctr"/>
+            <a:r>
+              <a:rPr lang="he-IL" sz="4000" dirty="0">
+                <a:cs typeface="Arial"/>
+              </a:rPr>
+              <a:t>תודה!</a:t>
+            </a:r>
+          </a:p>
+        </p:txBody>
+      </p:sp>
       <p:pic>
         <p:nvPicPr>
           <p:cNvPr id="14340" name="Picture 4">
             <a:extLst>
               <a:ext uri="{FF2B5EF4-FFF2-40B4-BE49-F238E27FC236}">
-                <a16:creationId xmlns:a16="http://schemas.microsoft.com/office/drawing/2014/main" id="{FA4EE6B3-8B10-EEDF-A291-3114DAAC7C3C}"/>
+                <a16:creationId xmlns:a16="http://schemas.microsoft.com/office/drawing/2014/main" id="{F30D9427-EB59-1E97-C2DA-556391CD2B7A}"/>
               </a:ext>
             </a:extLst>
           </p:cNvPr>
@@ -5345,7 +5867,7 @@
           <p:cNvPr id="7" name="TextBox 6">
             <a:extLst>
               <a:ext uri="{FF2B5EF4-FFF2-40B4-BE49-F238E27FC236}">
-                <a16:creationId xmlns:a16="http://schemas.microsoft.com/office/drawing/2014/main" id="{FEFD89DD-D164-F036-8843-08F8D46335FF}"/>
+                <a16:creationId xmlns:a16="http://schemas.microsoft.com/office/drawing/2014/main" id="{C848BD97-C9AB-6A9A-AFD1-CA7C567A89E0}"/>
               </a:ext>
             </a:extLst>
           </p:cNvPr>
@@ -5386,7 +5908,7 @@
           <p:cNvPr id="9" name="TextBox 8">
             <a:extLst>
               <a:ext uri="{FF2B5EF4-FFF2-40B4-BE49-F238E27FC236}">
-                <a16:creationId xmlns:a16="http://schemas.microsoft.com/office/drawing/2014/main" id="{5D53AAFE-DF2B-546E-CC3A-33F7D297D602}"/>
+                <a16:creationId xmlns:a16="http://schemas.microsoft.com/office/drawing/2014/main" id="{09D95960-47AC-A77B-F701-4B15329314A2}"/>
               </a:ext>
             </a:extLst>
           </p:cNvPr>
@@ -5429,7 +5951,7 @@
     </p:spTree>
     <p:extLst>
       <p:ext uri="{BB962C8B-B14F-4D97-AF65-F5344CB8AC3E}">
-        <p14:creationId xmlns:p14="http://schemas.microsoft.com/office/powerpoint/2010/main" val="3999945702"/>
+        <p14:creationId xmlns:p14="http://schemas.microsoft.com/office/powerpoint/2010/main" val="1484605893"/>
       </p:ext>
     </p:extLst>
   </p:cSld>

--- a/slides3.pptx
+++ b/slides3.pptx
@@ -5,7 +5,7 @@
     <p:sldMasterId id="2147483648" r:id="rId1"/>
   </p:sldMasterIdLst>
   <p:notesMasterIdLst>
-    <p:notesMasterId r:id="rId17"/>
+    <p:notesMasterId r:id="rId15"/>
   </p:notesMasterIdLst>
   <p:sldIdLst>
     <p:sldId id="271" r:id="rId2"/>
@@ -19,10 +19,8 @@
     <p:sldId id="273" r:id="rId10"/>
     <p:sldId id="286" r:id="rId11"/>
     <p:sldId id="280" r:id="rId12"/>
-    <p:sldId id="281" r:id="rId13"/>
-    <p:sldId id="288" r:id="rId14"/>
-    <p:sldId id="287" r:id="rId15"/>
-    <p:sldId id="289" r:id="rId16"/>
+    <p:sldId id="288" r:id="rId13"/>
+    <p:sldId id="289" r:id="rId14"/>
   </p:sldIdLst>
   <p:sldSz cx="12192000" cy="6858000"/>
   <p:notesSz cx="6858000" cy="9144000"/>
@@ -211,7 +209,7 @@
           <a:p>
             <a:fld id="{51EF012E-01B7-4BA4-8313-638E854A2AE5}" type="datetimeFigureOut">
               <a:rPr lang="he-IL" smtClean="0"/>
-              <a:t>ח'/אב/תשפ"ה</a:t>
+              <a:t>י'/אב/תשפ"ה</a:t>
             </a:fld>
             <a:endParaRPr lang="he-IL"/>
           </a:p>
@@ -590,263 +588,6 @@
 </p:notes>
 </file>
 
-<file path=ppt/notesSlides/notesSlide2.xml><?xml version="1.0" encoding="utf-8"?>
-<p:notes xmlns:a="http://schemas.openxmlformats.org/drawingml/2006/main" xmlns:r="http://schemas.openxmlformats.org/officeDocument/2006/relationships" xmlns:p="http://schemas.openxmlformats.org/presentationml/2006/main">
-  <p:cSld>
-    <p:spTree>
-      <p:nvGrpSpPr>
-        <p:cNvPr id="1" name=""/>
-        <p:cNvGrpSpPr/>
-        <p:nvPr/>
-      </p:nvGrpSpPr>
-      <p:grpSpPr>
-        <a:xfrm>
-          <a:off x="0" y="0"/>
-          <a:ext cx="0" cy="0"/>
-          <a:chOff x="0" y="0"/>
-          <a:chExt cx="0" cy="0"/>
-        </a:xfrm>
-      </p:grpSpPr>
-      <p:sp>
-        <p:nvSpPr>
-          <p:cNvPr id="2" name="Slide Image Placeholder 1"/>
-          <p:cNvSpPr>
-            <a:spLocks noGrp="1" noRot="1" noChangeAspect="1"/>
-          </p:cNvSpPr>
-          <p:nvPr>
-            <p:ph type="sldImg"/>
-          </p:nvPr>
-        </p:nvSpPr>
-        <p:spPr/>
-      </p:sp>
-      <p:sp>
-        <p:nvSpPr>
-          <p:cNvPr id="3" name="Notes Placeholder 2"/>
-          <p:cNvSpPr>
-            <a:spLocks noGrp="1"/>
-          </p:cNvSpPr>
-          <p:nvPr>
-            <p:ph type="body" idx="1"/>
-          </p:nvPr>
-        </p:nvSpPr>
-        <p:spPr/>
-        <p:txBody>
-          <a:bodyPr/>
-          <a:lstStyle/>
-          <a:p>
-            <a:pPr algn="r" rtl="1"/>
-            <a:r>
-              <a:rPr lang="he-IL" dirty="0"/>
-              <a:t>רגרסיה לינארית  כלי פשוט, יפה, אמין וומומלץ.</a:t>
-            </a:r>
-          </a:p>
-          <a:p>
-            <a:pPr algn="r" rtl="1"/>
-            <a:r>
-              <a:rPr lang="he-IL" dirty="0"/>
-              <a:t>אבל צריך להיות בוודאות תוך כדי שימוש בה כי יש לה הנחות והגבלות.</a:t>
-            </a:r>
-          </a:p>
-          <a:p>
-            <a:pPr algn="r" rtl="1"/>
-            <a:r>
-              <a:rPr lang="he-IL" dirty="0"/>
-              <a:t>ההנחה היא שהשגיאה ב-</a:t>
-            </a:r>
-            <a:r>
-              <a:rPr lang="en-US" dirty="0"/>
-              <a:t>Y</a:t>
-            </a:r>
-            <a:r>
-              <a:rPr lang="he-IL" dirty="0"/>
-              <a:t> לא משתנה מנוקודה לנקודה, וגם שאין שגיאה ב-</a:t>
-            </a:r>
-            <a:r>
-              <a:rPr lang="en-US" dirty="0"/>
-              <a:t>X</a:t>
-            </a:r>
-            <a:r>
-              <a:rPr lang="he-IL" dirty="0"/>
-              <a:t>. </a:t>
-            </a:r>
-          </a:p>
-          <a:p>
-            <a:pPr algn="r" rtl="1"/>
-            <a:endParaRPr lang="he-IL" dirty="0"/>
-          </a:p>
-          <a:p>
-            <a:pPr algn="r" rtl="1"/>
-            <a:r>
-              <a:rPr lang="he-IL" dirty="0"/>
-              <a:t>ההגבלה שלא תמיד אפשרי לבצע לינאריזציה, ומוכרך לעבור לכלים אחרים לא-לינאריים. </a:t>
-            </a:r>
-          </a:p>
-          <a:p>
-            <a:pPr algn="r" rtl="1"/>
-            <a:r>
-              <a:rPr lang="he-IL" dirty="0"/>
-              <a:t>ההתהמה לא-לינארית היא כלי איטרטיבי, היא דורשת יותר זמן לחישוב, ועלול לתת תשובה רחוקה מציפיות.</a:t>
-            </a:r>
-          </a:p>
-          <a:p>
-            <a:pPr algn="r" rtl="1"/>
-            <a:endParaRPr lang="he-IL" dirty="0"/>
-          </a:p>
-          <a:p>
-            <a:pPr algn="r" rtl="1"/>
-            <a:endParaRPr lang="ru-RU" dirty="0"/>
-          </a:p>
-        </p:txBody>
-      </p:sp>
-      <p:sp>
-        <p:nvSpPr>
-          <p:cNvPr id="4" name="Slide Number Placeholder 3"/>
-          <p:cNvSpPr>
-            <a:spLocks noGrp="1"/>
-          </p:cNvSpPr>
-          <p:nvPr>
-            <p:ph type="sldNum" sz="quarter" idx="5"/>
-          </p:nvPr>
-        </p:nvSpPr>
-        <p:spPr/>
-        <p:txBody>
-          <a:bodyPr/>
-          <a:lstStyle/>
-          <a:p>
-            <a:fld id="{6E941FE1-24E3-44D6-A7AB-44791E971AE0}" type="slidenum">
-              <a:rPr lang="he-IL" smtClean="0"/>
-              <a:t>14</a:t>
-            </a:fld>
-            <a:endParaRPr lang="he-IL"/>
-          </a:p>
-        </p:txBody>
-      </p:sp>
-    </p:spTree>
-    <p:extLst>
-      <p:ext uri="{BB962C8B-B14F-4D97-AF65-F5344CB8AC3E}">
-        <p14:creationId xmlns:p14="http://schemas.microsoft.com/office/powerpoint/2010/main" val="1898217286"/>
-      </p:ext>
-    </p:extLst>
-  </p:cSld>
-  <p:clrMapOvr>
-    <a:masterClrMapping/>
-  </p:clrMapOvr>
-</p:notes>
-</file>
-
-<file path=ppt/notesSlides/notesSlide3.xml><?xml version="1.0" encoding="utf-8"?>
-<p:notes xmlns:a="http://schemas.openxmlformats.org/drawingml/2006/main" xmlns:r="http://schemas.openxmlformats.org/officeDocument/2006/relationships" xmlns:p="http://schemas.openxmlformats.org/presentationml/2006/main">
-  <p:cSld>
-    <p:spTree>
-      <p:nvGrpSpPr>
-        <p:cNvPr id="1" name="">
-          <a:extLst>
-            <a:ext uri="{FF2B5EF4-FFF2-40B4-BE49-F238E27FC236}">
-              <a16:creationId xmlns:a16="http://schemas.microsoft.com/office/drawing/2014/main" id="{E6AF61BF-F360-E024-FCD9-FE88C6C6F0E3}"/>
-            </a:ext>
-          </a:extLst>
-        </p:cNvPr>
-        <p:cNvGrpSpPr/>
-        <p:nvPr/>
-      </p:nvGrpSpPr>
-      <p:grpSpPr>
-        <a:xfrm>
-          <a:off x="0" y="0"/>
-          <a:ext cx="0" cy="0"/>
-          <a:chOff x="0" y="0"/>
-          <a:chExt cx="0" cy="0"/>
-        </a:xfrm>
-      </p:grpSpPr>
-      <p:sp>
-        <p:nvSpPr>
-          <p:cNvPr id="2" name="Slide Image Placeholder 1">
-            <a:extLst>
-              <a:ext uri="{FF2B5EF4-FFF2-40B4-BE49-F238E27FC236}">
-                <a16:creationId xmlns:a16="http://schemas.microsoft.com/office/drawing/2014/main" id="{8BF0FAE9-83F1-91C4-BE25-95F9012870B2}"/>
-              </a:ext>
-            </a:extLst>
-          </p:cNvPr>
-          <p:cNvSpPr>
-            <a:spLocks noGrp="1" noRot="1" noChangeAspect="1"/>
-          </p:cNvSpPr>
-          <p:nvPr>
-            <p:ph type="sldImg"/>
-          </p:nvPr>
-        </p:nvSpPr>
-        <p:spPr/>
-      </p:sp>
-      <p:sp>
-        <p:nvSpPr>
-          <p:cNvPr id="3" name="Notes Placeholder 2">
-            <a:extLst>
-              <a:ext uri="{FF2B5EF4-FFF2-40B4-BE49-F238E27FC236}">
-                <a16:creationId xmlns:a16="http://schemas.microsoft.com/office/drawing/2014/main" id="{04324647-BC13-C542-E95C-91435C518B0D}"/>
-              </a:ext>
-            </a:extLst>
-          </p:cNvPr>
-          <p:cNvSpPr>
-            <a:spLocks noGrp="1"/>
-          </p:cNvSpPr>
-          <p:nvPr>
-            <p:ph type="body" idx="1"/>
-          </p:nvPr>
-        </p:nvSpPr>
-        <p:spPr/>
-        <p:txBody>
-          <a:bodyPr/>
-          <a:lstStyle/>
-          <a:p>
-            <a:pPr algn="r" rtl="1"/>
-            <a:endParaRPr lang="he-IL" dirty="0"/>
-          </a:p>
-          <a:p>
-            <a:pPr algn="r" rtl="1"/>
-            <a:endParaRPr lang="ru-RU" dirty="0"/>
-          </a:p>
-        </p:txBody>
-      </p:sp>
-      <p:sp>
-        <p:nvSpPr>
-          <p:cNvPr id="4" name="Slide Number Placeholder 3">
-            <a:extLst>
-              <a:ext uri="{FF2B5EF4-FFF2-40B4-BE49-F238E27FC236}">
-                <a16:creationId xmlns:a16="http://schemas.microsoft.com/office/drawing/2014/main" id="{A3AAED4F-E806-8498-4BE6-33A1562252D2}"/>
-              </a:ext>
-            </a:extLst>
-          </p:cNvPr>
-          <p:cNvSpPr>
-            <a:spLocks noGrp="1"/>
-          </p:cNvSpPr>
-          <p:nvPr>
-            <p:ph type="sldNum" sz="quarter" idx="5"/>
-          </p:nvPr>
-        </p:nvSpPr>
-        <p:spPr/>
-        <p:txBody>
-          <a:bodyPr/>
-          <a:lstStyle/>
-          <a:p>
-            <a:fld id="{6E941FE1-24E3-44D6-A7AB-44791E971AE0}" type="slidenum">
-              <a:rPr lang="he-IL" smtClean="0"/>
-              <a:t>15</a:t>
-            </a:fld>
-            <a:endParaRPr lang="he-IL"/>
-          </a:p>
-        </p:txBody>
-      </p:sp>
-    </p:spTree>
-    <p:extLst>
-      <p:ext uri="{BB962C8B-B14F-4D97-AF65-F5344CB8AC3E}">
-        <p14:creationId xmlns:p14="http://schemas.microsoft.com/office/powerpoint/2010/main" val="1149862109"/>
-      </p:ext>
-    </p:extLst>
-  </p:cSld>
-  <p:clrMapOvr>
-    <a:masterClrMapping/>
-  </p:clrMapOvr>
-</p:notes>
-</file>
-
 <file path=ppt/slideLayouts/slideLayout1.xml><?xml version="1.0" encoding="utf-8"?>
 <p:sldLayout xmlns:a="http://schemas.openxmlformats.org/drawingml/2006/main" xmlns:r="http://schemas.openxmlformats.org/officeDocument/2006/relationships" xmlns:p="http://schemas.openxmlformats.org/presentationml/2006/main" type="title" preserve="1">
   <p:cSld name="Title Slide">
@@ -996,7 +737,7 @@
           <a:p>
             <a:fld id="{5A65B266-99E8-40C4-82C1-8EEF5B958589}" type="datetime8">
               <a:rPr lang="he-IL" smtClean="0"/>
-              <a:t>02 אוגוסט 25</a:t>
+              <a:t>04 אוגוסט 25</a:t>
             </a:fld>
             <a:endParaRPr lang="he-IL"/>
           </a:p>
@@ -1196,7 +937,7 @@
           <a:p>
             <a:fld id="{A3E438AD-1B3F-4717-B534-EC593A023400}" type="datetime8">
               <a:rPr lang="he-IL" smtClean="0"/>
-              <a:t>02 אוגוסט 25</a:t>
+              <a:t>04 אוגוסט 25</a:t>
             </a:fld>
             <a:endParaRPr lang="he-IL"/>
           </a:p>
@@ -1406,7 +1147,7 @@
           <a:p>
             <a:fld id="{F2EFCEB6-C1AE-40CA-A9DE-FC2748270423}" type="datetime8">
               <a:rPr lang="he-IL" smtClean="0"/>
-              <a:t>02 אוגוסט 25</a:t>
+              <a:t>04 אוגוסט 25</a:t>
             </a:fld>
             <a:endParaRPr lang="he-IL"/>
           </a:p>
@@ -1606,7 +1347,7 @@
           <a:p>
             <a:fld id="{E62D761F-5BF0-429F-92DD-37E5C39E3B71}" type="datetime8">
               <a:rPr lang="he-IL" smtClean="0"/>
-              <a:t>02 אוגוסט 25</a:t>
+              <a:t>04 אוגוסט 25</a:t>
             </a:fld>
             <a:endParaRPr lang="he-IL"/>
           </a:p>
@@ -1882,7 +1623,7 @@
           <a:p>
             <a:fld id="{C8BABE69-AF4A-47F3-BF81-8E299B597966}" type="datetime8">
               <a:rPr lang="he-IL" smtClean="0"/>
-              <a:t>02 אוגוסט 25</a:t>
+              <a:t>04 אוגוסט 25</a:t>
             </a:fld>
             <a:endParaRPr lang="he-IL"/>
           </a:p>
@@ -2150,7 +1891,7 @@
           <a:p>
             <a:fld id="{7DADBC9E-339C-4834-886E-D2DD630EE08D}" type="datetime8">
               <a:rPr lang="he-IL" smtClean="0"/>
-              <a:t>02 אוגוסט 25</a:t>
+              <a:t>04 אוגוסט 25</a:t>
             </a:fld>
             <a:endParaRPr lang="he-IL"/>
           </a:p>
@@ -2565,7 +2306,7 @@
           <a:p>
             <a:fld id="{576C7171-4D5D-418F-B13A-F2E7914D8881}" type="datetime8">
               <a:rPr lang="he-IL" smtClean="0"/>
-              <a:t>02 אוגוסט 25</a:t>
+              <a:t>04 אוגוסט 25</a:t>
             </a:fld>
             <a:endParaRPr lang="he-IL"/>
           </a:p>
@@ -2707,7 +2448,7 @@
           <a:p>
             <a:fld id="{B8593D32-9FF8-4607-8317-E049FBC543A7}" type="datetime8">
               <a:rPr lang="he-IL" smtClean="0"/>
-              <a:t>02 אוגוסט 25</a:t>
+              <a:t>04 אוגוסט 25</a:t>
             </a:fld>
             <a:endParaRPr lang="he-IL"/>
           </a:p>
@@ -2820,7 +2561,7 @@
           <a:p>
             <a:fld id="{34440BD4-6661-4491-8CC8-9BDA31781346}" type="datetime8">
               <a:rPr lang="he-IL" smtClean="0"/>
-              <a:t>02 אוגוסט 25</a:t>
+              <a:t>04 אוגוסט 25</a:t>
             </a:fld>
             <a:endParaRPr lang="he-IL"/>
           </a:p>
@@ -3133,7 +2874,7 @@
           <a:p>
             <a:fld id="{5E0CB808-4409-4137-B029-0CD5879BF914}" type="datetime8">
               <a:rPr lang="he-IL" smtClean="0"/>
-              <a:t>02 אוגוסט 25</a:t>
+              <a:t>04 אוגוסט 25</a:t>
             </a:fld>
             <a:endParaRPr lang="he-IL"/>
           </a:p>
@@ -3422,7 +3163,7 @@
           <a:p>
             <a:fld id="{DF2C78B8-194A-4F8E-BB31-8F8AE0C5E245}" type="datetime8">
               <a:rPr lang="he-IL" smtClean="0"/>
-              <a:t>02 אוגוסט 25</a:t>
+              <a:t>04 אוגוסט 25</a:t>
             </a:fld>
             <a:endParaRPr lang="he-IL"/>
           </a:p>
@@ -3665,7 +3406,7 @@
           <a:p>
             <a:fld id="{6D6E90AE-B598-4C6A-B306-E0DD72A75DB8}" type="datetime8">
               <a:rPr lang="he-IL" smtClean="0"/>
-              <a:t>02 אוגוסט 25</a:t>
+              <a:t>04 אוגוסט 25</a:t>
             </a:fld>
             <a:endParaRPr lang="he-IL"/>
           </a:p>
@@ -4511,8 +4252,8 @@
         </p:nvSpPr>
         <p:spPr>
           <a:xfrm>
-            <a:off x="2963512" y="5977054"/>
-            <a:ext cx="7656263" cy="369332"/>
+            <a:off x="4999326" y="5977054"/>
+            <a:ext cx="5620449" cy="369332"/>
           </a:xfrm>
           <a:prstGeom prst="rect">
             <a:avLst/>
@@ -4528,7 +4269,7 @@
             <a:pPr algn="r" rtl="1"/>
             <a:r>
               <a:rPr lang="he-IL" dirty="0"/>
-              <a:t>לפעמים התאמה לא-לינארית דורשת </a:t>
+              <a:t> צריך להגדיר </a:t>
             </a:r>
             <a:r>
               <a:rPr lang="he-IL" dirty="0">
@@ -4790,8 +4531,8 @@
           </a:prstGeom>
         </p:spPr>
       </p:pic>
-      <mc:AlternateContent xmlns:mc="http://schemas.openxmlformats.org/markup-compatibility/2006" xmlns:a14="http://schemas.microsoft.com/office/drawing/2010/main">
-        <mc:Choice Requires="a14">
+      <mc:AlternateContent xmlns:mc="http://schemas.openxmlformats.org/markup-compatibility/2006">
+        <mc:Choice xmlns:a14="http://schemas.microsoft.com/office/drawing/2010/main" Requires="a14">
           <p:sp>
             <p:nvSpPr>
               <p:cNvPr id="11" name="TextBox 10">
@@ -4806,8 +4547,8 @@
             </p:nvSpPr>
             <p:spPr>
               <a:xfrm>
-                <a:off x="1197156" y="192571"/>
-                <a:ext cx="9682459" cy="1200329"/>
+                <a:off x="2363342" y="192571"/>
+                <a:ext cx="7350090" cy="1200329"/>
               </a:xfrm>
               <a:prstGeom prst="rect">
                 <a:avLst/>
@@ -4837,7 +4578,7 @@
                   <a:rPr lang="he-IL" sz="4000" dirty="0">
                     <a:cs typeface="Arial"/>
                   </a:rPr>
-                  <a:t>ממש רגישה לערך התחלתי</a:t>
+                  <a:t>עם 6 פרמטרים</a:t>
                 </a:r>
                 <a:endParaRPr lang="en-US" sz="4000" dirty="0">
                   <a:cs typeface="Arial"/>
@@ -5066,7 +4807,7 @@
             </p:txBody>
           </p:sp>
         </mc:Choice>
-        <mc:Fallback xmlns="">
+        <mc:Fallback>
           <p:sp>
             <p:nvSpPr>
               <p:cNvPr id="11" name="TextBox 10">
@@ -5083,8 +4824,8 @@
             </p:nvSpPr>
             <p:spPr>
               <a:xfrm>
-                <a:off x="1197156" y="192571"/>
-                <a:ext cx="9682459" cy="1200329"/>
+                <a:off x="2363342" y="192571"/>
+                <a:ext cx="7350090" cy="1200329"/>
               </a:xfrm>
               <a:prstGeom prst="rect">
                 <a:avLst/>
@@ -5092,7 +4833,7 @@
               <a:blipFill>
                 <a:blip r:embed="rId5"/>
                 <a:stretch>
-                  <a:fillRect l="-503" t="-10204" r="-1636"/>
+                  <a:fillRect l="-1577" t="-10204" r="-1660"/>
                 </a:stretch>
               </a:blipFill>
             </p:spPr>
@@ -5101,7 +4842,7 @@
               <a:lstStyle/>
               <a:p>
                 <a:r>
-                  <a:rPr lang="ru-RU">
+                  <a:rPr lang="he-IL">
                     <a:noFill/>
                   </a:rPr>
                   <a:t> </a:t>
@@ -5146,7 +4887,7 @@
           <p:cNvPr id="2" name="Slide Number Placeholder 1">
             <a:extLst>
               <a:ext uri="{FF2B5EF4-FFF2-40B4-BE49-F238E27FC236}">
-                <a16:creationId xmlns:a16="http://schemas.microsoft.com/office/drawing/2014/main" id="{B4D70BF9-D646-D943-7BEC-1DB9A81FE3E3}"/>
+                <a16:creationId xmlns:a16="http://schemas.microsoft.com/office/drawing/2014/main" id="{F40B969A-5E1F-2A5A-DF0E-5155C8216152}"/>
               </a:ext>
             </a:extLst>
           </p:cNvPr>
@@ -5159,8 +4900,8 @@
         </p:nvSpPr>
         <p:spPr>
           <a:xfrm>
-            <a:off x="11530360" y="6300594"/>
-            <a:ext cx="392151" cy="345533"/>
+            <a:off x="10927080" y="6356350"/>
+            <a:ext cx="426720" cy="398780"/>
           </a:xfrm>
         </p:spPr>
         <p:txBody>
@@ -5177,10 +4918,10 @@
       </p:sp>
       <p:sp>
         <p:nvSpPr>
-          <p:cNvPr id="3" name="TextBox 2">
-            <a:extLst>
-              <a:ext uri="{FF2B5EF4-FFF2-40B4-BE49-F238E27FC236}">
-                <a16:creationId xmlns:a16="http://schemas.microsoft.com/office/drawing/2014/main" id="{55A20922-48B4-6F9C-DDCD-94F4CF840681}"/>
+          <p:cNvPr id="7" name="TextBox 6">
+            <a:extLst>
+              <a:ext uri="{FF2B5EF4-FFF2-40B4-BE49-F238E27FC236}">
+                <a16:creationId xmlns:a16="http://schemas.microsoft.com/office/drawing/2014/main" id="{117378C2-F1AA-DD70-F00C-3AD4B361C9B2}"/>
               </a:ext>
             </a:extLst>
           </p:cNvPr>
@@ -5189,8 +4930,8 @@
         </p:nvSpPr>
         <p:spPr>
           <a:xfrm>
-            <a:off x="3750612" y="263664"/>
-            <a:ext cx="5036956" cy="707886"/>
+            <a:off x="365438" y="6417240"/>
+            <a:ext cx="6024791" cy="276999"/>
           </a:xfrm>
           <a:prstGeom prst="rect">
             <a:avLst/>
@@ -5198,72 +4939,102 @@
           <a:noFill/>
         </p:spPr>
         <p:txBody>
-          <a:bodyPr wrap="none" lIns="91440" tIns="45720" rIns="91440" bIns="45720" rtlCol="1" anchor="t">
+          <a:bodyPr wrap="none" rtlCol="0">
             <a:spAutoFit/>
           </a:bodyPr>
           <a:lstStyle/>
           <a:p>
-            <a:pPr algn="ctr"/>
-            <a:r>
-              <a:rPr lang="he-IL" sz="4000" dirty="0">
-                <a:cs typeface="Arial"/>
+            <a:r>
+              <a:rPr lang="en-US" sz="1200" dirty="0">
+                <a:hlinkClick r:id="rId2"/>
               </a:rPr>
-              <a:t>התאמה זו חיפוש מינימה</a:t>
-            </a:r>
+              <a:t>https://github.com/evgeny-kolonsky/summer_seminar/blob/main/Global_optimization.ipynb</a:t>
+            </a:r>
+            <a:endParaRPr lang="ru-RU" sz="1200" dirty="0"/>
           </a:p>
         </p:txBody>
       </p:sp>
       <p:pic>
         <p:nvPicPr>
-          <p:cNvPr id="1026" name="Picture 2">
-            <a:extLst>
-              <a:ext uri="{FF2B5EF4-FFF2-40B4-BE49-F238E27FC236}">
-                <a16:creationId xmlns:a16="http://schemas.microsoft.com/office/drawing/2014/main" id="{B845EE37-375F-746D-6BBF-8878DAE43799}"/>
+          <p:cNvPr id="9" name="Picture 8">
+            <a:extLst>
+              <a:ext uri="{FF2B5EF4-FFF2-40B4-BE49-F238E27FC236}">
+                <a16:creationId xmlns:a16="http://schemas.microsoft.com/office/drawing/2014/main" id="{1F060017-5674-72C4-B623-9C29D2D1009E}"/>
               </a:ext>
             </a:extLst>
           </p:cNvPr>
           <p:cNvPicPr>
-            <a:picLocks noChangeAspect="1" noChangeArrowheads="1"/>
+            <a:picLocks noChangeAspect="1"/>
           </p:cNvPicPr>
           <p:nvPr/>
         </p:nvPicPr>
         <p:blipFill>
-          <a:blip r:embed="rId2">
-            <a:extLst>
-              <a:ext uri="{28A0092B-C50C-407E-A947-70E740481C1C}">
-                <a14:useLocalDpi xmlns:a14="http://schemas.microsoft.com/office/drawing/2010/main" val="0"/>
-              </a:ext>
-            </a:extLst>
-          </a:blip>
-          <a:srcRect/>
+          <a:blip r:embed="rId3"/>
           <a:stretch>
             <a:fillRect/>
           </a:stretch>
         </p:blipFill>
-        <p:spPr bwMode="auto">
+        <p:spPr>
           <a:xfrm>
-            <a:off x="2943911" y="1481138"/>
-            <a:ext cx="6304178" cy="4819456"/>
+            <a:off x="2594343" y="1401887"/>
+            <a:ext cx="6157494" cy="4442845"/>
+          </a:xfrm>
+          <a:prstGeom prst="rect">
+            <a:avLst/>
+          </a:prstGeom>
+        </p:spPr>
+      </p:pic>
+      <p:sp>
+        <p:nvSpPr>
+          <p:cNvPr id="10" name="TextBox 9">
+            <a:extLst>
+              <a:ext uri="{FF2B5EF4-FFF2-40B4-BE49-F238E27FC236}">
+                <a16:creationId xmlns:a16="http://schemas.microsoft.com/office/drawing/2014/main" id="{0F158DB5-3CB6-754A-3138-6C9BC4FCFD08}"/>
+              </a:ext>
+            </a:extLst>
+          </p:cNvPr>
+          <p:cNvSpPr txBox="1"/>
+          <p:nvPr/>
+        </p:nvSpPr>
+        <p:spPr>
+          <a:xfrm>
+            <a:off x="1238778" y="305382"/>
+            <a:ext cx="8868646" cy="707886"/>
           </a:xfrm>
           <a:prstGeom prst="rect">
             <a:avLst/>
           </a:prstGeom>
           <a:noFill/>
-          <a:extLst>
-            <a:ext uri="{909E8E84-426E-40DD-AFC4-6F175D3DCCD1}">
-              <a14:hiddenFill xmlns:a14="http://schemas.microsoft.com/office/drawing/2010/main">
-                <a:solidFill>
-                  <a:srgbClr val="FFFFFF"/>
-                </a:solidFill>
-              </a14:hiddenFill>
-            </a:ext>
-          </a:extLst>
         </p:spPr>
-      </p:pic>
+        <p:txBody>
+          <a:bodyPr wrap="none" lIns="91440" tIns="45720" rIns="91440" bIns="45720" rtlCol="1" anchor="t">
+            <a:spAutoFit/>
+          </a:bodyPr>
+          <a:lstStyle/>
+          <a:p>
+            <a:pPr algn="ctr" rtl="1"/>
+            <a:r>
+              <a:rPr lang="he-IL" sz="4000" dirty="0">
+                <a:cs typeface="Arial"/>
+              </a:rPr>
+              <a:t>ספריה שיודעת לעשות </a:t>
+            </a:r>
+            <a:r>
+              <a:rPr lang="en-US" sz="4000" dirty="0">
+                <a:cs typeface="Arial"/>
+              </a:rPr>
+              <a:t>Global optimization </a:t>
+            </a:r>
+            <a:endParaRPr lang="he-IL" sz="4000" dirty="0">
+              <a:cs typeface="Arial"/>
+            </a:endParaRPr>
+          </a:p>
+        </p:txBody>
+      </p:sp>
     </p:spTree>
     <p:extLst>
       <p:ext uri="{BB962C8B-B14F-4D97-AF65-F5344CB8AC3E}">
-        <p14:creationId xmlns:p14="http://schemas.microsoft.com/office/powerpoint/2010/main" val="770419334"/>
+        <p14:creationId xmlns:p14="http://schemas.microsoft.com/office/powerpoint/2010/main" val="3733646641"/>
       </p:ext>
     </p:extLst>
   </p:cSld>
@@ -5295,7 +5066,7 @@
           <p:cNvPr id="2" name="Slide Number Placeholder 1">
             <a:extLst>
               <a:ext uri="{FF2B5EF4-FFF2-40B4-BE49-F238E27FC236}">
-                <a16:creationId xmlns:a16="http://schemas.microsoft.com/office/drawing/2014/main" id="{F40B969A-5E1F-2A5A-DF0E-5155C8216152}"/>
+                <a16:creationId xmlns:a16="http://schemas.microsoft.com/office/drawing/2014/main" id="{7D5E2F6A-05F0-81EF-05A9-65BFAA51F9BF}"/>
               </a:ext>
             </a:extLst>
           </p:cNvPr>
@@ -5306,12 +5077,7 @@
             <p:ph type="sldNum" sz="quarter" idx="12"/>
           </p:nvPr>
         </p:nvSpPr>
-        <p:spPr>
-          <a:xfrm>
-            <a:off x="10927080" y="6356350"/>
-            <a:ext cx="426720" cy="398780"/>
-          </a:xfrm>
-        </p:spPr>
+        <p:spPr/>
         <p:txBody>
           <a:bodyPr/>
           <a:lstStyle/>
@@ -5320,54 +5086,16 @@
               <a:rPr lang="he-IL" smtClean="0"/>
               <a:t>13</a:t>
             </a:fld>
-            <a:endParaRPr lang="he-IL" dirty="0"/>
-          </a:p>
-        </p:txBody>
-      </p:sp>
-      <p:sp>
-        <p:nvSpPr>
-          <p:cNvPr id="7" name="TextBox 6">
-            <a:extLst>
-              <a:ext uri="{FF2B5EF4-FFF2-40B4-BE49-F238E27FC236}">
-                <a16:creationId xmlns:a16="http://schemas.microsoft.com/office/drawing/2014/main" id="{117378C2-F1AA-DD70-F00C-3AD4B361C9B2}"/>
-              </a:ext>
-            </a:extLst>
-          </p:cNvPr>
-          <p:cNvSpPr txBox="1"/>
-          <p:nvPr/>
-        </p:nvSpPr>
-        <p:spPr>
-          <a:xfrm>
-            <a:off x="365438" y="6417240"/>
-            <a:ext cx="6024791" cy="276999"/>
-          </a:xfrm>
-          <a:prstGeom prst="rect">
-            <a:avLst/>
-          </a:prstGeom>
-          <a:noFill/>
-        </p:spPr>
-        <p:txBody>
-          <a:bodyPr wrap="none" rtlCol="0">
-            <a:spAutoFit/>
-          </a:bodyPr>
-          <a:lstStyle/>
-          <a:p>
-            <a:r>
-              <a:rPr lang="en-US" sz="1200" dirty="0">
-                <a:hlinkClick r:id="rId2"/>
-              </a:rPr>
-              <a:t>https://github.com/evgeny-kolonsky/summer_seminar/blob/main/Global_optimization.ipynb</a:t>
-            </a:r>
-            <a:endParaRPr lang="ru-RU" sz="1200" dirty="0"/>
+            <a:endParaRPr lang="he-IL"/>
           </a:p>
         </p:txBody>
       </p:sp>
       <p:pic>
         <p:nvPicPr>
-          <p:cNvPr id="9" name="Picture 8">
-            <a:extLst>
-              <a:ext uri="{FF2B5EF4-FFF2-40B4-BE49-F238E27FC236}">
-                <a16:creationId xmlns:a16="http://schemas.microsoft.com/office/drawing/2014/main" id="{1F060017-5674-72C4-B623-9C29D2D1009E}"/>
+          <p:cNvPr id="4" name="Picture 3" descr="A cat looking at the camera&#10;&#10;AI-generated content may be incorrect.">
+            <a:extLst>
+              <a:ext uri="{FF2B5EF4-FFF2-40B4-BE49-F238E27FC236}">
+                <a16:creationId xmlns:a16="http://schemas.microsoft.com/office/drawing/2014/main" id="{2E7FE44C-0E03-A0E4-B005-16C786D408FC}"/>
               </a:ext>
             </a:extLst>
           </p:cNvPr>
@@ -5377,15 +5105,22 @@
           <p:nvPr/>
         </p:nvPicPr>
         <p:blipFill>
-          <a:blip r:embed="rId3"/>
+          <a:blip r:embed="rId2">
+            <a:extLst>
+              <a:ext uri="{28A0092B-C50C-407E-A947-70E740481C1C}">
+                <a14:useLocalDpi xmlns:a14="http://schemas.microsoft.com/office/drawing/2010/main" val="0"/>
+              </a:ext>
+            </a:extLst>
+          </a:blip>
+          <a:srcRect t="16374"/>
           <a:stretch>
             <a:fillRect/>
           </a:stretch>
         </p:blipFill>
         <p:spPr>
           <a:xfrm>
-            <a:off x="2594343" y="1401887"/>
-            <a:ext cx="6157494" cy="4442845"/>
+            <a:off x="4483891" y="569160"/>
+            <a:ext cx="3577144" cy="5735053"/>
           </a:xfrm>
           <a:prstGeom prst="rect">
             <a:avLst/>
@@ -5394,570 +5129,313 @@
       </p:pic>
       <p:sp>
         <p:nvSpPr>
-          <p:cNvPr id="10" name="TextBox 9">
-            <a:extLst>
-              <a:ext uri="{FF2B5EF4-FFF2-40B4-BE49-F238E27FC236}">
-                <a16:creationId xmlns:a16="http://schemas.microsoft.com/office/drawing/2014/main" id="{0F158DB5-3CB6-754A-3138-6C9BC4FCFD08}"/>
-              </a:ext>
-            </a:extLst>
-          </p:cNvPr>
-          <p:cNvSpPr txBox="1"/>
+          <p:cNvPr id="5" name="Heart 4">
+            <a:extLst>
+              <a:ext uri="{FF2B5EF4-FFF2-40B4-BE49-F238E27FC236}">
+                <a16:creationId xmlns:a16="http://schemas.microsoft.com/office/drawing/2014/main" id="{A19BD3E9-DC94-476E-315C-FEEBE3797417}"/>
+              </a:ext>
+            </a:extLst>
+          </p:cNvPr>
+          <p:cNvSpPr/>
           <p:nvPr/>
         </p:nvSpPr>
         <p:spPr>
           <a:xfrm>
-            <a:off x="4473085" y="305382"/>
-            <a:ext cx="2400016" cy="707886"/>
+            <a:off x="9272337" y="2855495"/>
+            <a:ext cx="1331495" cy="1074821"/>
           </a:xfrm>
-          <a:prstGeom prst="rect">
+          <a:prstGeom prst="heart">
             <a:avLst/>
           </a:prstGeom>
-          <a:noFill/>
+          <a:solidFill>
+            <a:srgbClr val="FF0000"/>
+          </a:solidFill>
         </p:spPr>
-        <p:txBody>
-          <a:bodyPr wrap="none" lIns="91440" tIns="45720" rIns="91440" bIns="45720" rtlCol="1" anchor="t">
-            <a:spAutoFit/>
-          </a:bodyPr>
+        <p:style>
+          <a:lnRef idx="2">
+            <a:schemeClr val="accent1">
+              <a:shade val="15000"/>
+            </a:schemeClr>
+          </a:lnRef>
+          <a:fillRef idx="1">
+            <a:schemeClr val="accent1"/>
+          </a:fillRef>
+          <a:effectRef idx="0">
+            <a:schemeClr val="accent1"/>
+          </a:effectRef>
+          <a:fontRef idx="minor">
+            <a:schemeClr val="lt1"/>
+          </a:fontRef>
+        </p:style>
+        <p:txBody>
+          <a:bodyPr rtlCol="1" anchor="ctr"/>
           <a:lstStyle/>
           <a:p>
             <a:pPr algn="ctr"/>
-            <a:r>
-              <a:rPr lang="he-IL" sz="4000" dirty="0">
-                <a:cs typeface="Arial"/>
-              </a:rPr>
-              <a:t>חתיחת קוד</a:t>
-            </a:r>
+            <a:endParaRPr lang="he-IL"/>
+          </a:p>
+        </p:txBody>
+      </p:sp>
+      <p:sp>
+        <p:nvSpPr>
+          <p:cNvPr id="6" name="Heart 5">
+            <a:extLst>
+              <a:ext uri="{FF2B5EF4-FFF2-40B4-BE49-F238E27FC236}">
+                <a16:creationId xmlns:a16="http://schemas.microsoft.com/office/drawing/2014/main" id="{1F77CEB9-7BA7-8A5C-B42D-C9A7B6455E21}"/>
+              </a:ext>
+            </a:extLst>
+          </p:cNvPr>
+          <p:cNvSpPr/>
+          <p:nvPr/>
+        </p:nvSpPr>
+        <p:spPr>
+          <a:xfrm>
+            <a:off x="1588168" y="2855494"/>
+            <a:ext cx="1331495" cy="1074821"/>
+          </a:xfrm>
+          <a:prstGeom prst="heart">
+            <a:avLst/>
+          </a:prstGeom>
+          <a:solidFill>
+            <a:srgbClr val="FF0000"/>
+          </a:solidFill>
+        </p:spPr>
+        <p:style>
+          <a:lnRef idx="2">
+            <a:schemeClr val="accent1">
+              <a:shade val="15000"/>
+            </a:schemeClr>
+          </a:lnRef>
+          <a:fillRef idx="1">
+            <a:schemeClr val="accent1"/>
+          </a:fillRef>
+          <a:effectRef idx="0">
+            <a:schemeClr val="accent1"/>
+          </a:effectRef>
+          <a:fontRef idx="minor">
+            <a:schemeClr val="lt1"/>
+          </a:fontRef>
+        </p:style>
+        <p:txBody>
+          <a:bodyPr rtlCol="1" anchor="ctr"/>
+          <a:lstStyle/>
+          <a:p>
+            <a:pPr algn="ctr"/>
+            <a:endParaRPr lang="he-IL"/>
           </a:p>
         </p:txBody>
       </p:sp>
     </p:spTree>
     <p:extLst>
       <p:ext uri="{BB962C8B-B14F-4D97-AF65-F5344CB8AC3E}">
-        <p14:creationId xmlns:p14="http://schemas.microsoft.com/office/powerpoint/2010/main" val="3733646641"/>
+        <p14:creationId xmlns:p14="http://schemas.microsoft.com/office/powerpoint/2010/main" val="1225184511"/>
       </p:ext>
     </p:extLst>
   </p:cSld>
   <p:clrMapOvr>
     <a:masterClrMapping/>
   </p:clrMapOvr>
-</p:sld>
-</file>
-
-<file path=ppt/slides/slide14.xml><?xml version="1.0" encoding="utf-8"?>
-<p:sld xmlns:a="http://schemas.openxmlformats.org/drawingml/2006/main" xmlns:r="http://schemas.openxmlformats.org/officeDocument/2006/relationships" xmlns:p="http://schemas.openxmlformats.org/presentationml/2006/main">
-  <p:cSld>
-    <p:spTree>
-      <p:nvGrpSpPr>
-        <p:cNvPr id="1" name=""/>
-        <p:cNvGrpSpPr/>
-        <p:nvPr/>
-      </p:nvGrpSpPr>
-      <p:grpSpPr>
-        <a:xfrm>
-          <a:off x="0" y="0"/>
-          <a:ext cx="0" cy="0"/>
-          <a:chOff x="0" y="0"/>
-          <a:chExt cx="0" cy="0"/>
-        </a:xfrm>
-      </p:grpSpPr>
-      <p:sp>
-        <p:nvSpPr>
-          <p:cNvPr id="2" name="Slide Number Placeholder 1">
-            <a:extLst>
-              <a:ext uri="{FF2B5EF4-FFF2-40B4-BE49-F238E27FC236}">
-                <a16:creationId xmlns:a16="http://schemas.microsoft.com/office/drawing/2014/main" id="{9F6C4DC4-0C99-06F3-A806-274260D21F29}"/>
-              </a:ext>
-            </a:extLst>
-          </p:cNvPr>
-          <p:cNvSpPr>
-            <a:spLocks noGrp="1"/>
-          </p:cNvSpPr>
-          <p:nvPr>
-            <p:ph type="sldNum" sz="quarter" idx="12"/>
-          </p:nvPr>
-        </p:nvSpPr>
-        <p:spPr>
-          <a:xfrm>
-            <a:off x="10915650" y="6356350"/>
-            <a:ext cx="438150" cy="375920"/>
-          </a:xfrm>
-        </p:spPr>
-        <p:txBody>
-          <a:bodyPr/>
-          <a:lstStyle/>
-          <a:p>
-            <a:fld id="{A263F1A8-BC7B-4008-A955-96F8F4A3B8CB}" type="slidenum">
-              <a:rPr lang="he-IL" smtClean="0"/>
-              <a:t>14</a:t>
-            </a:fld>
-            <a:endParaRPr lang="he-IL" dirty="0"/>
-          </a:p>
-        </p:txBody>
-      </p:sp>
-      <p:sp>
-        <p:nvSpPr>
-          <p:cNvPr id="3" name="TextBox 2">
-            <a:extLst>
-              <a:ext uri="{FF2B5EF4-FFF2-40B4-BE49-F238E27FC236}">
-                <a16:creationId xmlns:a16="http://schemas.microsoft.com/office/drawing/2014/main" id="{8FC418F0-A0B6-9CE8-0CA2-4260DAE3B615}"/>
-              </a:ext>
-            </a:extLst>
-          </p:cNvPr>
-          <p:cNvSpPr txBox="1"/>
-          <p:nvPr/>
-        </p:nvSpPr>
-        <p:spPr>
-          <a:xfrm>
-            <a:off x="5574509" y="462963"/>
-            <a:ext cx="1322799" cy="707886"/>
-          </a:xfrm>
-          <a:prstGeom prst="rect">
-            <a:avLst/>
-          </a:prstGeom>
-          <a:noFill/>
-        </p:spPr>
-        <p:txBody>
-          <a:bodyPr wrap="none" lIns="91440" tIns="45720" rIns="91440" bIns="45720" rtlCol="1" anchor="t">
-            <a:spAutoFit/>
-          </a:bodyPr>
-          <a:lstStyle/>
-          <a:p>
-            <a:pPr algn="ctr"/>
-            <a:r>
-              <a:rPr lang="he-IL" sz="4000" dirty="0">
-                <a:cs typeface="Arial"/>
-              </a:rPr>
-              <a:t>סיקום</a:t>
-            </a:r>
-          </a:p>
-        </p:txBody>
-      </p:sp>
-      <p:sp>
-        <p:nvSpPr>
-          <p:cNvPr id="12" name="TextBox 11">
-            <a:extLst>
-              <a:ext uri="{FF2B5EF4-FFF2-40B4-BE49-F238E27FC236}">
-                <a16:creationId xmlns:a16="http://schemas.microsoft.com/office/drawing/2014/main" id="{E4756570-2641-DBE1-767C-AD473F561D3D}"/>
-              </a:ext>
-            </a:extLst>
-          </p:cNvPr>
-          <p:cNvSpPr txBox="1"/>
-          <p:nvPr/>
-        </p:nvSpPr>
-        <p:spPr>
-          <a:xfrm>
-            <a:off x="7602158" y="2005429"/>
-            <a:ext cx="3172522" cy="646331"/>
-          </a:xfrm>
-          <a:prstGeom prst="rect">
-            <a:avLst/>
-          </a:prstGeom>
-          <a:noFill/>
-          <a:ln>
-            <a:noFill/>
-          </a:ln>
-          <a:effectLst/>
-          <a:scene3d>
-            <a:camera prst="orthographicFront"/>
-            <a:lightRig rig="threePt" dir="t"/>
-          </a:scene3d>
-          <a:sp3d>
-            <a:bevelT/>
-          </a:sp3d>
-        </p:spPr>
-        <p:txBody>
-          <a:bodyPr wrap="square" rtlCol="0">
-            <a:spAutoFit/>
-          </a:bodyPr>
-          <a:lstStyle/>
-          <a:p>
-            <a:pPr algn="r" rtl="1"/>
-            <a:r>
-              <a:rPr lang="he-IL" sz="3600" dirty="0"/>
-              <a:t>רגרסיה לינארית</a:t>
-            </a:r>
-            <a:endParaRPr lang="ru-RU" sz="3600" dirty="0"/>
-          </a:p>
-        </p:txBody>
-      </p:sp>
-      <p:sp>
-        <p:nvSpPr>
-          <p:cNvPr id="13" name="TextBox 12">
-            <a:extLst>
-              <a:ext uri="{FF2B5EF4-FFF2-40B4-BE49-F238E27FC236}">
-                <a16:creationId xmlns:a16="http://schemas.microsoft.com/office/drawing/2014/main" id="{BE646262-20B6-CB43-48EA-5D0CDCD3D1F7}"/>
-              </a:ext>
-            </a:extLst>
-          </p:cNvPr>
-          <p:cNvSpPr txBox="1"/>
-          <p:nvPr/>
-        </p:nvSpPr>
-        <p:spPr>
-          <a:xfrm>
-            <a:off x="1417320" y="2005429"/>
-            <a:ext cx="3863340" cy="646331"/>
-          </a:xfrm>
-          <a:prstGeom prst="rect">
-            <a:avLst/>
-          </a:prstGeom>
-          <a:noFill/>
-          <a:ln>
-            <a:noFill/>
-          </a:ln>
-          <a:effectLst/>
-          <a:scene3d>
-            <a:camera prst="orthographicFront"/>
-            <a:lightRig rig="threePt" dir="t"/>
-          </a:scene3d>
-          <a:sp3d>
-            <a:bevelT/>
-          </a:sp3d>
-        </p:spPr>
-        <p:txBody>
-          <a:bodyPr wrap="square" rtlCol="0">
-            <a:spAutoFit/>
-          </a:bodyPr>
-          <a:lstStyle/>
-          <a:p>
-            <a:pPr algn="r" rtl="1"/>
-            <a:r>
-              <a:rPr lang="he-IL" sz="3600" dirty="0"/>
-              <a:t>התאמה לא לינארית</a:t>
-            </a:r>
-          </a:p>
-        </p:txBody>
-      </p:sp>
-      <p:pic>
-        <p:nvPicPr>
-          <p:cNvPr id="15" name="Picture 14">
-            <a:extLst>
-              <a:ext uri="{FF2B5EF4-FFF2-40B4-BE49-F238E27FC236}">
-                <a16:creationId xmlns:a16="http://schemas.microsoft.com/office/drawing/2014/main" id="{F6ED850D-081E-5DDD-21DA-5C6EFAA003BB}"/>
-              </a:ext>
-            </a:extLst>
-          </p:cNvPr>
-          <p:cNvPicPr>
-            <a:picLocks noChangeAspect="1"/>
-          </p:cNvPicPr>
-          <p:nvPr/>
-        </p:nvPicPr>
-        <p:blipFill>
-          <a:blip r:embed="rId3"/>
-          <a:stretch>
-            <a:fillRect/>
-          </a:stretch>
-        </p:blipFill>
-        <p:spPr>
-          <a:xfrm>
-            <a:off x="2034356" y="2788848"/>
-            <a:ext cx="2629267" cy="1028844"/>
-          </a:xfrm>
-          <a:prstGeom prst="rect">
-            <a:avLst/>
-          </a:prstGeom>
-          <a:ln>
-            <a:noFill/>
-          </a:ln>
-          <a:effectLst>
-            <a:outerShdw blurRad="190500" algn="tl" rotWithShape="0">
-              <a:srgbClr val="000000">
-                <a:alpha val="70000"/>
-              </a:srgbClr>
-            </a:outerShdw>
-          </a:effectLst>
-        </p:spPr>
-      </p:pic>
-      <p:pic>
-        <p:nvPicPr>
-          <p:cNvPr id="17" name="Picture 16">
-            <a:extLst>
-              <a:ext uri="{FF2B5EF4-FFF2-40B4-BE49-F238E27FC236}">
-                <a16:creationId xmlns:a16="http://schemas.microsoft.com/office/drawing/2014/main" id="{586B9AE4-AF4D-DEBE-75F0-A88B6EEB9FB7}"/>
-              </a:ext>
-            </a:extLst>
-          </p:cNvPr>
-          <p:cNvPicPr>
-            <a:picLocks noChangeAspect="1"/>
-          </p:cNvPicPr>
-          <p:nvPr/>
-        </p:nvPicPr>
-        <p:blipFill>
-          <a:blip r:embed="rId4"/>
-          <a:stretch>
-            <a:fillRect/>
-          </a:stretch>
-        </p:blipFill>
-        <p:spPr>
-          <a:xfrm>
-            <a:off x="7759469" y="2788848"/>
-            <a:ext cx="2857899" cy="1019317"/>
-          </a:xfrm>
-          <a:prstGeom prst="rect">
-            <a:avLst/>
-          </a:prstGeom>
-          <a:ln>
-            <a:noFill/>
-          </a:ln>
-          <a:effectLst>
-            <a:outerShdw blurRad="190500" algn="tl" rotWithShape="0">
-              <a:srgbClr val="000000">
-                <a:alpha val="70000"/>
-              </a:srgbClr>
-            </a:outerShdw>
-          </a:effectLst>
-        </p:spPr>
-      </p:pic>
-    </p:spTree>
-    <p:extLst>
-      <p:ext uri="{BB962C8B-B14F-4D97-AF65-F5344CB8AC3E}">
-        <p14:creationId xmlns:p14="http://schemas.microsoft.com/office/powerpoint/2010/main" val="3999945702"/>
-      </p:ext>
-    </p:extLst>
-  </p:cSld>
-  <p:clrMapOvr>
-    <a:masterClrMapping/>
-  </p:clrMapOvr>
-</p:sld>
-</file>
-
-<file path=ppt/slides/slide15.xml><?xml version="1.0" encoding="utf-8"?>
-<p:sld xmlns:a="http://schemas.openxmlformats.org/drawingml/2006/main" xmlns:r="http://schemas.openxmlformats.org/officeDocument/2006/relationships" xmlns:p="http://schemas.openxmlformats.org/presentationml/2006/main">
-  <p:cSld>
-    <p:spTree>
-      <p:nvGrpSpPr>
-        <p:cNvPr id="1" name="">
-          <a:extLst>
-            <a:ext uri="{FF2B5EF4-FFF2-40B4-BE49-F238E27FC236}">
-              <a16:creationId xmlns:a16="http://schemas.microsoft.com/office/drawing/2014/main" id="{007940C7-139E-40C3-350E-31230407271A}"/>
-            </a:ext>
-          </a:extLst>
-        </p:cNvPr>
-        <p:cNvGrpSpPr/>
-        <p:nvPr/>
-      </p:nvGrpSpPr>
-      <p:grpSpPr>
-        <a:xfrm>
-          <a:off x="0" y="0"/>
-          <a:ext cx="0" cy="0"/>
-          <a:chOff x="0" y="0"/>
-          <a:chExt cx="0" cy="0"/>
-        </a:xfrm>
-      </p:grpSpPr>
-      <p:sp>
-        <p:nvSpPr>
-          <p:cNvPr id="2" name="Slide Number Placeholder 1">
-            <a:extLst>
-              <a:ext uri="{FF2B5EF4-FFF2-40B4-BE49-F238E27FC236}">
-                <a16:creationId xmlns:a16="http://schemas.microsoft.com/office/drawing/2014/main" id="{A8B12FCA-FBB4-4C6D-DA08-C64272C28882}"/>
-              </a:ext>
-            </a:extLst>
-          </p:cNvPr>
-          <p:cNvSpPr>
-            <a:spLocks noGrp="1"/>
-          </p:cNvSpPr>
-          <p:nvPr>
-            <p:ph type="sldNum" sz="quarter" idx="12"/>
-          </p:nvPr>
-        </p:nvSpPr>
-        <p:spPr>
-          <a:xfrm>
-            <a:off x="10915650" y="6356350"/>
-            <a:ext cx="438150" cy="375920"/>
-          </a:xfrm>
-        </p:spPr>
-        <p:txBody>
-          <a:bodyPr/>
-          <a:lstStyle/>
-          <a:p>
-            <a:fld id="{A263F1A8-BC7B-4008-A955-96F8F4A3B8CB}" type="slidenum">
-              <a:rPr lang="he-IL" smtClean="0"/>
-              <a:t>15</a:t>
-            </a:fld>
-            <a:endParaRPr lang="he-IL" dirty="0"/>
-          </a:p>
-        </p:txBody>
-      </p:sp>
-      <p:sp>
-        <p:nvSpPr>
-          <p:cNvPr id="3" name="TextBox 2">
-            <a:extLst>
-              <a:ext uri="{FF2B5EF4-FFF2-40B4-BE49-F238E27FC236}">
-                <a16:creationId xmlns:a16="http://schemas.microsoft.com/office/drawing/2014/main" id="{48A23FC3-24CC-4B18-2C61-2D6A530C1519}"/>
-              </a:ext>
-            </a:extLst>
-          </p:cNvPr>
-          <p:cNvSpPr txBox="1"/>
-          <p:nvPr/>
-        </p:nvSpPr>
-        <p:spPr>
-          <a:xfrm>
-            <a:off x="5558480" y="462963"/>
-            <a:ext cx="1354859" cy="707886"/>
-          </a:xfrm>
-          <a:prstGeom prst="rect">
-            <a:avLst/>
-          </a:prstGeom>
-          <a:noFill/>
-        </p:spPr>
-        <p:txBody>
-          <a:bodyPr wrap="none" lIns="91440" tIns="45720" rIns="91440" bIns="45720" rtlCol="1" anchor="t">
-            <a:spAutoFit/>
-          </a:bodyPr>
-          <a:lstStyle/>
-          <a:p>
-            <a:pPr algn="ctr"/>
-            <a:r>
-              <a:rPr lang="he-IL" sz="4000" dirty="0">
-                <a:cs typeface="Arial"/>
-              </a:rPr>
-              <a:t>תודה!</a:t>
-            </a:r>
-          </a:p>
-        </p:txBody>
-      </p:sp>
-      <p:pic>
-        <p:nvPicPr>
-          <p:cNvPr id="14340" name="Picture 4">
-            <a:extLst>
-              <a:ext uri="{FF2B5EF4-FFF2-40B4-BE49-F238E27FC236}">
-                <a16:creationId xmlns:a16="http://schemas.microsoft.com/office/drawing/2014/main" id="{F30D9427-EB59-1E97-C2DA-556391CD2B7A}"/>
-              </a:ext>
-            </a:extLst>
-          </p:cNvPr>
-          <p:cNvPicPr>
-            <a:picLocks noChangeAspect="1" noChangeArrowheads="1"/>
-          </p:cNvPicPr>
-          <p:nvPr/>
-        </p:nvPicPr>
-        <p:blipFill>
-          <a:blip r:embed="rId3">
-            <a:extLst>
-              <a:ext uri="{28A0092B-C50C-407E-A947-70E740481C1C}">
-                <a14:useLocalDpi xmlns:a14="http://schemas.microsoft.com/office/drawing/2010/main" val="0"/>
-              </a:ext>
-            </a:extLst>
-          </a:blip>
-          <a:srcRect/>
-          <a:stretch>
-            <a:fillRect/>
-          </a:stretch>
-        </p:blipFill>
-        <p:spPr bwMode="auto">
-          <a:xfrm>
-            <a:off x="3343811" y="1633538"/>
-            <a:ext cx="5504378" cy="4024312"/>
-          </a:xfrm>
-          <a:prstGeom prst="rect">
-            <a:avLst/>
-          </a:prstGeom>
-          <a:noFill/>
-          <a:extLst>
-            <a:ext uri="{909E8E84-426E-40DD-AFC4-6F175D3DCCD1}">
-              <a14:hiddenFill xmlns:a14="http://schemas.microsoft.com/office/drawing/2010/main">
-                <a:solidFill>
-                  <a:srgbClr val="FFFFFF"/>
-                </a:solidFill>
-              </a14:hiddenFill>
-            </a:ext>
-          </a:extLst>
-        </p:spPr>
-      </p:pic>
-      <p:sp>
-        <p:nvSpPr>
-          <p:cNvPr id="7" name="TextBox 6">
-            <a:extLst>
-              <a:ext uri="{FF2B5EF4-FFF2-40B4-BE49-F238E27FC236}">
-                <a16:creationId xmlns:a16="http://schemas.microsoft.com/office/drawing/2014/main" id="{C848BD97-C9AB-6A9A-AFD1-CA7C567A89E0}"/>
-              </a:ext>
-            </a:extLst>
-          </p:cNvPr>
-          <p:cNvSpPr txBox="1"/>
-          <p:nvPr/>
-        </p:nvSpPr>
-        <p:spPr>
-          <a:xfrm>
-            <a:off x="3510161" y="5288518"/>
-            <a:ext cx="2064348" cy="369332"/>
-          </a:xfrm>
-          <a:prstGeom prst="rect">
-            <a:avLst/>
-          </a:prstGeom>
-          <a:noFill/>
-        </p:spPr>
-        <p:txBody>
-          <a:bodyPr wrap="none" rtlCol="0">
-            <a:spAutoFit/>
-          </a:bodyPr>
-          <a:lstStyle/>
-          <a:p>
-            <a:r>
-              <a:rPr lang="en-US" dirty="0">
-                <a:latin typeface="Angsana New" panose="020B0502040204020203" pitchFamily="18" charset="-34"/>
-                <a:cs typeface="Angsana New" panose="020B0502040204020203" pitchFamily="18" charset="-34"/>
-              </a:rPr>
-              <a:t>Credit: New Yorker</a:t>
-            </a:r>
-            <a:endParaRPr lang="ru-RU" dirty="0">
-              <a:cs typeface="Angsana New" panose="020B0502040204020203" pitchFamily="18" charset="-34"/>
-            </a:endParaRPr>
-          </a:p>
-        </p:txBody>
-      </p:sp>
-      <p:sp>
-        <p:nvSpPr>
-          <p:cNvPr id="9" name="TextBox 8">
-            <a:extLst>
-              <a:ext uri="{FF2B5EF4-FFF2-40B4-BE49-F238E27FC236}">
-                <a16:creationId xmlns:a16="http://schemas.microsoft.com/office/drawing/2014/main" id="{09D95960-47AC-A77B-F701-4B15329314A2}"/>
-              </a:ext>
-            </a:extLst>
-          </p:cNvPr>
-          <p:cNvSpPr txBox="1"/>
-          <p:nvPr/>
-        </p:nvSpPr>
-        <p:spPr>
-          <a:xfrm>
-            <a:off x="4031171" y="5657850"/>
-            <a:ext cx="4129657" cy="369332"/>
-          </a:xfrm>
-          <a:prstGeom prst="rect">
-            <a:avLst/>
-          </a:prstGeom>
-          <a:noFill/>
-        </p:spPr>
-        <p:txBody>
-          <a:bodyPr wrap="none" rtlCol="0">
-            <a:spAutoFit/>
-          </a:bodyPr>
-          <a:lstStyle/>
-          <a:p>
-            <a:pPr algn="r" rtl="1"/>
-            <a:r>
-              <a:rPr lang="he-IL" dirty="0"/>
-              <a:t>במקום "</a:t>
-            </a:r>
-            <a:r>
-              <a:rPr lang="en-US" dirty="0"/>
-              <a:t>XXX</a:t>
-            </a:r>
-            <a:r>
-              <a:rPr lang="he-IL" dirty="0"/>
-              <a:t>" היית אומר "לא מוצא חן בעיניי"</a:t>
-            </a:r>
-            <a:endParaRPr lang="ru-RU" dirty="0"/>
-          </a:p>
-        </p:txBody>
-      </p:sp>
-    </p:spTree>
-    <p:extLst>
-      <p:ext uri="{BB962C8B-B14F-4D97-AF65-F5344CB8AC3E}">
-        <p14:creationId xmlns:p14="http://schemas.microsoft.com/office/powerpoint/2010/main" val="1484605893"/>
-      </p:ext>
-    </p:extLst>
-  </p:cSld>
-  <p:clrMapOvr>
-    <a:masterClrMapping/>
-  </p:clrMapOvr>
+  <p:timing>
+    <p:tnLst>
+      <p:par>
+        <p:cTn id="1" dur="indefinite" restart="never" nodeType="tmRoot">
+          <p:childTnLst>
+            <p:seq concurrent="1" nextAc="seek">
+              <p:cTn id="2" dur="indefinite" nodeType="mainSeq">
+                <p:childTnLst>
+                  <p:par>
+                    <p:cTn id="3" fill="hold">
+                      <p:stCondLst>
+                        <p:cond delay="indefinite"/>
+                        <p:cond evt="onBegin" delay="0">
+                          <p:tn val="2"/>
+                        </p:cond>
+                      </p:stCondLst>
+                      <p:childTnLst>
+                        <p:par>
+                          <p:cTn id="4" fill="hold">
+                            <p:stCondLst>
+                              <p:cond delay="0"/>
+                            </p:stCondLst>
+                            <p:childTnLst>
+                              <p:par>
+                                <p:cTn id="5" presetID="2" presetClass="entr" presetSubtype="4" fill="hold" grpId="0" nodeType="afterEffect">
+                                  <p:stCondLst>
+                                    <p:cond delay="0"/>
+                                  </p:stCondLst>
+                                  <p:childTnLst>
+                                    <p:set>
+                                      <p:cBhvr>
+                                        <p:cTn id="6" dur="1" fill="hold">
+                                          <p:stCondLst>
+                                            <p:cond delay="0"/>
+                                          </p:stCondLst>
+                                        </p:cTn>
+                                        <p:tgtEl>
+                                          <p:spTgt spid="5"/>
+                                        </p:tgtEl>
+                                        <p:attrNameLst>
+                                          <p:attrName>style.visibility</p:attrName>
+                                        </p:attrNameLst>
+                                      </p:cBhvr>
+                                      <p:to>
+                                        <p:strVal val="visible"/>
+                                      </p:to>
+                                    </p:set>
+                                    <p:anim calcmode="lin" valueType="num">
+                                      <p:cBhvr additive="base">
+                                        <p:cTn id="7" dur="500" fill="hold"/>
+                                        <p:tgtEl>
+                                          <p:spTgt spid="5"/>
+                                        </p:tgtEl>
+                                        <p:attrNameLst>
+                                          <p:attrName>ppt_x</p:attrName>
+                                        </p:attrNameLst>
+                                      </p:cBhvr>
+                                      <p:tavLst>
+                                        <p:tav tm="0">
+                                          <p:val>
+                                            <p:strVal val="#ppt_x"/>
+                                          </p:val>
+                                        </p:tav>
+                                        <p:tav tm="100000">
+                                          <p:val>
+                                            <p:strVal val="#ppt_x"/>
+                                          </p:val>
+                                        </p:tav>
+                                      </p:tavLst>
+                                    </p:anim>
+                                    <p:anim calcmode="lin" valueType="num">
+                                      <p:cBhvr additive="base">
+                                        <p:cTn id="8" dur="500" fill="hold"/>
+                                        <p:tgtEl>
+                                          <p:spTgt spid="5"/>
+                                        </p:tgtEl>
+                                        <p:attrNameLst>
+                                          <p:attrName>ppt_y</p:attrName>
+                                        </p:attrNameLst>
+                                      </p:cBhvr>
+                                      <p:tavLst>
+                                        <p:tav tm="0">
+                                          <p:val>
+                                            <p:strVal val="1+#ppt_h/2"/>
+                                          </p:val>
+                                        </p:tav>
+                                        <p:tav tm="100000">
+                                          <p:val>
+                                            <p:strVal val="#ppt_y"/>
+                                          </p:val>
+                                        </p:tav>
+                                      </p:tavLst>
+                                    </p:anim>
+                                  </p:childTnLst>
+                                </p:cTn>
+                              </p:par>
+                              <p:par>
+                                <p:cTn id="9" presetID="2" presetClass="entr" presetSubtype="4" fill="hold" grpId="0" nodeType="withEffect">
+                                  <p:stCondLst>
+                                    <p:cond delay="0"/>
+                                  </p:stCondLst>
+                                  <p:childTnLst>
+                                    <p:set>
+                                      <p:cBhvr>
+                                        <p:cTn id="10" dur="1" fill="hold">
+                                          <p:stCondLst>
+                                            <p:cond delay="0"/>
+                                          </p:stCondLst>
+                                        </p:cTn>
+                                        <p:tgtEl>
+                                          <p:spTgt spid="6"/>
+                                        </p:tgtEl>
+                                        <p:attrNameLst>
+                                          <p:attrName>style.visibility</p:attrName>
+                                        </p:attrNameLst>
+                                      </p:cBhvr>
+                                      <p:to>
+                                        <p:strVal val="visible"/>
+                                      </p:to>
+                                    </p:set>
+                                    <p:anim calcmode="lin" valueType="num">
+                                      <p:cBhvr additive="base">
+                                        <p:cTn id="11" dur="500" fill="hold"/>
+                                        <p:tgtEl>
+                                          <p:spTgt spid="6"/>
+                                        </p:tgtEl>
+                                        <p:attrNameLst>
+                                          <p:attrName>ppt_x</p:attrName>
+                                        </p:attrNameLst>
+                                      </p:cBhvr>
+                                      <p:tavLst>
+                                        <p:tav tm="0">
+                                          <p:val>
+                                            <p:strVal val="#ppt_x"/>
+                                          </p:val>
+                                        </p:tav>
+                                        <p:tav tm="100000">
+                                          <p:val>
+                                            <p:strVal val="#ppt_x"/>
+                                          </p:val>
+                                        </p:tav>
+                                      </p:tavLst>
+                                    </p:anim>
+                                    <p:anim calcmode="lin" valueType="num">
+                                      <p:cBhvr additive="base">
+                                        <p:cTn id="12" dur="500" fill="hold"/>
+                                        <p:tgtEl>
+                                          <p:spTgt spid="6"/>
+                                        </p:tgtEl>
+                                        <p:attrNameLst>
+                                          <p:attrName>ppt_y</p:attrName>
+                                        </p:attrNameLst>
+                                      </p:cBhvr>
+                                      <p:tavLst>
+                                        <p:tav tm="0">
+                                          <p:val>
+                                            <p:strVal val="1+#ppt_h/2"/>
+                                          </p:val>
+                                        </p:tav>
+                                        <p:tav tm="100000">
+                                          <p:val>
+                                            <p:strVal val="#ppt_y"/>
+                                          </p:val>
+                                        </p:tav>
+                                      </p:tavLst>
+                                    </p:anim>
+                                  </p:childTnLst>
+                                </p:cTn>
+                              </p:par>
+                            </p:childTnLst>
+                          </p:cTn>
+                        </p:par>
+                      </p:childTnLst>
+                    </p:cTn>
+                  </p:par>
+                </p:childTnLst>
+              </p:cTn>
+              <p:prevCondLst>
+                <p:cond evt="onPrev" delay="0">
+                  <p:tgtEl>
+                    <p:sldTgt/>
+                  </p:tgtEl>
+                </p:cond>
+              </p:prevCondLst>
+              <p:nextCondLst>
+                <p:cond evt="onNext" delay="0">
+                  <p:tgtEl>
+                    <p:sldTgt/>
+                  </p:tgtEl>
+                </p:cond>
+              </p:nextCondLst>
+            </p:seq>
+          </p:childTnLst>
+        </p:cTn>
+      </p:par>
+    </p:tnLst>
+    <p:bldLst>
+      <p:bldP spid="5" grpId="0" animBg="1"/>
+      <p:bldP spid="6" grpId="0" animBg="1"/>
+    </p:bldLst>
+  </p:timing>
 </p:sld>
 </file>
 
@@ -6001,7 +5479,7 @@
           </a:bodyPr>
           <a:lstStyle/>
           <a:p>
-            <a:pPr algn="r" rtl="1"/>
+            <a:pPr algn="ctr" rtl="1"/>
             <a:r>
               <a:rPr lang="he-IL" sz="4000" dirty="0">
                 <a:latin typeface="Arial (Body)"/>
@@ -6288,8 +5766,8 @@
         </p:blipFill>
         <p:spPr bwMode="auto">
           <a:xfrm>
-            <a:off x="2998470" y="1722145"/>
-            <a:ext cx="5524500" cy="4238625"/>
+            <a:off x="2277979" y="1722145"/>
+            <a:ext cx="6244991" cy="4791416"/>
           </a:xfrm>
           <a:prstGeom prst="rect">
             <a:avLst/>
@@ -6552,14 +6030,25 @@
             </a:lvl1pPr>
           </a:lstStyle>
           <a:p>
-            <a:pPr algn="r" rtl="1"/>
+            <a:pPr algn="ctr" rtl="1"/>
             <a:r>
               <a:rPr lang="he-IL" sz="4000" dirty="0">
                 <a:latin typeface="Arial (Body)"/>
                 <a:cs typeface="+mn-cs"/>
               </a:rPr>
-              <a:t>שימוש בספריות פייתון</a:t>
-            </a:r>
+              <a:t>יישום רגרסיה </a:t>
+            </a:r>
+            <a:r>
+              <a:rPr lang="he-IL" sz="4000" dirty="0" err="1">
+                <a:latin typeface="Arial (Body)"/>
+                <a:cs typeface="+mn-cs"/>
+              </a:rPr>
+              <a:t>בפייתון</a:t>
+            </a:r>
+            <a:endParaRPr lang="he-IL" sz="4000" dirty="0">
+              <a:latin typeface="Arial (Body)"/>
+              <a:cs typeface="+mn-cs"/>
+            </a:endParaRPr>
           </a:p>
         </p:txBody>
       </p:sp>
@@ -6646,13 +6135,13 @@
           </a:bodyPr>
           <a:lstStyle/>
           <a:p>
-            <a:pPr algn="r" rtl="1"/>
+            <a:pPr algn="ctr" rtl="1"/>
             <a:r>
               <a:rPr lang="he-IL" sz="4000" dirty="0">
                 <a:latin typeface="Arial (Body)"/>
                 <a:cs typeface="+mn-cs"/>
               </a:rPr>
-              <a:t>רגרסיה לפונקציה ללא איבר חופשי</a:t>
+              <a:t>איך לעשות רגרסיה לפונקציה ללא איבר חופשי?</a:t>
             </a:r>
           </a:p>
         </p:txBody>
@@ -7160,7 +6649,7 @@
                 <a:latin typeface="Arial (Body)"/>
                 <a:cs typeface="+mn-cs"/>
               </a:rPr>
-              <a:t>שימוש בממוצע משוקלל</a:t>
+              <a:t>יישום ממוצע משוקלל בחישוב של שיפוע</a:t>
             </a:r>
           </a:p>
         </p:txBody>
@@ -7340,33 +6829,126 @@
             </a:lvl1pPr>
           </a:lstStyle>
           <a:p>
-            <a:pPr algn="r" rtl="1"/>
+            <a:pPr algn="ctr" rtl="1"/>
             <a:r>
               <a:rPr lang="he-IL" sz="4000" dirty="0">
                 <a:latin typeface="Arial (Body)"/>
                 <a:cs typeface="+mn-cs"/>
               </a:rPr>
-              <a:t>דוגמה: מדידת בלעיה של קרינה </a:t>
-            </a:r>
-            <a:r>
-              <a:rPr lang="en-US" sz="4000" dirty="0">
-                <a:latin typeface="Arial (Body)"/>
+              <a:t>בליעת קרינת </a:t>
+            </a:r>
+            <a:r>
+              <a:rPr lang="el-GR" sz="4000" dirty="0">
+                <a:latin typeface="Cambria Math" panose="02040503050406030204" pitchFamily="18" charset="0"/>
+                <a:ea typeface="Cambria Math" panose="02040503050406030204" pitchFamily="18" charset="0"/>
                 <a:cs typeface="+mn-cs"/>
               </a:rPr>
-              <a:t>Co-60</a:t>
+              <a:t>γ</a:t>
+            </a:r>
+            <a:r>
+              <a:rPr lang="he-IL" sz="4000" dirty="0">
+                <a:latin typeface="Cambria Math" panose="02040503050406030204" pitchFamily="18" charset="0"/>
+                <a:ea typeface="Cambria Math" panose="02040503050406030204" pitchFamily="18" charset="0"/>
+                <a:cs typeface="+mn-cs"/>
+              </a:rPr>
+              <a:t> </a:t>
             </a:r>
             <a:r>
               <a:rPr lang="he-IL" sz="4000" dirty="0">
                 <a:latin typeface="Arial (Body)"/>
                 <a:cs typeface="+mn-cs"/>
               </a:rPr>
-              <a:t> בעופרת</a:t>
-            </a:r>
-          </a:p>
-        </p:txBody>
-      </p:sp>
-      <mc:AlternateContent xmlns:mc="http://schemas.openxmlformats.org/markup-compatibility/2006" xmlns:a14="http://schemas.microsoft.com/office/drawing/2010/main">
-        <mc:Choice Requires="a14">
+              <a:t>בעופרת</a:t>
+            </a:r>
+          </a:p>
+        </p:txBody>
+      </p:sp>
+      <p:sp>
+        <p:nvSpPr>
+          <p:cNvPr id="5" name="TextBox 4">
+            <a:extLst>
+              <a:ext uri="{FF2B5EF4-FFF2-40B4-BE49-F238E27FC236}">
+                <a16:creationId xmlns:a16="http://schemas.microsoft.com/office/drawing/2014/main" id="{85474E4D-89AE-D734-F5C1-1431BCCFBB17}"/>
+              </a:ext>
+            </a:extLst>
+          </p:cNvPr>
+          <p:cNvSpPr txBox="1"/>
+          <p:nvPr/>
+        </p:nvSpPr>
+        <p:spPr>
+          <a:xfrm>
+            <a:off x="1304925" y="4703866"/>
+            <a:ext cx="2446102" cy="369332"/>
+          </a:xfrm>
+          <a:prstGeom prst="rect">
+            <a:avLst/>
+          </a:prstGeom>
+          <a:noFill/>
+        </p:spPr>
+        <p:txBody>
+          <a:bodyPr wrap="square" rtlCol="0">
+            <a:spAutoFit/>
+          </a:bodyPr>
+          <a:lstStyle/>
+          <a:p>
+            <a:pPr algn="r" rtl="1"/>
+            <a:r>
+              <a:rPr lang="he-IL" dirty="0"/>
+              <a:t>בכל מדידה שגיאה 3%</a:t>
+            </a:r>
+            <a:endParaRPr lang="ru-RU" dirty="0"/>
+          </a:p>
+        </p:txBody>
+      </p:sp>
+      <p:pic>
+        <p:nvPicPr>
+          <p:cNvPr id="1030" name="Picture 6">
+            <a:extLst>
+              <a:ext uri="{FF2B5EF4-FFF2-40B4-BE49-F238E27FC236}">
+                <a16:creationId xmlns:a16="http://schemas.microsoft.com/office/drawing/2014/main" id="{05AFBAA0-26AC-3F03-8983-D01CE53DA36F}"/>
+              </a:ext>
+            </a:extLst>
+          </p:cNvPr>
+          <p:cNvPicPr>
+            <a:picLocks noChangeAspect="1" noChangeArrowheads="1"/>
+          </p:cNvPicPr>
+          <p:nvPr/>
+        </p:nvPicPr>
+        <p:blipFill>
+          <a:blip r:embed="rId2">
+            <a:extLst>
+              <a:ext uri="{28A0092B-C50C-407E-A947-70E740481C1C}">
+                <a14:useLocalDpi xmlns:a14="http://schemas.microsoft.com/office/drawing/2010/main" val="0"/>
+              </a:ext>
+            </a:extLst>
+          </a:blip>
+          <a:srcRect/>
+          <a:stretch>
+            <a:fillRect/>
+          </a:stretch>
+        </p:blipFill>
+        <p:spPr bwMode="auto">
+          <a:xfrm>
+            <a:off x="223838" y="1438274"/>
+            <a:ext cx="4428373" cy="3311785"/>
+          </a:xfrm>
+          <a:prstGeom prst="rect">
+            <a:avLst/>
+          </a:prstGeom>
+          <a:noFill/>
+          <a:extLst>
+            <a:ext uri="{909E8E84-426E-40DD-AFC4-6F175D3DCCD1}">
+              <a14:hiddenFill xmlns:a14="http://schemas.microsoft.com/office/drawing/2010/main">
+                <a:solidFill>
+                  <a:srgbClr val="FFFFFF"/>
+                </a:solidFill>
+              </a14:hiddenFill>
+            </a:ext>
+          </a:extLst>
+        </p:spPr>
+      </p:pic>
+      <mc:AlternateContent xmlns:mc="http://schemas.openxmlformats.org/markup-compatibility/2006">
+        <mc:Choice xmlns:a14="http://schemas.microsoft.com/office/drawing/2010/main" Requires="a14">
           <p:sp>
             <p:nvSpPr>
               <p:cNvPr id="4" name="TextBox 3">
@@ -7381,7 +6963,7 @@
             </p:nvSpPr>
             <p:spPr>
               <a:xfrm>
-                <a:off x="9733462" y="2392680"/>
+                <a:off x="2421374" y="1505047"/>
                 <a:ext cx="1743298" cy="928844"/>
               </a:xfrm>
               <a:prstGeom prst="rect">
@@ -7510,7 +7092,7 @@
             </p:txBody>
           </p:sp>
         </mc:Choice>
-        <mc:Fallback xmlns="">
+        <mc:Fallback>
           <p:sp>
             <p:nvSpPr>
               <p:cNvPr id="4" name="TextBox 3">
@@ -7527,14 +7109,14 @@
             </p:nvSpPr>
             <p:spPr>
               <a:xfrm>
-                <a:off x="9733462" y="2392680"/>
+                <a:off x="2421374" y="1505047"/>
                 <a:ext cx="1743298" cy="928844"/>
               </a:xfrm>
               <a:prstGeom prst="rect">
                 <a:avLst/>
               </a:prstGeom>
               <a:blipFill>
-                <a:blip r:embed="rId2"/>
+                <a:blip r:embed="rId3"/>
                 <a:stretch>
                   <a:fillRect t="-1316"/>
                 </a:stretch>
@@ -7545,7 +7127,7 @@
               <a:lstStyle/>
               <a:p>
                 <a:r>
-                  <a:rPr lang="ru-RU">
+                  <a:rPr lang="he-IL">
                     <a:noFill/>
                   </a:rPr>
                   <a:t> </a:t>
@@ -7557,10 +7139,10 @@
       </mc:AlternateContent>
       <p:pic>
         <p:nvPicPr>
-          <p:cNvPr id="6152" name="Picture 8">
-            <a:extLst>
-              <a:ext uri="{FF2B5EF4-FFF2-40B4-BE49-F238E27FC236}">
-                <a16:creationId xmlns:a16="http://schemas.microsoft.com/office/drawing/2014/main" id="{3CE2F874-7904-C3A9-FE46-AB5363F46A9A}"/>
+          <p:cNvPr id="1034" name="Picture 10">
+            <a:extLst>
+              <a:ext uri="{FF2B5EF4-FFF2-40B4-BE49-F238E27FC236}">
+                <a16:creationId xmlns:a16="http://schemas.microsoft.com/office/drawing/2014/main" id="{F17A2008-3CDD-794D-B289-EFFBCE8B3622}"/>
               </a:ext>
             </a:extLst>
           </p:cNvPr>
@@ -7570,7 +7152,7 @@
           <p:nvPr/>
         </p:nvPicPr>
         <p:blipFill>
-          <a:blip r:embed="rId3">
+          <a:blip r:embed="rId4">
             <a:extLst>
               <a:ext uri="{28A0092B-C50C-407E-A947-70E740481C1C}">
                 <a14:useLocalDpi xmlns:a14="http://schemas.microsoft.com/office/drawing/2010/main" val="0"/>
@@ -7584,8 +7166,8 @@
         </p:blipFill>
         <p:spPr bwMode="auto">
           <a:xfrm>
-            <a:off x="3105150" y="2203645"/>
-            <a:ext cx="5981700" cy="4238625"/>
+            <a:off x="5124722" y="1642187"/>
+            <a:ext cx="6083183" cy="4480182"/>
           </a:xfrm>
           <a:prstGeom prst="rect">
             <a:avLst/>
@@ -7602,56 +7184,12 @@
           </a:extLst>
         </p:spPr>
       </p:pic>
-      <p:sp>
-        <p:nvSpPr>
-          <p:cNvPr id="5" name="TextBox 4">
-            <a:extLst>
-              <a:ext uri="{FF2B5EF4-FFF2-40B4-BE49-F238E27FC236}">
-                <a16:creationId xmlns:a16="http://schemas.microsoft.com/office/drawing/2014/main" id="{85474E4D-89AE-D734-F5C1-1431BCCFBB17}"/>
-              </a:ext>
-            </a:extLst>
-          </p:cNvPr>
-          <p:cNvSpPr txBox="1"/>
-          <p:nvPr/>
-        </p:nvSpPr>
-        <p:spPr>
-          <a:xfrm>
-            <a:off x="9172808" y="5112801"/>
-            <a:ext cx="2626040" cy="646331"/>
-          </a:xfrm>
-          <a:prstGeom prst="rect">
-            <a:avLst/>
-          </a:prstGeom>
-          <a:noFill/>
-        </p:spPr>
-        <p:txBody>
-          <a:bodyPr wrap="none" rtlCol="0">
-            <a:spAutoFit/>
-          </a:bodyPr>
-          <a:lstStyle/>
-          <a:p>
-            <a:pPr algn="r" rtl="1"/>
-            <a:r>
-              <a:rPr lang="he-IL" dirty="0"/>
-              <a:t>צריך להמתין עד 1000 מס' </a:t>
-            </a:r>
-          </a:p>
-          <a:p>
-            <a:pPr algn="r" rtl="1"/>
-            <a:r>
-              <a:rPr lang="he-IL" dirty="0"/>
-              <a:t>כדי להקטין שגיאה עד 3%</a:t>
-            </a:r>
-            <a:endParaRPr lang="ru-RU" dirty="0"/>
-          </a:p>
-        </p:txBody>
-      </p:sp>
       <p:pic>
         <p:nvPicPr>
-          <p:cNvPr id="18" name="Picture 17" descr="A set of round yellow and green objects in a transparent case&#10;&#10;AI-generated content may be incorrect.">
-            <a:extLst>
-              <a:ext uri="{FF2B5EF4-FFF2-40B4-BE49-F238E27FC236}">
-                <a16:creationId xmlns:a16="http://schemas.microsoft.com/office/drawing/2014/main" id="{43A29A4E-8DF4-6CFC-E63E-850BA5F94B25}"/>
+          <p:cNvPr id="6" name="Graphic 5" descr="Badge Tick1 outline">
+            <a:extLst>
+              <a:ext uri="{FF2B5EF4-FFF2-40B4-BE49-F238E27FC236}">
+                <a16:creationId xmlns:a16="http://schemas.microsoft.com/office/drawing/2014/main" id="{8D213357-C8D8-74DE-03DD-25F472D553FA}"/>
               </a:ext>
             </a:extLst>
           </p:cNvPr>
@@ -7661,10 +7199,10 @@
           <p:nvPr/>
         </p:nvPicPr>
         <p:blipFill>
-          <a:blip r:embed="rId4">
-            <a:extLst>
-              <a:ext uri="{28A0092B-C50C-407E-A947-70E740481C1C}">
-                <a14:useLocalDpi xmlns:a14="http://schemas.microsoft.com/office/drawing/2010/main" val="0"/>
+          <a:blip r:embed="rId5">
+            <a:extLst>
+              <a:ext uri="{96DAC541-7B7A-43D3-8B79-37D633B846F1}">
+                <asvg:svgBlip xmlns:asvg="http://schemas.microsoft.com/office/drawing/2016/SVG/main" r:embed="rId6"/>
               </a:ext>
             </a:extLst>
           </a:blip>
@@ -7674,8 +7212,8 @@
         </p:blipFill>
         <p:spPr>
           <a:xfrm>
-            <a:off x="112906" y="2085361"/>
-            <a:ext cx="2831016" cy="2831016"/>
+            <a:off x="9103088" y="2804338"/>
+            <a:ext cx="825208" cy="825208"/>
           </a:xfrm>
           <a:prstGeom prst="rect">
             <a:avLst/>
@@ -7718,6 +7256,53 @@
           <a:chExt cx="0" cy="0"/>
         </a:xfrm>
       </p:grpSpPr>
+      <p:pic>
+        <p:nvPicPr>
+          <p:cNvPr id="2050" name="Picture 2">
+            <a:extLst>
+              <a:ext uri="{FF2B5EF4-FFF2-40B4-BE49-F238E27FC236}">
+                <a16:creationId xmlns:a16="http://schemas.microsoft.com/office/drawing/2014/main" id="{E9B702A3-27C5-EBBC-7690-09A0B4592A9F}"/>
+              </a:ext>
+            </a:extLst>
+          </p:cNvPr>
+          <p:cNvPicPr>
+            <a:picLocks noChangeAspect="1" noChangeArrowheads="1"/>
+          </p:cNvPicPr>
+          <p:nvPr/>
+        </p:nvPicPr>
+        <p:blipFill>
+          <a:blip r:embed="rId2">
+            <a:extLst>
+              <a:ext uri="{28A0092B-C50C-407E-A947-70E740481C1C}">
+                <a14:useLocalDpi xmlns:a14="http://schemas.microsoft.com/office/drawing/2010/main" val="0"/>
+              </a:ext>
+            </a:extLst>
+          </a:blip>
+          <a:srcRect/>
+          <a:stretch>
+            <a:fillRect/>
+          </a:stretch>
+        </p:blipFill>
+        <p:spPr bwMode="auto">
+          <a:xfrm>
+            <a:off x="5711980" y="1562308"/>
+            <a:ext cx="6313522" cy="4726935"/>
+          </a:xfrm>
+          <a:prstGeom prst="rect">
+            <a:avLst/>
+          </a:prstGeom>
+          <a:noFill/>
+          <a:extLst>
+            <a:ext uri="{909E8E84-426E-40DD-AFC4-6F175D3DCCD1}">
+              <a14:hiddenFill xmlns:a14="http://schemas.microsoft.com/office/drawing/2010/main">
+                <a:solidFill>
+                  <a:srgbClr val="FFFFFF"/>
+                </a:solidFill>
+              </a14:hiddenFill>
+            </a:ext>
+          </a:extLst>
+        </p:spPr>
+      </p:pic>
       <p:sp>
         <p:nvSpPr>
           <p:cNvPr id="2" name="Slide Number Placeholder 1">
@@ -7799,13 +7384,13 @@
             </a:lvl1pPr>
           </a:lstStyle>
           <a:p>
-            <a:pPr algn="r" rtl="1"/>
+            <a:pPr algn="ctr" rtl="1"/>
             <a:r>
               <a:rPr lang="he-IL" sz="4000" dirty="0">
                 <a:latin typeface="Arial (Body)"/>
                 <a:cs typeface="+mn-cs"/>
               </a:rPr>
-              <a:t>דוגמה: ניסוי קבל</a:t>
+              <a:t>פריקה של קבל</a:t>
             </a:r>
             <a:r>
               <a:rPr lang="en-US" sz="4000" dirty="0">
@@ -7819,13 +7404,13 @@
                 <a:latin typeface="Arial (Body)"/>
                 <a:cs typeface="+mn-cs"/>
               </a:rPr>
-              <a:t>לוחות. עיבוד נתוני סקופ</a:t>
-            </a:r>
-          </a:p>
-        </p:txBody>
-      </p:sp>
-      <mc:AlternateContent xmlns:mc="http://schemas.openxmlformats.org/markup-compatibility/2006" xmlns:a14="http://schemas.microsoft.com/office/drawing/2010/main">
-        <mc:Choice Requires="a14">
+              <a:t>לוחות</a:t>
+            </a:r>
+          </a:p>
+        </p:txBody>
+      </p:sp>
+      <mc:AlternateContent xmlns:mc="http://schemas.openxmlformats.org/markup-compatibility/2006">
+        <mc:Choice xmlns:a14="http://schemas.microsoft.com/office/drawing/2010/main" Requires="a14">
           <p:sp>
             <p:nvSpPr>
               <p:cNvPr id="6" name="TextBox 5">
@@ -7840,8 +7425,8 @@
             </p:nvSpPr>
             <p:spPr>
               <a:xfrm>
-                <a:off x="9790612" y="1891234"/>
-                <a:ext cx="1825756" cy="1150058"/>
+                <a:off x="6662400" y="4122821"/>
+                <a:ext cx="2353263" cy="841449"/>
               </a:xfrm>
               <a:prstGeom prst="rect">
                 <a:avLst/>
@@ -7849,7 +7434,7 @@
               <a:noFill/>
             </p:spPr>
             <p:txBody>
-              <a:bodyPr wrap="none" lIns="0" tIns="0" rIns="0" bIns="0" rtlCol="0">
+              <a:bodyPr wrap="square" lIns="0" tIns="0" rIns="0" bIns="0" rtlCol="0">
                 <a:spAutoFit/>
               </a:bodyPr>
               <a:lstStyle/>
@@ -7862,7 +7447,7 @@
                     </m:oMathParaPr>
                     <m:oMath xmlns:m="http://schemas.openxmlformats.org/officeDocument/2006/math">
                       <m:r>
-                        <a:rPr lang="en-US" sz="2000" b="0" i="1" smtClean="0">
+                        <a:rPr lang="en-US" sz="2400" b="0" i="1" smtClean="0">
                           <a:latin typeface="Cambria Math" panose="02040503050406030204" pitchFamily="18" charset="0"/>
                         </a:rPr>
                         <m:t>𝑉</m:t>
@@ -7870,14 +7455,14 @@
                       <m:d>
                         <m:dPr>
                           <m:ctrlPr>
-                            <a:rPr lang="en-US" sz="2000" b="0" i="1" smtClean="0">
+                            <a:rPr lang="en-US" sz="2400" b="0" i="1" smtClean="0">
                               <a:latin typeface="Cambria Math" panose="02040503050406030204" pitchFamily="18" charset="0"/>
                             </a:rPr>
                           </m:ctrlPr>
                         </m:dPr>
                         <m:e>
                           <m:r>
-                            <a:rPr lang="en-US" sz="2000" b="0" i="1" smtClean="0">
+                            <a:rPr lang="en-US" sz="2400" b="0" i="1" smtClean="0">
                               <a:latin typeface="Cambria Math" panose="02040503050406030204" pitchFamily="18" charset="0"/>
                             </a:rPr>
                             <m:t>𝑡</m:t>
@@ -7885,7 +7470,7 @@
                         </m:e>
                       </m:d>
                       <m:r>
-                        <a:rPr lang="en-US" sz="2000" b="0" i="1" smtClean="0">
+                        <a:rPr lang="en-US" sz="2400" b="0" i="1" smtClean="0">
                           <a:latin typeface="Cambria Math" panose="02040503050406030204" pitchFamily="18" charset="0"/>
                         </a:rPr>
                         <m:t>=</m:t>
@@ -7893,14 +7478,14 @@
                       <m:sSub>
                         <m:sSubPr>
                           <m:ctrlPr>
-                            <a:rPr lang="en-US" sz="2000" b="0" i="1" smtClean="0">
+                            <a:rPr lang="en-US" sz="2400" b="0" i="1" smtClean="0">
                               <a:latin typeface="Cambria Math" panose="02040503050406030204" pitchFamily="18" charset="0"/>
                             </a:rPr>
                           </m:ctrlPr>
                         </m:sSubPr>
                         <m:e>
                           <m:r>
-                            <a:rPr lang="en-US" sz="2000" b="0" i="1" smtClean="0">
+                            <a:rPr lang="en-US" sz="2400" b="0" i="1" smtClean="0">
                               <a:latin typeface="Cambria Math" panose="02040503050406030204" pitchFamily="18" charset="0"/>
                             </a:rPr>
                             <m:t>𝑉</m:t>
@@ -7908,7 +7493,7 @@
                         </m:e>
                         <m:sub>
                           <m:r>
-                            <a:rPr lang="en-US" sz="2000" b="0" i="1" smtClean="0">
+                            <a:rPr lang="en-US" sz="2400" b="0" i="1" smtClean="0">
                               <a:latin typeface="Cambria Math" panose="02040503050406030204" pitchFamily="18" charset="0"/>
                             </a:rPr>
                             <m:t>0</m:t>
@@ -7918,14 +7503,14 @@
                       <m:sSup>
                         <m:sSupPr>
                           <m:ctrlPr>
-                            <a:rPr lang="en-US" sz="2000" b="0" i="1" smtClean="0">
+                            <a:rPr lang="en-US" sz="2400" b="0" i="1" smtClean="0">
                               <a:latin typeface="Cambria Math" panose="02040503050406030204" pitchFamily="18" charset="0"/>
                             </a:rPr>
                           </m:ctrlPr>
                         </m:sSupPr>
                         <m:e>
                           <m:r>
-                            <a:rPr lang="en-US" sz="2000" b="0" i="1" smtClean="0">
+                            <a:rPr lang="en-US" sz="2400" b="0" i="1" smtClean="0">
                               <a:latin typeface="Cambria Math" panose="02040503050406030204" pitchFamily="18" charset="0"/>
                             </a:rPr>
                             <m:t>𝑒</m:t>
@@ -7933,73 +7518,46 @@
                         </m:e>
                         <m:sup>
                           <m:r>
-                            <a:rPr lang="en-US" sz="2000" b="0" i="1" smtClean="0">
+                            <a:rPr lang="en-US" sz="2400" b="0" i="1" smtClean="0">
                               <a:latin typeface="Cambria Math" panose="02040503050406030204" pitchFamily="18" charset="0"/>
                             </a:rPr>
                             <m:t>−</m:t>
                           </m:r>
-                          <m:r>
-                            <a:rPr lang="en-US" sz="2000" b="0" i="1" smtClean="0">
-                              <a:latin typeface="Cambria Math" panose="02040503050406030204" pitchFamily="18" charset="0"/>
-                            </a:rPr>
-                            <m:t>𝑡</m:t>
-                          </m:r>
-                          <m:r>
-                            <a:rPr lang="en-US" sz="2000" b="0" i="1" smtClean="0">
-                              <a:latin typeface="Cambria Math" panose="02040503050406030204" pitchFamily="18" charset="0"/>
-                            </a:rPr>
-                            <m:t>/</m:t>
-                          </m:r>
-                          <m:r>
-                            <a:rPr lang="en-US" sz="2000" b="0" i="1" smtClean="0">
-                              <a:latin typeface="Cambria Math" panose="02040503050406030204" pitchFamily="18" charset="0"/>
-                            </a:rPr>
-                            <m:t>𝜏</m:t>
-                          </m:r>
+                          <m:f>
+                            <m:fPr>
+                              <m:ctrlPr>
+                                <a:rPr lang="en-US" sz="2400" b="0" i="1" smtClean="0">
+                                  <a:latin typeface="Cambria Math" panose="02040503050406030204" pitchFamily="18" charset="0"/>
+                                </a:rPr>
+                              </m:ctrlPr>
+                            </m:fPr>
+                            <m:num>
+                              <m:r>
+                                <a:rPr lang="en-US" sz="2400" b="0" i="1" smtClean="0">
+                                  <a:latin typeface="Cambria Math" panose="02040503050406030204" pitchFamily="18" charset="0"/>
+                                </a:rPr>
+                                <m:t>𝑡</m:t>
+                              </m:r>
+                            </m:num>
+                            <m:den>
+                              <m:r>
+                                <a:rPr lang="en-US" sz="2400" b="0" i="1" smtClean="0">
+                                  <a:latin typeface="Cambria Math" panose="02040503050406030204" pitchFamily="18" charset="0"/>
+                                </a:rPr>
+                                <m:t>𝑅𝐶</m:t>
+                              </m:r>
+                            </m:den>
+                          </m:f>
                         </m:sup>
                       </m:sSup>
                     </m:oMath>
-                    <m:oMath xmlns:m="http://schemas.openxmlformats.org/officeDocument/2006/math">
-                      <m:r>
-                        <a:rPr lang="en-US" sz="2000" b="0" i="1" smtClean="0">
-                          <a:latin typeface="Cambria Math" panose="02040503050406030204" pitchFamily="18" charset="0"/>
-                        </a:rPr>
-                        <m:t>𝐶</m:t>
-                      </m:r>
-                      <m:r>
-                        <a:rPr lang="en-US" sz="2000" b="0" i="1" smtClean="0">
-                          <a:latin typeface="Cambria Math" panose="02040503050406030204" pitchFamily="18" charset="0"/>
-                        </a:rPr>
-                        <m:t>=</m:t>
-                      </m:r>
-                      <m:f>
-                        <m:fPr>
-                          <m:ctrlPr>
-                            <a:rPr lang="en-US" sz="2000" b="0" i="1" smtClean="0">
-                              <a:latin typeface="Cambria Math" panose="02040503050406030204" pitchFamily="18" charset="0"/>
-                            </a:rPr>
-                          </m:ctrlPr>
-                        </m:fPr>
-                        <m:num>
-                          <m:r>
-                            <a:rPr lang="en-US" sz="2000" b="0" i="1" smtClean="0">
-                              <a:latin typeface="Cambria Math" panose="02040503050406030204" pitchFamily="18" charset="0"/>
-                            </a:rPr>
-                            <m:t>𝜏</m:t>
-                          </m:r>
-                        </m:num>
-                        <m:den>
-                          <m:r>
-                            <a:rPr lang="en-US" sz="2000" b="0" i="1" smtClean="0">
-                              <a:latin typeface="Cambria Math" panose="02040503050406030204" pitchFamily="18" charset="0"/>
-                            </a:rPr>
-                            <m:t>𝑅</m:t>
-                          </m:r>
-                        </m:den>
-                      </m:f>
-                    </m:oMath>
                   </m:oMathPara>
                 </a14:m>
+                <a:br>
+                  <a:rPr lang="en-US" sz="2000" b="0" i="1" dirty="0">
+                    <a:latin typeface="Cambria Math" panose="02040503050406030204" pitchFamily="18" charset="0"/>
+                  </a:rPr>
+                </a:br>
                 <a:endParaRPr lang="en-US" sz="2000" dirty="0"/>
               </a:p>
               <a:p>
@@ -8008,7 +7566,7 @@
             </p:txBody>
           </p:sp>
         </mc:Choice>
-        <mc:Fallback xmlns="">
+        <mc:Fallback>
           <p:sp>
             <p:nvSpPr>
               <p:cNvPr id="6" name="TextBox 5">
@@ -8025,16 +7583,16 @@
             </p:nvSpPr>
             <p:spPr>
               <a:xfrm>
-                <a:off x="9790612" y="1891234"/>
-                <a:ext cx="1825756" cy="1150058"/>
+                <a:off x="6662400" y="4122821"/>
+                <a:ext cx="2353263" cy="841449"/>
               </a:xfrm>
               <a:prstGeom prst="rect">
                 <a:avLst/>
               </a:prstGeom>
               <a:blipFill>
-                <a:blip r:embed="rId2"/>
+                <a:blip r:embed="rId3"/>
                 <a:stretch>
-                  <a:fillRect t="-1058"/>
+                  <a:fillRect/>
                 </a:stretch>
               </a:blipFill>
             </p:spPr>
@@ -8043,7 +7601,7 @@
               <a:lstStyle/>
               <a:p>
                 <a:r>
-                  <a:rPr lang="ru-RU">
+                  <a:rPr lang="he-IL">
                     <a:noFill/>
                   </a:rPr>
                   <a:t> </a:t>
@@ -8068,15 +7626,15 @@
           <p:nvPr/>
         </p:nvPicPr>
         <p:blipFill>
-          <a:blip r:embed="rId3"/>
+          <a:blip r:embed="rId4"/>
           <a:stretch>
             <a:fillRect/>
           </a:stretch>
         </p:blipFill>
         <p:spPr>
           <a:xfrm>
-            <a:off x="166498" y="1891234"/>
-            <a:ext cx="2299567" cy="1823516"/>
+            <a:off x="166498" y="1531602"/>
+            <a:ext cx="5100170" cy="4044345"/>
           </a:xfrm>
           <a:prstGeom prst="rect">
             <a:avLst/>
@@ -8085,49 +7643,38 @@
       </p:pic>
       <p:pic>
         <p:nvPicPr>
-          <p:cNvPr id="7176" name="Picture 8">
-            <a:extLst>
-              <a:ext uri="{FF2B5EF4-FFF2-40B4-BE49-F238E27FC236}">
-                <a16:creationId xmlns:a16="http://schemas.microsoft.com/office/drawing/2014/main" id="{62CC401A-0A6D-B34A-07D9-C484BE19B450}"/>
+          <p:cNvPr id="5" name="Graphic 4" descr="Badge Tick1 outline">
+            <a:extLst>
+              <a:ext uri="{FF2B5EF4-FFF2-40B4-BE49-F238E27FC236}">
+                <a16:creationId xmlns:a16="http://schemas.microsoft.com/office/drawing/2014/main" id="{043C3487-F22D-9E0C-AC98-1880D714C605}"/>
               </a:ext>
             </a:extLst>
           </p:cNvPr>
           <p:cNvPicPr>
-            <a:picLocks noChangeAspect="1" noChangeArrowheads="1"/>
+            <a:picLocks noChangeAspect="1"/>
           </p:cNvPicPr>
           <p:nvPr/>
         </p:nvPicPr>
         <p:blipFill>
-          <a:blip r:embed="rId4">
-            <a:extLst>
-              <a:ext uri="{28A0092B-C50C-407E-A947-70E740481C1C}">
-                <a14:useLocalDpi xmlns:a14="http://schemas.microsoft.com/office/drawing/2010/main" val="0"/>
+          <a:blip r:embed="rId5">
+            <a:extLst>
+              <a:ext uri="{96DAC541-7B7A-43D3-8B79-37D633B846F1}">
+                <asvg:svgBlip xmlns:asvg="http://schemas.microsoft.com/office/drawing/2016/SVG/main" r:embed="rId6"/>
               </a:ext>
             </a:extLst>
           </a:blip>
-          <a:srcRect/>
           <a:stretch>
             <a:fillRect/>
           </a:stretch>
         </p:blipFill>
-        <p:spPr bwMode="auto">
+        <p:spPr>
           <a:xfrm>
-            <a:off x="2916059" y="1843723"/>
-            <a:ext cx="6359881" cy="4877752"/>
+            <a:off x="7013823" y="3016396"/>
+            <a:ext cx="825208" cy="825208"/>
           </a:xfrm>
           <a:prstGeom prst="rect">
             <a:avLst/>
           </a:prstGeom>
-          <a:noFill/>
-          <a:extLst>
-            <a:ext uri="{909E8E84-426E-40DD-AFC4-6F175D3DCCD1}">
-              <a14:hiddenFill xmlns:a14="http://schemas.microsoft.com/office/drawing/2010/main">
-                <a:solidFill>
-                  <a:srgbClr val="FFFFFF"/>
-                </a:solidFill>
-              </a14:hiddenFill>
-            </a:ext>
-          </a:extLst>
         </p:spPr>
       </p:pic>
     </p:spTree>
@@ -8160,8 +7707,8 @@
           <a:chExt cx="0" cy="0"/>
         </a:xfrm>
       </p:grpSpPr>
-      <mc:AlternateContent xmlns:mc="http://schemas.openxmlformats.org/markup-compatibility/2006" xmlns:a14="http://schemas.microsoft.com/office/drawing/2010/main">
-        <mc:Choice Requires="a14">
+      <mc:AlternateContent xmlns:mc="http://schemas.openxmlformats.org/markup-compatibility/2006">
+        <mc:Choice xmlns:a14="http://schemas.microsoft.com/office/drawing/2010/main" Requires="a14">
           <p:sp>
             <p:nvSpPr>
               <p:cNvPr id="2" name="Title 1">
@@ -8180,8 +7727,8 @@
             </p:nvSpPr>
             <p:spPr>
               <a:xfrm>
-                <a:off x="911553" y="635193"/>
-                <a:ext cx="11004395" cy="1642095"/>
+                <a:off x="911553" y="405558"/>
+                <a:ext cx="11004395" cy="1597063"/>
               </a:xfrm>
             </p:spPr>
             <p:txBody>
@@ -8195,17 +7742,11 @@
                   <a:rPr lang="he-IL" dirty="0">
                     <a:cs typeface="+mn-cs"/>
                   </a:rPr>
-                  <a:t>גלי מיקרו. דוגמה של לינאריזציה לא מוצלח</a:t>
+                  <a:t>קיטוב של גלי מיקרו</a:t>
                 </a:r>
                 <a:br>
                   <a:rPr lang="en-US" dirty="0">
                     <a:cs typeface="+mn-cs"/>
-                  </a:rPr>
-                </a:br>
-                <a:br>
-                  <a:rPr lang="en-US" b="0" i="1" dirty="0">
-                    <a:latin typeface="Cambria Math" panose="02040503050406030204" pitchFamily="18" charset="0"/>
-                    <a:cs typeface="Arial"/>
                   </a:rPr>
                 </a:br>
                 <a14:m>
@@ -8228,34 +7769,6 @@
                         </a:rPr>
                         <m:t>=</m:t>
                       </m:r>
-                      <m:sSub>
-                        <m:sSubPr>
-                          <m:ctrlPr>
-                            <a:rPr lang="en-US" b="0" i="1" smtClean="0">
-                              <a:latin typeface="Cambria Math" panose="02040503050406030204" pitchFamily="18" charset="0"/>
-                              <a:cs typeface="Arial"/>
-                            </a:rPr>
-                          </m:ctrlPr>
-                        </m:sSubPr>
-                        <m:e>
-                          <m:r>
-                            <a:rPr lang="en-US" b="0" i="1" smtClean="0">
-                              <a:latin typeface="Cambria Math" panose="02040503050406030204" pitchFamily="18" charset="0"/>
-                              <a:cs typeface="Arial"/>
-                            </a:rPr>
-                            <m:t>𝐼</m:t>
-                          </m:r>
-                        </m:e>
-                        <m:sub>
-                          <m:r>
-                            <a:rPr lang="en-US" b="0" i="1" smtClean="0">
-                              <a:latin typeface="Cambria Math" panose="02040503050406030204" pitchFamily="18" charset="0"/>
-                              <a:cs typeface="Arial"/>
-                            </a:rPr>
-                            <m:t>0</m:t>
-                          </m:r>
-                        </m:sub>
-                      </m:sSub>
                       <m:func>
                         <m:funcPr>
                           <m:ctrlPr>
@@ -8266,16 +7779,34 @@
                           </m:ctrlPr>
                         </m:funcPr>
                         <m:fName>
-                          <m:r>
-                            <m:rPr>
-                              <m:sty m:val="p"/>
-                            </m:rPr>
-                            <a:rPr lang="en-US" b="0" i="0" smtClean="0">
-                              <a:latin typeface="Cambria Math" panose="02040503050406030204" pitchFamily="18" charset="0"/>
-                              <a:cs typeface="Arial"/>
-                            </a:rPr>
-                            <m:t>cos</m:t>
-                          </m:r>
+                          <m:sSub>
+                            <m:sSubPr>
+                              <m:ctrlPr>
+                                <a:rPr lang="en-US" i="1">
+                                  <a:latin typeface="Cambria Math" panose="02040503050406030204" pitchFamily="18" charset="0"/>
+                                  <a:cs typeface="Arial"/>
+                                </a:rPr>
+                              </m:ctrlPr>
+                            </m:sSubPr>
+                            <m:e>
+                              <m:r>
+                                <a:rPr lang="en-US" i="1">
+                                  <a:latin typeface="Cambria Math" panose="02040503050406030204" pitchFamily="18" charset="0"/>
+                                  <a:cs typeface="Arial"/>
+                                </a:rPr>
+                                <m:t>𝐼</m:t>
+                              </m:r>
+                            </m:e>
+                            <m:sub>
+                              <m:r>
+                                <a:rPr lang="en-US" i="1">
+                                  <a:latin typeface="Cambria Math" panose="02040503050406030204" pitchFamily="18" charset="0"/>
+                                  <a:cs typeface="Arial"/>
+                                </a:rPr>
+                                <m:t>0</m:t>
+                              </m:r>
+                            </m:sub>
+                          </m:sSub>
                         </m:fName>
                         <m:e>
                           <m:sSup>
@@ -8288,25 +7819,20 @@
                               </m:ctrlPr>
                             </m:sSupPr>
                             <m:e>
-                              <m:d>
-                                <m:dPr>
-                                  <m:ctrlPr>
-                                    <a:rPr lang="en-US" i="1">
-                                      <a:latin typeface="Cambria Math" panose="02040503050406030204" pitchFamily="18" charset="0"/>
-                                      <a:cs typeface="Arial"/>
-                                    </a:rPr>
-                                  </m:ctrlPr>
-                                </m:dPr>
-                                <m:e>
-                                  <m:r>
-                                    <a:rPr lang="en-US" b="0" i="1" smtClean="0">
-                                      <a:latin typeface="Cambria Math" panose="02040503050406030204" pitchFamily="18" charset="0"/>
-                                      <a:cs typeface="Arial"/>
-                                    </a:rPr>
-                                    <m:t>𝜃</m:t>
-                                  </m:r>
-                                </m:e>
-                              </m:d>
+                              <m:r>
+                                <a:rPr lang="en-US" b="0" i="1" smtClean="0">
+                                  <a:latin typeface="Cambria Math" panose="02040503050406030204" pitchFamily="18" charset="0"/>
+                                  <a:cs typeface="Arial"/>
+                                </a:rPr>
+                                <m:t> </m:t>
+                              </m:r>
+                              <m:r>
+                                <a:rPr lang="en-US" b="0" i="1" smtClean="0">
+                                  <a:latin typeface="Cambria Math" panose="02040503050406030204" pitchFamily="18" charset="0"/>
+                                  <a:cs typeface="Arial"/>
+                                </a:rPr>
+                                <m:t>𝑐𝑜𝑠</m:t>
+                              </m:r>
                             </m:e>
                             <m:sup>
                               <m:r>
@@ -8318,6 +7844,13 @@
                               </m:r>
                             </m:sup>
                           </m:sSup>
+                          <m:r>
+                            <a:rPr lang="en-US" b="0" i="1" smtClean="0">
+                              <a:latin typeface="Cambria Math" panose="02040503050406030204" pitchFamily="18" charset="0"/>
+                              <a:cs typeface="Arial"/>
+                            </a:rPr>
+                            <m:t>𝜃</m:t>
+                          </m:r>
                         </m:e>
                       </m:func>
                     </m:oMath>
@@ -8341,7 +7874,7 @@
             </p:txBody>
           </p:sp>
         </mc:Choice>
-        <mc:Fallback xmlns="">
+        <mc:Fallback>
           <p:sp>
             <p:nvSpPr>
               <p:cNvPr id="2" name="Title 1">
@@ -8360,13 +7893,13 @@
             </p:nvSpPr>
             <p:spPr>
               <a:xfrm>
-                <a:off x="911553" y="635193"/>
-                <a:ext cx="11004395" cy="1642095"/>
+                <a:off x="911553" y="405558"/>
+                <a:ext cx="11004395" cy="1597063"/>
               </a:xfrm>
               <a:blipFill>
                 <a:blip r:embed="rId2"/>
                 <a:stretch>
-                  <a:fillRect t="-30741"/>
+                  <a:fillRect t="-16031"/>
                 </a:stretch>
               </a:blipFill>
             </p:spPr>
@@ -8375,7 +7908,7 @@
               <a:lstStyle/>
               <a:p>
                 <a:r>
-                  <a:rPr lang="ru-RU">
+                  <a:rPr lang="he-IL">
                     <a:noFill/>
                   </a:rPr>
                   <a:t> </a:t>
@@ -8448,8 +7981,8 @@
         </p:blipFill>
         <p:spPr bwMode="auto">
           <a:xfrm>
-            <a:off x="6978368" y="2478482"/>
-            <a:ext cx="4796611" cy="3699293"/>
+            <a:off x="5836244" y="1681251"/>
+            <a:ext cx="5887526" cy="4540640"/>
           </a:xfrm>
           <a:prstGeom prst="rect">
             <a:avLst/>
@@ -8495,8 +8028,8 @@
         </p:blipFill>
         <p:spPr bwMode="auto">
           <a:xfrm>
-            <a:off x="611695" y="2432844"/>
-            <a:ext cx="5534025" cy="4219575"/>
+            <a:off x="261587" y="2002621"/>
+            <a:ext cx="4379665" cy="3339400"/>
           </a:xfrm>
           <a:prstGeom prst="rect">
             <a:avLst/>
@@ -8513,6 +8046,84 @@
           </a:extLst>
         </p:spPr>
       </p:pic>
+      <p:pic>
+        <p:nvPicPr>
+          <p:cNvPr id="3" name="Graphic 2" descr="Badge Cross outline">
+            <a:extLst>
+              <a:ext uri="{FF2B5EF4-FFF2-40B4-BE49-F238E27FC236}">
+                <a16:creationId xmlns:a16="http://schemas.microsoft.com/office/drawing/2014/main" id="{0BD28031-7F88-0B7A-8FBA-6915EAF4CF50}"/>
+              </a:ext>
+            </a:extLst>
+          </p:cNvPr>
+          <p:cNvPicPr>
+            <a:picLocks noChangeAspect="1"/>
+          </p:cNvPicPr>
+          <p:nvPr/>
+        </p:nvPicPr>
+        <p:blipFill>
+          <a:blip r:embed="rId5">
+            <a:extLst>
+              <a:ext uri="{96DAC541-7B7A-43D3-8B79-37D633B846F1}">
+                <asvg:svgBlip xmlns:asvg="http://schemas.microsoft.com/office/drawing/2016/SVG/main" r:embed="rId6"/>
+              </a:ext>
+            </a:extLst>
+          </a:blip>
+          <a:stretch>
+            <a:fillRect/>
+          </a:stretch>
+        </p:blipFill>
+        <p:spPr>
+          <a:xfrm>
+            <a:off x="2308086" y="5508123"/>
+            <a:ext cx="825208" cy="825208"/>
+          </a:xfrm>
+          <a:prstGeom prst="rect">
+            <a:avLst/>
+          </a:prstGeom>
+        </p:spPr>
+      </p:pic>
+      <p:cxnSp>
+        <p:nvCxnSpPr>
+          <p:cNvPr id="6" name="Straight Connector 5">
+            <a:extLst>
+              <a:ext uri="{FF2B5EF4-FFF2-40B4-BE49-F238E27FC236}">
+                <a16:creationId xmlns:a16="http://schemas.microsoft.com/office/drawing/2014/main" id="{C18FE7E8-9CCF-25B8-9AB3-9A6F02622947}"/>
+              </a:ext>
+            </a:extLst>
+          </p:cNvPr>
+          <p:cNvCxnSpPr/>
+          <p:nvPr/>
+        </p:nvCxnSpPr>
+        <p:spPr>
+          <a:xfrm flipV="1">
+            <a:off x="911553" y="2277979"/>
+            <a:ext cx="3467942" cy="2470484"/>
+          </a:xfrm>
+          <a:prstGeom prst="line">
+            <a:avLst/>
+          </a:prstGeom>
+          <a:ln>
+            <a:solidFill>
+              <a:srgbClr val="FF0000"/>
+            </a:solidFill>
+            <a:prstDash val="lgDash"/>
+          </a:ln>
+        </p:spPr>
+        <p:style>
+          <a:lnRef idx="1">
+            <a:schemeClr val="accent1"/>
+          </a:lnRef>
+          <a:fillRef idx="0">
+            <a:schemeClr val="accent1"/>
+          </a:fillRef>
+          <a:effectRef idx="0">
+            <a:schemeClr val="accent1"/>
+          </a:effectRef>
+          <a:fontRef idx="minor">
+            <a:schemeClr val="tx1"/>
+          </a:fontRef>
+        </p:style>
+      </p:cxnSp>
     </p:spTree>
     <p:extLst>
       <p:ext uri="{BB962C8B-B14F-4D97-AF65-F5344CB8AC3E}">
@@ -8874,8 +8485,8 @@
         </p:nvSpPr>
         <p:spPr>
           <a:xfrm>
-            <a:off x="3401131" y="5977054"/>
-            <a:ext cx="7218644" cy="369332"/>
+            <a:off x="6571872" y="5977054"/>
+            <a:ext cx="4047903" cy="369332"/>
           </a:xfrm>
           <a:prstGeom prst="rect">
             <a:avLst/>
@@ -8891,7 +8502,7 @@
             <a:pPr algn="r" rtl="1"/>
             <a:r>
               <a:rPr lang="he-IL" dirty="0"/>
-              <a:t>לפעמים התאמה לא-לינארית דורשת </a:t>
+              <a:t>לפעמים לכדאי להגדיר </a:t>
             </a:r>
             <a:r>
               <a:rPr lang="he-IL" dirty="0">
@@ -8899,11 +8510,7 @@
                   <a:srgbClr val="FFFF00"/>
                 </a:highlight>
               </a:rPr>
-              <a:t>פרמטרים התחלתיים </a:t>
-            </a:r>
-            <a:r>
-              <a:rPr lang="he-IL" dirty="0"/>
-              <a:t>קרובים לערכך אמתי</a:t>
+              <a:t>פרמטרים התחלתיים</a:t>
             </a:r>
             <a:endParaRPr lang="ru-RU" dirty="0"/>
           </a:p>

--- a/slides3.pptx
+++ b/slides3.pptx
@@ -209,7 +209,7 @@
           <a:p>
             <a:fld id="{51EF012E-01B7-4BA4-8313-638E854A2AE5}" type="datetimeFigureOut">
               <a:rPr lang="he-IL" smtClean="0"/>
-              <a:t>י'/אב/תשפ"ה</a:t>
+              <a:t>י"א/אב/תשפ"ה</a:t>
             </a:fld>
             <a:endParaRPr lang="he-IL"/>
           </a:p>
@@ -737,7 +737,7 @@
           <a:p>
             <a:fld id="{5A65B266-99E8-40C4-82C1-8EEF5B958589}" type="datetime8">
               <a:rPr lang="he-IL" smtClean="0"/>
-              <a:t>04 אוגוסט 25</a:t>
+              <a:t>05 אוגוסט 25</a:t>
             </a:fld>
             <a:endParaRPr lang="he-IL"/>
           </a:p>
@@ -937,7 +937,7 @@
           <a:p>
             <a:fld id="{A3E438AD-1B3F-4717-B534-EC593A023400}" type="datetime8">
               <a:rPr lang="he-IL" smtClean="0"/>
-              <a:t>04 אוגוסט 25</a:t>
+              <a:t>05 אוגוסט 25</a:t>
             </a:fld>
             <a:endParaRPr lang="he-IL"/>
           </a:p>
@@ -1147,7 +1147,7 @@
           <a:p>
             <a:fld id="{F2EFCEB6-C1AE-40CA-A9DE-FC2748270423}" type="datetime8">
               <a:rPr lang="he-IL" smtClean="0"/>
-              <a:t>04 אוגוסט 25</a:t>
+              <a:t>05 אוגוסט 25</a:t>
             </a:fld>
             <a:endParaRPr lang="he-IL"/>
           </a:p>
@@ -1347,7 +1347,7 @@
           <a:p>
             <a:fld id="{E62D761F-5BF0-429F-92DD-37E5C39E3B71}" type="datetime8">
               <a:rPr lang="he-IL" smtClean="0"/>
-              <a:t>04 אוגוסט 25</a:t>
+              <a:t>05 אוגוסט 25</a:t>
             </a:fld>
             <a:endParaRPr lang="he-IL"/>
           </a:p>
@@ -1623,7 +1623,7 @@
           <a:p>
             <a:fld id="{C8BABE69-AF4A-47F3-BF81-8E299B597966}" type="datetime8">
               <a:rPr lang="he-IL" smtClean="0"/>
-              <a:t>04 אוגוסט 25</a:t>
+              <a:t>05 אוגוסט 25</a:t>
             </a:fld>
             <a:endParaRPr lang="he-IL"/>
           </a:p>
@@ -1891,7 +1891,7 @@
           <a:p>
             <a:fld id="{7DADBC9E-339C-4834-886E-D2DD630EE08D}" type="datetime8">
               <a:rPr lang="he-IL" smtClean="0"/>
-              <a:t>04 אוגוסט 25</a:t>
+              <a:t>05 אוגוסט 25</a:t>
             </a:fld>
             <a:endParaRPr lang="he-IL"/>
           </a:p>
@@ -2306,7 +2306,7 @@
           <a:p>
             <a:fld id="{576C7171-4D5D-418F-B13A-F2E7914D8881}" type="datetime8">
               <a:rPr lang="he-IL" smtClean="0"/>
-              <a:t>04 אוגוסט 25</a:t>
+              <a:t>05 אוגוסט 25</a:t>
             </a:fld>
             <a:endParaRPr lang="he-IL"/>
           </a:p>
@@ -2448,7 +2448,7 @@
           <a:p>
             <a:fld id="{B8593D32-9FF8-4607-8317-E049FBC543A7}" type="datetime8">
               <a:rPr lang="he-IL" smtClean="0"/>
-              <a:t>04 אוגוסט 25</a:t>
+              <a:t>05 אוגוסט 25</a:t>
             </a:fld>
             <a:endParaRPr lang="he-IL"/>
           </a:p>
@@ -2561,7 +2561,7 @@
           <a:p>
             <a:fld id="{34440BD4-6661-4491-8CC8-9BDA31781346}" type="datetime8">
               <a:rPr lang="he-IL" smtClean="0"/>
-              <a:t>04 אוגוסט 25</a:t>
+              <a:t>05 אוגוסט 25</a:t>
             </a:fld>
             <a:endParaRPr lang="he-IL"/>
           </a:p>
@@ -2874,7 +2874,7 @@
           <a:p>
             <a:fld id="{5E0CB808-4409-4137-B029-0CD5879BF914}" type="datetime8">
               <a:rPr lang="he-IL" smtClean="0"/>
-              <a:t>04 אוגוסט 25</a:t>
+              <a:t>05 אוגוסט 25</a:t>
             </a:fld>
             <a:endParaRPr lang="he-IL"/>
           </a:p>
@@ -3163,7 +3163,7 @@
           <a:p>
             <a:fld id="{DF2C78B8-194A-4F8E-BB31-8F8AE0C5E245}" type="datetime8">
               <a:rPr lang="he-IL" smtClean="0"/>
-              <a:t>04 אוגוסט 25</a:t>
+              <a:t>05 אוגוסט 25</a:t>
             </a:fld>
             <a:endParaRPr lang="he-IL"/>
           </a:p>
@@ -3406,7 +3406,7 @@
           <a:p>
             <a:fld id="{6D6E90AE-B598-4C6A-B306-E0DD72A75DB8}" type="datetime8">
               <a:rPr lang="he-IL" smtClean="0"/>
-              <a:t>04 אוגוסט 25</a:t>
+              <a:t>05 אוגוסט 25</a:t>
             </a:fld>
             <a:endParaRPr lang="he-IL"/>
           </a:p>
@@ -4285,10 +4285,40 @@
       </p:sp>
       <p:pic>
         <p:nvPicPr>
-          <p:cNvPr id="11266" name="Picture 2">
-            <a:extLst>
-              <a:ext uri="{FF2B5EF4-FFF2-40B4-BE49-F238E27FC236}">
-                <a16:creationId xmlns:a16="http://schemas.microsoft.com/office/drawing/2014/main" id="{0C105632-0E8C-5A2E-188E-9C5A55947E28}"/>
+          <p:cNvPr id="11" name="Picture 10">
+            <a:extLst>
+              <a:ext uri="{FF2B5EF4-FFF2-40B4-BE49-F238E27FC236}">
+                <a16:creationId xmlns:a16="http://schemas.microsoft.com/office/drawing/2014/main" id="{A527103D-4254-416D-AED5-02BF2C4A6C61}"/>
+              </a:ext>
+            </a:extLst>
+          </p:cNvPr>
+          <p:cNvPicPr>
+            <a:picLocks noChangeAspect="1"/>
+          </p:cNvPicPr>
+          <p:nvPr/>
+        </p:nvPicPr>
+        <p:blipFill>
+          <a:blip r:embed="rId3"/>
+          <a:stretch>
+            <a:fillRect/>
+          </a:stretch>
+        </p:blipFill>
+        <p:spPr>
+          <a:xfrm>
+            <a:off x="332097" y="2573591"/>
+            <a:ext cx="5763903" cy="2758187"/>
+          </a:xfrm>
+          <a:prstGeom prst="rect">
+            <a:avLst/>
+          </a:prstGeom>
+        </p:spPr>
+      </p:pic>
+      <p:pic>
+        <p:nvPicPr>
+          <p:cNvPr id="3076" name="Picture 4">
+            <a:extLst>
+              <a:ext uri="{FF2B5EF4-FFF2-40B4-BE49-F238E27FC236}">
+                <a16:creationId xmlns:a16="http://schemas.microsoft.com/office/drawing/2014/main" id="{362FA140-7B56-4852-BA5F-7C13C369C075}"/>
               </a:ext>
             </a:extLst>
           </p:cNvPr>
@@ -4298,7 +4328,7 @@
           <p:nvPr/>
         </p:nvPicPr>
         <p:blipFill>
-          <a:blip r:embed="rId3">
+          <a:blip r:embed="rId4">
             <a:extLst>
               <a:ext uri="{28A0092B-C50C-407E-A947-70E740481C1C}">
                 <a14:useLocalDpi xmlns:a14="http://schemas.microsoft.com/office/drawing/2010/main" val="0"/>
@@ -4312,8 +4342,8 @@
         </p:blipFill>
         <p:spPr bwMode="auto">
           <a:xfrm>
-            <a:off x="6631840" y="2573592"/>
-            <a:ext cx="5228063" cy="2743439"/>
+            <a:off x="5800196" y="2563428"/>
+            <a:ext cx="5763903" cy="3007606"/>
           </a:xfrm>
           <a:prstGeom prst="rect">
             <a:avLst/>
@@ -4328,36 +4358,6 @@
               </a14:hiddenFill>
             </a:ext>
           </a:extLst>
-        </p:spPr>
-      </p:pic>
-      <p:pic>
-        <p:nvPicPr>
-          <p:cNvPr id="11" name="Picture 10">
-            <a:extLst>
-              <a:ext uri="{FF2B5EF4-FFF2-40B4-BE49-F238E27FC236}">
-                <a16:creationId xmlns:a16="http://schemas.microsoft.com/office/drawing/2014/main" id="{A527103D-4254-416D-AED5-02BF2C4A6C61}"/>
-              </a:ext>
-            </a:extLst>
-          </p:cNvPr>
-          <p:cNvPicPr>
-            <a:picLocks noChangeAspect="1"/>
-          </p:cNvPicPr>
-          <p:nvPr/>
-        </p:nvPicPr>
-        <p:blipFill>
-          <a:blip r:embed="rId4"/>
-          <a:stretch>
-            <a:fillRect/>
-          </a:stretch>
-        </p:blipFill>
-        <p:spPr>
-          <a:xfrm>
-            <a:off x="332097" y="2573591"/>
-            <a:ext cx="5763903" cy="2758187"/>
-          </a:xfrm>
-          <a:prstGeom prst="rect">
-            <a:avLst/>
-          </a:prstGeom>
         </p:spPr>
       </p:pic>
     </p:spTree>
@@ -4531,8 +4531,8 @@
           </a:prstGeom>
         </p:spPr>
       </p:pic>
-      <mc:AlternateContent xmlns:mc="http://schemas.openxmlformats.org/markup-compatibility/2006">
-        <mc:Choice xmlns:a14="http://schemas.microsoft.com/office/drawing/2010/main" Requires="a14">
+      <mc:AlternateContent xmlns:mc="http://schemas.openxmlformats.org/markup-compatibility/2006" xmlns:a14="http://schemas.microsoft.com/office/drawing/2010/main">
+        <mc:Choice Requires="a14">
           <p:sp>
             <p:nvSpPr>
               <p:cNvPr id="11" name="TextBox 10">
@@ -4807,7 +4807,7 @@
             </p:txBody>
           </p:sp>
         </mc:Choice>
-        <mc:Fallback>
+        <mc:Fallback xmlns="">
           <p:sp>
             <p:nvSpPr>
               <p:cNvPr id="11" name="TextBox 10">
@@ -4976,7 +4976,7 @@
         </p:blipFill>
         <p:spPr>
           <a:xfrm>
-            <a:off x="2594343" y="1401887"/>
+            <a:off x="460743" y="1291821"/>
             <a:ext cx="6157494" cy="4442845"/>
           </a:xfrm>
           <a:prstGeom prst="rect">
@@ -5031,6 +5031,53 @@
           </a:p>
         </p:txBody>
       </p:sp>
+      <p:pic>
+        <p:nvPicPr>
+          <p:cNvPr id="4098" name="Picture 2">
+            <a:extLst>
+              <a:ext uri="{FF2B5EF4-FFF2-40B4-BE49-F238E27FC236}">
+                <a16:creationId xmlns:a16="http://schemas.microsoft.com/office/drawing/2014/main" id="{31BFC304-074C-4AF0-B4FC-828F3BA4AFC6}"/>
+              </a:ext>
+            </a:extLst>
+          </p:cNvPr>
+          <p:cNvPicPr>
+            <a:picLocks noChangeAspect="1" noChangeArrowheads="1"/>
+          </p:cNvPicPr>
+          <p:nvPr/>
+        </p:nvPicPr>
+        <p:blipFill>
+          <a:blip r:embed="rId4">
+            <a:extLst>
+              <a:ext uri="{28A0092B-C50C-407E-A947-70E740481C1C}">
+                <a14:useLocalDpi xmlns:a14="http://schemas.microsoft.com/office/drawing/2010/main" val="0"/>
+              </a:ext>
+            </a:extLst>
+          </a:blip>
+          <a:srcRect/>
+          <a:stretch>
+            <a:fillRect/>
+          </a:stretch>
+        </p:blipFill>
+        <p:spPr bwMode="auto">
+          <a:xfrm>
+            <a:off x="6781800" y="4109256"/>
+            <a:ext cx="5306496" cy="2307984"/>
+          </a:xfrm>
+          <a:prstGeom prst="rect">
+            <a:avLst/>
+          </a:prstGeom>
+          <a:noFill/>
+          <a:extLst>
+            <a:ext uri="{909E8E84-426E-40DD-AFC4-6F175D3DCCD1}">
+              <a14:hiddenFill xmlns:a14="http://schemas.microsoft.com/office/drawing/2010/main">
+                <a:solidFill>
+                  <a:srgbClr val="FFFFFF"/>
+                </a:solidFill>
+              </a14:hiddenFill>
+            </a:ext>
+          </a:extLst>
+        </p:spPr>
+      </p:pic>
     </p:spTree>
     <p:extLst>
       <p:ext uri="{BB962C8B-B14F-4D97-AF65-F5344CB8AC3E}">
@@ -6415,7 +6462,7 @@
                                 <a:rPr lang="en-US" sz="2800" b="0" i="1" smtClean="0">
                                   <a:latin typeface="Cambria Math" panose="02040503050406030204" pitchFamily="18" charset="0"/>
                                 </a:rPr>
-                                <m:t>𝛿</m:t>
+                                <m:t>𝜎</m:t>
                               </m:r>
                             </m:e>
                             <m:sub>
@@ -6465,7 +6512,7 @@
                                 <a:rPr lang="en-US" sz="2800" b="0" i="1" smtClean="0">
                                   <a:latin typeface="Cambria Math" panose="02040503050406030204" pitchFamily="18" charset="0"/>
                                 </a:rPr>
-                                <m:t>𝛿</m:t>
+                                <m:t>𝜎</m:t>
                               </m:r>
                             </m:e>
                             <m:sub>
@@ -6533,7 +6580,7 @@
               <a:lstStyle/>
               <a:p>
                 <a:r>
-                  <a:rPr lang="ru-RU">
+                  <a:rPr lang="he-IL">
                     <a:noFill/>
                   </a:rPr>
                   <a:t> </a:t>
@@ -6748,6 +6795,89 @@
           <a:chExt cx="0" cy="0"/>
         </a:xfrm>
       </p:grpSpPr>
+      <p:pic>
+        <p:nvPicPr>
+          <p:cNvPr id="7" name="Picture 2">
+            <a:extLst>
+              <a:ext uri="{FF2B5EF4-FFF2-40B4-BE49-F238E27FC236}">
+                <a16:creationId xmlns:a16="http://schemas.microsoft.com/office/drawing/2014/main" id="{72A4B827-BAFF-4C55-B28F-EEED25B1B39E}"/>
+              </a:ext>
+            </a:extLst>
+          </p:cNvPr>
+          <p:cNvPicPr>
+            <a:picLocks noChangeAspect="1" noChangeArrowheads="1"/>
+          </p:cNvPicPr>
+          <p:nvPr/>
+        </p:nvPicPr>
+        <p:blipFill>
+          <a:blip r:embed="rId2">
+            <a:extLst>
+              <a:ext uri="{28A0092B-C50C-407E-A947-70E740481C1C}">
+                <a14:useLocalDpi xmlns:a14="http://schemas.microsoft.com/office/drawing/2010/main" val="0"/>
+              </a:ext>
+            </a:extLst>
+          </a:blip>
+          <a:srcRect/>
+          <a:stretch>
+            <a:fillRect/>
+          </a:stretch>
+        </p:blipFill>
+        <p:spPr bwMode="auto">
+          <a:xfrm>
+            <a:off x="317500" y="1585631"/>
+            <a:ext cx="11557000" cy="4224050"/>
+          </a:xfrm>
+          <a:prstGeom prst="rect">
+            <a:avLst/>
+          </a:prstGeom>
+          <a:noFill/>
+          <a:extLst>
+            <a:ext uri="{909E8E84-426E-40DD-AFC4-6F175D3DCCD1}">
+              <a14:hiddenFill xmlns:a14="http://schemas.microsoft.com/office/drawing/2010/main">
+                <a:solidFill>
+                  <a:srgbClr val="FFFFFF"/>
+                </a:solidFill>
+              </a14:hiddenFill>
+            </a:ext>
+          </a:extLst>
+        </p:spPr>
+      </p:pic>
+      <p:pic>
+        <p:nvPicPr>
+          <p:cNvPr id="6" name="Graphic 5" descr="Badge Tick1 outline">
+            <a:extLst>
+              <a:ext uri="{FF2B5EF4-FFF2-40B4-BE49-F238E27FC236}">
+                <a16:creationId xmlns:a16="http://schemas.microsoft.com/office/drawing/2014/main" id="{8D213357-C8D8-74DE-03DD-25F472D553FA}"/>
+              </a:ext>
+            </a:extLst>
+          </p:cNvPr>
+          <p:cNvPicPr>
+            <a:picLocks noChangeAspect="1"/>
+          </p:cNvPicPr>
+          <p:nvPr/>
+        </p:nvPicPr>
+        <p:blipFill>
+          <a:blip r:embed="rId3">
+            <a:extLst>
+              <a:ext uri="{96DAC541-7B7A-43D3-8B79-37D633B846F1}">
+                <asvg:svgBlip xmlns:asvg="http://schemas.microsoft.com/office/drawing/2016/SVG/main" r:embed="rId4"/>
+              </a:ext>
+            </a:extLst>
+          </a:blip>
+          <a:stretch>
+            <a:fillRect/>
+          </a:stretch>
+        </p:blipFill>
+        <p:spPr>
+          <a:xfrm>
+            <a:off x="10528592" y="2724809"/>
+            <a:ext cx="825208" cy="825208"/>
+          </a:xfrm>
+          <a:prstGeom prst="rect">
+            <a:avLst/>
+          </a:prstGeom>
+        </p:spPr>
+      </p:pic>
       <p:sp>
         <p:nvSpPr>
           <p:cNvPr id="2" name="Slide Number Placeholder 1">
@@ -6877,7 +7007,7 @@
         </p:nvSpPr>
         <p:spPr>
           <a:xfrm>
-            <a:off x="1304925" y="4703866"/>
+            <a:off x="2087245" y="6221889"/>
             <a:ext cx="2446102" cy="369332"/>
           </a:xfrm>
           <a:prstGeom prst="rect">
@@ -6900,55 +7030,8 @@
           </a:p>
         </p:txBody>
       </p:sp>
-      <p:pic>
-        <p:nvPicPr>
-          <p:cNvPr id="1030" name="Picture 6">
-            <a:extLst>
-              <a:ext uri="{FF2B5EF4-FFF2-40B4-BE49-F238E27FC236}">
-                <a16:creationId xmlns:a16="http://schemas.microsoft.com/office/drawing/2014/main" id="{05AFBAA0-26AC-3F03-8983-D01CE53DA36F}"/>
-              </a:ext>
-            </a:extLst>
-          </p:cNvPr>
-          <p:cNvPicPr>
-            <a:picLocks noChangeAspect="1" noChangeArrowheads="1"/>
-          </p:cNvPicPr>
-          <p:nvPr/>
-        </p:nvPicPr>
-        <p:blipFill>
-          <a:blip r:embed="rId2">
-            <a:extLst>
-              <a:ext uri="{28A0092B-C50C-407E-A947-70E740481C1C}">
-                <a14:useLocalDpi xmlns:a14="http://schemas.microsoft.com/office/drawing/2010/main" val="0"/>
-              </a:ext>
-            </a:extLst>
-          </a:blip>
-          <a:srcRect/>
-          <a:stretch>
-            <a:fillRect/>
-          </a:stretch>
-        </p:blipFill>
-        <p:spPr bwMode="auto">
-          <a:xfrm>
-            <a:off x="223838" y="1438274"/>
-            <a:ext cx="4428373" cy="3311785"/>
-          </a:xfrm>
-          <a:prstGeom prst="rect">
-            <a:avLst/>
-          </a:prstGeom>
-          <a:noFill/>
-          <a:extLst>
-            <a:ext uri="{909E8E84-426E-40DD-AFC4-6F175D3DCCD1}">
-              <a14:hiddenFill xmlns:a14="http://schemas.microsoft.com/office/drawing/2010/main">
-                <a:solidFill>
-                  <a:srgbClr val="FFFFFF"/>
-                </a:solidFill>
-              </a14:hiddenFill>
-            </a:ext>
-          </a:extLst>
-        </p:spPr>
-      </p:pic>
-      <mc:AlternateContent xmlns:mc="http://schemas.openxmlformats.org/markup-compatibility/2006">
-        <mc:Choice xmlns:a14="http://schemas.microsoft.com/office/drawing/2010/main" Requires="a14">
+      <mc:AlternateContent xmlns:mc="http://schemas.openxmlformats.org/markup-compatibility/2006" xmlns:a14="http://schemas.microsoft.com/office/drawing/2010/main">
+        <mc:Choice Requires="a14">
           <p:sp>
             <p:nvSpPr>
               <p:cNvPr id="4" name="TextBox 3">
@@ -6963,7 +7046,7 @@
             </p:nvSpPr>
             <p:spPr>
               <a:xfrm>
-                <a:off x="2421374" y="1505047"/>
+                <a:off x="3057484" y="2408857"/>
                 <a:ext cx="1743298" cy="928844"/>
               </a:xfrm>
               <a:prstGeom prst="rect">
@@ -7092,7 +7175,7 @@
             </p:txBody>
           </p:sp>
         </mc:Choice>
-        <mc:Fallback>
+        <mc:Fallback xmlns="">
           <p:sp>
             <p:nvSpPr>
               <p:cNvPr id="4" name="TextBox 3">
@@ -7109,16 +7192,16 @@
             </p:nvSpPr>
             <p:spPr>
               <a:xfrm>
-                <a:off x="2421374" y="1505047"/>
+                <a:off x="3057484" y="2408857"/>
                 <a:ext cx="1743298" cy="928844"/>
               </a:xfrm>
               <a:prstGeom prst="rect">
                 <a:avLst/>
               </a:prstGeom>
               <a:blipFill>
-                <a:blip r:embed="rId3"/>
+                <a:blip r:embed="rId5"/>
                 <a:stretch>
-                  <a:fillRect t="-1316"/>
+                  <a:fillRect t="-1961"/>
                 </a:stretch>
               </a:blipFill>
             </p:spPr>
@@ -7137,89 +7220,6 @@
           </p:sp>
         </mc:Fallback>
       </mc:AlternateContent>
-      <p:pic>
-        <p:nvPicPr>
-          <p:cNvPr id="1034" name="Picture 10">
-            <a:extLst>
-              <a:ext uri="{FF2B5EF4-FFF2-40B4-BE49-F238E27FC236}">
-                <a16:creationId xmlns:a16="http://schemas.microsoft.com/office/drawing/2014/main" id="{F17A2008-3CDD-794D-B289-EFFBCE8B3622}"/>
-              </a:ext>
-            </a:extLst>
-          </p:cNvPr>
-          <p:cNvPicPr>
-            <a:picLocks noChangeAspect="1" noChangeArrowheads="1"/>
-          </p:cNvPicPr>
-          <p:nvPr/>
-        </p:nvPicPr>
-        <p:blipFill>
-          <a:blip r:embed="rId4">
-            <a:extLst>
-              <a:ext uri="{28A0092B-C50C-407E-A947-70E740481C1C}">
-                <a14:useLocalDpi xmlns:a14="http://schemas.microsoft.com/office/drawing/2010/main" val="0"/>
-              </a:ext>
-            </a:extLst>
-          </a:blip>
-          <a:srcRect/>
-          <a:stretch>
-            <a:fillRect/>
-          </a:stretch>
-        </p:blipFill>
-        <p:spPr bwMode="auto">
-          <a:xfrm>
-            <a:off x="5124722" y="1642187"/>
-            <a:ext cx="6083183" cy="4480182"/>
-          </a:xfrm>
-          <a:prstGeom prst="rect">
-            <a:avLst/>
-          </a:prstGeom>
-          <a:noFill/>
-          <a:extLst>
-            <a:ext uri="{909E8E84-426E-40DD-AFC4-6F175D3DCCD1}">
-              <a14:hiddenFill xmlns:a14="http://schemas.microsoft.com/office/drawing/2010/main">
-                <a:solidFill>
-                  <a:srgbClr val="FFFFFF"/>
-                </a:solidFill>
-              </a14:hiddenFill>
-            </a:ext>
-          </a:extLst>
-        </p:spPr>
-      </p:pic>
-      <p:pic>
-        <p:nvPicPr>
-          <p:cNvPr id="6" name="Graphic 5" descr="Badge Tick1 outline">
-            <a:extLst>
-              <a:ext uri="{FF2B5EF4-FFF2-40B4-BE49-F238E27FC236}">
-                <a16:creationId xmlns:a16="http://schemas.microsoft.com/office/drawing/2014/main" id="{8D213357-C8D8-74DE-03DD-25F472D553FA}"/>
-              </a:ext>
-            </a:extLst>
-          </p:cNvPr>
-          <p:cNvPicPr>
-            <a:picLocks noChangeAspect="1"/>
-          </p:cNvPicPr>
-          <p:nvPr/>
-        </p:nvPicPr>
-        <p:blipFill>
-          <a:blip r:embed="rId5">
-            <a:extLst>
-              <a:ext uri="{96DAC541-7B7A-43D3-8B79-37D633B846F1}">
-                <asvg:svgBlip xmlns:asvg="http://schemas.microsoft.com/office/drawing/2016/SVG/main" r:embed="rId6"/>
-              </a:ext>
-            </a:extLst>
-          </a:blip>
-          <a:stretch>
-            <a:fillRect/>
-          </a:stretch>
-        </p:blipFill>
-        <p:spPr>
-          <a:xfrm>
-            <a:off x="9103088" y="2804338"/>
-            <a:ext cx="825208" cy="825208"/>
-          </a:xfrm>
-          <a:prstGeom prst="rect">
-            <a:avLst/>
-          </a:prstGeom>
-        </p:spPr>
-      </p:pic>
     </p:spTree>
     <p:extLst>
       <p:ext uri="{BB962C8B-B14F-4D97-AF65-F5344CB8AC3E}">
@@ -7409,8 +7409,8 @@
           </a:p>
         </p:txBody>
       </p:sp>
-      <mc:AlternateContent xmlns:mc="http://schemas.openxmlformats.org/markup-compatibility/2006">
-        <mc:Choice xmlns:a14="http://schemas.microsoft.com/office/drawing/2010/main" Requires="a14">
+      <mc:AlternateContent xmlns:mc="http://schemas.openxmlformats.org/markup-compatibility/2006" xmlns:a14="http://schemas.microsoft.com/office/drawing/2010/main">
+        <mc:Choice Requires="a14">
           <p:sp>
             <p:nvSpPr>
               <p:cNvPr id="6" name="TextBox 5">
@@ -7566,7 +7566,7 @@
             </p:txBody>
           </p:sp>
         </mc:Choice>
-        <mc:Fallback>
+        <mc:Fallback xmlns="">
           <p:sp>
             <p:nvSpPr>
               <p:cNvPr id="6" name="TextBox 5">
@@ -7707,8 +7707,55 @@
           <a:chExt cx="0" cy="0"/>
         </a:xfrm>
       </p:grpSpPr>
-      <mc:AlternateContent xmlns:mc="http://schemas.openxmlformats.org/markup-compatibility/2006">
-        <mc:Choice xmlns:a14="http://schemas.microsoft.com/office/drawing/2010/main" Requires="a14">
+      <p:pic>
+        <p:nvPicPr>
+          <p:cNvPr id="1026" name="Picture 2">
+            <a:extLst>
+              <a:ext uri="{FF2B5EF4-FFF2-40B4-BE49-F238E27FC236}">
+                <a16:creationId xmlns:a16="http://schemas.microsoft.com/office/drawing/2014/main" id="{6680ECA5-DC65-4791-80C8-712CC3D08803}"/>
+              </a:ext>
+            </a:extLst>
+          </p:cNvPr>
+          <p:cNvPicPr>
+            <a:picLocks noChangeAspect="1" noChangeArrowheads="1"/>
+          </p:cNvPicPr>
+          <p:nvPr/>
+        </p:nvPicPr>
+        <p:blipFill>
+          <a:blip r:embed="rId2">
+            <a:extLst>
+              <a:ext uri="{28A0092B-C50C-407E-A947-70E740481C1C}">
+                <a14:useLocalDpi xmlns:a14="http://schemas.microsoft.com/office/drawing/2010/main" val="0"/>
+              </a:ext>
+            </a:extLst>
+          </a:blip>
+          <a:srcRect/>
+          <a:stretch>
+            <a:fillRect/>
+          </a:stretch>
+        </p:blipFill>
+        <p:spPr bwMode="auto">
+          <a:xfrm>
+            <a:off x="466177" y="1652337"/>
+            <a:ext cx="5505450" cy="4162425"/>
+          </a:xfrm>
+          <a:prstGeom prst="rect">
+            <a:avLst/>
+          </a:prstGeom>
+          <a:noFill/>
+          <a:extLst>
+            <a:ext uri="{909E8E84-426E-40DD-AFC4-6F175D3DCCD1}">
+              <a14:hiddenFill xmlns:a14="http://schemas.microsoft.com/office/drawing/2010/main">
+                <a:solidFill>
+                  <a:srgbClr val="FFFFFF"/>
+                </a:solidFill>
+              </a14:hiddenFill>
+            </a:ext>
+          </a:extLst>
+        </p:spPr>
+      </p:pic>
+      <mc:AlternateContent xmlns:mc="http://schemas.openxmlformats.org/markup-compatibility/2006" xmlns:a14="http://schemas.microsoft.com/office/drawing/2010/main">
+        <mc:Choice Requires="a14">
           <p:sp>
             <p:nvSpPr>
               <p:cNvPr id="2" name="Title 1">
@@ -7874,7 +7921,7 @@
             </p:txBody>
           </p:sp>
         </mc:Choice>
-        <mc:Fallback>
+        <mc:Fallback xmlns="">
           <p:sp>
             <p:nvSpPr>
               <p:cNvPr id="2" name="Title 1">
@@ -7897,7 +7944,7 @@
                 <a:ext cx="11004395" cy="1597063"/>
               </a:xfrm>
               <a:blipFill>
-                <a:blip r:embed="rId2"/>
+                <a:blip r:embed="rId3"/>
                 <a:stretch>
                   <a:fillRect t="-16031"/>
                 </a:stretch>
@@ -7954,100 +8001,6 @@
       </p:sp>
       <p:pic>
         <p:nvPicPr>
-          <p:cNvPr id="8194" name="Picture 2">
-            <a:extLst>
-              <a:ext uri="{FF2B5EF4-FFF2-40B4-BE49-F238E27FC236}">
-                <a16:creationId xmlns:a16="http://schemas.microsoft.com/office/drawing/2014/main" id="{90E270DD-CD7C-12E8-3713-3816712ADF4B}"/>
-              </a:ext>
-            </a:extLst>
-          </p:cNvPr>
-          <p:cNvPicPr>
-            <a:picLocks noChangeAspect="1" noChangeArrowheads="1"/>
-          </p:cNvPicPr>
-          <p:nvPr/>
-        </p:nvPicPr>
-        <p:blipFill>
-          <a:blip r:embed="rId3">
-            <a:extLst>
-              <a:ext uri="{28A0092B-C50C-407E-A947-70E740481C1C}">
-                <a14:useLocalDpi xmlns:a14="http://schemas.microsoft.com/office/drawing/2010/main" val="0"/>
-              </a:ext>
-            </a:extLst>
-          </a:blip>
-          <a:srcRect/>
-          <a:stretch>
-            <a:fillRect/>
-          </a:stretch>
-        </p:blipFill>
-        <p:spPr bwMode="auto">
-          <a:xfrm>
-            <a:off x="5836244" y="1681251"/>
-            <a:ext cx="5887526" cy="4540640"/>
-          </a:xfrm>
-          <a:prstGeom prst="rect">
-            <a:avLst/>
-          </a:prstGeom>
-          <a:noFill/>
-          <a:extLst>
-            <a:ext uri="{909E8E84-426E-40DD-AFC4-6F175D3DCCD1}">
-              <a14:hiddenFill xmlns:a14="http://schemas.microsoft.com/office/drawing/2010/main">
-                <a:solidFill>
-                  <a:srgbClr val="FFFFFF"/>
-                </a:solidFill>
-              </a14:hiddenFill>
-            </a:ext>
-          </a:extLst>
-        </p:spPr>
-      </p:pic>
-      <p:pic>
-        <p:nvPicPr>
-          <p:cNvPr id="8196" name="Picture 4">
-            <a:extLst>
-              <a:ext uri="{FF2B5EF4-FFF2-40B4-BE49-F238E27FC236}">
-                <a16:creationId xmlns:a16="http://schemas.microsoft.com/office/drawing/2014/main" id="{98CCDBA9-9CFB-9F32-5E63-B988534CBE7D}"/>
-              </a:ext>
-            </a:extLst>
-          </p:cNvPr>
-          <p:cNvPicPr>
-            <a:picLocks noChangeAspect="1" noChangeArrowheads="1"/>
-          </p:cNvPicPr>
-          <p:nvPr/>
-        </p:nvPicPr>
-        <p:blipFill>
-          <a:blip r:embed="rId4">
-            <a:extLst>
-              <a:ext uri="{28A0092B-C50C-407E-A947-70E740481C1C}">
-                <a14:useLocalDpi xmlns:a14="http://schemas.microsoft.com/office/drawing/2010/main" val="0"/>
-              </a:ext>
-            </a:extLst>
-          </a:blip>
-          <a:srcRect/>
-          <a:stretch>
-            <a:fillRect/>
-          </a:stretch>
-        </p:blipFill>
-        <p:spPr bwMode="auto">
-          <a:xfrm>
-            <a:off x="261587" y="2002621"/>
-            <a:ext cx="4379665" cy="3339400"/>
-          </a:xfrm>
-          <a:prstGeom prst="rect">
-            <a:avLst/>
-          </a:prstGeom>
-          <a:noFill/>
-          <a:extLst>
-            <a:ext uri="{909E8E84-426E-40DD-AFC4-6F175D3DCCD1}">
-              <a14:hiddenFill xmlns:a14="http://schemas.microsoft.com/office/drawing/2010/main">
-                <a:solidFill>
-                  <a:srgbClr val="FFFFFF"/>
-                </a:solidFill>
-              </a14:hiddenFill>
-            </a:ext>
-          </a:extLst>
-        </p:spPr>
-      </p:pic>
-      <p:pic>
-        <p:nvPicPr>
           <p:cNvPr id="3" name="Graphic 2" descr="Badge Cross outline">
             <a:extLst>
               <a:ext uri="{FF2B5EF4-FFF2-40B4-BE49-F238E27FC236}">
@@ -8061,10 +8014,10 @@
           <p:nvPr/>
         </p:nvPicPr>
         <p:blipFill>
-          <a:blip r:embed="rId5">
+          <a:blip r:embed="rId4">
             <a:extLst>
               <a:ext uri="{96DAC541-7B7A-43D3-8B79-37D633B846F1}">
-                <asvg:svgBlip xmlns:asvg="http://schemas.microsoft.com/office/drawing/2016/SVG/main" r:embed="rId6"/>
+                <asvg:svgBlip xmlns:asvg="http://schemas.microsoft.com/office/drawing/2016/SVG/main" r:embed="rId5"/>
               </a:ext>
             </a:extLst>
           </a:blip>
@@ -8074,7 +8027,7 @@
         </p:blipFill>
         <p:spPr>
           <a:xfrm>
-            <a:off x="2308086" y="5508123"/>
+            <a:off x="2232920" y="5920727"/>
             <a:ext cx="825208" cy="825208"/>
           </a:xfrm>
           <a:prstGeom prst="rect">
@@ -8091,13 +8044,15 @@
               </a:ext>
             </a:extLst>
           </p:cNvPr>
-          <p:cNvCxnSpPr/>
+          <p:cNvCxnSpPr>
+            <a:cxnSpLocks/>
+          </p:cNvCxnSpPr>
           <p:nvPr/>
         </p:nvCxnSpPr>
         <p:spPr>
           <a:xfrm flipV="1">
-            <a:off x="911553" y="2277979"/>
-            <a:ext cx="3467942" cy="2470484"/>
+            <a:off x="1084273" y="1752600"/>
+            <a:ext cx="4681527" cy="3453064"/>
           </a:xfrm>
           <a:prstGeom prst="line">
             <a:avLst/>
@@ -8124,6 +8079,53 @@
           </a:fontRef>
         </p:style>
       </p:cxnSp>
+      <p:pic>
+        <p:nvPicPr>
+          <p:cNvPr id="1028" name="Picture 4">
+            <a:extLst>
+              <a:ext uri="{FF2B5EF4-FFF2-40B4-BE49-F238E27FC236}">
+                <a16:creationId xmlns:a16="http://schemas.microsoft.com/office/drawing/2014/main" id="{0CDD0613-84B1-4622-AA49-420CCA2A76FD}"/>
+              </a:ext>
+            </a:extLst>
+          </p:cNvPr>
+          <p:cNvPicPr>
+            <a:picLocks noChangeAspect="1" noChangeArrowheads="1"/>
+          </p:cNvPicPr>
+          <p:nvPr/>
+        </p:nvPicPr>
+        <p:blipFill>
+          <a:blip r:embed="rId6">
+            <a:extLst>
+              <a:ext uri="{28A0092B-C50C-407E-A947-70E740481C1C}">
+                <a14:useLocalDpi xmlns:a14="http://schemas.microsoft.com/office/drawing/2010/main" val="0"/>
+              </a:ext>
+            </a:extLst>
+          </a:blip>
+          <a:srcRect/>
+          <a:stretch>
+            <a:fillRect/>
+          </a:stretch>
+        </p:blipFill>
+        <p:spPr bwMode="auto">
+          <a:xfrm>
+            <a:off x="6096000" y="1652337"/>
+            <a:ext cx="5400675" cy="4152900"/>
+          </a:xfrm>
+          <a:prstGeom prst="rect">
+            <a:avLst/>
+          </a:prstGeom>
+          <a:noFill/>
+          <a:extLst>
+            <a:ext uri="{909E8E84-426E-40DD-AFC4-6F175D3DCCD1}">
+              <a14:hiddenFill xmlns:a14="http://schemas.microsoft.com/office/drawing/2010/main">
+                <a:solidFill>
+                  <a:srgbClr val="FFFFFF"/>
+                </a:solidFill>
+              </a14:hiddenFill>
+            </a:ext>
+          </a:extLst>
+        </p:spPr>
+      </p:pic>
     </p:spTree>
     <p:extLst>
       <p:ext uri="{BB962C8B-B14F-4D97-AF65-F5344CB8AC3E}">
@@ -8396,10 +8398,85 @@
       </p:sp>
       <p:pic>
         <p:nvPicPr>
-          <p:cNvPr id="9218" name="Picture 2">
-            <a:extLst>
-              <a:ext uri="{FF2B5EF4-FFF2-40B4-BE49-F238E27FC236}">
-                <a16:creationId xmlns:a16="http://schemas.microsoft.com/office/drawing/2014/main" id="{6AFDE770-53DC-513D-8BEA-B0D2D17E6A8A}"/>
+          <p:cNvPr id="8" name="Picture 7">
+            <a:extLst>
+              <a:ext uri="{FF2B5EF4-FFF2-40B4-BE49-F238E27FC236}">
+                <a16:creationId xmlns:a16="http://schemas.microsoft.com/office/drawing/2014/main" id="{F917028B-C72B-00F1-7915-A7F2FC8C7638}"/>
+              </a:ext>
+            </a:extLst>
+          </p:cNvPr>
+          <p:cNvPicPr>
+            <a:picLocks noChangeAspect="1"/>
+          </p:cNvPicPr>
+          <p:nvPr/>
+        </p:nvPicPr>
+        <p:blipFill>
+          <a:blip r:embed="rId3"/>
+          <a:stretch>
+            <a:fillRect/>
+          </a:stretch>
+        </p:blipFill>
+        <p:spPr>
+          <a:xfrm>
+            <a:off x="444500" y="2573593"/>
+            <a:ext cx="5296359" cy="2743438"/>
+          </a:xfrm>
+          <a:prstGeom prst="rect">
+            <a:avLst/>
+          </a:prstGeom>
+        </p:spPr>
+      </p:pic>
+      <p:sp>
+        <p:nvSpPr>
+          <p:cNvPr id="9" name="TextBox 8">
+            <a:extLst>
+              <a:ext uri="{FF2B5EF4-FFF2-40B4-BE49-F238E27FC236}">
+                <a16:creationId xmlns:a16="http://schemas.microsoft.com/office/drawing/2014/main" id="{E80265EE-867A-D481-86D5-1C3CEA67B793}"/>
+              </a:ext>
+            </a:extLst>
+          </p:cNvPr>
+          <p:cNvSpPr txBox="1"/>
+          <p:nvPr/>
+        </p:nvSpPr>
+        <p:spPr>
+          <a:xfrm>
+            <a:off x="6571872" y="5977054"/>
+            <a:ext cx="4047903" cy="369332"/>
+          </a:xfrm>
+          <a:prstGeom prst="rect">
+            <a:avLst/>
+          </a:prstGeom>
+          <a:noFill/>
+        </p:spPr>
+        <p:txBody>
+          <a:bodyPr wrap="none" rtlCol="0">
+            <a:spAutoFit/>
+          </a:bodyPr>
+          <a:lstStyle/>
+          <a:p>
+            <a:pPr algn="r" rtl="1"/>
+            <a:r>
+              <a:rPr lang="he-IL" dirty="0"/>
+              <a:t>לפעמים לכדאי להגדיר </a:t>
+            </a:r>
+            <a:r>
+              <a:rPr lang="he-IL" dirty="0">
+                <a:highlight>
+                  <a:srgbClr val="FFFF00"/>
+                </a:highlight>
+              </a:rPr>
+              <a:t>פרמטרים התחלתיים</a:t>
+            </a:r>
+            <a:endParaRPr lang="ru-RU" dirty="0"/>
+          </a:p>
+        </p:txBody>
+      </p:sp>
+      <p:pic>
+        <p:nvPicPr>
+          <p:cNvPr id="3" name="Picture 2">
+            <a:extLst>
+              <a:ext uri="{FF2B5EF4-FFF2-40B4-BE49-F238E27FC236}">
+                <a16:creationId xmlns:a16="http://schemas.microsoft.com/office/drawing/2014/main" id="{262CE983-6273-420D-AE6A-83FC3C225F70}"/>
               </a:ext>
             </a:extLst>
           </p:cNvPr>
@@ -8409,7 +8486,7 @@
           <p:nvPr/>
         </p:nvPicPr>
         <p:blipFill>
-          <a:blip r:embed="rId3">
+          <a:blip r:embed="rId4">
             <a:extLst>
               <a:ext uri="{28A0092B-C50C-407E-A947-70E740481C1C}">
                 <a14:useLocalDpi xmlns:a14="http://schemas.microsoft.com/office/drawing/2010/main" val="0"/>
@@ -8423,8 +8500,8 @@
         </p:blipFill>
         <p:spPr bwMode="auto">
           <a:xfrm>
-            <a:off x="6383931" y="2538039"/>
-            <a:ext cx="5363569" cy="2814546"/>
+            <a:off x="5537731" y="2573593"/>
+            <a:ext cx="5867308" cy="3061563"/>
           </a:xfrm>
           <a:prstGeom prst="rect">
             <a:avLst/>
@@ -8441,81 +8518,6 @@
           </a:extLst>
         </p:spPr>
       </p:pic>
-      <p:pic>
-        <p:nvPicPr>
-          <p:cNvPr id="8" name="Picture 7">
-            <a:extLst>
-              <a:ext uri="{FF2B5EF4-FFF2-40B4-BE49-F238E27FC236}">
-                <a16:creationId xmlns:a16="http://schemas.microsoft.com/office/drawing/2014/main" id="{F917028B-C72B-00F1-7915-A7F2FC8C7638}"/>
-              </a:ext>
-            </a:extLst>
-          </p:cNvPr>
-          <p:cNvPicPr>
-            <a:picLocks noChangeAspect="1"/>
-          </p:cNvPicPr>
-          <p:nvPr/>
-        </p:nvPicPr>
-        <p:blipFill>
-          <a:blip r:embed="rId4"/>
-          <a:stretch>
-            <a:fillRect/>
-          </a:stretch>
-        </p:blipFill>
-        <p:spPr>
-          <a:xfrm>
-            <a:off x="444500" y="2573593"/>
-            <a:ext cx="5296359" cy="2743438"/>
-          </a:xfrm>
-          <a:prstGeom prst="rect">
-            <a:avLst/>
-          </a:prstGeom>
-        </p:spPr>
-      </p:pic>
-      <p:sp>
-        <p:nvSpPr>
-          <p:cNvPr id="9" name="TextBox 8">
-            <a:extLst>
-              <a:ext uri="{FF2B5EF4-FFF2-40B4-BE49-F238E27FC236}">
-                <a16:creationId xmlns:a16="http://schemas.microsoft.com/office/drawing/2014/main" id="{E80265EE-867A-D481-86D5-1C3CEA67B793}"/>
-              </a:ext>
-            </a:extLst>
-          </p:cNvPr>
-          <p:cNvSpPr txBox="1"/>
-          <p:nvPr/>
-        </p:nvSpPr>
-        <p:spPr>
-          <a:xfrm>
-            <a:off x="6571872" y="5977054"/>
-            <a:ext cx="4047903" cy="369332"/>
-          </a:xfrm>
-          <a:prstGeom prst="rect">
-            <a:avLst/>
-          </a:prstGeom>
-          <a:noFill/>
-        </p:spPr>
-        <p:txBody>
-          <a:bodyPr wrap="none" rtlCol="0">
-            <a:spAutoFit/>
-          </a:bodyPr>
-          <a:lstStyle/>
-          <a:p>
-            <a:pPr algn="r" rtl="1"/>
-            <a:r>
-              <a:rPr lang="he-IL" dirty="0"/>
-              <a:t>לפעמים לכדאי להגדיר </a:t>
-            </a:r>
-            <a:r>
-              <a:rPr lang="he-IL" dirty="0">
-                <a:highlight>
-                  <a:srgbClr val="FFFF00"/>
-                </a:highlight>
-              </a:rPr>
-              <a:t>פרמטרים התחלתיים</a:t>
-            </a:r>
-            <a:endParaRPr lang="ru-RU" dirty="0"/>
-          </a:p>
-        </p:txBody>
-      </p:sp>
     </p:spTree>
     <p:extLst>
       <p:ext uri="{BB962C8B-B14F-4D97-AF65-F5344CB8AC3E}">
